--- a/LCC/Java/05_迴圈大法.pptx
+++ b/LCC/Java/05_迴圈大法.pptx
@@ -5,7 +5,7 @@
     <p:sldMasterId id="2147483648" r:id="rId1"/>
   </p:sldMasterIdLst>
   <p:handoutMasterIdLst>
-    <p:handoutMasterId r:id="rId34"/>
+    <p:handoutMasterId r:id="rId37"/>
   </p:handoutMasterIdLst>
   <p:sldIdLst>
     <p:sldId id="256" r:id="rId2"/>
@@ -40,6 +40,9 @@
     <p:sldId id="285" r:id="rId31"/>
     <p:sldId id="280" r:id="rId32"/>
     <p:sldId id="286" r:id="rId33"/>
+    <p:sldId id="289" r:id="rId34"/>
+    <p:sldId id="290" r:id="rId35"/>
+    <p:sldId id="291" r:id="rId36"/>
   </p:sldIdLst>
   <p:sldSz cx="12192000" cy="6858000"/>
   <p:notesSz cx="6858000" cy="9144000"/>
@@ -242,7 +245,7 @@
           <a:p>
             <a:fld id="{39CFF1E8-60EE-4960-A0FD-341AC754B86B}" type="datetimeFigureOut">
               <a:rPr lang="zh-TW" altLang="en-US" smtClean="0"/>
-              <a:t>2020/12/27</a:t>
+              <a:t>2021/1/11</a:t>
             </a:fld>
             <a:endParaRPr lang="zh-TW" altLang="en-US"/>
           </a:p>
@@ -1048,7 +1051,7 @@
             <a:fld id="{B61BEF0D-F0BB-DE4B-95CE-6DB70DBA9567}" type="datetimeFigureOut">
               <a:rPr lang="en-US" dirty="0"/>
               <a:pPr/>
-              <a:t>12/27/2020</a:t>
+              <a:t>1/11/2021</a:t>
             </a:fld>
             <a:endParaRPr lang="en-US" dirty="0"/>
           </a:p>
@@ -1296,7 +1299,7 @@
             <a:fld id="{B61BEF0D-F0BB-DE4B-95CE-6DB70DBA9567}" type="datetimeFigureOut">
               <a:rPr lang="en-US" dirty="0"/>
               <a:pPr/>
-              <a:t>12/27/2020</a:t>
+              <a:t>1/11/2021</a:t>
             </a:fld>
             <a:endParaRPr lang="en-US" dirty="0"/>
           </a:p>
@@ -1607,7 +1610,7 @@
             <a:fld id="{B61BEF0D-F0BB-DE4B-95CE-6DB70DBA9567}" type="datetimeFigureOut">
               <a:rPr lang="en-US" dirty="0"/>
               <a:pPr/>
-              <a:t>12/27/2020</a:t>
+              <a:t>1/11/2021</a:t>
             </a:fld>
             <a:endParaRPr lang="en-US" dirty="0"/>
           </a:p>
@@ -1945,7 +1948,7 @@
             <a:fld id="{B61BEF0D-F0BB-DE4B-95CE-6DB70DBA9567}" type="datetimeFigureOut">
               <a:rPr lang="en-US" dirty="0"/>
               <a:pPr/>
-              <a:t>12/27/2020</a:t>
+              <a:t>1/11/2021</a:t>
             </a:fld>
             <a:endParaRPr lang="en-US" dirty="0"/>
           </a:p>
@@ -2256,7 +2259,7 @@
             <a:fld id="{B61BEF0D-F0BB-DE4B-95CE-6DB70DBA9567}" type="datetimeFigureOut">
               <a:rPr lang="en-US" dirty="0"/>
               <a:pPr/>
-              <a:t>12/27/2020</a:t>
+              <a:t>1/11/2021</a:t>
             </a:fld>
             <a:endParaRPr lang="en-US" dirty="0"/>
           </a:p>
@@ -2646,7 +2649,7 @@
             <a:fld id="{B61BEF0D-F0BB-DE4B-95CE-6DB70DBA9567}" type="datetimeFigureOut">
               <a:rPr lang="en-US" dirty="0"/>
               <a:pPr/>
-              <a:t>12/27/2020</a:t>
+              <a:t>1/11/2021</a:t>
             </a:fld>
             <a:endParaRPr lang="en-US" dirty="0"/>
           </a:p>
@@ -2812,7 +2815,7 @@
           <a:p>
             <a:fld id="{55C6B4A9-1611-4792-9094-5F34BCA07E0B}" type="datetimeFigureOut">
               <a:rPr lang="en-US" dirty="0"/>
-              <a:t>12/27/2020</a:t>
+              <a:t>1/11/2021</a:t>
             </a:fld>
             <a:endParaRPr lang="en-US" dirty="0"/>
           </a:p>
@@ -2988,7 +2991,7 @@
             <a:fld id="{B61BEF0D-F0BB-DE4B-95CE-6DB70DBA9567}" type="datetimeFigureOut">
               <a:rPr lang="en-US" dirty="0"/>
               <a:pPr/>
-              <a:t>12/27/2020</a:t>
+              <a:t>1/11/2021</a:t>
             </a:fld>
             <a:endParaRPr lang="en-US" dirty="0"/>
           </a:p>
@@ -3169,7 +3172,7 @@
             <a:fld id="{B61BEF0D-F0BB-DE4B-95CE-6DB70DBA9567}" type="datetimeFigureOut">
               <a:rPr lang="en-US" dirty="0"/>
               <a:pPr/>
-              <a:t>12/27/2020</a:t>
+              <a:t>1/11/2021</a:t>
             </a:fld>
             <a:endParaRPr lang="en-US" dirty="0"/>
           </a:p>
@@ -3442,7 +3445,7 @@
             <a:fld id="{B61BEF0D-F0BB-DE4B-95CE-6DB70DBA9567}" type="datetimeFigureOut">
               <a:rPr lang="en-US" dirty="0"/>
               <a:pPr/>
-              <a:t>12/27/2020</a:t>
+              <a:t>1/11/2021</a:t>
             </a:fld>
             <a:endParaRPr lang="en-US" dirty="0"/>
           </a:p>
@@ -3670,7 +3673,7 @@
           <a:p>
             <a:fld id="{EB712588-04B1-427B-82EE-E8DB90309F08}" type="datetimeFigureOut">
               <a:rPr lang="en-US" dirty="0"/>
-              <a:t>12/27/2020</a:t>
+              <a:t>1/11/2021</a:t>
             </a:fld>
             <a:endParaRPr lang="en-US" dirty="0"/>
           </a:p>
@@ -4040,7 +4043,7 @@
             <a:fld id="{B61BEF0D-F0BB-DE4B-95CE-6DB70DBA9567}" type="datetimeFigureOut">
               <a:rPr lang="en-US" dirty="0"/>
               <a:pPr/>
-              <a:t>12/27/2020</a:t>
+              <a:t>1/11/2021</a:t>
             </a:fld>
             <a:endParaRPr lang="en-US" dirty="0"/>
           </a:p>
@@ -4160,7 +4163,7 @@
             <a:fld id="{B61BEF0D-F0BB-DE4B-95CE-6DB70DBA9567}" type="datetimeFigureOut">
               <a:rPr lang="en-US" dirty="0"/>
               <a:pPr/>
-              <a:t>12/27/2020</a:t>
+              <a:t>1/11/2021</a:t>
             </a:fld>
             <a:endParaRPr lang="en-US" dirty="0"/>
           </a:p>
@@ -4252,7 +4255,7 @@
             <a:fld id="{B61BEF0D-F0BB-DE4B-95CE-6DB70DBA9567}" type="datetimeFigureOut">
               <a:rPr lang="en-US" dirty="0"/>
               <a:pPr/>
-              <a:t>12/27/2020</a:t>
+              <a:t>1/11/2021</a:t>
             </a:fld>
             <a:endParaRPr lang="en-US" dirty="0"/>
           </a:p>
@@ -4503,7 +4506,7 @@
           <a:p>
             <a:fld id="{42A54C80-263E-416B-A8E0-580EDEADCBDC}" type="datetimeFigureOut">
               <a:rPr lang="en-US" dirty="0"/>
-              <a:t>12/27/2020</a:t>
+              <a:t>1/11/2021</a:t>
             </a:fld>
             <a:endParaRPr lang="en-US" dirty="0"/>
           </a:p>
@@ -4762,7 +4765,7 @@
             <a:fld id="{B61BEF0D-F0BB-DE4B-95CE-6DB70DBA9567}" type="datetimeFigureOut">
               <a:rPr lang="en-US" dirty="0"/>
               <a:pPr/>
-              <a:t>12/27/2020</a:t>
+              <a:t>1/11/2021</a:t>
             </a:fld>
             <a:endParaRPr lang="en-US" dirty="0"/>
           </a:p>
@@ -5502,7 +5505,7 @@
             <a:fld id="{B61BEF0D-F0BB-DE4B-95CE-6DB70DBA9567}" type="datetimeFigureOut">
               <a:rPr lang="en-US" dirty="0"/>
               <a:pPr/>
-              <a:t>12/27/2020</a:t>
+              <a:t>1/11/2021</a:t>
             </a:fld>
             <a:endParaRPr lang="en-US" dirty="0"/>
           </a:p>
@@ -6111,7 +6114,7 @@
             <a:fld id="{4805910D-2C61-424F-80CE-807290CF0E1E}" type="datetime4">
               <a:rPr lang="zh-TW" altLang="zh-TW"/>
               <a:pPr/>
-              <a:t>109年12月27日星期日</a:t>
+              <a:t>110年1月11日星期一</a:t>
             </a:fld>
             <a:endParaRPr lang="zh-TW" altLang="en-US" dirty="0"/>
           </a:p>
@@ -22084,6 +22087,2557 @@
 </p:sld>
 </file>
 
+<file path=ppt/slides/slide33.xml><?xml version="1.0" encoding="utf-8"?>
+<p:sld xmlns:a="http://schemas.openxmlformats.org/drawingml/2006/main" xmlns:r="http://schemas.openxmlformats.org/officeDocument/2006/relationships" xmlns:p="http://schemas.openxmlformats.org/presentationml/2006/main">
+  <p:cSld>
+    <p:spTree>
+      <p:nvGrpSpPr>
+        <p:cNvPr id="1" name=""/>
+        <p:cNvGrpSpPr/>
+        <p:nvPr/>
+      </p:nvGrpSpPr>
+      <p:grpSpPr>
+        <a:xfrm>
+          <a:off x="0" y="0"/>
+          <a:ext cx="0" cy="0"/>
+          <a:chOff x="0" y="0"/>
+          <a:chExt cx="0" cy="0"/>
+        </a:xfrm>
+      </p:grpSpPr>
+      <p:sp>
+        <p:nvSpPr>
+          <p:cNvPr id="6" name="標題 5"/>
+          <p:cNvSpPr>
+            <a:spLocks noGrp="1"/>
+          </p:cNvSpPr>
+          <p:nvPr>
+            <p:ph type="title"/>
+          </p:nvPr>
+        </p:nvSpPr>
+        <p:spPr/>
+        <p:txBody>
+          <a:bodyPr/>
+          <a:lstStyle/>
+          <a:p>
+            <a:r>
+              <a:rPr lang="en-US" altLang="zh-TW" dirty="0" smtClean="0"/>
+              <a:t>break</a:t>
+            </a:r>
+            <a:r>
+              <a:rPr lang="zh-TW" altLang="en-US" dirty="0" smtClean="0"/>
+              <a:t>與</a:t>
+            </a:r>
+            <a:r>
+              <a:rPr lang="en-US" altLang="zh-TW" dirty="0" smtClean="0"/>
+              <a:t>continue</a:t>
+            </a:r>
+            <a:endParaRPr lang="zh-TW" altLang="en-US" dirty="0"/>
+          </a:p>
+        </p:txBody>
+      </p:sp>
+      <p:sp>
+        <p:nvSpPr>
+          <p:cNvPr id="7" name="文字版面配置區 6"/>
+          <p:cNvSpPr>
+            <a:spLocks noGrp="1"/>
+          </p:cNvSpPr>
+          <p:nvPr>
+            <p:ph type="body" idx="1"/>
+          </p:nvPr>
+        </p:nvSpPr>
+        <p:spPr/>
+        <p:txBody>
+          <a:bodyPr/>
+          <a:lstStyle/>
+          <a:p>
+            <a:r>
+              <a:rPr lang="zh-TW" altLang="en-US" dirty="0" smtClean="0"/>
+              <a:t>跳出與重來</a:t>
+            </a:r>
+            <a:endParaRPr lang="zh-TW" altLang="en-US" dirty="0"/>
+          </a:p>
+        </p:txBody>
+      </p:sp>
+    </p:spTree>
+    <p:extLst>
+      <p:ext uri="{BB962C8B-B14F-4D97-AF65-F5344CB8AC3E}">
+        <p14:creationId xmlns:p14="http://schemas.microsoft.com/office/powerpoint/2010/main" val="4191976527"/>
+      </p:ext>
+    </p:extLst>
+  </p:cSld>
+  <p:clrMapOvr>
+    <a:masterClrMapping/>
+  </p:clrMapOvr>
+</p:sld>
+</file>
+
+<file path=ppt/slides/slide34.xml><?xml version="1.0" encoding="utf-8"?>
+<p:sld xmlns:a="http://schemas.openxmlformats.org/drawingml/2006/main" xmlns:r="http://schemas.openxmlformats.org/officeDocument/2006/relationships" xmlns:p="http://schemas.openxmlformats.org/presentationml/2006/main">
+  <p:cSld>
+    <p:spTree>
+      <p:nvGrpSpPr>
+        <p:cNvPr id="1" name=""/>
+        <p:cNvGrpSpPr/>
+        <p:nvPr/>
+      </p:nvGrpSpPr>
+      <p:grpSpPr>
+        <a:xfrm>
+          <a:off x="0" y="0"/>
+          <a:ext cx="0" cy="0"/>
+          <a:chOff x="0" y="0"/>
+          <a:chExt cx="0" cy="0"/>
+        </a:xfrm>
+      </p:grpSpPr>
+      <p:sp>
+        <p:nvSpPr>
+          <p:cNvPr id="2" name="標題 1"/>
+          <p:cNvSpPr>
+            <a:spLocks noGrp="1"/>
+          </p:cNvSpPr>
+          <p:nvPr>
+            <p:ph type="title"/>
+          </p:nvPr>
+        </p:nvSpPr>
+        <p:spPr/>
+        <p:txBody>
+          <a:bodyPr/>
+          <a:lstStyle/>
+          <a:p>
+            <a:r>
+              <a:rPr lang="en-US" altLang="zh-TW" dirty="0" smtClean="0"/>
+              <a:t>break</a:t>
+            </a:r>
+            <a:r>
+              <a:rPr lang="zh-TW" altLang="en-US" dirty="0" smtClean="0"/>
+              <a:t>中斷，停止</a:t>
+            </a:r>
+            <a:endParaRPr lang="zh-TW" altLang="en-US" dirty="0"/>
+          </a:p>
+        </p:txBody>
+      </p:sp>
+      <p:sp>
+        <p:nvSpPr>
+          <p:cNvPr id="3" name="內容版面配置區 2"/>
+          <p:cNvSpPr>
+            <a:spLocks noGrp="1"/>
+          </p:cNvSpPr>
+          <p:nvPr>
+            <p:ph idx="1"/>
+          </p:nvPr>
+        </p:nvSpPr>
+        <p:spPr>
+          <a:xfrm>
+            <a:off x="677334" y="2160589"/>
+            <a:ext cx="5735430" cy="3880773"/>
+          </a:xfrm>
+        </p:spPr>
+        <p:txBody>
+          <a:bodyPr/>
+          <a:lstStyle/>
+          <a:p>
+            <a:r>
+              <a:rPr lang="en-US" altLang="zh-TW" dirty="0" smtClean="0"/>
+              <a:t>break</a:t>
+            </a:r>
+            <a:r>
+              <a:rPr lang="zh-TW" altLang="en-US" dirty="0" smtClean="0"/>
+              <a:t>的指令是停止目前迴圈</a:t>
+            </a:r>
+            <a:r>
+              <a:rPr lang="en-US" altLang="zh-TW" dirty="0" smtClean="0"/>
+              <a:t>(</a:t>
+            </a:r>
+            <a:r>
+              <a:rPr lang="zh-TW" altLang="en-US" dirty="0" smtClean="0"/>
+              <a:t>包含</a:t>
+            </a:r>
+            <a:r>
+              <a:rPr lang="en-US" altLang="zh-TW" dirty="0" err="1" smtClean="0"/>
+              <a:t>for,while</a:t>
+            </a:r>
+            <a:r>
+              <a:rPr lang="zh-TW" altLang="en-US" dirty="0" smtClean="0"/>
+              <a:t>迴圈</a:t>
+            </a:r>
+            <a:r>
+              <a:rPr lang="en-US" altLang="zh-TW" dirty="0" smtClean="0"/>
+              <a:t>)</a:t>
+            </a:r>
+          </a:p>
+          <a:p>
+            <a:r>
+              <a:rPr lang="zh-TW" altLang="en-US" dirty="0" smtClean="0"/>
+              <a:t>在</a:t>
+            </a:r>
+            <a:r>
+              <a:rPr lang="en-US" altLang="zh-TW" dirty="0" smtClean="0"/>
+              <a:t>for</a:t>
+            </a:r>
+            <a:r>
+              <a:rPr lang="zh-TW" altLang="en-US" dirty="0" smtClean="0"/>
+              <a:t>迴圈或是</a:t>
+            </a:r>
+            <a:r>
+              <a:rPr lang="en-US" altLang="zh-TW" dirty="0" smtClean="0"/>
+              <a:t>while</a:t>
+            </a:r>
+            <a:r>
+              <a:rPr lang="zh-TW" altLang="en-US" dirty="0" smtClean="0"/>
+              <a:t>迴圈中，只要執行到</a:t>
+            </a:r>
+            <a:r>
+              <a:rPr lang="en-US" altLang="zh-TW" dirty="0" smtClean="0"/>
+              <a:t>break</a:t>
+            </a:r>
+            <a:r>
+              <a:rPr lang="zh-TW" altLang="en-US" dirty="0" smtClean="0"/>
+              <a:t>指令，就會強制立即結束目前迴圈，如右圖的流程圖。</a:t>
+            </a:r>
+            <a:endParaRPr lang="en-US" altLang="zh-TW" dirty="0" smtClean="0"/>
+          </a:p>
+          <a:p>
+            <a:r>
+              <a:rPr lang="zh-TW" altLang="en-US" dirty="0" smtClean="0"/>
+              <a:t>通常會用</a:t>
+            </a:r>
+            <a:r>
+              <a:rPr lang="zh-TW" altLang="en-US" dirty="0"/>
+              <a:t>在迴圈中做特殊狀況</a:t>
+            </a:r>
+            <a:r>
+              <a:rPr lang="zh-TW" altLang="en-US" dirty="0" smtClean="0"/>
+              <a:t>檢測。</a:t>
+            </a:r>
+            <a:endParaRPr lang="zh-TW" altLang="en-US" dirty="0"/>
+          </a:p>
+        </p:txBody>
+      </p:sp>
+      <p:sp>
+        <p:nvSpPr>
+          <p:cNvPr id="41" name="圓角矩形 40"/>
+          <p:cNvSpPr/>
+          <p:nvPr/>
+        </p:nvSpPr>
+        <p:spPr>
+          <a:xfrm>
+            <a:off x="6370894" y="1256986"/>
+            <a:ext cx="1143000" cy="392176"/>
+          </a:xfrm>
+          <a:prstGeom prst="roundRect">
+            <a:avLst>
+              <a:gd name="adj" fmla="val 50000"/>
+            </a:avLst>
+          </a:prstGeom>
+          <a:solidFill>
+            <a:schemeClr val="bg1"/>
+          </a:solidFill>
+          <a:ln>
+            <a:solidFill>
+              <a:schemeClr val="tx1"/>
+            </a:solidFill>
+          </a:ln>
+        </p:spPr>
+        <p:style>
+          <a:lnRef idx="2">
+            <a:schemeClr val="accent1">
+              <a:shade val="50000"/>
+            </a:schemeClr>
+          </a:lnRef>
+          <a:fillRef idx="1">
+            <a:schemeClr val="accent1"/>
+          </a:fillRef>
+          <a:effectRef idx="0">
+            <a:schemeClr val="accent1"/>
+          </a:effectRef>
+          <a:fontRef idx="minor">
+            <a:schemeClr val="lt1"/>
+          </a:fontRef>
+        </p:style>
+        <p:txBody>
+          <a:bodyPr rtlCol="0" anchor="ctr"/>
+          <a:lstStyle/>
+          <a:p>
+            <a:pPr algn="ctr"/>
+            <a:r>
+              <a:rPr lang="zh-TW" altLang="en-US" sz="1400" dirty="0">
+                <a:solidFill>
+                  <a:schemeClr val="tx1"/>
+                </a:solidFill>
+              </a:rPr>
+              <a:t>迴圈開始</a:t>
+            </a:r>
+            <a:endParaRPr lang="zh-TW" altLang="en-US" sz="1400" dirty="0">
+              <a:solidFill>
+                <a:schemeClr val="tx1"/>
+              </a:solidFill>
+            </a:endParaRPr>
+          </a:p>
+        </p:txBody>
+      </p:sp>
+      <p:cxnSp>
+        <p:nvCxnSpPr>
+          <p:cNvPr id="42" name="直線單箭頭接點 41"/>
+          <p:cNvCxnSpPr>
+            <a:stCxn id="41" idx="2"/>
+            <a:endCxn id="52" idx="0"/>
+          </p:cNvCxnSpPr>
+          <p:nvPr/>
+        </p:nvCxnSpPr>
+        <p:spPr>
+          <a:xfrm>
+            <a:off x="6942394" y="1649162"/>
+            <a:ext cx="0" cy="365061"/>
+          </a:xfrm>
+          <a:prstGeom prst="straightConnector1">
+            <a:avLst/>
+          </a:prstGeom>
+          <a:ln w="28575">
+            <a:solidFill>
+              <a:schemeClr val="tx1"/>
+            </a:solidFill>
+            <a:headEnd type="none" w="med" len="med"/>
+            <a:tailEnd type="triangle" w="med" len="med"/>
+          </a:ln>
+        </p:spPr>
+        <p:style>
+          <a:lnRef idx="1">
+            <a:schemeClr val="accent1"/>
+          </a:lnRef>
+          <a:fillRef idx="0">
+            <a:schemeClr val="accent1"/>
+          </a:fillRef>
+          <a:effectRef idx="0">
+            <a:schemeClr val="accent1"/>
+          </a:effectRef>
+          <a:fontRef idx="minor">
+            <a:schemeClr val="tx1"/>
+          </a:fontRef>
+        </p:style>
+      </p:cxnSp>
+      <p:cxnSp>
+        <p:nvCxnSpPr>
+          <p:cNvPr id="44" name="直線單箭頭接點 43"/>
+          <p:cNvCxnSpPr>
+            <a:stCxn id="46" idx="2"/>
+            <a:endCxn id="45" idx="0"/>
+          </p:cNvCxnSpPr>
+          <p:nvPr/>
+        </p:nvCxnSpPr>
+        <p:spPr>
+          <a:xfrm>
+            <a:off x="6942393" y="5360556"/>
+            <a:ext cx="1" cy="650064"/>
+          </a:xfrm>
+          <a:prstGeom prst="straightConnector1">
+            <a:avLst/>
+          </a:prstGeom>
+          <a:ln w="28575">
+            <a:solidFill>
+              <a:schemeClr val="tx1"/>
+            </a:solidFill>
+            <a:headEnd type="none" w="med" len="med"/>
+            <a:tailEnd type="triangle" w="med" len="med"/>
+          </a:ln>
+        </p:spPr>
+        <p:style>
+          <a:lnRef idx="1">
+            <a:schemeClr val="accent1"/>
+          </a:lnRef>
+          <a:fillRef idx="0">
+            <a:schemeClr val="accent1"/>
+          </a:fillRef>
+          <a:effectRef idx="0">
+            <a:schemeClr val="accent1"/>
+          </a:effectRef>
+          <a:fontRef idx="minor">
+            <a:schemeClr val="tx1"/>
+          </a:fontRef>
+        </p:style>
+      </p:cxnSp>
+      <p:sp>
+        <p:nvSpPr>
+          <p:cNvPr id="45" name="圓角矩形 44"/>
+          <p:cNvSpPr/>
+          <p:nvPr/>
+        </p:nvSpPr>
+        <p:spPr>
+          <a:xfrm>
+            <a:off x="6370894" y="6010620"/>
+            <a:ext cx="1143000" cy="392176"/>
+          </a:xfrm>
+          <a:prstGeom prst="roundRect">
+            <a:avLst>
+              <a:gd name="adj" fmla="val 50000"/>
+            </a:avLst>
+          </a:prstGeom>
+          <a:solidFill>
+            <a:schemeClr val="bg1"/>
+          </a:solidFill>
+          <a:ln>
+            <a:solidFill>
+              <a:schemeClr val="tx1"/>
+            </a:solidFill>
+          </a:ln>
+        </p:spPr>
+        <p:style>
+          <a:lnRef idx="2">
+            <a:schemeClr val="accent1">
+              <a:shade val="50000"/>
+            </a:schemeClr>
+          </a:lnRef>
+          <a:fillRef idx="1">
+            <a:schemeClr val="accent1"/>
+          </a:fillRef>
+          <a:effectRef idx="0">
+            <a:schemeClr val="accent1"/>
+          </a:effectRef>
+          <a:fontRef idx="minor">
+            <a:schemeClr val="lt1"/>
+          </a:fontRef>
+        </p:style>
+        <p:txBody>
+          <a:bodyPr rtlCol="0" anchor="ctr"/>
+          <a:lstStyle/>
+          <a:p>
+            <a:pPr algn="ctr"/>
+            <a:r>
+              <a:rPr lang="zh-TW" altLang="en-US" sz="1400" dirty="0">
+                <a:solidFill>
+                  <a:schemeClr val="tx1"/>
+                </a:solidFill>
+              </a:rPr>
+              <a:t>迴圈結束</a:t>
+            </a:r>
+            <a:endParaRPr lang="zh-TW" altLang="en-US" sz="1400" dirty="0">
+              <a:solidFill>
+                <a:schemeClr val="tx1"/>
+              </a:solidFill>
+            </a:endParaRPr>
+          </a:p>
+        </p:txBody>
+      </p:sp>
+      <p:sp>
+        <p:nvSpPr>
+          <p:cNvPr id="46" name="菱形 45"/>
+          <p:cNvSpPr/>
+          <p:nvPr/>
+        </p:nvSpPr>
+        <p:spPr>
+          <a:xfrm>
+            <a:off x="5928458" y="4496590"/>
+            <a:ext cx="2027870" cy="863966"/>
+          </a:xfrm>
+          <a:prstGeom prst="diamond">
+            <a:avLst/>
+          </a:prstGeom>
+          <a:solidFill>
+            <a:schemeClr val="bg1"/>
+          </a:solidFill>
+          <a:ln w="38100">
+            <a:solidFill>
+              <a:schemeClr val="tx1"/>
+            </a:solidFill>
+          </a:ln>
+        </p:spPr>
+        <p:style>
+          <a:lnRef idx="2">
+            <a:schemeClr val="accent1">
+              <a:shade val="50000"/>
+            </a:schemeClr>
+          </a:lnRef>
+          <a:fillRef idx="1">
+            <a:schemeClr val="accent1"/>
+          </a:fillRef>
+          <a:effectRef idx="0">
+            <a:schemeClr val="accent1"/>
+          </a:effectRef>
+          <a:fontRef idx="minor">
+            <a:schemeClr val="lt1"/>
+          </a:fontRef>
+        </p:style>
+        <p:txBody>
+          <a:bodyPr rtlCol="0" anchor="ctr"/>
+          <a:lstStyle/>
+          <a:p>
+            <a:pPr algn="ctr"/>
+            <a:r>
+              <a:rPr lang="zh-TW" altLang="en-US" sz="1400" dirty="0" smtClean="0">
+                <a:solidFill>
+                  <a:schemeClr val="tx1"/>
+                </a:solidFill>
+              </a:rPr>
+              <a:t>執行條件</a:t>
+            </a:r>
+            <a:endParaRPr lang="zh-TW" altLang="en-US" sz="1400" dirty="0">
+              <a:solidFill>
+                <a:schemeClr val="tx1"/>
+              </a:solidFill>
+            </a:endParaRPr>
+          </a:p>
+        </p:txBody>
+      </p:sp>
+      <p:cxnSp>
+        <p:nvCxnSpPr>
+          <p:cNvPr id="47" name="肘形接點 46"/>
+          <p:cNvCxnSpPr>
+            <a:stCxn id="57" idx="3"/>
+            <a:endCxn id="45" idx="3"/>
+          </p:cNvCxnSpPr>
+          <p:nvPr/>
+        </p:nvCxnSpPr>
+        <p:spPr>
+          <a:xfrm flipH="1">
+            <a:off x="7513894" y="3983368"/>
+            <a:ext cx="3212942" cy="2223340"/>
+          </a:xfrm>
+          <a:prstGeom prst="bentConnector3">
+            <a:avLst>
+              <a:gd name="adj1" fmla="val -14230"/>
+            </a:avLst>
+          </a:prstGeom>
+          <a:ln w="38100">
+            <a:solidFill>
+              <a:srgbClr val="FF0000"/>
+            </a:solidFill>
+            <a:tailEnd type="triangle"/>
+          </a:ln>
+        </p:spPr>
+        <p:style>
+          <a:lnRef idx="1">
+            <a:schemeClr val="accent1"/>
+          </a:lnRef>
+          <a:fillRef idx="0">
+            <a:schemeClr val="accent1"/>
+          </a:fillRef>
+          <a:effectRef idx="0">
+            <a:schemeClr val="accent1"/>
+          </a:effectRef>
+          <a:fontRef idx="minor">
+            <a:schemeClr val="tx1"/>
+          </a:fontRef>
+        </p:style>
+      </p:cxnSp>
+      <p:sp>
+        <p:nvSpPr>
+          <p:cNvPr id="48" name="文字方塊 47"/>
+          <p:cNvSpPr txBox="1"/>
+          <p:nvPr/>
+        </p:nvSpPr>
+        <p:spPr>
+          <a:xfrm>
+            <a:off x="8158546" y="4544846"/>
+            <a:ext cx="535211" cy="307777"/>
+          </a:xfrm>
+          <a:prstGeom prst="rect">
+            <a:avLst/>
+          </a:prstGeom>
+          <a:noFill/>
+        </p:spPr>
+        <p:txBody>
+          <a:bodyPr wrap="none" rtlCol="0">
+            <a:spAutoFit/>
+          </a:bodyPr>
+          <a:lstStyle/>
+          <a:p>
+            <a:r>
+              <a:rPr lang="en-US" altLang="zh-TW" sz="1400" dirty="0" smtClean="0"/>
+              <a:t>True</a:t>
+            </a:r>
+            <a:endParaRPr lang="zh-TW" altLang="en-US" sz="1400" dirty="0"/>
+          </a:p>
+        </p:txBody>
+      </p:sp>
+      <p:sp>
+        <p:nvSpPr>
+          <p:cNvPr id="49" name="文字方塊 48"/>
+          <p:cNvSpPr txBox="1"/>
+          <p:nvPr/>
+        </p:nvSpPr>
+        <p:spPr>
+          <a:xfrm>
+            <a:off x="9083301" y="3220084"/>
+            <a:ext cx="671979" cy="338554"/>
+          </a:xfrm>
+          <a:prstGeom prst="rect">
+            <a:avLst/>
+          </a:prstGeom>
+          <a:noFill/>
+        </p:spPr>
+        <p:txBody>
+          <a:bodyPr wrap="none" rtlCol="0">
+            <a:spAutoFit/>
+          </a:bodyPr>
+          <a:lstStyle/>
+          <a:p>
+            <a:r>
+              <a:rPr lang="en-US" altLang="zh-TW" sz="1600" b="1" dirty="0" smtClean="0">
+                <a:solidFill>
+                  <a:srgbClr val="FF0000"/>
+                </a:solidFill>
+              </a:rPr>
+              <a:t>False</a:t>
+            </a:r>
+            <a:endParaRPr lang="zh-TW" altLang="en-US" sz="1600" b="1" dirty="0">
+              <a:solidFill>
+                <a:srgbClr val="FF0000"/>
+              </a:solidFill>
+            </a:endParaRPr>
+          </a:p>
+        </p:txBody>
+      </p:sp>
+      <p:sp>
+        <p:nvSpPr>
+          <p:cNvPr id="50" name="矩形 49"/>
+          <p:cNvSpPr/>
+          <p:nvPr/>
+        </p:nvSpPr>
+        <p:spPr>
+          <a:xfrm>
+            <a:off x="9229911" y="4684139"/>
+            <a:ext cx="980067" cy="551596"/>
+          </a:xfrm>
+          <a:prstGeom prst="rect">
+            <a:avLst/>
+          </a:prstGeom>
+          <a:solidFill>
+            <a:schemeClr val="bg1"/>
+          </a:solidFill>
+          <a:ln w="38100">
+            <a:solidFill>
+              <a:schemeClr val="tx1"/>
+            </a:solidFill>
+          </a:ln>
+        </p:spPr>
+        <p:style>
+          <a:lnRef idx="2">
+            <a:schemeClr val="accent1">
+              <a:shade val="50000"/>
+            </a:schemeClr>
+          </a:lnRef>
+          <a:fillRef idx="1">
+            <a:schemeClr val="accent1"/>
+          </a:fillRef>
+          <a:effectRef idx="0">
+            <a:schemeClr val="accent1"/>
+          </a:effectRef>
+          <a:fontRef idx="minor">
+            <a:schemeClr val="lt1"/>
+          </a:fontRef>
+        </p:style>
+        <p:txBody>
+          <a:bodyPr rtlCol="0" anchor="ctr"/>
+          <a:lstStyle/>
+          <a:p>
+            <a:pPr algn="ctr"/>
+            <a:r>
+              <a:rPr lang="zh-TW" altLang="en-US" sz="1400" dirty="0" smtClean="0">
+                <a:solidFill>
+                  <a:schemeClr val="tx1"/>
+                </a:solidFill>
+              </a:rPr>
+              <a:t>程式區塊</a:t>
+            </a:r>
+            <a:r>
+              <a:rPr lang="en-US" altLang="zh-TW" sz="1400" dirty="0" smtClean="0">
+                <a:solidFill>
+                  <a:schemeClr val="tx1"/>
+                </a:solidFill>
+              </a:rPr>
+              <a:t>(1)</a:t>
+            </a:r>
+            <a:endParaRPr lang="zh-TW" altLang="en-US" sz="1400" dirty="0">
+              <a:solidFill>
+                <a:schemeClr val="tx1"/>
+              </a:solidFill>
+            </a:endParaRPr>
+          </a:p>
+        </p:txBody>
+      </p:sp>
+      <p:cxnSp>
+        <p:nvCxnSpPr>
+          <p:cNvPr id="51" name="直線單箭頭接點 50"/>
+          <p:cNvCxnSpPr>
+            <a:stCxn id="46" idx="3"/>
+            <a:endCxn id="50" idx="1"/>
+          </p:cNvCxnSpPr>
+          <p:nvPr/>
+        </p:nvCxnSpPr>
+        <p:spPr>
+          <a:xfrm>
+            <a:off x="7956328" y="4928573"/>
+            <a:ext cx="1273583" cy="31364"/>
+          </a:xfrm>
+          <a:prstGeom prst="straightConnector1">
+            <a:avLst/>
+          </a:prstGeom>
+          <a:ln w="28575">
+            <a:solidFill>
+              <a:schemeClr val="tx1"/>
+            </a:solidFill>
+            <a:headEnd type="none" w="med" len="med"/>
+            <a:tailEnd type="triangle" w="med" len="med"/>
+          </a:ln>
+        </p:spPr>
+        <p:style>
+          <a:lnRef idx="1">
+            <a:schemeClr val="accent1"/>
+          </a:lnRef>
+          <a:fillRef idx="0">
+            <a:schemeClr val="accent1"/>
+          </a:fillRef>
+          <a:effectRef idx="0">
+            <a:schemeClr val="accent1"/>
+          </a:effectRef>
+          <a:fontRef idx="minor">
+            <a:schemeClr val="tx1"/>
+          </a:fontRef>
+        </p:style>
+      </p:cxnSp>
+      <p:sp>
+        <p:nvSpPr>
+          <p:cNvPr id="52" name="矩形 51"/>
+          <p:cNvSpPr/>
+          <p:nvPr/>
+        </p:nvSpPr>
+        <p:spPr>
+          <a:xfrm>
+            <a:off x="6298088" y="2014223"/>
+            <a:ext cx="1288611" cy="446216"/>
+          </a:xfrm>
+          <a:prstGeom prst="rect">
+            <a:avLst/>
+          </a:prstGeom>
+          <a:solidFill>
+            <a:schemeClr val="bg1"/>
+          </a:solidFill>
+          <a:ln w="38100">
+            <a:solidFill>
+              <a:schemeClr val="tx1"/>
+            </a:solidFill>
+          </a:ln>
+        </p:spPr>
+        <p:style>
+          <a:lnRef idx="2">
+            <a:schemeClr val="accent1">
+              <a:shade val="50000"/>
+            </a:schemeClr>
+          </a:lnRef>
+          <a:fillRef idx="1">
+            <a:schemeClr val="accent1"/>
+          </a:fillRef>
+          <a:effectRef idx="0">
+            <a:schemeClr val="accent1"/>
+          </a:effectRef>
+          <a:fontRef idx="minor">
+            <a:schemeClr val="lt1"/>
+          </a:fontRef>
+        </p:style>
+        <p:txBody>
+          <a:bodyPr rtlCol="0" anchor="ctr"/>
+          <a:lstStyle/>
+          <a:p>
+            <a:pPr algn="ctr"/>
+            <a:r>
+              <a:rPr lang="zh-TW" altLang="en-US" sz="1400" dirty="0" smtClean="0">
+                <a:solidFill>
+                  <a:schemeClr val="tx1"/>
+                </a:solidFill>
+              </a:rPr>
+              <a:t>初始設定</a:t>
+            </a:r>
+            <a:endParaRPr lang="zh-TW" altLang="en-US" sz="1400" dirty="0">
+              <a:solidFill>
+                <a:schemeClr val="tx1"/>
+              </a:solidFill>
+            </a:endParaRPr>
+          </a:p>
+        </p:txBody>
+      </p:sp>
+      <p:cxnSp>
+        <p:nvCxnSpPr>
+          <p:cNvPr id="53" name="直線單箭頭接點 52"/>
+          <p:cNvCxnSpPr>
+            <a:stCxn id="52" idx="2"/>
+            <a:endCxn id="46" idx="0"/>
+          </p:cNvCxnSpPr>
+          <p:nvPr/>
+        </p:nvCxnSpPr>
+        <p:spPr>
+          <a:xfrm flipH="1">
+            <a:off x="6942393" y="2460439"/>
+            <a:ext cx="1" cy="2036151"/>
+          </a:xfrm>
+          <a:prstGeom prst="straightConnector1">
+            <a:avLst/>
+          </a:prstGeom>
+          <a:ln w="28575">
+            <a:solidFill>
+              <a:schemeClr val="tx1"/>
+            </a:solidFill>
+            <a:headEnd type="none" w="med" len="med"/>
+            <a:tailEnd type="triangle" w="med" len="med"/>
+          </a:ln>
+        </p:spPr>
+        <p:style>
+          <a:lnRef idx="1">
+            <a:schemeClr val="accent1"/>
+          </a:lnRef>
+          <a:fillRef idx="0">
+            <a:schemeClr val="accent1"/>
+          </a:fillRef>
+          <a:effectRef idx="0">
+            <a:schemeClr val="accent1"/>
+          </a:effectRef>
+          <a:fontRef idx="minor">
+            <a:schemeClr val="tx1"/>
+          </a:fontRef>
+        </p:style>
+      </p:cxnSp>
+      <p:sp>
+        <p:nvSpPr>
+          <p:cNvPr id="54" name="矩形 53"/>
+          <p:cNvSpPr/>
+          <p:nvPr/>
+        </p:nvSpPr>
+        <p:spPr>
+          <a:xfrm>
+            <a:off x="7496900" y="2580636"/>
+            <a:ext cx="854489" cy="522576"/>
+          </a:xfrm>
+          <a:prstGeom prst="rect">
+            <a:avLst/>
+          </a:prstGeom>
+          <a:solidFill>
+            <a:schemeClr val="bg1"/>
+          </a:solidFill>
+          <a:ln w="38100">
+            <a:solidFill>
+              <a:schemeClr val="tx1"/>
+            </a:solidFill>
+          </a:ln>
+        </p:spPr>
+        <p:style>
+          <a:lnRef idx="2">
+            <a:schemeClr val="accent1">
+              <a:shade val="50000"/>
+            </a:schemeClr>
+          </a:lnRef>
+          <a:fillRef idx="1">
+            <a:schemeClr val="accent1"/>
+          </a:fillRef>
+          <a:effectRef idx="0">
+            <a:schemeClr val="accent1"/>
+          </a:effectRef>
+          <a:fontRef idx="minor">
+            <a:schemeClr val="lt1"/>
+          </a:fontRef>
+        </p:style>
+        <p:txBody>
+          <a:bodyPr rtlCol="0" anchor="ctr"/>
+          <a:lstStyle/>
+          <a:p>
+            <a:pPr algn="ctr"/>
+            <a:r>
+              <a:rPr lang="zh-TW" altLang="en-US" sz="1400" dirty="0" smtClean="0">
+                <a:solidFill>
+                  <a:schemeClr val="tx1"/>
+                </a:solidFill>
+              </a:rPr>
+              <a:t>每次都要做</a:t>
+            </a:r>
+            <a:endParaRPr lang="zh-TW" altLang="en-US" sz="1400" dirty="0">
+              <a:solidFill>
+                <a:schemeClr val="tx1"/>
+              </a:solidFill>
+            </a:endParaRPr>
+          </a:p>
+        </p:txBody>
+      </p:sp>
+      <p:cxnSp>
+        <p:nvCxnSpPr>
+          <p:cNvPr id="55" name="直線單箭頭接點 54"/>
+          <p:cNvCxnSpPr>
+            <a:stCxn id="54" idx="1"/>
+          </p:cNvCxnSpPr>
+          <p:nvPr/>
+        </p:nvCxnSpPr>
+        <p:spPr>
+          <a:xfrm flipH="1">
+            <a:off x="6954456" y="2841924"/>
+            <a:ext cx="542444" cy="0"/>
+          </a:xfrm>
+          <a:prstGeom prst="straightConnector1">
+            <a:avLst/>
+          </a:prstGeom>
+          <a:ln w="28575">
+            <a:solidFill>
+              <a:schemeClr val="tx1"/>
+            </a:solidFill>
+            <a:headEnd type="none" w="med" len="med"/>
+            <a:tailEnd type="triangle" w="med" len="med"/>
+          </a:ln>
+        </p:spPr>
+        <p:style>
+          <a:lnRef idx="1">
+            <a:schemeClr val="accent1"/>
+          </a:lnRef>
+          <a:fillRef idx="0">
+            <a:schemeClr val="accent1"/>
+          </a:fillRef>
+          <a:effectRef idx="0">
+            <a:schemeClr val="accent1"/>
+          </a:effectRef>
+          <a:fontRef idx="minor">
+            <a:schemeClr val="tx1"/>
+          </a:fontRef>
+        </p:style>
+      </p:cxnSp>
+      <p:sp>
+        <p:nvSpPr>
+          <p:cNvPr id="56" name="弧形 55"/>
+          <p:cNvSpPr/>
+          <p:nvPr/>
+        </p:nvSpPr>
+        <p:spPr>
+          <a:xfrm>
+            <a:off x="7478548" y="3004200"/>
+            <a:ext cx="1822038" cy="1832996"/>
+          </a:xfrm>
+          <a:prstGeom prst="arc">
+            <a:avLst>
+              <a:gd name="adj1" fmla="val 10829773"/>
+              <a:gd name="adj2" fmla="val 10259038"/>
+            </a:avLst>
+          </a:prstGeom>
+          <a:ln w="381000">
+            <a:solidFill>
+              <a:srgbClr val="F84ADB">
+                <a:alpha val="27843"/>
+              </a:srgbClr>
+            </a:solidFill>
+            <a:prstDash val="solid"/>
+            <a:headEnd type="triangle" w="med" len="med"/>
+            <a:tailEnd type="none" w="med" len="med"/>
+          </a:ln>
+        </p:spPr>
+        <p:style>
+          <a:lnRef idx="1">
+            <a:schemeClr val="accent1"/>
+          </a:lnRef>
+          <a:fillRef idx="0">
+            <a:schemeClr val="accent1"/>
+          </a:fillRef>
+          <a:effectRef idx="0">
+            <a:schemeClr val="accent1"/>
+          </a:effectRef>
+          <a:fontRef idx="minor">
+            <a:schemeClr val="tx1"/>
+          </a:fontRef>
+        </p:style>
+        <p:txBody>
+          <a:bodyPr rtlCol="0" anchor="ctr"/>
+          <a:lstStyle/>
+          <a:p>
+            <a:pPr algn="ctr"/>
+            <a:endParaRPr lang="zh-TW" altLang="en-US"/>
+          </a:p>
+        </p:txBody>
+      </p:sp>
+      <p:sp>
+        <p:nvSpPr>
+          <p:cNvPr id="57" name="菱形 56"/>
+          <p:cNvSpPr/>
+          <p:nvPr/>
+        </p:nvSpPr>
+        <p:spPr>
+          <a:xfrm>
+            <a:off x="8713051" y="3657693"/>
+            <a:ext cx="2013785" cy="651349"/>
+          </a:xfrm>
+          <a:prstGeom prst="diamond">
+            <a:avLst/>
+          </a:prstGeom>
+          <a:solidFill>
+            <a:schemeClr val="bg1"/>
+          </a:solidFill>
+          <a:ln w="38100">
+            <a:solidFill>
+              <a:srgbClr val="FF0000"/>
+            </a:solidFill>
+          </a:ln>
+        </p:spPr>
+        <p:style>
+          <a:lnRef idx="2">
+            <a:schemeClr val="accent1">
+              <a:shade val="50000"/>
+            </a:schemeClr>
+          </a:lnRef>
+          <a:fillRef idx="1">
+            <a:schemeClr val="accent1"/>
+          </a:fillRef>
+          <a:effectRef idx="0">
+            <a:schemeClr val="accent1"/>
+          </a:effectRef>
+          <a:fontRef idx="minor">
+            <a:schemeClr val="lt1"/>
+          </a:fontRef>
+        </p:style>
+        <p:txBody>
+          <a:bodyPr rtlCol="0" anchor="ctr"/>
+          <a:lstStyle/>
+          <a:p>
+            <a:pPr algn="ctr">
+              <a:tabLst>
+                <a:tab pos="1344613" algn="l"/>
+              </a:tabLst>
+            </a:pPr>
+            <a:r>
+              <a:rPr lang="zh-TW" altLang="en-US" sz="1400" dirty="0" smtClean="0">
+                <a:solidFill>
+                  <a:schemeClr val="tx1"/>
+                </a:solidFill>
+              </a:rPr>
+              <a:t>符合某種條件</a:t>
+            </a:r>
+            <a:endParaRPr lang="zh-TW" altLang="en-US" sz="1400" dirty="0">
+              <a:solidFill>
+                <a:schemeClr val="tx1"/>
+              </a:solidFill>
+            </a:endParaRPr>
+          </a:p>
+        </p:txBody>
+      </p:sp>
+      <p:cxnSp>
+        <p:nvCxnSpPr>
+          <p:cNvPr id="58" name="直線單箭頭接點 57"/>
+          <p:cNvCxnSpPr>
+            <a:stCxn id="50" idx="0"/>
+            <a:endCxn id="57" idx="2"/>
+          </p:cNvCxnSpPr>
+          <p:nvPr/>
+        </p:nvCxnSpPr>
+        <p:spPr>
+          <a:xfrm flipH="1" flipV="1">
+            <a:off x="9719944" y="4309042"/>
+            <a:ext cx="1" cy="375097"/>
+          </a:xfrm>
+          <a:prstGeom prst="straightConnector1">
+            <a:avLst/>
+          </a:prstGeom>
+          <a:ln w="28575">
+            <a:solidFill>
+              <a:schemeClr val="tx1"/>
+            </a:solidFill>
+            <a:headEnd type="none" w="med" len="med"/>
+            <a:tailEnd type="triangle" w="med" len="med"/>
+          </a:ln>
+        </p:spPr>
+        <p:style>
+          <a:lnRef idx="1">
+            <a:schemeClr val="accent1"/>
+          </a:lnRef>
+          <a:fillRef idx="0">
+            <a:schemeClr val="accent1"/>
+          </a:fillRef>
+          <a:effectRef idx="0">
+            <a:schemeClr val="accent1"/>
+          </a:effectRef>
+          <a:fontRef idx="minor">
+            <a:schemeClr val="tx1"/>
+          </a:fontRef>
+        </p:style>
+      </p:cxnSp>
+      <p:sp>
+        <p:nvSpPr>
+          <p:cNvPr id="59" name="矩形 58"/>
+          <p:cNvSpPr/>
+          <p:nvPr/>
+        </p:nvSpPr>
+        <p:spPr>
+          <a:xfrm>
+            <a:off x="9229909" y="2561967"/>
+            <a:ext cx="980067" cy="551596"/>
+          </a:xfrm>
+          <a:prstGeom prst="rect">
+            <a:avLst/>
+          </a:prstGeom>
+          <a:solidFill>
+            <a:schemeClr val="bg1"/>
+          </a:solidFill>
+          <a:ln w="38100">
+            <a:solidFill>
+              <a:schemeClr val="tx1"/>
+            </a:solidFill>
+          </a:ln>
+        </p:spPr>
+        <p:style>
+          <a:lnRef idx="2">
+            <a:schemeClr val="accent1">
+              <a:shade val="50000"/>
+            </a:schemeClr>
+          </a:lnRef>
+          <a:fillRef idx="1">
+            <a:schemeClr val="accent1"/>
+          </a:fillRef>
+          <a:effectRef idx="0">
+            <a:schemeClr val="accent1"/>
+          </a:effectRef>
+          <a:fontRef idx="minor">
+            <a:schemeClr val="lt1"/>
+          </a:fontRef>
+        </p:style>
+        <p:txBody>
+          <a:bodyPr rtlCol="0" anchor="ctr"/>
+          <a:lstStyle/>
+          <a:p>
+            <a:pPr algn="ctr"/>
+            <a:r>
+              <a:rPr lang="zh-TW" altLang="en-US" sz="1400" dirty="0">
+                <a:solidFill>
+                  <a:schemeClr val="tx1"/>
+                </a:solidFill>
+              </a:rPr>
+              <a:t>程式區塊</a:t>
+            </a:r>
+            <a:r>
+              <a:rPr lang="en-US" altLang="zh-TW" sz="1400" dirty="0" smtClean="0">
+                <a:solidFill>
+                  <a:schemeClr val="tx1"/>
+                </a:solidFill>
+              </a:rPr>
+              <a:t>(2)</a:t>
+            </a:r>
+            <a:endParaRPr lang="zh-TW" altLang="en-US" sz="1400" dirty="0">
+              <a:solidFill>
+                <a:schemeClr val="tx1"/>
+              </a:solidFill>
+            </a:endParaRPr>
+          </a:p>
+        </p:txBody>
+      </p:sp>
+      <p:cxnSp>
+        <p:nvCxnSpPr>
+          <p:cNvPr id="60" name="直線單箭頭接點 59"/>
+          <p:cNvCxnSpPr>
+            <a:stCxn id="57" idx="0"/>
+            <a:endCxn id="59" idx="2"/>
+          </p:cNvCxnSpPr>
+          <p:nvPr/>
+        </p:nvCxnSpPr>
+        <p:spPr>
+          <a:xfrm flipH="1" flipV="1">
+            <a:off x="9719943" y="3113563"/>
+            <a:ext cx="1" cy="544130"/>
+          </a:xfrm>
+          <a:prstGeom prst="straightConnector1">
+            <a:avLst/>
+          </a:prstGeom>
+          <a:ln w="28575">
+            <a:solidFill>
+              <a:schemeClr val="tx1"/>
+            </a:solidFill>
+            <a:headEnd type="none" w="med" len="med"/>
+            <a:tailEnd type="triangle" w="med" len="med"/>
+          </a:ln>
+        </p:spPr>
+        <p:style>
+          <a:lnRef idx="1">
+            <a:schemeClr val="accent1"/>
+          </a:lnRef>
+          <a:fillRef idx="0">
+            <a:schemeClr val="accent1"/>
+          </a:fillRef>
+          <a:effectRef idx="0">
+            <a:schemeClr val="accent1"/>
+          </a:effectRef>
+          <a:fontRef idx="minor">
+            <a:schemeClr val="tx1"/>
+          </a:fontRef>
+        </p:style>
+      </p:cxnSp>
+      <p:cxnSp>
+        <p:nvCxnSpPr>
+          <p:cNvPr id="61" name="直線單箭頭接點 60"/>
+          <p:cNvCxnSpPr>
+            <a:stCxn id="59" idx="1"/>
+            <a:endCxn id="54" idx="3"/>
+          </p:cNvCxnSpPr>
+          <p:nvPr/>
+        </p:nvCxnSpPr>
+        <p:spPr>
+          <a:xfrm flipH="1">
+            <a:off x="8351389" y="2837765"/>
+            <a:ext cx="878520" cy="4159"/>
+          </a:xfrm>
+          <a:prstGeom prst="straightConnector1">
+            <a:avLst/>
+          </a:prstGeom>
+          <a:ln w="28575">
+            <a:solidFill>
+              <a:schemeClr val="tx1"/>
+            </a:solidFill>
+            <a:headEnd type="none" w="med" len="med"/>
+            <a:tailEnd type="triangle" w="med" len="med"/>
+          </a:ln>
+        </p:spPr>
+        <p:style>
+          <a:lnRef idx="1">
+            <a:schemeClr val="accent1"/>
+          </a:lnRef>
+          <a:fillRef idx="0">
+            <a:schemeClr val="accent1"/>
+          </a:fillRef>
+          <a:effectRef idx="0">
+            <a:schemeClr val="accent1"/>
+          </a:effectRef>
+          <a:fontRef idx="minor">
+            <a:schemeClr val="tx1"/>
+          </a:fontRef>
+        </p:style>
+      </p:cxnSp>
+      <p:sp>
+        <p:nvSpPr>
+          <p:cNvPr id="62" name="文字方塊 61"/>
+          <p:cNvSpPr txBox="1"/>
+          <p:nvPr/>
+        </p:nvSpPr>
+        <p:spPr>
+          <a:xfrm>
+            <a:off x="10354567" y="4065288"/>
+            <a:ext cx="617285" cy="338554"/>
+          </a:xfrm>
+          <a:prstGeom prst="rect">
+            <a:avLst/>
+          </a:prstGeom>
+          <a:noFill/>
+        </p:spPr>
+        <p:txBody>
+          <a:bodyPr wrap="none" rtlCol="0">
+            <a:spAutoFit/>
+          </a:bodyPr>
+          <a:lstStyle/>
+          <a:p>
+            <a:r>
+              <a:rPr lang="en-US" altLang="zh-TW" sz="1600" b="1" dirty="0" smtClean="0">
+                <a:solidFill>
+                  <a:srgbClr val="FF0000"/>
+                </a:solidFill>
+              </a:rPr>
+              <a:t>True</a:t>
+            </a:r>
+            <a:endParaRPr lang="zh-TW" altLang="en-US" sz="1600" b="1" dirty="0">
+              <a:solidFill>
+                <a:srgbClr val="FF0000"/>
+              </a:solidFill>
+            </a:endParaRPr>
+          </a:p>
+        </p:txBody>
+      </p:sp>
+    </p:spTree>
+    <p:extLst>
+      <p:ext uri="{BB962C8B-B14F-4D97-AF65-F5344CB8AC3E}">
+        <p14:creationId xmlns:p14="http://schemas.microsoft.com/office/powerpoint/2010/main" val="4237120602"/>
+      </p:ext>
+    </p:extLst>
+  </p:cSld>
+  <p:clrMapOvr>
+    <a:masterClrMapping/>
+  </p:clrMapOvr>
+</p:sld>
+</file>
+
+<file path=ppt/slides/slide35.xml><?xml version="1.0" encoding="utf-8"?>
+<p:sld xmlns:a="http://schemas.openxmlformats.org/drawingml/2006/main" xmlns:r="http://schemas.openxmlformats.org/officeDocument/2006/relationships" xmlns:p="http://schemas.openxmlformats.org/presentationml/2006/main">
+  <p:cSld>
+    <p:spTree>
+      <p:nvGrpSpPr>
+        <p:cNvPr id="1" name=""/>
+        <p:cNvGrpSpPr/>
+        <p:nvPr/>
+      </p:nvGrpSpPr>
+      <p:grpSpPr>
+        <a:xfrm>
+          <a:off x="0" y="0"/>
+          <a:ext cx="0" cy="0"/>
+          <a:chOff x="0" y="0"/>
+          <a:chExt cx="0" cy="0"/>
+        </a:xfrm>
+      </p:grpSpPr>
+      <p:sp>
+        <p:nvSpPr>
+          <p:cNvPr id="2" name="標題 1"/>
+          <p:cNvSpPr>
+            <a:spLocks noGrp="1"/>
+          </p:cNvSpPr>
+          <p:nvPr>
+            <p:ph type="title"/>
+          </p:nvPr>
+        </p:nvSpPr>
+        <p:spPr/>
+        <p:txBody>
+          <a:bodyPr/>
+          <a:lstStyle/>
+          <a:p>
+            <a:r>
+              <a:rPr lang="en-US" altLang="zh-TW" dirty="0" smtClean="0"/>
+              <a:t>continue</a:t>
+            </a:r>
+            <a:r>
+              <a:rPr lang="zh-TW" altLang="en-US" dirty="0" smtClean="0"/>
+              <a:t>繼續、重來</a:t>
+            </a:r>
+            <a:endParaRPr lang="zh-TW" altLang="en-US" dirty="0"/>
+          </a:p>
+        </p:txBody>
+      </p:sp>
+      <p:sp>
+        <p:nvSpPr>
+          <p:cNvPr id="3" name="內容版面配置區 2"/>
+          <p:cNvSpPr>
+            <a:spLocks noGrp="1"/>
+          </p:cNvSpPr>
+          <p:nvPr>
+            <p:ph idx="1"/>
+          </p:nvPr>
+        </p:nvSpPr>
+        <p:spPr>
+          <a:xfrm>
+            <a:off x="677334" y="2160589"/>
+            <a:ext cx="5998769" cy="3880773"/>
+          </a:xfrm>
+        </p:spPr>
+        <p:txBody>
+          <a:bodyPr/>
+          <a:lstStyle/>
+          <a:p>
+            <a:r>
+              <a:rPr lang="en-US" altLang="zh-TW" dirty="0"/>
+              <a:t>continue</a:t>
+            </a:r>
+            <a:r>
+              <a:rPr lang="zh-TW" altLang="en-US" dirty="0" smtClean="0"/>
+              <a:t>的</a:t>
+            </a:r>
+            <a:r>
+              <a:rPr lang="zh-TW" altLang="en-US" dirty="0"/>
+              <a:t>指令是停止目前迴圈</a:t>
+            </a:r>
+            <a:r>
+              <a:rPr lang="en-US" altLang="zh-TW" dirty="0"/>
+              <a:t>(</a:t>
+            </a:r>
+            <a:r>
+              <a:rPr lang="zh-TW" altLang="en-US" dirty="0"/>
+              <a:t>包含</a:t>
+            </a:r>
+            <a:r>
+              <a:rPr lang="en-US" altLang="zh-TW" dirty="0" err="1"/>
+              <a:t>for,while</a:t>
+            </a:r>
+            <a:r>
+              <a:rPr lang="zh-TW" altLang="en-US" dirty="0"/>
+              <a:t>迴圈</a:t>
+            </a:r>
+            <a:r>
+              <a:rPr lang="en-US" altLang="zh-TW" dirty="0" smtClean="0"/>
+              <a:t>)</a:t>
+            </a:r>
+            <a:r>
+              <a:rPr lang="zh-TW" altLang="en-US" dirty="0" smtClean="0"/>
+              <a:t>未完成工作，直接</a:t>
+            </a:r>
+            <a:r>
+              <a:rPr lang="zh-TW" altLang="en-US" b="1" dirty="0" smtClean="0">
+                <a:solidFill>
+                  <a:srgbClr val="C00000"/>
+                </a:solidFill>
+              </a:rPr>
+              <a:t>換下一筆資料</a:t>
+            </a:r>
+            <a:r>
+              <a:rPr lang="zh-TW" altLang="en-US" dirty="0" smtClean="0"/>
+              <a:t>重來一次。</a:t>
+            </a:r>
+            <a:endParaRPr lang="en-US" altLang="zh-TW" dirty="0"/>
+          </a:p>
+          <a:p>
+            <a:r>
+              <a:rPr lang="zh-TW" altLang="en-US" dirty="0"/>
+              <a:t>在</a:t>
+            </a:r>
+            <a:r>
+              <a:rPr lang="en-US" altLang="zh-TW" dirty="0"/>
+              <a:t>for</a:t>
+            </a:r>
+            <a:r>
+              <a:rPr lang="zh-TW" altLang="en-US" dirty="0"/>
+              <a:t>迴圈或是</a:t>
+            </a:r>
+            <a:r>
+              <a:rPr lang="en-US" altLang="zh-TW" dirty="0"/>
+              <a:t>while</a:t>
+            </a:r>
+            <a:r>
+              <a:rPr lang="zh-TW" altLang="en-US" dirty="0"/>
+              <a:t>迴圈中，只要執行</a:t>
+            </a:r>
+            <a:r>
+              <a:rPr lang="zh-TW" altLang="en-US" dirty="0" smtClean="0"/>
+              <a:t>到</a:t>
+            </a:r>
+            <a:r>
+              <a:rPr lang="en-US" altLang="zh-TW" dirty="0"/>
+              <a:t>continue</a:t>
+            </a:r>
+            <a:r>
+              <a:rPr lang="zh-TW" altLang="en-US" dirty="0" smtClean="0"/>
+              <a:t>指令</a:t>
+            </a:r>
+            <a:r>
+              <a:rPr lang="zh-TW" altLang="en-US" dirty="0"/>
+              <a:t>，就會強制</a:t>
+            </a:r>
+            <a:r>
+              <a:rPr lang="zh-TW" altLang="en-US" b="1" dirty="0" smtClean="0">
+                <a:solidFill>
+                  <a:srgbClr val="C00000"/>
+                </a:solidFill>
+              </a:rPr>
+              <a:t>立即回到迴圈開頭</a:t>
+            </a:r>
+            <a:r>
+              <a:rPr lang="zh-TW" altLang="en-US" dirty="0" smtClean="0"/>
+              <a:t>，</a:t>
+            </a:r>
+            <a:r>
+              <a:rPr lang="zh-TW" altLang="en-US" dirty="0"/>
+              <a:t>如右圖的流程圖</a:t>
+            </a:r>
+            <a:r>
+              <a:rPr lang="zh-TW" altLang="en-US" dirty="0" smtClean="0"/>
+              <a:t>。</a:t>
+            </a:r>
+            <a:endParaRPr lang="en-US" altLang="zh-TW" dirty="0" smtClean="0"/>
+          </a:p>
+          <a:p>
+            <a:r>
+              <a:rPr lang="zh-TW" altLang="en-US" dirty="0">
+                <a:solidFill>
+                  <a:srgbClr val="C00000"/>
+                </a:solidFill>
+              </a:rPr>
+              <a:t>有部分迴圈中程式碼被跳過</a:t>
+            </a:r>
+            <a:r>
+              <a:rPr lang="zh-TW" altLang="en-US" dirty="0" smtClean="0"/>
+              <a:t>，如右程式區塊</a:t>
+            </a:r>
+            <a:r>
+              <a:rPr lang="en-US" altLang="zh-TW" dirty="0" smtClean="0"/>
+              <a:t>(2)</a:t>
+            </a:r>
+            <a:endParaRPr lang="en-US" altLang="zh-TW" dirty="0"/>
+          </a:p>
+          <a:p>
+            <a:r>
+              <a:rPr lang="zh-TW" altLang="en-US" dirty="0"/>
+              <a:t>通常會用在迴圈中做特殊狀況檢測。</a:t>
+            </a:r>
+          </a:p>
+          <a:p>
+            <a:endParaRPr lang="zh-TW" altLang="en-US" dirty="0"/>
+          </a:p>
+        </p:txBody>
+      </p:sp>
+      <p:sp>
+        <p:nvSpPr>
+          <p:cNvPr id="22" name="圓角矩形 21"/>
+          <p:cNvSpPr/>
+          <p:nvPr/>
+        </p:nvSpPr>
+        <p:spPr>
+          <a:xfrm>
+            <a:off x="6773230" y="1147258"/>
+            <a:ext cx="1143000" cy="392176"/>
+          </a:xfrm>
+          <a:prstGeom prst="roundRect">
+            <a:avLst>
+              <a:gd name="adj" fmla="val 50000"/>
+            </a:avLst>
+          </a:prstGeom>
+          <a:solidFill>
+            <a:schemeClr val="bg1"/>
+          </a:solidFill>
+          <a:ln>
+            <a:solidFill>
+              <a:schemeClr val="tx1"/>
+            </a:solidFill>
+          </a:ln>
+        </p:spPr>
+        <p:style>
+          <a:lnRef idx="2">
+            <a:schemeClr val="accent1">
+              <a:shade val="50000"/>
+            </a:schemeClr>
+          </a:lnRef>
+          <a:fillRef idx="1">
+            <a:schemeClr val="accent1"/>
+          </a:fillRef>
+          <a:effectRef idx="0">
+            <a:schemeClr val="accent1"/>
+          </a:effectRef>
+          <a:fontRef idx="minor">
+            <a:schemeClr val="lt1"/>
+          </a:fontRef>
+        </p:style>
+        <p:txBody>
+          <a:bodyPr rtlCol="0" anchor="ctr"/>
+          <a:lstStyle/>
+          <a:p>
+            <a:pPr algn="ctr"/>
+            <a:r>
+              <a:rPr lang="zh-TW" altLang="en-US" sz="1400" dirty="0">
+                <a:solidFill>
+                  <a:schemeClr val="tx1"/>
+                </a:solidFill>
+              </a:rPr>
+              <a:t>迴圈開始</a:t>
+            </a:r>
+            <a:endParaRPr lang="zh-TW" altLang="en-US" sz="1400" dirty="0">
+              <a:solidFill>
+                <a:schemeClr val="tx1"/>
+              </a:solidFill>
+            </a:endParaRPr>
+          </a:p>
+        </p:txBody>
+      </p:sp>
+      <p:cxnSp>
+        <p:nvCxnSpPr>
+          <p:cNvPr id="23" name="直線單箭頭接點 22"/>
+          <p:cNvCxnSpPr>
+            <a:stCxn id="22" idx="2"/>
+            <a:endCxn id="32" idx="0"/>
+          </p:cNvCxnSpPr>
+          <p:nvPr/>
+        </p:nvCxnSpPr>
+        <p:spPr>
+          <a:xfrm>
+            <a:off x="7344730" y="1539434"/>
+            <a:ext cx="0" cy="365061"/>
+          </a:xfrm>
+          <a:prstGeom prst="straightConnector1">
+            <a:avLst/>
+          </a:prstGeom>
+          <a:ln w="28575">
+            <a:solidFill>
+              <a:schemeClr val="tx1"/>
+            </a:solidFill>
+            <a:headEnd type="none" w="med" len="med"/>
+            <a:tailEnd type="triangle" w="med" len="med"/>
+          </a:ln>
+        </p:spPr>
+        <p:style>
+          <a:lnRef idx="1">
+            <a:schemeClr val="accent1"/>
+          </a:lnRef>
+          <a:fillRef idx="0">
+            <a:schemeClr val="accent1"/>
+          </a:fillRef>
+          <a:effectRef idx="0">
+            <a:schemeClr val="accent1"/>
+          </a:effectRef>
+          <a:fontRef idx="minor">
+            <a:schemeClr val="tx1"/>
+          </a:fontRef>
+        </p:style>
+      </p:cxnSp>
+      <p:cxnSp>
+        <p:nvCxnSpPr>
+          <p:cNvPr id="24" name="直線單箭頭接點 23"/>
+          <p:cNvCxnSpPr>
+            <a:stCxn id="26" idx="2"/>
+            <a:endCxn id="25" idx="0"/>
+          </p:cNvCxnSpPr>
+          <p:nvPr/>
+        </p:nvCxnSpPr>
+        <p:spPr>
+          <a:xfrm>
+            <a:off x="7344729" y="5250828"/>
+            <a:ext cx="1" cy="650064"/>
+          </a:xfrm>
+          <a:prstGeom prst="straightConnector1">
+            <a:avLst/>
+          </a:prstGeom>
+          <a:ln w="28575">
+            <a:solidFill>
+              <a:schemeClr val="tx1"/>
+            </a:solidFill>
+            <a:headEnd type="none" w="med" len="med"/>
+            <a:tailEnd type="triangle" w="med" len="med"/>
+          </a:ln>
+        </p:spPr>
+        <p:style>
+          <a:lnRef idx="1">
+            <a:schemeClr val="accent1"/>
+          </a:lnRef>
+          <a:fillRef idx="0">
+            <a:schemeClr val="accent1"/>
+          </a:fillRef>
+          <a:effectRef idx="0">
+            <a:schemeClr val="accent1"/>
+          </a:effectRef>
+          <a:fontRef idx="minor">
+            <a:schemeClr val="tx1"/>
+          </a:fontRef>
+        </p:style>
+      </p:cxnSp>
+      <p:sp>
+        <p:nvSpPr>
+          <p:cNvPr id="25" name="圓角矩形 24"/>
+          <p:cNvSpPr/>
+          <p:nvPr/>
+        </p:nvSpPr>
+        <p:spPr>
+          <a:xfrm>
+            <a:off x="6773230" y="5900892"/>
+            <a:ext cx="1143000" cy="392176"/>
+          </a:xfrm>
+          <a:prstGeom prst="roundRect">
+            <a:avLst>
+              <a:gd name="adj" fmla="val 50000"/>
+            </a:avLst>
+          </a:prstGeom>
+          <a:solidFill>
+            <a:schemeClr val="bg1"/>
+          </a:solidFill>
+          <a:ln>
+            <a:solidFill>
+              <a:schemeClr val="tx1"/>
+            </a:solidFill>
+          </a:ln>
+        </p:spPr>
+        <p:style>
+          <a:lnRef idx="2">
+            <a:schemeClr val="accent1">
+              <a:shade val="50000"/>
+            </a:schemeClr>
+          </a:lnRef>
+          <a:fillRef idx="1">
+            <a:schemeClr val="accent1"/>
+          </a:fillRef>
+          <a:effectRef idx="0">
+            <a:schemeClr val="accent1"/>
+          </a:effectRef>
+          <a:fontRef idx="minor">
+            <a:schemeClr val="lt1"/>
+          </a:fontRef>
+        </p:style>
+        <p:txBody>
+          <a:bodyPr rtlCol="0" anchor="ctr"/>
+          <a:lstStyle/>
+          <a:p>
+            <a:pPr algn="ctr"/>
+            <a:r>
+              <a:rPr lang="zh-TW" altLang="en-US" sz="1400" dirty="0">
+                <a:solidFill>
+                  <a:schemeClr val="tx1"/>
+                </a:solidFill>
+              </a:rPr>
+              <a:t>迴圈結束</a:t>
+            </a:r>
+            <a:endParaRPr lang="zh-TW" altLang="en-US" sz="1400" dirty="0">
+              <a:solidFill>
+                <a:schemeClr val="tx1"/>
+              </a:solidFill>
+            </a:endParaRPr>
+          </a:p>
+        </p:txBody>
+      </p:sp>
+      <p:sp>
+        <p:nvSpPr>
+          <p:cNvPr id="26" name="菱形 25"/>
+          <p:cNvSpPr/>
+          <p:nvPr/>
+        </p:nvSpPr>
+        <p:spPr>
+          <a:xfrm>
+            <a:off x="6330794" y="4386862"/>
+            <a:ext cx="2027870" cy="863966"/>
+          </a:xfrm>
+          <a:prstGeom prst="diamond">
+            <a:avLst/>
+          </a:prstGeom>
+          <a:solidFill>
+            <a:schemeClr val="bg1"/>
+          </a:solidFill>
+          <a:ln w="38100">
+            <a:solidFill>
+              <a:schemeClr val="tx1"/>
+            </a:solidFill>
+          </a:ln>
+        </p:spPr>
+        <p:style>
+          <a:lnRef idx="2">
+            <a:schemeClr val="accent1">
+              <a:shade val="50000"/>
+            </a:schemeClr>
+          </a:lnRef>
+          <a:fillRef idx="1">
+            <a:schemeClr val="accent1"/>
+          </a:fillRef>
+          <a:effectRef idx="0">
+            <a:schemeClr val="accent1"/>
+          </a:effectRef>
+          <a:fontRef idx="minor">
+            <a:schemeClr val="lt1"/>
+          </a:fontRef>
+        </p:style>
+        <p:txBody>
+          <a:bodyPr rtlCol="0" anchor="ctr"/>
+          <a:lstStyle/>
+          <a:p>
+            <a:pPr algn="ctr"/>
+            <a:r>
+              <a:rPr lang="zh-TW" altLang="en-US" sz="1400" dirty="0" smtClean="0">
+                <a:solidFill>
+                  <a:schemeClr val="tx1"/>
+                </a:solidFill>
+              </a:rPr>
+              <a:t>執行條件</a:t>
+            </a:r>
+            <a:endParaRPr lang="zh-TW" altLang="en-US" sz="1400" dirty="0">
+              <a:solidFill>
+                <a:schemeClr val="tx1"/>
+              </a:solidFill>
+            </a:endParaRPr>
+          </a:p>
+        </p:txBody>
+      </p:sp>
+      <p:cxnSp>
+        <p:nvCxnSpPr>
+          <p:cNvPr id="27" name="肘形接點 26"/>
+          <p:cNvCxnSpPr>
+            <a:stCxn id="37" idx="3"/>
+            <a:endCxn id="34" idx="0"/>
+          </p:cNvCxnSpPr>
+          <p:nvPr/>
+        </p:nvCxnSpPr>
+        <p:spPr>
+          <a:xfrm flipH="1" flipV="1">
+            <a:off x="8326481" y="2470908"/>
+            <a:ext cx="2802691" cy="1402732"/>
+          </a:xfrm>
+          <a:prstGeom prst="bentConnector4">
+            <a:avLst>
+              <a:gd name="adj1" fmla="val -14029"/>
+              <a:gd name="adj2" fmla="val 134549"/>
+            </a:avLst>
+          </a:prstGeom>
+          <a:ln w="38100">
+            <a:solidFill>
+              <a:srgbClr val="FF0000"/>
+            </a:solidFill>
+            <a:tailEnd type="triangle"/>
+          </a:ln>
+        </p:spPr>
+        <p:style>
+          <a:lnRef idx="1">
+            <a:schemeClr val="accent1"/>
+          </a:lnRef>
+          <a:fillRef idx="0">
+            <a:schemeClr val="accent1"/>
+          </a:fillRef>
+          <a:effectRef idx="0">
+            <a:schemeClr val="accent1"/>
+          </a:effectRef>
+          <a:fontRef idx="minor">
+            <a:schemeClr val="tx1"/>
+          </a:fontRef>
+        </p:style>
+      </p:cxnSp>
+      <p:sp>
+        <p:nvSpPr>
+          <p:cNvPr id="28" name="文字方塊 27"/>
+          <p:cNvSpPr txBox="1"/>
+          <p:nvPr/>
+        </p:nvSpPr>
+        <p:spPr>
+          <a:xfrm>
+            <a:off x="8560882" y="4435118"/>
+            <a:ext cx="535211" cy="307777"/>
+          </a:xfrm>
+          <a:prstGeom prst="rect">
+            <a:avLst/>
+          </a:prstGeom>
+          <a:noFill/>
+        </p:spPr>
+        <p:txBody>
+          <a:bodyPr wrap="none" rtlCol="0">
+            <a:spAutoFit/>
+          </a:bodyPr>
+          <a:lstStyle/>
+          <a:p>
+            <a:r>
+              <a:rPr lang="en-US" altLang="zh-TW" sz="1400" dirty="0" smtClean="0"/>
+              <a:t>True</a:t>
+            </a:r>
+            <a:endParaRPr lang="zh-TW" altLang="en-US" sz="1400" dirty="0"/>
+          </a:p>
+        </p:txBody>
+      </p:sp>
+      <p:sp>
+        <p:nvSpPr>
+          <p:cNvPr id="29" name="文字方塊 28"/>
+          <p:cNvSpPr txBox="1"/>
+          <p:nvPr/>
+        </p:nvSpPr>
+        <p:spPr>
+          <a:xfrm>
+            <a:off x="9485637" y="3110356"/>
+            <a:ext cx="671979" cy="338554"/>
+          </a:xfrm>
+          <a:prstGeom prst="rect">
+            <a:avLst/>
+          </a:prstGeom>
+          <a:noFill/>
+        </p:spPr>
+        <p:txBody>
+          <a:bodyPr wrap="none" rtlCol="0">
+            <a:spAutoFit/>
+          </a:bodyPr>
+          <a:lstStyle/>
+          <a:p>
+            <a:r>
+              <a:rPr lang="en-US" altLang="zh-TW" sz="1600" b="1" dirty="0" smtClean="0">
+                <a:solidFill>
+                  <a:srgbClr val="FF0000"/>
+                </a:solidFill>
+              </a:rPr>
+              <a:t>False</a:t>
+            </a:r>
+            <a:endParaRPr lang="zh-TW" altLang="en-US" sz="1600" b="1" dirty="0">
+              <a:solidFill>
+                <a:srgbClr val="FF0000"/>
+              </a:solidFill>
+            </a:endParaRPr>
+          </a:p>
+        </p:txBody>
+      </p:sp>
+      <p:sp>
+        <p:nvSpPr>
+          <p:cNvPr id="30" name="矩形 29"/>
+          <p:cNvSpPr/>
+          <p:nvPr/>
+        </p:nvSpPr>
+        <p:spPr>
+          <a:xfrm>
+            <a:off x="9632247" y="4574411"/>
+            <a:ext cx="980067" cy="551596"/>
+          </a:xfrm>
+          <a:prstGeom prst="rect">
+            <a:avLst/>
+          </a:prstGeom>
+          <a:solidFill>
+            <a:schemeClr val="bg1"/>
+          </a:solidFill>
+          <a:ln w="38100">
+            <a:solidFill>
+              <a:schemeClr val="tx1"/>
+            </a:solidFill>
+          </a:ln>
+        </p:spPr>
+        <p:style>
+          <a:lnRef idx="2">
+            <a:schemeClr val="accent1">
+              <a:shade val="50000"/>
+            </a:schemeClr>
+          </a:lnRef>
+          <a:fillRef idx="1">
+            <a:schemeClr val="accent1"/>
+          </a:fillRef>
+          <a:effectRef idx="0">
+            <a:schemeClr val="accent1"/>
+          </a:effectRef>
+          <a:fontRef idx="minor">
+            <a:schemeClr val="lt1"/>
+          </a:fontRef>
+        </p:style>
+        <p:txBody>
+          <a:bodyPr rtlCol="0" anchor="ctr"/>
+          <a:lstStyle/>
+          <a:p>
+            <a:pPr algn="ctr"/>
+            <a:r>
+              <a:rPr lang="zh-TW" altLang="en-US" sz="1400" dirty="0" smtClean="0">
+                <a:solidFill>
+                  <a:schemeClr val="tx1"/>
+                </a:solidFill>
+              </a:rPr>
+              <a:t>重複執行的</a:t>
+            </a:r>
+            <a:r>
+              <a:rPr lang="zh-TW" altLang="en-US" sz="1400" dirty="0" smtClean="0">
+                <a:solidFill>
+                  <a:schemeClr val="tx1"/>
+                </a:solidFill>
+              </a:rPr>
+              <a:t>工作</a:t>
+            </a:r>
+            <a:r>
+              <a:rPr lang="en-US" altLang="zh-TW" sz="1400" dirty="0" smtClean="0">
+                <a:solidFill>
+                  <a:schemeClr val="tx1"/>
+                </a:solidFill>
+              </a:rPr>
+              <a:t>(1)</a:t>
+            </a:r>
+            <a:endParaRPr lang="zh-TW" altLang="en-US" sz="1400" dirty="0">
+              <a:solidFill>
+                <a:schemeClr val="tx1"/>
+              </a:solidFill>
+            </a:endParaRPr>
+          </a:p>
+        </p:txBody>
+      </p:sp>
+      <p:cxnSp>
+        <p:nvCxnSpPr>
+          <p:cNvPr id="31" name="直線單箭頭接點 30"/>
+          <p:cNvCxnSpPr>
+            <a:stCxn id="26" idx="3"/>
+            <a:endCxn id="30" idx="1"/>
+          </p:cNvCxnSpPr>
+          <p:nvPr/>
+        </p:nvCxnSpPr>
+        <p:spPr>
+          <a:xfrm>
+            <a:off x="8358664" y="4818845"/>
+            <a:ext cx="1273583" cy="31364"/>
+          </a:xfrm>
+          <a:prstGeom prst="straightConnector1">
+            <a:avLst/>
+          </a:prstGeom>
+          <a:ln w="28575">
+            <a:solidFill>
+              <a:schemeClr val="tx1"/>
+            </a:solidFill>
+            <a:headEnd type="none" w="med" len="med"/>
+            <a:tailEnd type="triangle" w="med" len="med"/>
+          </a:ln>
+        </p:spPr>
+        <p:style>
+          <a:lnRef idx="1">
+            <a:schemeClr val="accent1"/>
+          </a:lnRef>
+          <a:fillRef idx="0">
+            <a:schemeClr val="accent1"/>
+          </a:fillRef>
+          <a:effectRef idx="0">
+            <a:schemeClr val="accent1"/>
+          </a:effectRef>
+          <a:fontRef idx="minor">
+            <a:schemeClr val="tx1"/>
+          </a:fontRef>
+        </p:style>
+      </p:cxnSp>
+      <p:sp>
+        <p:nvSpPr>
+          <p:cNvPr id="32" name="矩形 31"/>
+          <p:cNvSpPr/>
+          <p:nvPr/>
+        </p:nvSpPr>
+        <p:spPr>
+          <a:xfrm>
+            <a:off x="6700424" y="1904495"/>
+            <a:ext cx="1288611" cy="446216"/>
+          </a:xfrm>
+          <a:prstGeom prst="rect">
+            <a:avLst/>
+          </a:prstGeom>
+          <a:solidFill>
+            <a:schemeClr val="bg1"/>
+          </a:solidFill>
+          <a:ln w="38100">
+            <a:solidFill>
+              <a:schemeClr val="tx1"/>
+            </a:solidFill>
+          </a:ln>
+        </p:spPr>
+        <p:style>
+          <a:lnRef idx="2">
+            <a:schemeClr val="accent1">
+              <a:shade val="50000"/>
+            </a:schemeClr>
+          </a:lnRef>
+          <a:fillRef idx="1">
+            <a:schemeClr val="accent1"/>
+          </a:fillRef>
+          <a:effectRef idx="0">
+            <a:schemeClr val="accent1"/>
+          </a:effectRef>
+          <a:fontRef idx="minor">
+            <a:schemeClr val="lt1"/>
+          </a:fontRef>
+        </p:style>
+        <p:txBody>
+          <a:bodyPr rtlCol="0" anchor="ctr"/>
+          <a:lstStyle/>
+          <a:p>
+            <a:pPr algn="ctr"/>
+            <a:r>
+              <a:rPr lang="zh-TW" altLang="en-US" sz="1400" dirty="0" smtClean="0">
+                <a:solidFill>
+                  <a:schemeClr val="tx1"/>
+                </a:solidFill>
+              </a:rPr>
+              <a:t>初始設定</a:t>
+            </a:r>
+            <a:endParaRPr lang="zh-TW" altLang="en-US" sz="1400" dirty="0">
+              <a:solidFill>
+                <a:schemeClr val="tx1"/>
+              </a:solidFill>
+            </a:endParaRPr>
+          </a:p>
+        </p:txBody>
+      </p:sp>
+      <p:cxnSp>
+        <p:nvCxnSpPr>
+          <p:cNvPr id="33" name="直線單箭頭接點 32"/>
+          <p:cNvCxnSpPr>
+            <a:stCxn id="32" idx="2"/>
+            <a:endCxn id="26" idx="0"/>
+          </p:cNvCxnSpPr>
+          <p:nvPr/>
+        </p:nvCxnSpPr>
+        <p:spPr>
+          <a:xfrm flipH="1">
+            <a:off x="7344729" y="2350711"/>
+            <a:ext cx="1" cy="2036151"/>
+          </a:xfrm>
+          <a:prstGeom prst="straightConnector1">
+            <a:avLst/>
+          </a:prstGeom>
+          <a:ln w="28575">
+            <a:solidFill>
+              <a:schemeClr val="tx1"/>
+            </a:solidFill>
+            <a:headEnd type="none" w="med" len="med"/>
+            <a:tailEnd type="triangle" w="med" len="med"/>
+          </a:ln>
+        </p:spPr>
+        <p:style>
+          <a:lnRef idx="1">
+            <a:schemeClr val="accent1"/>
+          </a:lnRef>
+          <a:fillRef idx="0">
+            <a:schemeClr val="accent1"/>
+          </a:fillRef>
+          <a:effectRef idx="0">
+            <a:schemeClr val="accent1"/>
+          </a:effectRef>
+          <a:fontRef idx="minor">
+            <a:schemeClr val="tx1"/>
+          </a:fontRef>
+        </p:style>
+      </p:cxnSp>
+      <p:sp>
+        <p:nvSpPr>
+          <p:cNvPr id="34" name="矩形 33"/>
+          <p:cNvSpPr/>
+          <p:nvPr/>
+        </p:nvSpPr>
+        <p:spPr>
+          <a:xfrm>
+            <a:off x="7899236" y="2470908"/>
+            <a:ext cx="854489" cy="522576"/>
+          </a:xfrm>
+          <a:prstGeom prst="rect">
+            <a:avLst/>
+          </a:prstGeom>
+          <a:solidFill>
+            <a:schemeClr val="bg1"/>
+          </a:solidFill>
+          <a:ln w="38100">
+            <a:solidFill>
+              <a:schemeClr val="tx1"/>
+            </a:solidFill>
+          </a:ln>
+        </p:spPr>
+        <p:style>
+          <a:lnRef idx="2">
+            <a:schemeClr val="accent1">
+              <a:shade val="50000"/>
+            </a:schemeClr>
+          </a:lnRef>
+          <a:fillRef idx="1">
+            <a:schemeClr val="accent1"/>
+          </a:fillRef>
+          <a:effectRef idx="0">
+            <a:schemeClr val="accent1"/>
+          </a:effectRef>
+          <a:fontRef idx="minor">
+            <a:schemeClr val="lt1"/>
+          </a:fontRef>
+        </p:style>
+        <p:txBody>
+          <a:bodyPr rtlCol="0" anchor="ctr"/>
+          <a:lstStyle/>
+          <a:p>
+            <a:pPr algn="ctr"/>
+            <a:r>
+              <a:rPr lang="zh-TW" altLang="en-US" sz="1400" dirty="0" smtClean="0">
+                <a:solidFill>
+                  <a:schemeClr val="tx1"/>
+                </a:solidFill>
+              </a:rPr>
+              <a:t>每次都要做</a:t>
+            </a:r>
+            <a:endParaRPr lang="zh-TW" altLang="en-US" sz="1400" dirty="0">
+              <a:solidFill>
+                <a:schemeClr val="tx1"/>
+              </a:solidFill>
+            </a:endParaRPr>
+          </a:p>
+        </p:txBody>
+      </p:sp>
+      <p:cxnSp>
+        <p:nvCxnSpPr>
+          <p:cNvPr id="35" name="直線單箭頭接點 34"/>
+          <p:cNvCxnSpPr>
+            <a:stCxn id="34" idx="1"/>
+          </p:cNvCxnSpPr>
+          <p:nvPr/>
+        </p:nvCxnSpPr>
+        <p:spPr>
+          <a:xfrm flipH="1">
+            <a:off x="7356792" y="2732196"/>
+            <a:ext cx="542444" cy="0"/>
+          </a:xfrm>
+          <a:prstGeom prst="straightConnector1">
+            <a:avLst/>
+          </a:prstGeom>
+          <a:ln w="28575">
+            <a:solidFill>
+              <a:schemeClr val="tx1"/>
+            </a:solidFill>
+            <a:headEnd type="none" w="med" len="med"/>
+            <a:tailEnd type="triangle" w="med" len="med"/>
+          </a:ln>
+        </p:spPr>
+        <p:style>
+          <a:lnRef idx="1">
+            <a:schemeClr val="accent1"/>
+          </a:lnRef>
+          <a:fillRef idx="0">
+            <a:schemeClr val="accent1"/>
+          </a:fillRef>
+          <a:effectRef idx="0">
+            <a:schemeClr val="accent1"/>
+          </a:effectRef>
+          <a:fontRef idx="minor">
+            <a:schemeClr val="tx1"/>
+          </a:fontRef>
+        </p:style>
+      </p:cxnSp>
+      <p:sp>
+        <p:nvSpPr>
+          <p:cNvPr id="36" name="弧形 35"/>
+          <p:cNvSpPr/>
+          <p:nvPr/>
+        </p:nvSpPr>
+        <p:spPr>
+          <a:xfrm>
+            <a:off x="7880884" y="2894472"/>
+            <a:ext cx="1822038" cy="1832996"/>
+          </a:xfrm>
+          <a:prstGeom prst="arc">
+            <a:avLst>
+              <a:gd name="adj1" fmla="val 10829773"/>
+              <a:gd name="adj2" fmla="val 10259038"/>
+            </a:avLst>
+          </a:prstGeom>
+          <a:ln w="381000">
+            <a:solidFill>
+              <a:srgbClr val="F84ADB">
+                <a:alpha val="27843"/>
+              </a:srgbClr>
+            </a:solidFill>
+            <a:prstDash val="solid"/>
+            <a:headEnd type="triangle" w="med" len="med"/>
+            <a:tailEnd type="none" w="med" len="med"/>
+          </a:ln>
+        </p:spPr>
+        <p:style>
+          <a:lnRef idx="1">
+            <a:schemeClr val="accent1"/>
+          </a:lnRef>
+          <a:fillRef idx="0">
+            <a:schemeClr val="accent1"/>
+          </a:fillRef>
+          <a:effectRef idx="0">
+            <a:schemeClr val="accent1"/>
+          </a:effectRef>
+          <a:fontRef idx="minor">
+            <a:schemeClr val="tx1"/>
+          </a:fontRef>
+        </p:style>
+        <p:txBody>
+          <a:bodyPr rtlCol="0" anchor="ctr"/>
+          <a:lstStyle/>
+          <a:p>
+            <a:pPr algn="ctr"/>
+            <a:endParaRPr lang="zh-TW" altLang="en-US"/>
+          </a:p>
+        </p:txBody>
+      </p:sp>
+      <p:sp>
+        <p:nvSpPr>
+          <p:cNvPr id="37" name="菱形 36"/>
+          <p:cNvSpPr/>
+          <p:nvPr/>
+        </p:nvSpPr>
+        <p:spPr>
+          <a:xfrm>
+            <a:off x="9115387" y="3547965"/>
+            <a:ext cx="2013785" cy="651349"/>
+          </a:xfrm>
+          <a:prstGeom prst="diamond">
+            <a:avLst/>
+          </a:prstGeom>
+          <a:solidFill>
+            <a:schemeClr val="bg1"/>
+          </a:solidFill>
+          <a:ln w="38100">
+            <a:solidFill>
+              <a:srgbClr val="FF0000"/>
+            </a:solidFill>
+          </a:ln>
+        </p:spPr>
+        <p:style>
+          <a:lnRef idx="2">
+            <a:schemeClr val="accent1">
+              <a:shade val="50000"/>
+            </a:schemeClr>
+          </a:lnRef>
+          <a:fillRef idx="1">
+            <a:schemeClr val="accent1"/>
+          </a:fillRef>
+          <a:effectRef idx="0">
+            <a:schemeClr val="accent1"/>
+          </a:effectRef>
+          <a:fontRef idx="minor">
+            <a:schemeClr val="lt1"/>
+          </a:fontRef>
+        </p:style>
+        <p:txBody>
+          <a:bodyPr rtlCol="0" anchor="ctr"/>
+          <a:lstStyle/>
+          <a:p>
+            <a:pPr algn="ctr">
+              <a:tabLst>
+                <a:tab pos="1344613" algn="l"/>
+              </a:tabLst>
+            </a:pPr>
+            <a:r>
+              <a:rPr lang="zh-TW" altLang="en-US" sz="1400" dirty="0" smtClean="0">
+                <a:solidFill>
+                  <a:schemeClr val="tx1"/>
+                </a:solidFill>
+              </a:rPr>
+              <a:t>符合某種條件</a:t>
+            </a:r>
+            <a:endParaRPr lang="zh-TW" altLang="en-US" sz="1400" dirty="0">
+              <a:solidFill>
+                <a:schemeClr val="tx1"/>
+              </a:solidFill>
+            </a:endParaRPr>
+          </a:p>
+        </p:txBody>
+      </p:sp>
+      <p:cxnSp>
+        <p:nvCxnSpPr>
+          <p:cNvPr id="38" name="直線單箭頭接點 37"/>
+          <p:cNvCxnSpPr>
+            <a:stCxn id="30" idx="0"/>
+            <a:endCxn id="37" idx="2"/>
+          </p:cNvCxnSpPr>
+          <p:nvPr/>
+        </p:nvCxnSpPr>
+        <p:spPr>
+          <a:xfrm flipH="1" flipV="1">
+            <a:off x="10122280" y="4199314"/>
+            <a:ext cx="1" cy="375097"/>
+          </a:xfrm>
+          <a:prstGeom prst="straightConnector1">
+            <a:avLst/>
+          </a:prstGeom>
+          <a:ln w="28575">
+            <a:solidFill>
+              <a:schemeClr val="tx1"/>
+            </a:solidFill>
+            <a:headEnd type="none" w="med" len="med"/>
+            <a:tailEnd type="triangle" w="med" len="med"/>
+          </a:ln>
+        </p:spPr>
+        <p:style>
+          <a:lnRef idx="1">
+            <a:schemeClr val="accent1"/>
+          </a:lnRef>
+          <a:fillRef idx="0">
+            <a:schemeClr val="accent1"/>
+          </a:fillRef>
+          <a:effectRef idx="0">
+            <a:schemeClr val="accent1"/>
+          </a:effectRef>
+          <a:fontRef idx="minor">
+            <a:schemeClr val="tx1"/>
+          </a:fontRef>
+        </p:style>
+      </p:cxnSp>
+      <p:sp>
+        <p:nvSpPr>
+          <p:cNvPr id="39" name="矩形 38"/>
+          <p:cNvSpPr/>
+          <p:nvPr/>
+        </p:nvSpPr>
+        <p:spPr>
+          <a:xfrm>
+            <a:off x="9632245" y="2452239"/>
+            <a:ext cx="980067" cy="551596"/>
+          </a:xfrm>
+          <a:prstGeom prst="rect">
+            <a:avLst/>
+          </a:prstGeom>
+          <a:solidFill>
+            <a:schemeClr val="bg1"/>
+          </a:solidFill>
+          <a:ln w="38100">
+            <a:solidFill>
+              <a:schemeClr val="tx1"/>
+            </a:solidFill>
+          </a:ln>
+        </p:spPr>
+        <p:style>
+          <a:lnRef idx="2">
+            <a:schemeClr val="accent1">
+              <a:shade val="50000"/>
+            </a:schemeClr>
+          </a:lnRef>
+          <a:fillRef idx="1">
+            <a:schemeClr val="accent1"/>
+          </a:fillRef>
+          <a:effectRef idx="0">
+            <a:schemeClr val="accent1"/>
+          </a:effectRef>
+          <a:fontRef idx="minor">
+            <a:schemeClr val="lt1"/>
+          </a:fontRef>
+        </p:style>
+        <p:txBody>
+          <a:bodyPr rtlCol="0" anchor="ctr"/>
+          <a:lstStyle/>
+          <a:p>
+            <a:pPr algn="ctr"/>
+            <a:r>
+              <a:rPr lang="zh-TW" altLang="en-US" sz="1400" dirty="0" smtClean="0">
+                <a:solidFill>
+                  <a:schemeClr val="tx1"/>
+                </a:solidFill>
+              </a:rPr>
+              <a:t>重複執行的</a:t>
+            </a:r>
+            <a:r>
+              <a:rPr lang="zh-TW" altLang="en-US" sz="1400" dirty="0" smtClean="0">
+                <a:solidFill>
+                  <a:schemeClr val="tx1"/>
+                </a:solidFill>
+              </a:rPr>
+              <a:t>工作</a:t>
+            </a:r>
+            <a:r>
+              <a:rPr lang="en-US" altLang="zh-TW" sz="1400" dirty="0" smtClean="0">
+                <a:solidFill>
+                  <a:schemeClr val="tx1"/>
+                </a:solidFill>
+              </a:rPr>
+              <a:t>(2)</a:t>
+            </a:r>
+            <a:endParaRPr lang="zh-TW" altLang="en-US" sz="1400" dirty="0">
+              <a:solidFill>
+                <a:schemeClr val="tx1"/>
+              </a:solidFill>
+            </a:endParaRPr>
+          </a:p>
+        </p:txBody>
+      </p:sp>
+      <p:cxnSp>
+        <p:nvCxnSpPr>
+          <p:cNvPr id="40" name="直線單箭頭接點 39"/>
+          <p:cNvCxnSpPr>
+            <a:stCxn id="37" idx="0"/>
+            <a:endCxn id="39" idx="2"/>
+          </p:cNvCxnSpPr>
+          <p:nvPr/>
+        </p:nvCxnSpPr>
+        <p:spPr>
+          <a:xfrm flipH="1" flipV="1">
+            <a:off x="10122279" y="3003835"/>
+            <a:ext cx="1" cy="544130"/>
+          </a:xfrm>
+          <a:prstGeom prst="straightConnector1">
+            <a:avLst/>
+          </a:prstGeom>
+          <a:ln w="28575">
+            <a:solidFill>
+              <a:schemeClr val="tx1"/>
+            </a:solidFill>
+            <a:headEnd type="none" w="med" len="med"/>
+            <a:tailEnd type="triangle" w="med" len="med"/>
+          </a:ln>
+        </p:spPr>
+        <p:style>
+          <a:lnRef idx="1">
+            <a:schemeClr val="accent1"/>
+          </a:lnRef>
+          <a:fillRef idx="0">
+            <a:schemeClr val="accent1"/>
+          </a:fillRef>
+          <a:effectRef idx="0">
+            <a:schemeClr val="accent1"/>
+          </a:effectRef>
+          <a:fontRef idx="minor">
+            <a:schemeClr val="tx1"/>
+          </a:fontRef>
+        </p:style>
+      </p:cxnSp>
+      <p:cxnSp>
+        <p:nvCxnSpPr>
+          <p:cNvPr id="41" name="直線單箭頭接點 40"/>
+          <p:cNvCxnSpPr>
+            <a:stCxn id="39" idx="1"/>
+            <a:endCxn id="34" idx="3"/>
+          </p:cNvCxnSpPr>
+          <p:nvPr/>
+        </p:nvCxnSpPr>
+        <p:spPr>
+          <a:xfrm flipH="1">
+            <a:off x="8753725" y="2728037"/>
+            <a:ext cx="878520" cy="4159"/>
+          </a:xfrm>
+          <a:prstGeom prst="straightConnector1">
+            <a:avLst/>
+          </a:prstGeom>
+          <a:ln w="28575">
+            <a:solidFill>
+              <a:schemeClr val="tx1"/>
+            </a:solidFill>
+            <a:headEnd type="none" w="med" len="med"/>
+            <a:tailEnd type="triangle" w="med" len="med"/>
+          </a:ln>
+        </p:spPr>
+        <p:style>
+          <a:lnRef idx="1">
+            <a:schemeClr val="accent1"/>
+          </a:lnRef>
+          <a:fillRef idx="0">
+            <a:schemeClr val="accent1"/>
+          </a:fillRef>
+          <a:effectRef idx="0">
+            <a:schemeClr val="accent1"/>
+          </a:effectRef>
+          <a:fontRef idx="minor">
+            <a:schemeClr val="tx1"/>
+          </a:fontRef>
+        </p:style>
+      </p:cxnSp>
+      <p:sp>
+        <p:nvSpPr>
+          <p:cNvPr id="42" name="文字方塊 41"/>
+          <p:cNvSpPr txBox="1"/>
+          <p:nvPr/>
+        </p:nvSpPr>
+        <p:spPr>
+          <a:xfrm>
+            <a:off x="10756903" y="3955560"/>
+            <a:ext cx="617285" cy="338554"/>
+          </a:xfrm>
+          <a:prstGeom prst="rect">
+            <a:avLst/>
+          </a:prstGeom>
+          <a:noFill/>
+        </p:spPr>
+        <p:txBody>
+          <a:bodyPr wrap="none" rtlCol="0">
+            <a:spAutoFit/>
+          </a:bodyPr>
+          <a:lstStyle/>
+          <a:p>
+            <a:r>
+              <a:rPr lang="en-US" altLang="zh-TW" sz="1600" b="1" dirty="0" smtClean="0">
+                <a:solidFill>
+                  <a:srgbClr val="FF0000"/>
+                </a:solidFill>
+              </a:rPr>
+              <a:t>True</a:t>
+            </a:r>
+            <a:endParaRPr lang="zh-TW" altLang="en-US" sz="1600" b="1" dirty="0">
+              <a:solidFill>
+                <a:srgbClr val="FF0000"/>
+              </a:solidFill>
+            </a:endParaRPr>
+          </a:p>
+        </p:txBody>
+      </p:sp>
+      <p:cxnSp>
+        <p:nvCxnSpPr>
+          <p:cNvPr id="43" name="肘形接點 42"/>
+          <p:cNvCxnSpPr/>
+          <p:nvPr/>
+        </p:nvCxnSpPr>
+        <p:spPr>
+          <a:xfrm rot="10800000" flipV="1">
+            <a:off x="7530954" y="2476893"/>
+            <a:ext cx="795526" cy="385753"/>
+          </a:xfrm>
+          <a:prstGeom prst="bentConnector3">
+            <a:avLst>
+              <a:gd name="adj1" fmla="val -1724"/>
+            </a:avLst>
+          </a:prstGeom>
+          <a:ln w="38100">
+            <a:solidFill>
+              <a:srgbClr val="FF0000"/>
+            </a:solidFill>
+            <a:tailEnd type="triangle"/>
+          </a:ln>
+        </p:spPr>
+        <p:style>
+          <a:lnRef idx="1">
+            <a:schemeClr val="accent1"/>
+          </a:lnRef>
+          <a:fillRef idx="0">
+            <a:schemeClr val="accent1"/>
+          </a:fillRef>
+          <a:effectRef idx="0">
+            <a:schemeClr val="accent1"/>
+          </a:effectRef>
+          <a:fontRef idx="minor">
+            <a:schemeClr val="tx1"/>
+          </a:fontRef>
+        </p:style>
+      </p:cxnSp>
+    </p:spTree>
+    <p:extLst>
+      <p:ext uri="{BB962C8B-B14F-4D97-AF65-F5344CB8AC3E}">
+        <p14:creationId xmlns:p14="http://schemas.microsoft.com/office/powerpoint/2010/main" val="3030441038"/>
+      </p:ext>
+    </p:extLst>
+  </p:cSld>
+  <p:clrMapOvr>
+    <a:masterClrMapping/>
+  </p:clrMapOvr>
+</p:sld>
+</file>
+
 <file path=ppt/slides/slide4.xml><?xml version="1.0" encoding="utf-8"?>
 <p:sld xmlns:a="http://schemas.openxmlformats.org/drawingml/2006/main" xmlns:r="http://schemas.openxmlformats.org/officeDocument/2006/relationships" xmlns:p="http://schemas.openxmlformats.org/presentationml/2006/main">
   <p:cSld>

--- a/LCC/Java/05_迴圈大法.pptx
+++ b/LCC/Java/05_迴圈大法.pptx
@@ -245,7 +245,7 @@
           <a:p>
             <a:fld id="{39CFF1E8-60EE-4960-A0FD-341AC754B86B}" type="datetimeFigureOut">
               <a:rPr lang="zh-TW" altLang="en-US" smtClean="0"/>
-              <a:t>2021/1/11</a:t>
+              <a:t>2021/9/15</a:t>
             </a:fld>
             <a:endParaRPr lang="zh-TW" altLang="en-US"/>
           </a:p>
@@ -1051,7 +1051,7 @@
             <a:fld id="{B61BEF0D-F0BB-DE4B-95CE-6DB70DBA9567}" type="datetimeFigureOut">
               <a:rPr lang="en-US" dirty="0"/>
               <a:pPr/>
-              <a:t>1/11/2021</a:t>
+              <a:t>9/15/2021</a:t>
             </a:fld>
             <a:endParaRPr lang="en-US" dirty="0"/>
           </a:p>
@@ -1299,7 +1299,7 @@
             <a:fld id="{B61BEF0D-F0BB-DE4B-95CE-6DB70DBA9567}" type="datetimeFigureOut">
               <a:rPr lang="en-US" dirty="0"/>
               <a:pPr/>
-              <a:t>1/11/2021</a:t>
+              <a:t>9/15/2021</a:t>
             </a:fld>
             <a:endParaRPr lang="en-US" dirty="0"/>
           </a:p>
@@ -1610,7 +1610,7 @@
             <a:fld id="{B61BEF0D-F0BB-DE4B-95CE-6DB70DBA9567}" type="datetimeFigureOut">
               <a:rPr lang="en-US" dirty="0"/>
               <a:pPr/>
-              <a:t>1/11/2021</a:t>
+              <a:t>9/15/2021</a:t>
             </a:fld>
             <a:endParaRPr lang="en-US" dirty="0"/>
           </a:p>
@@ -1948,7 +1948,7 @@
             <a:fld id="{B61BEF0D-F0BB-DE4B-95CE-6DB70DBA9567}" type="datetimeFigureOut">
               <a:rPr lang="en-US" dirty="0"/>
               <a:pPr/>
-              <a:t>1/11/2021</a:t>
+              <a:t>9/15/2021</a:t>
             </a:fld>
             <a:endParaRPr lang="en-US" dirty="0"/>
           </a:p>
@@ -2259,7 +2259,7 @@
             <a:fld id="{B61BEF0D-F0BB-DE4B-95CE-6DB70DBA9567}" type="datetimeFigureOut">
               <a:rPr lang="en-US" dirty="0"/>
               <a:pPr/>
-              <a:t>1/11/2021</a:t>
+              <a:t>9/15/2021</a:t>
             </a:fld>
             <a:endParaRPr lang="en-US" dirty="0"/>
           </a:p>
@@ -2649,7 +2649,7 @@
             <a:fld id="{B61BEF0D-F0BB-DE4B-95CE-6DB70DBA9567}" type="datetimeFigureOut">
               <a:rPr lang="en-US" dirty="0"/>
               <a:pPr/>
-              <a:t>1/11/2021</a:t>
+              <a:t>9/15/2021</a:t>
             </a:fld>
             <a:endParaRPr lang="en-US" dirty="0"/>
           </a:p>
@@ -2815,7 +2815,7 @@
           <a:p>
             <a:fld id="{55C6B4A9-1611-4792-9094-5F34BCA07E0B}" type="datetimeFigureOut">
               <a:rPr lang="en-US" dirty="0"/>
-              <a:t>1/11/2021</a:t>
+              <a:t>9/15/2021</a:t>
             </a:fld>
             <a:endParaRPr lang="en-US" dirty="0"/>
           </a:p>
@@ -2991,7 +2991,7 @@
             <a:fld id="{B61BEF0D-F0BB-DE4B-95CE-6DB70DBA9567}" type="datetimeFigureOut">
               <a:rPr lang="en-US" dirty="0"/>
               <a:pPr/>
-              <a:t>1/11/2021</a:t>
+              <a:t>9/15/2021</a:t>
             </a:fld>
             <a:endParaRPr lang="en-US" dirty="0"/>
           </a:p>
@@ -3172,7 +3172,7 @@
             <a:fld id="{B61BEF0D-F0BB-DE4B-95CE-6DB70DBA9567}" type="datetimeFigureOut">
               <a:rPr lang="en-US" dirty="0"/>
               <a:pPr/>
-              <a:t>1/11/2021</a:t>
+              <a:t>9/15/2021</a:t>
             </a:fld>
             <a:endParaRPr lang="en-US" dirty="0"/>
           </a:p>
@@ -3445,7 +3445,7 @@
             <a:fld id="{B61BEF0D-F0BB-DE4B-95CE-6DB70DBA9567}" type="datetimeFigureOut">
               <a:rPr lang="en-US" dirty="0"/>
               <a:pPr/>
-              <a:t>1/11/2021</a:t>
+              <a:t>9/15/2021</a:t>
             </a:fld>
             <a:endParaRPr lang="en-US" dirty="0"/>
           </a:p>
@@ -3673,7 +3673,7 @@
           <a:p>
             <a:fld id="{EB712588-04B1-427B-82EE-E8DB90309F08}" type="datetimeFigureOut">
               <a:rPr lang="en-US" dirty="0"/>
-              <a:t>1/11/2021</a:t>
+              <a:t>9/15/2021</a:t>
             </a:fld>
             <a:endParaRPr lang="en-US" dirty="0"/>
           </a:p>
@@ -4043,7 +4043,7 @@
             <a:fld id="{B61BEF0D-F0BB-DE4B-95CE-6DB70DBA9567}" type="datetimeFigureOut">
               <a:rPr lang="en-US" dirty="0"/>
               <a:pPr/>
-              <a:t>1/11/2021</a:t>
+              <a:t>9/15/2021</a:t>
             </a:fld>
             <a:endParaRPr lang="en-US" dirty="0"/>
           </a:p>
@@ -4163,7 +4163,7 @@
             <a:fld id="{B61BEF0D-F0BB-DE4B-95CE-6DB70DBA9567}" type="datetimeFigureOut">
               <a:rPr lang="en-US" dirty="0"/>
               <a:pPr/>
-              <a:t>1/11/2021</a:t>
+              <a:t>9/15/2021</a:t>
             </a:fld>
             <a:endParaRPr lang="en-US" dirty="0"/>
           </a:p>
@@ -4255,7 +4255,7 @@
             <a:fld id="{B61BEF0D-F0BB-DE4B-95CE-6DB70DBA9567}" type="datetimeFigureOut">
               <a:rPr lang="en-US" dirty="0"/>
               <a:pPr/>
-              <a:t>1/11/2021</a:t>
+              <a:t>9/15/2021</a:t>
             </a:fld>
             <a:endParaRPr lang="en-US" dirty="0"/>
           </a:p>
@@ -4506,7 +4506,7 @@
           <a:p>
             <a:fld id="{42A54C80-263E-416B-A8E0-580EDEADCBDC}" type="datetimeFigureOut">
               <a:rPr lang="en-US" dirty="0"/>
-              <a:t>1/11/2021</a:t>
+              <a:t>9/15/2021</a:t>
             </a:fld>
             <a:endParaRPr lang="en-US" dirty="0"/>
           </a:p>
@@ -4765,7 +4765,7 @@
             <a:fld id="{B61BEF0D-F0BB-DE4B-95CE-6DB70DBA9567}" type="datetimeFigureOut">
               <a:rPr lang="en-US" dirty="0"/>
               <a:pPr/>
-              <a:t>1/11/2021</a:t>
+              <a:t>9/15/2021</a:t>
             </a:fld>
             <a:endParaRPr lang="en-US" dirty="0"/>
           </a:p>
@@ -5505,7 +5505,7 @@
             <a:fld id="{B61BEF0D-F0BB-DE4B-95CE-6DB70DBA9567}" type="datetimeFigureOut">
               <a:rPr lang="en-US" dirty="0"/>
               <a:pPr/>
-              <a:t>1/11/2021</a:t>
+              <a:t>9/15/2021</a:t>
             </a:fld>
             <a:endParaRPr lang="en-US" dirty="0"/>
           </a:p>
@@ -6114,7 +6114,7 @@
             <a:fld id="{4805910D-2C61-424F-80CE-807290CF0E1E}" type="datetime4">
               <a:rPr lang="zh-TW" altLang="zh-TW"/>
               <a:pPr/>
-              <a:t>110年1月11日星期一</a:t>
+              <a:t>110年9月15日星期三</a:t>
             </a:fld>
             <a:endParaRPr lang="zh-TW" altLang="en-US" dirty="0"/>
           </a:p>
@@ -17258,7 +17258,11 @@
             </a:r>
             <a:r>
               <a:rPr lang="zh-TW" altLang="en-US" dirty="0" smtClean="0"/>
-              <a:t>你喜歡我說愛妳那我就</a:t>
+              <a:t>你喜歡我說愛妳那</a:t>
+            </a:r>
+            <a:r>
+              <a:rPr lang="zh-TW" altLang="en-US" dirty="0" smtClean="0"/>
+              <a:t>我</a:t>
             </a:r>
             <a:r>
               <a:rPr lang="zh-TW" altLang="en-US" b="1" dirty="0" smtClean="0">
@@ -18230,6 +18234,52 @@
           </a:p>
         </p:txBody>
       </p:sp>
+      <p:sp>
+        <p:nvSpPr>
+          <p:cNvPr id="6" name="文字方塊 5"/>
+          <p:cNvSpPr txBox="1"/>
+          <p:nvPr/>
+        </p:nvSpPr>
+        <p:spPr>
+          <a:xfrm>
+            <a:off x="7420496" y="5504787"/>
+            <a:ext cx="2156360" cy="369332"/>
+          </a:xfrm>
+          <a:prstGeom prst="rect">
+            <a:avLst/>
+          </a:prstGeom>
+          <a:noFill/>
+        </p:spPr>
+        <p:txBody>
+          <a:bodyPr wrap="none" rtlCol="0">
+            <a:spAutoFit/>
+          </a:bodyPr>
+          <a:lstStyle/>
+          <a:p>
+            <a:r>
+              <a:rPr lang="en-US" altLang="zh-TW" b="1" dirty="0" smtClean="0">
+                <a:solidFill>
+                  <a:srgbClr val="FF0000"/>
+                </a:solidFill>
+              </a:rPr>
+              <a:t>while</a:t>
+            </a:r>
+            <a:r>
+              <a:rPr lang="zh-TW" altLang="en-US" b="1" dirty="0" smtClean="0">
+                <a:solidFill>
+                  <a:srgbClr val="FF0000"/>
+                </a:solidFill>
+              </a:rPr>
+              <a:t>迴圈的流程圖</a:t>
+            </a:r>
+            <a:endParaRPr lang="zh-TW" altLang="en-US" b="1" dirty="0">
+              <a:solidFill>
+                <a:srgbClr val="FF0000"/>
+              </a:solidFill>
+            </a:endParaRPr>
+          </a:p>
+        </p:txBody>
+      </p:sp>
     </p:spTree>
     <p:extLst>
       <p:ext uri="{BB962C8B-B14F-4D97-AF65-F5344CB8AC3E}">
@@ -19186,6 +19236,52 @@
           </a:prstGeom>
         </p:spPr>
       </p:pic>
+      <p:sp>
+        <p:nvSpPr>
+          <p:cNvPr id="25" name="文字方塊 24"/>
+          <p:cNvSpPr txBox="1"/>
+          <p:nvPr/>
+        </p:nvSpPr>
+        <p:spPr>
+          <a:xfrm>
+            <a:off x="7687673" y="6307640"/>
+            <a:ext cx="2505814" cy="369332"/>
+          </a:xfrm>
+          <a:prstGeom prst="rect">
+            <a:avLst/>
+          </a:prstGeom>
+          <a:noFill/>
+        </p:spPr>
+        <p:txBody>
+          <a:bodyPr wrap="none" rtlCol="0">
+            <a:spAutoFit/>
+          </a:bodyPr>
+          <a:lstStyle/>
+          <a:p>
+            <a:r>
+              <a:rPr lang="en-US" altLang="zh-TW" b="1" dirty="0" smtClean="0">
+                <a:solidFill>
+                  <a:srgbClr val="FF0000"/>
+                </a:solidFill>
+              </a:rPr>
+              <a:t>do-while</a:t>
+            </a:r>
+            <a:r>
+              <a:rPr lang="zh-TW" altLang="en-US" b="1" dirty="0" smtClean="0">
+                <a:solidFill>
+                  <a:srgbClr val="FF0000"/>
+                </a:solidFill>
+              </a:rPr>
+              <a:t>迴圈的流程圖</a:t>
+            </a:r>
+            <a:endParaRPr lang="zh-TW" altLang="en-US" b="1" dirty="0">
+              <a:solidFill>
+                <a:srgbClr val="FF0000"/>
+              </a:solidFill>
+            </a:endParaRPr>
+          </a:p>
+        </p:txBody>
+      </p:sp>
     </p:spTree>
     <p:extLst>
       <p:ext uri="{BB962C8B-B14F-4D97-AF65-F5344CB8AC3E}">
@@ -22067,6 +22163,46 @@
           </a:p>
         </p:txBody>
       </p:sp>
+      <p:sp>
+        <p:nvSpPr>
+          <p:cNvPr id="8" name="向右箭號 7"/>
+          <p:cNvSpPr/>
+          <p:nvPr/>
+        </p:nvSpPr>
+        <p:spPr>
+          <a:xfrm rot="5400000">
+            <a:off x="7597627" y="2554980"/>
+            <a:ext cx="648870" cy="1044084"/>
+          </a:xfrm>
+          <a:prstGeom prst="stripedRightArrow">
+            <a:avLst/>
+          </a:prstGeom>
+        </p:spPr>
+        <p:style>
+          <a:lnRef idx="2">
+            <a:schemeClr val="accent1">
+              <a:shade val="50000"/>
+            </a:schemeClr>
+          </a:lnRef>
+          <a:fillRef idx="1">
+            <a:schemeClr val="accent1"/>
+          </a:fillRef>
+          <a:effectRef idx="0">
+            <a:schemeClr val="accent1"/>
+          </a:effectRef>
+          <a:fontRef idx="minor">
+            <a:schemeClr val="lt1"/>
+          </a:fontRef>
+        </p:style>
+        <p:txBody>
+          <a:bodyPr rtlCol="0" anchor="ctr"/>
+          <a:lstStyle/>
+          <a:p>
+            <a:pPr algn="ctr"/>
+            <a:endParaRPr lang="zh-TW" altLang="en-US"/>
+          </a:p>
+        </p:txBody>
+      </p:sp>
     </p:spTree>
     <p:extLst>
       <p:ext uri="{BB962C8B-B14F-4D97-AF65-F5344CB8AC3E}">
@@ -22168,6 +22304,13 @@
   <p:clrMapOvr>
     <a:masterClrMapping/>
   </p:clrMapOvr>
+  <p:timing>
+    <p:tnLst>
+      <p:par>
+        <p:cTn id="1" dur="indefinite" restart="never" nodeType="tmRoot"/>
+      </p:par>
+    </p:tnLst>
+  </p:timing>
 </p:sld>
 </file>
 
@@ -22366,11 +22509,6 @@
               </a:rPr>
               <a:t>迴圈開始</a:t>
             </a:r>
-            <a:endParaRPr lang="zh-TW" altLang="en-US" sz="1400" dirty="0">
-              <a:solidFill>
-                <a:schemeClr val="tx1"/>
-              </a:solidFill>
-            </a:endParaRPr>
           </a:p>
         </p:txBody>
       </p:sp>
@@ -22508,11 +22646,6 @@
               </a:rPr>
               <a:t>迴圈結束</a:t>
             </a:r>
-            <a:endParaRPr lang="zh-TW" altLang="en-US" sz="1400" dirty="0">
-              <a:solidFill>
-                <a:schemeClr val="tx1"/>
-              </a:solidFill>
-            </a:endParaRPr>
           </a:p>
         </p:txBody>
       </p:sp>
@@ -23343,6 +23476,13 @@
   <p:clrMapOvr>
     <a:masterClrMapping/>
   </p:clrMapOvr>
+  <p:timing>
+    <p:tnLst>
+      <p:par>
+        <p:cTn id="1" dur="indefinite" restart="never" nodeType="tmRoot"/>
+      </p:par>
+    </p:tnLst>
+  </p:timing>
 </p:sld>
 </file>
 
@@ -23603,11 +23743,6 @@
               </a:rPr>
               <a:t>迴圈開始</a:t>
             </a:r>
-            <a:endParaRPr lang="zh-TW" altLang="en-US" sz="1400" dirty="0">
-              <a:solidFill>
-                <a:schemeClr val="tx1"/>
-              </a:solidFill>
-            </a:endParaRPr>
           </a:p>
         </p:txBody>
       </p:sp>
@@ -23745,11 +23880,6 @@
               </a:rPr>
               <a:t>迴圈結束</a:t>
             </a:r>
-            <a:endParaRPr lang="zh-TW" altLang="en-US" sz="1400" dirty="0">
-              <a:solidFill>
-                <a:schemeClr val="tx1"/>
-              </a:solidFill>
-            </a:endParaRPr>
           </a:p>
         </p:txBody>
       </p:sp>
@@ -23973,15 +24103,7 @@
                   <a:schemeClr val="tx1"/>
                 </a:solidFill>
               </a:rPr>
-              <a:t>重複執行的</a:t>
-            </a:r>
-            <a:r>
-              <a:rPr lang="zh-TW" altLang="en-US" sz="1400" dirty="0" smtClean="0">
-                <a:solidFill>
-                  <a:schemeClr val="tx1"/>
-                </a:solidFill>
-              </a:rPr>
-              <a:t>工作</a:t>
+              <a:t>重複執行的工作</a:t>
             </a:r>
             <a:r>
               <a:rPr lang="en-US" altLang="zh-TW" sz="1400" dirty="0" smtClean="0">
@@ -24443,15 +24565,7 @@
                   <a:schemeClr val="tx1"/>
                 </a:solidFill>
               </a:rPr>
-              <a:t>重複執行的</a:t>
-            </a:r>
-            <a:r>
-              <a:rPr lang="zh-TW" altLang="en-US" sz="1400" dirty="0" smtClean="0">
-                <a:solidFill>
-                  <a:schemeClr val="tx1"/>
-                </a:solidFill>
-              </a:rPr>
-              <a:t>工作</a:t>
+              <a:t>重複執行的工作</a:t>
             </a:r>
             <a:r>
               <a:rPr lang="en-US" altLang="zh-TW" sz="1400" dirty="0" smtClean="0">
@@ -24635,6 +24749,13 @@
   <p:clrMapOvr>
     <a:masterClrMapping/>
   </p:clrMapOvr>
+  <p:timing>
+    <p:tnLst>
+      <p:par>
+        <p:cTn id="1" dur="indefinite" restart="never" nodeType="tmRoot"/>
+      </p:par>
+    </p:tnLst>
+  </p:timing>
 </p:sld>
 </file>
 
@@ -25522,6 +25643,52 @@
           </a:prstGeom>
         </p:spPr>
       </p:pic>
+      <p:sp>
+        <p:nvSpPr>
+          <p:cNvPr id="21" name="文字方塊 20"/>
+          <p:cNvSpPr txBox="1"/>
+          <p:nvPr/>
+        </p:nvSpPr>
+        <p:spPr>
+          <a:xfrm>
+            <a:off x="7236003" y="5847099"/>
+            <a:ext cx="1883849" cy="369332"/>
+          </a:xfrm>
+          <a:prstGeom prst="rect">
+            <a:avLst/>
+          </a:prstGeom>
+          <a:noFill/>
+        </p:spPr>
+        <p:txBody>
+          <a:bodyPr wrap="none" rtlCol="0">
+            <a:spAutoFit/>
+          </a:bodyPr>
+          <a:lstStyle/>
+          <a:p>
+            <a:r>
+              <a:rPr lang="en-US" altLang="zh-TW" b="1" dirty="0" smtClean="0">
+                <a:solidFill>
+                  <a:srgbClr val="FF0000"/>
+                </a:solidFill>
+              </a:rPr>
+              <a:t>for</a:t>
+            </a:r>
+            <a:r>
+              <a:rPr lang="zh-TW" altLang="en-US" b="1" dirty="0" smtClean="0">
+                <a:solidFill>
+                  <a:srgbClr val="FF0000"/>
+                </a:solidFill>
+              </a:rPr>
+              <a:t>迴圈的流程圖</a:t>
+            </a:r>
+            <a:endParaRPr lang="zh-TW" altLang="en-US" b="1" dirty="0">
+              <a:solidFill>
+                <a:srgbClr val="FF0000"/>
+              </a:solidFill>
+            </a:endParaRPr>
+          </a:p>
+        </p:txBody>
+      </p:sp>
     </p:spTree>
     <p:extLst>
       <p:ext uri="{BB962C8B-B14F-4D97-AF65-F5344CB8AC3E}">

--- a/LCC/Java/05_迴圈大法.pptx
+++ b/LCC/Java/05_迴圈大法.pptx
@@ -248,7 +248,7 @@
           <a:p>
             <a:fld id="{39CFF1E8-60EE-4960-A0FD-341AC754B86B}" type="datetimeFigureOut">
               <a:rPr lang="zh-TW" altLang="en-US" smtClean="0"/>
-              <a:t>2021/9/24</a:t>
+              <a:t>2021/9/30</a:t>
             </a:fld>
             <a:endParaRPr lang="zh-TW" altLang="en-US"/>
           </a:p>
@@ -1054,7 +1054,7 @@
             <a:fld id="{B61BEF0D-F0BB-DE4B-95CE-6DB70DBA9567}" type="datetimeFigureOut">
               <a:rPr lang="en-US" dirty="0"/>
               <a:pPr/>
-              <a:t>9/24/2021</a:t>
+              <a:t>9/30/2021</a:t>
             </a:fld>
             <a:endParaRPr lang="en-US" dirty="0"/>
           </a:p>
@@ -1302,7 +1302,7 @@
             <a:fld id="{B61BEF0D-F0BB-DE4B-95CE-6DB70DBA9567}" type="datetimeFigureOut">
               <a:rPr lang="en-US" dirty="0"/>
               <a:pPr/>
-              <a:t>9/24/2021</a:t>
+              <a:t>9/30/2021</a:t>
             </a:fld>
             <a:endParaRPr lang="en-US" dirty="0"/>
           </a:p>
@@ -1613,7 +1613,7 @@
             <a:fld id="{B61BEF0D-F0BB-DE4B-95CE-6DB70DBA9567}" type="datetimeFigureOut">
               <a:rPr lang="en-US" dirty="0"/>
               <a:pPr/>
-              <a:t>9/24/2021</a:t>
+              <a:t>9/30/2021</a:t>
             </a:fld>
             <a:endParaRPr lang="en-US" dirty="0"/>
           </a:p>
@@ -1951,7 +1951,7 @@
             <a:fld id="{B61BEF0D-F0BB-DE4B-95CE-6DB70DBA9567}" type="datetimeFigureOut">
               <a:rPr lang="en-US" dirty="0"/>
               <a:pPr/>
-              <a:t>9/24/2021</a:t>
+              <a:t>9/30/2021</a:t>
             </a:fld>
             <a:endParaRPr lang="en-US" dirty="0"/>
           </a:p>
@@ -2262,7 +2262,7 @@
             <a:fld id="{B61BEF0D-F0BB-DE4B-95CE-6DB70DBA9567}" type="datetimeFigureOut">
               <a:rPr lang="en-US" dirty="0"/>
               <a:pPr/>
-              <a:t>9/24/2021</a:t>
+              <a:t>9/30/2021</a:t>
             </a:fld>
             <a:endParaRPr lang="en-US" dirty="0"/>
           </a:p>
@@ -2652,7 +2652,7 @@
             <a:fld id="{B61BEF0D-F0BB-DE4B-95CE-6DB70DBA9567}" type="datetimeFigureOut">
               <a:rPr lang="en-US" dirty="0"/>
               <a:pPr/>
-              <a:t>9/24/2021</a:t>
+              <a:t>9/30/2021</a:t>
             </a:fld>
             <a:endParaRPr lang="en-US" dirty="0"/>
           </a:p>
@@ -2818,7 +2818,7 @@
           <a:p>
             <a:fld id="{55C6B4A9-1611-4792-9094-5F34BCA07E0B}" type="datetimeFigureOut">
               <a:rPr lang="en-US" dirty="0"/>
-              <a:t>9/24/2021</a:t>
+              <a:t>9/30/2021</a:t>
             </a:fld>
             <a:endParaRPr lang="en-US" dirty="0"/>
           </a:p>
@@ -2994,7 +2994,7 @@
             <a:fld id="{B61BEF0D-F0BB-DE4B-95CE-6DB70DBA9567}" type="datetimeFigureOut">
               <a:rPr lang="en-US" dirty="0"/>
               <a:pPr/>
-              <a:t>9/24/2021</a:t>
+              <a:t>9/30/2021</a:t>
             </a:fld>
             <a:endParaRPr lang="en-US" dirty="0"/>
           </a:p>
@@ -3175,7 +3175,7 @@
             <a:fld id="{B61BEF0D-F0BB-DE4B-95CE-6DB70DBA9567}" type="datetimeFigureOut">
               <a:rPr lang="en-US" dirty="0"/>
               <a:pPr/>
-              <a:t>9/24/2021</a:t>
+              <a:t>9/30/2021</a:t>
             </a:fld>
             <a:endParaRPr lang="en-US" dirty="0"/>
           </a:p>
@@ -3419,7 +3419,7 @@
             <a:fld id="{B61BEF0D-F0BB-DE4B-95CE-6DB70DBA9567}" type="datetimeFigureOut">
               <a:rPr lang="en-US" dirty="0"/>
               <a:pPr/>
-              <a:t>9/24/2021</a:t>
+              <a:t>9/30/2021</a:t>
             </a:fld>
             <a:endParaRPr lang="en-US" dirty="0"/>
           </a:p>
@@ -3647,7 +3647,7 @@
           <a:p>
             <a:fld id="{EB712588-04B1-427B-82EE-E8DB90309F08}" type="datetimeFigureOut">
               <a:rPr lang="en-US" dirty="0"/>
-              <a:t>9/24/2021</a:t>
+              <a:t>9/30/2021</a:t>
             </a:fld>
             <a:endParaRPr lang="en-US" dirty="0"/>
           </a:p>
@@ -4017,7 +4017,7 @@
             <a:fld id="{B61BEF0D-F0BB-DE4B-95CE-6DB70DBA9567}" type="datetimeFigureOut">
               <a:rPr lang="en-US" dirty="0"/>
               <a:pPr/>
-              <a:t>9/24/2021</a:t>
+              <a:t>9/30/2021</a:t>
             </a:fld>
             <a:endParaRPr lang="en-US" dirty="0"/>
           </a:p>
@@ -4137,7 +4137,7 @@
             <a:fld id="{B61BEF0D-F0BB-DE4B-95CE-6DB70DBA9567}" type="datetimeFigureOut">
               <a:rPr lang="en-US" dirty="0"/>
               <a:pPr/>
-              <a:t>9/24/2021</a:t>
+              <a:t>9/30/2021</a:t>
             </a:fld>
             <a:endParaRPr lang="en-US" dirty="0"/>
           </a:p>
@@ -4229,7 +4229,7 @@
             <a:fld id="{B61BEF0D-F0BB-DE4B-95CE-6DB70DBA9567}" type="datetimeFigureOut">
               <a:rPr lang="en-US" dirty="0"/>
               <a:pPr/>
-              <a:t>9/24/2021</a:t>
+              <a:t>9/30/2021</a:t>
             </a:fld>
             <a:endParaRPr lang="en-US" dirty="0"/>
           </a:p>
@@ -4480,7 +4480,7 @@
           <a:p>
             <a:fld id="{42A54C80-263E-416B-A8E0-580EDEADCBDC}" type="datetimeFigureOut">
               <a:rPr lang="en-US" dirty="0"/>
-              <a:t>9/24/2021</a:t>
+              <a:t>9/30/2021</a:t>
             </a:fld>
             <a:endParaRPr lang="en-US" dirty="0"/>
           </a:p>
@@ -4739,7 +4739,7 @@
             <a:fld id="{B61BEF0D-F0BB-DE4B-95CE-6DB70DBA9567}" type="datetimeFigureOut">
               <a:rPr lang="en-US" dirty="0"/>
               <a:pPr/>
-              <a:t>9/24/2021</a:t>
+              <a:t>9/30/2021</a:t>
             </a:fld>
             <a:endParaRPr lang="en-US" dirty="0"/>
           </a:p>
@@ -5479,7 +5479,7 @@
             <a:fld id="{B61BEF0D-F0BB-DE4B-95CE-6DB70DBA9567}" type="datetimeFigureOut">
               <a:rPr lang="en-US" dirty="0"/>
               <a:pPr/>
-              <a:t>9/24/2021</a:t>
+              <a:t>9/30/2021</a:t>
             </a:fld>
             <a:endParaRPr lang="en-US" dirty="0"/>
           </a:p>
@@ -6211,7 +6211,7 @@
             <a:fld id="{4805910D-2C61-424F-80CE-807290CF0E1E}" type="datetime4">
               <a:rPr lang="zh-TW" altLang="zh-TW"/>
               <a:pPr/>
-              <a:t>110年9月24日星期五</a:t>
+              <a:t>110年9月30日星期四</a:t>
             </a:fld>
             <a:endParaRPr lang="zh-TW" altLang="en-US" dirty="0"/>
           </a:p>
@@ -11003,8 +11003,8 @@
         </p:nvSpPr>
         <p:spPr>
           <a:xfrm>
-            <a:off x="7608501" y="4319687"/>
-            <a:ext cx="1271016" cy="758758"/>
+            <a:off x="7608501" y="4319686"/>
+            <a:ext cx="1271016" cy="1038697"/>
           </a:xfrm>
           <a:prstGeom prst="rect">
             <a:avLst/>
@@ -11037,6 +11037,22 @@
         <p:txBody>
           <a:bodyPr rtlCol="0" anchor="ctr"/>
           <a:lstStyle/>
+          <a:p>
+            <a:pPr algn="ctr"/>
+            <a:r>
+              <a:rPr lang="zh-TW" altLang="en-US" dirty="0" smtClean="0">
+                <a:solidFill>
+                  <a:schemeClr val="tx1"/>
+                </a:solidFill>
+              </a:rPr>
+              <a:t>後續的</a:t>
+            </a:r>
+            <a:endParaRPr lang="en-US" altLang="zh-TW" dirty="0" smtClean="0">
+              <a:solidFill>
+                <a:schemeClr val="tx1"/>
+              </a:solidFill>
+            </a:endParaRPr>
+          </a:p>
           <a:p>
             <a:pPr algn="ctr"/>
             <a:r>
@@ -11115,7 +11131,7 @@
         <p:spPr>
           <a:xfrm>
             <a:off x="8244008" y="3835883"/>
-            <a:ext cx="1" cy="483804"/>
+            <a:ext cx="1" cy="483803"/>
           </a:xfrm>
           <a:prstGeom prst="straightConnector1">
             <a:avLst/>
@@ -11154,8 +11170,8 @@
         </p:nvCxnSpPr>
         <p:spPr>
           <a:xfrm flipH="1">
-            <a:off x="8244008" y="5078445"/>
-            <a:ext cx="1" cy="570741"/>
+            <a:off x="8244008" y="5358383"/>
+            <a:ext cx="1" cy="290803"/>
           </a:xfrm>
           <a:prstGeom prst="straightConnector1">
             <a:avLst/>
@@ -11310,8 +11326,8 @@
         </p:nvCxnSpPr>
         <p:spPr>
           <a:xfrm rot="16200000" flipV="1">
-            <a:off x="9272510" y="1502860"/>
-            <a:ext cx="553600" cy="2524106"/>
+            <a:off x="9357760" y="1417613"/>
+            <a:ext cx="383102" cy="2524104"/>
           </a:xfrm>
           <a:prstGeom prst="bentConnector2">
             <a:avLst/>
@@ -11482,7 +11498,7 @@
         </p:nvSpPr>
         <p:spPr>
           <a:xfrm>
-            <a:off x="7993150" y="4244288"/>
+            <a:off x="8005802" y="4280422"/>
             <a:ext cx="476412" cy="369332"/>
           </a:xfrm>
           <a:prstGeom prst="rect">
@@ -11499,14 +11515,14 @@
             <a:r>
               <a:rPr lang="en-US" altLang="zh-TW" dirty="0" smtClean="0">
                 <a:solidFill>
-                  <a:srgbClr val="FF0000"/>
+                  <a:srgbClr val="0070C0"/>
                 </a:solidFill>
               </a:rPr>
               <a:t>(4)</a:t>
             </a:r>
             <a:endParaRPr lang="zh-TW" altLang="en-US" dirty="0">
               <a:solidFill>
-                <a:srgbClr val="FF0000"/>
+                <a:srgbClr val="0070C0"/>
               </a:solidFill>
             </a:endParaRPr>
           </a:p>
@@ -11520,8 +11536,8 @@
         </p:nvSpPr>
         <p:spPr>
           <a:xfrm>
-            <a:off x="10175855" y="3041713"/>
-            <a:ext cx="1271016" cy="758758"/>
+            <a:off x="10175855" y="2871216"/>
+            <a:ext cx="1271016" cy="1088136"/>
           </a:xfrm>
           <a:prstGeom prst="rect">
             <a:avLst/>
@@ -11562,7 +11578,7 @@
                   <a:schemeClr val="tx1"/>
                 </a:solidFill>
               </a:rPr>
-              <a:t>工作</a:t>
+              <a:t>要重複的工作</a:t>
             </a:r>
             <a:r>
               <a:rPr lang="en-US" altLang="zh-TW" dirty="0" smtClean="0">
@@ -11592,7 +11608,7 @@
         <p:spPr>
           <a:xfrm>
             <a:off x="9460160" y="3403900"/>
-            <a:ext cx="715695" cy="17192"/>
+            <a:ext cx="715695" cy="11384"/>
           </a:xfrm>
           <a:prstGeom prst="straightConnector1">
             <a:avLst/>
@@ -11628,7 +11644,7 @@
         </p:nvSpPr>
         <p:spPr>
           <a:xfrm>
-            <a:off x="10573157" y="2971917"/>
+            <a:off x="10599701" y="2787251"/>
             <a:ext cx="476412" cy="369332"/>
           </a:xfrm>
           <a:prstGeom prst="rect">
@@ -11655,6 +11671,167 @@
                 <a:srgbClr val="FF0000"/>
               </a:solidFill>
             </a:endParaRPr>
+          </a:p>
+        </p:txBody>
+      </p:sp>
+      <p:sp>
+        <p:nvSpPr>
+          <p:cNvPr id="23" name="文字方塊 22"/>
+          <p:cNvSpPr txBox="1"/>
+          <p:nvPr/>
+        </p:nvSpPr>
+        <p:spPr>
+          <a:xfrm>
+            <a:off x="818814" y="5748974"/>
+            <a:ext cx="5036956" cy="584775"/>
+          </a:xfrm>
+          <a:prstGeom prst="rect">
+            <a:avLst/>
+          </a:prstGeom>
+          <a:noFill/>
+        </p:spPr>
+        <p:txBody>
+          <a:bodyPr wrap="none" rtlCol="0">
+            <a:spAutoFit/>
+          </a:bodyPr>
+          <a:lstStyle/>
+          <a:p>
+            <a:r>
+              <a:rPr lang="zh-TW" altLang="en-US" sz="2000" dirty="0" smtClean="0"/>
+              <a:t>開始</a:t>
+            </a:r>
+            <a:r>
+              <a:rPr lang="en-US" altLang="zh-TW" sz="2000" dirty="0" smtClean="0">
+                <a:sym typeface="Wingdings" panose="05000000000000000000" pitchFamily="2" charset="2"/>
+              </a:rPr>
+              <a:t></a:t>
+            </a:r>
+            <a:r>
+              <a:rPr lang="en-US" altLang="zh-TW" sz="2000" dirty="0" smtClean="0">
+                <a:solidFill>
+                  <a:srgbClr val="0070C0"/>
+                </a:solidFill>
+              </a:rPr>
+              <a:t>1</a:t>
+            </a:r>
+            <a:r>
+              <a:rPr lang="en-US" altLang="zh-TW" sz="2000" dirty="0" smtClean="0">
+                <a:sym typeface="Wingdings" panose="05000000000000000000" pitchFamily="2" charset="2"/>
+              </a:rPr>
+              <a:t></a:t>
+            </a:r>
+            <a:r>
+              <a:rPr lang="en-US" altLang="zh-TW" sz="2000" u="sng" dirty="0" smtClean="0">
+                <a:solidFill>
+                  <a:schemeClr val="accent5"/>
+                </a:solidFill>
+                <a:sym typeface="Wingdings" panose="05000000000000000000" pitchFamily="2" charset="2"/>
+              </a:rPr>
+              <a:t>2</a:t>
+            </a:r>
+            <a:r>
+              <a:rPr lang="en-US" altLang="zh-TW" sz="2000" u="sng" dirty="0" smtClean="0">
+                <a:sym typeface="Wingdings" panose="05000000000000000000" pitchFamily="2" charset="2"/>
+              </a:rPr>
+              <a:t></a:t>
+            </a:r>
+            <a:r>
+              <a:rPr lang="en-US" altLang="zh-TW" sz="2000" u="sng" dirty="0" smtClean="0">
+                <a:solidFill>
+                  <a:schemeClr val="accent5"/>
+                </a:solidFill>
+                <a:sym typeface="Wingdings" panose="05000000000000000000" pitchFamily="2" charset="2"/>
+              </a:rPr>
+              <a:t>3</a:t>
+            </a:r>
+            <a:r>
+              <a:rPr lang="en-US" altLang="zh-TW" sz="2000" u="sng" dirty="0" smtClean="0">
+                <a:sym typeface="Wingdings" panose="05000000000000000000" pitchFamily="2" charset="2"/>
+              </a:rPr>
+              <a:t></a:t>
+            </a:r>
+            <a:r>
+              <a:rPr lang="en-US" altLang="zh-TW" sz="2000" u="sng" dirty="0" smtClean="0">
+                <a:solidFill>
+                  <a:schemeClr val="accent5"/>
+                </a:solidFill>
+                <a:sym typeface="Wingdings" panose="05000000000000000000" pitchFamily="2" charset="2"/>
+              </a:rPr>
+              <a:t>2</a:t>
+            </a:r>
+            <a:r>
+              <a:rPr lang="en-US" altLang="zh-TW" sz="2000" u="sng" dirty="0" smtClean="0">
+                <a:sym typeface="Wingdings" panose="05000000000000000000" pitchFamily="2" charset="2"/>
+              </a:rPr>
+              <a:t></a:t>
+            </a:r>
+            <a:r>
+              <a:rPr lang="en-US" altLang="zh-TW" sz="2000" u="sng" dirty="0" smtClean="0">
+                <a:solidFill>
+                  <a:schemeClr val="accent5"/>
+                </a:solidFill>
+                <a:sym typeface="Wingdings" panose="05000000000000000000" pitchFamily="2" charset="2"/>
+              </a:rPr>
+              <a:t>3</a:t>
+            </a:r>
+            <a:r>
+              <a:rPr lang="en-US" altLang="zh-TW" sz="2000" u="sng" dirty="0" smtClean="0">
+                <a:sym typeface="Wingdings" panose="05000000000000000000" pitchFamily="2" charset="2"/>
+              </a:rPr>
+              <a:t>…..</a:t>
+            </a:r>
+            <a:r>
+              <a:rPr lang="en-US" altLang="zh-TW" sz="2000" u="sng" dirty="0" smtClean="0">
+                <a:solidFill>
+                  <a:schemeClr val="accent5"/>
+                </a:solidFill>
+                <a:sym typeface="Wingdings" panose="05000000000000000000" pitchFamily="2" charset="2"/>
+              </a:rPr>
+              <a:t>3</a:t>
+            </a:r>
+            <a:r>
+              <a:rPr lang="en-US" altLang="zh-TW" sz="2000" u="sng" dirty="0" smtClean="0">
+                <a:sym typeface="Wingdings" panose="05000000000000000000" pitchFamily="2" charset="2"/>
+              </a:rPr>
+              <a:t></a:t>
+            </a:r>
+            <a:r>
+              <a:rPr lang="en-US" altLang="zh-TW" sz="3200" b="1" u="sng" dirty="0" smtClean="0">
+                <a:solidFill>
+                  <a:schemeClr val="accent5"/>
+                </a:solidFill>
+                <a:sym typeface="Wingdings" panose="05000000000000000000" pitchFamily="2" charset="2"/>
+              </a:rPr>
+              <a:t>2</a:t>
+            </a:r>
+            <a:r>
+              <a:rPr lang="en-US" altLang="zh-TW" sz="2000" dirty="0" smtClean="0">
+                <a:sym typeface="Wingdings" panose="05000000000000000000" pitchFamily="2" charset="2"/>
+              </a:rPr>
+              <a:t></a:t>
+            </a:r>
+            <a:r>
+              <a:rPr lang="en-US" altLang="zh-TW" sz="2000" dirty="0" smtClean="0">
+                <a:solidFill>
+                  <a:srgbClr val="0070C0"/>
+                </a:solidFill>
+                <a:sym typeface="Wingdings" panose="05000000000000000000" pitchFamily="2" charset="2"/>
+              </a:rPr>
+              <a:t>4</a:t>
+            </a:r>
+            <a:r>
+              <a:rPr lang="en-US" altLang="zh-TW" sz="2000" dirty="0" smtClean="0">
+                <a:sym typeface="Wingdings" panose="05000000000000000000" pitchFamily="2" charset="2"/>
+              </a:rPr>
+              <a:t></a:t>
+            </a:r>
+            <a:r>
+              <a:rPr lang="zh-TW" altLang="en-US" sz="2000" dirty="0" smtClean="0">
+                <a:sym typeface="Wingdings" panose="05000000000000000000" pitchFamily="2" charset="2"/>
+              </a:rPr>
+              <a:t>結束</a:t>
+            </a:r>
+            <a:endParaRPr lang="zh-TW" altLang="en-US" sz="2000" dirty="0"/>
           </a:p>
         </p:txBody>
       </p:sp>
@@ -11671,9 +11848,80 @@
   <p:timing>
     <p:tnLst>
       <p:par>
-        <p:cTn id="1" dur="indefinite" restart="never" nodeType="tmRoot"/>
+        <p:cTn id="1" dur="indefinite" restart="never" nodeType="tmRoot">
+          <p:childTnLst>
+            <p:seq concurrent="1" nextAc="seek">
+              <p:cTn id="2" dur="indefinite" nodeType="mainSeq">
+                <p:childTnLst>
+                  <p:par>
+                    <p:cTn id="3" fill="hold">
+                      <p:stCondLst>
+                        <p:cond delay="indefinite"/>
+                      </p:stCondLst>
+                      <p:childTnLst>
+                        <p:par>
+                          <p:cTn id="4" fill="hold">
+                            <p:stCondLst>
+                              <p:cond delay="0"/>
+                            </p:stCondLst>
+                            <p:childTnLst>
+                              <p:par>
+                                <p:cTn id="5" presetID="1" presetClass="entr" presetSubtype="0" fill="hold" grpId="0" nodeType="clickEffect">
+                                  <p:stCondLst>
+                                    <p:cond delay="0"/>
+                                  </p:stCondLst>
+                                  <p:childTnLst>
+                                    <p:set>
+                                      <p:cBhvr>
+                                        <p:cTn id="6" dur="1" fill="hold">
+                                          <p:stCondLst>
+                                            <p:cond delay="0"/>
+                                          </p:stCondLst>
+                                        </p:cTn>
+                                        <p:tgtEl>
+                                          <p:spTgt spid="23"/>
+                                        </p:tgtEl>
+                                        <p:attrNameLst>
+                                          <p:attrName>style.visibility</p:attrName>
+                                        </p:attrNameLst>
+                                      </p:cBhvr>
+                                      <p:to>
+                                        <p:strVal val="visible"/>
+                                      </p:to>
+                                    </p:set>
+                                  </p:childTnLst>
+                                </p:cTn>
+                              </p:par>
+                            </p:childTnLst>
+                          </p:cTn>
+                        </p:par>
+                      </p:childTnLst>
+                    </p:cTn>
+                  </p:par>
+                </p:childTnLst>
+              </p:cTn>
+              <p:prevCondLst>
+                <p:cond evt="onPrev" delay="0">
+                  <p:tgtEl>
+                    <p:sldTgt/>
+                  </p:tgtEl>
+                </p:cond>
+              </p:prevCondLst>
+              <p:nextCondLst>
+                <p:cond evt="onNext" delay="0">
+                  <p:tgtEl>
+                    <p:sldTgt/>
+                  </p:tgtEl>
+                </p:cond>
+              </p:nextCondLst>
+            </p:seq>
+          </p:childTnLst>
+        </p:cTn>
       </p:par>
     </p:tnLst>
+    <p:bldLst>
+      <p:bldP spid="23" grpId="0"/>
+    </p:bldLst>
   </p:timing>
 </p:sld>
 </file>
@@ -35309,8 +35557,8 @@
         </p:nvCxnSpPr>
         <p:spPr>
           <a:xfrm rot="16200000" flipV="1">
-            <a:off x="10205880" y="3092158"/>
-            <a:ext cx="564607" cy="426421"/>
+            <a:off x="10247293" y="3050745"/>
+            <a:ext cx="564607" cy="509247"/>
           </a:xfrm>
           <a:prstGeom prst="bentConnector2">
             <a:avLst/>
@@ -35406,7 +35654,7 @@
         <p:spPr>
           <a:xfrm>
             <a:off x="10065885" y="3587672"/>
-            <a:ext cx="1271016" cy="758758"/>
+            <a:ext cx="1436668" cy="758758"/>
           </a:xfrm>
           <a:prstGeom prst="rect">
             <a:avLst/>
@@ -35416,7 +35664,7 @@
           </a:solidFill>
           <a:ln w="38100">
             <a:solidFill>
-              <a:srgbClr val="FF0000"/>
+              <a:srgbClr val="0070C0"/>
             </a:solidFill>
           </a:ln>
         </p:spPr>
@@ -35442,14 +35690,22 @@
           <a:p>
             <a:pPr algn="ctr"/>
             <a:r>
-              <a:rPr lang="zh-TW" altLang="en-US" dirty="0" smtClean="0">
+              <a:rPr lang="zh-TW" altLang="en-US" b="1" dirty="0" smtClean="0">
                 <a:solidFill>
                   <a:schemeClr val="tx1"/>
                 </a:solidFill>
               </a:rPr>
-              <a:t>重複執行的工作</a:t>
-            </a:r>
-            <a:endParaRPr lang="zh-TW" altLang="en-US" dirty="0">
+              <a:t>被重複</a:t>
+            </a:r>
+            <a:r>
+              <a:rPr lang="zh-TW" altLang="en-US" b="1" dirty="0" smtClean="0">
+                <a:solidFill>
+                  <a:schemeClr val="tx1"/>
+                </a:solidFill>
+              </a:rPr>
+              <a:t>執行的工作</a:t>
+            </a:r>
+            <a:endParaRPr lang="zh-TW" altLang="en-US" b="1" dirty="0">
               <a:solidFill>
                 <a:schemeClr val="tx1"/>
               </a:solidFill>
@@ -35798,6 +36054,82 @@
             <a:endParaRPr lang="zh-TW" altLang="en-US" b="1" dirty="0">
               <a:solidFill>
                 <a:srgbClr val="FF0000"/>
+              </a:solidFill>
+            </a:endParaRPr>
+          </a:p>
+        </p:txBody>
+      </p:sp>
+      <p:sp>
+        <p:nvSpPr>
+          <p:cNvPr id="15" name="直線圖說文字 1 14"/>
+          <p:cNvSpPr/>
+          <p:nvPr/>
+        </p:nvSpPr>
+        <p:spPr>
+          <a:xfrm>
+            <a:off x="5390459" y="6216431"/>
+            <a:ext cx="1691393" cy="440401"/>
+          </a:xfrm>
+          <a:prstGeom prst="borderCallout1">
+            <a:avLst>
+              <a:gd name="adj1" fmla="val -10318"/>
+              <a:gd name="adj2" fmla="val 23207"/>
+              <a:gd name="adj3" fmla="val -205172"/>
+              <a:gd name="adj4" fmla="val 3576"/>
+            </a:avLst>
+          </a:prstGeom>
+          <a:solidFill>
+            <a:schemeClr val="bg1"/>
+          </a:solidFill>
+        </p:spPr>
+        <p:style>
+          <a:lnRef idx="2">
+            <a:schemeClr val="accent1">
+              <a:shade val="50000"/>
+            </a:schemeClr>
+          </a:lnRef>
+          <a:fillRef idx="1">
+            <a:schemeClr val="accent1"/>
+          </a:fillRef>
+          <a:effectRef idx="0">
+            <a:schemeClr val="accent1"/>
+          </a:effectRef>
+          <a:fontRef idx="minor">
+            <a:schemeClr val="lt1"/>
+          </a:fontRef>
+        </p:style>
+        <p:txBody>
+          <a:bodyPr rtlCol="0" anchor="ctr"/>
+          <a:lstStyle/>
+          <a:p>
+            <a:pPr algn="ctr"/>
+            <a:r>
+              <a:rPr lang="en-US" altLang="zh-TW" sz="2000" dirty="0" err="1" smtClean="0">
+                <a:solidFill>
+                  <a:schemeClr val="tx1"/>
+                </a:solidFill>
+              </a:rPr>
+              <a:t>i</a:t>
+            </a:r>
+            <a:r>
+              <a:rPr lang="en-US" altLang="zh-TW" sz="2000" dirty="0" smtClean="0">
+                <a:solidFill>
+                  <a:schemeClr val="tx1"/>
+                </a:solidFill>
+              </a:rPr>
+              <a:t>=i+1</a:t>
+            </a:r>
+            <a:r>
+              <a:rPr lang="zh-TW" altLang="en-US" sz="2000" dirty="0" smtClean="0">
+                <a:solidFill>
+                  <a:schemeClr val="tx1"/>
+                </a:solidFill>
+              </a:rPr>
+              <a:t>的意思</a:t>
+            </a:r>
+            <a:endParaRPr lang="zh-TW" altLang="en-US" sz="2000" dirty="0">
+              <a:solidFill>
+                <a:schemeClr val="tx1"/>
               </a:solidFill>
             </a:endParaRPr>
           </a:p>

--- a/LCC/Java/05_迴圈大法.pptx
+++ b/LCC/Java/05_迴圈大法.pptx
@@ -250,7 +250,7 @@
           <a:p>
             <a:fld id="{39CFF1E8-60EE-4960-A0FD-341AC754B86B}" type="datetimeFigureOut">
               <a:rPr lang="zh-TW" altLang="en-US" smtClean="0"/>
-              <a:t>2021/10/16</a:t>
+              <a:t>2022/2/13</a:t>
             </a:fld>
             <a:endParaRPr lang="zh-TW" altLang="en-US"/>
           </a:p>
@@ -1056,7 +1056,7 @@
             <a:fld id="{B61BEF0D-F0BB-DE4B-95CE-6DB70DBA9567}" type="datetimeFigureOut">
               <a:rPr lang="en-US" dirty="0"/>
               <a:pPr/>
-              <a:t>10/16/2021</a:t>
+              <a:t>2/13/2022</a:t>
             </a:fld>
             <a:endParaRPr lang="en-US" dirty="0"/>
           </a:p>
@@ -1304,7 +1304,7 @@
             <a:fld id="{B61BEF0D-F0BB-DE4B-95CE-6DB70DBA9567}" type="datetimeFigureOut">
               <a:rPr lang="en-US" dirty="0"/>
               <a:pPr/>
-              <a:t>10/16/2021</a:t>
+              <a:t>2/13/2022</a:t>
             </a:fld>
             <a:endParaRPr lang="en-US" dirty="0"/>
           </a:p>
@@ -1615,7 +1615,7 @@
             <a:fld id="{B61BEF0D-F0BB-DE4B-95CE-6DB70DBA9567}" type="datetimeFigureOut">
               <a:rPr lang="en-US" dirty="0"/>
               <a:pPr/>
-              <a:t>10/16/2021</a:t>
+              <a:t>2/13/2022</a:t>
             </a:fld>
             <a:endParaRPr lang="en-US" dirty="0"/>
           </a:p>
@@ -1953,7 +1953,7 @@
             <a:fld id="{B61BEF0D-F0BB-DE4B-95CE-6DB70DBA9567}" type="datetimeFigureOut">
               <a:rPr lang="en-US" dirty="0"/>
               <a:pPr/>
-              <a:t>10/16/2021</a:t>
+              <a:t>2/13/2022</a:t>
             </a:fld>
             <a:endParaRPr lang="en-US" dirty="0"/>
           </a:p>
@@ -2264,7 +2264,7 @@
             <a:fld id="{B61BEF0D-F0BB-DE4B-95CE-6DB70DBA9567}" type="datetimeFigureOut">
               <a:rPr lang="en-US" dirty="0"/>
               <a:pPr/>
-              <a:t>10/16/2021</a:t>
+              <a:t>2/13/2022</a:t>
             </a:fld>
             <a:endParaRPr lang="en-US" dirty="0"/>
           </a:p>
@@ -2654,7 +2654,7 @@
             <a:fld id="{B61BEF0D-F0BB-DE4B-95CE-6DB70DBA9567}" type="datetimeFigureOut">
               <a:rPr lang="en-US" dirty="0"/>
               <a:pPr/>
-              <a:t>10/16/2021</a:t>
+              <a:t>2/13/2022</a:t>
             </a:fld>
             <a:endParaRPr lang="en-US" dirty="0"/>
           </a:p>
@@ -2820,7 +2820,7 @@
           <a:p>
             <a:fld id="{55C6B4A9-1611-4792-9094-5F34BCA07E0B}" type="datetimeFigureOut">
               <a:rPr lang="en-US" dirty="0"/>
-              <a:t>10/16/2021</a:t>
+              <a:t>2/13/2022</a:t>
             </a:fld>
             <a:endParaRPr lang="en-US" dirty="0"/>
           </a:p>
@@ -2996,7 +2996,7 @@
             <a:fld id="{B61BEF0D-F0BB-DE4B-95CE-6DB70DBA9567}" type="datetimeFigureOut">
               <a:rPr lang="en-US" dirty="0"/>
               <a:pPr/>
-              <a:t>10/16/2021</a:t>
+              <a:t>2/13/2022</a:t>
             </a:fld>
             <a:endParaRPr lang="en-US" dirty="0"/>
           </a:p>
@@ -3177,7 +3177,7 @@
             <a:fld id="{B61BEF0D-F0BB-DE4B-95CE-6DB70DBA9567}" type="datetimeFigureOut">
               <a:rPr lang="en-US" dirty="0"/>
               <a:pPr/>
-              <a:t>10/16/2021</a:t>
+              <a:t>2/13/2022</a:t>
             </a:fld>
             <a:endParaRPr lang="en-US" dirty="0"/>
           </a:p>
@@ -3421,7 +3421,7 @@
             <a:fld id="{B61BEF0D-F0BB-DE4B-95CE-6DB70DBA9567}" type="datetimeFigureOut">
               <a:rPr lang="en-US" dirty="0"/>
               <a:pPr/>
-              <a:t>10/16/2021</a:t>
+              <a:t>2/13/2022</a:t>
             </a:fld>
             <a:endParaRPr lang="en-US" dirty="0"/>
           </a:p>
@@ -3649,7 +3649,7 @@
           <a:p>
             <a:fld id="{EB712588-04B1-427B-82EE-E8DB90309F08}" type="datetimeFigureOut">
               <a:rPr lang="en-US" dirty="0"/>
-              <a:t>10/16/2021</a:t>
+              <a:t>2/13/2022</a:t>
             </a:fld>
             <a:endParaRPr lang="en-US" dirty="0"/>
           </a:p>
@@ -4019,7 +4019,7 @@
             <a:fld id="{B61BEF0D-F0BB-DE4B-95CE-6DB70DBA9567}" type="datetimeFigureOut">
               <a:rPr lang="en-US" dirty="0"/>
               <a:pPr/>
-              <a:t>10/16/2021</a:t>
+              <a:t>2/13/2022</a:t>
             </a:fld>
             <a:endParaRPr lang="en-US" dirty="0"/>
           </a:p>
@@ -4139,7 +4139,7 @@
             <a:fld id="{B61BEF0D-F0BB-DE4B-95CE-6DB70DBA9567}" type="datetimeFigureOut">
               <a:rPr lang="en-US" dirty="0"/>
               <a:pPr/>
-              <a:t>10/16/2021</a:t>
+              <a:t>2/13/2022</a:t>
             </a:fld>
             <a:endParaRPr lang="en-US" dirty="0"/>
           </a:p>
@@ -4231,7 +4231,7 @@
             <a:fld id="{B61BEF0D-F0BB-DE4B-95CE-6DB70DBA9567}" type="datetimeFigureOut">
               <a:rPr lang="en-US" dirty="0"/>
               <a:pPr/>
-              <a:t>10/16/2021</a:t>
+              <a:t>2/13/2022</a:t>
             </a:fld>
             <a:endParaRPr lang="en-US" dirty="0"/>
           </a:p>
@@ -4482,7 +4482,7 @@
           <a:p>
             <a:fld id="{42A54C80-263E-416B-A8E0-580EDEADCBDC}" type="datetimeFigureOut">
               <a:rPr lang="en-US" dirty="0"/>
-              <a:t>10/16/2021</a:t>
+              <a:t>2/13/2022</a:t>
             </a:fld>
             <a:endParaRPr lang="en-US" dirty="0"/>
           </a:p>
@@ -4741,7 +4741,7 @@
             <a:fld id="{B61BEF0D-F0BB-DE4B-95CE-6DB70DBA9567}" type="datetimeFigureOut">
               <a:rPr lang="en-US" dirty="0"/>
               <a:pPr/>
-              <a:t>10/16/2021</a:t>
+              <a:t>2/13/2022</a:t>
             </a:fld>
             <a:endParaRPr lang="en-US" dirty="0"/>
           </a:p>
@@ -5481,7 +5481,7 @@
             <a:fld id="{B61BEF0D-F0BB-DE4B-95CE-6DB70DBA9567}" type="datetimeFigureOut">
               <a:rPr lang="en-US" dirty="0"/>
               <a:pPr/>
-              <a:t>10/16/2021</a:t>
+              <a:t>2/13/2022</a:t>
             </a:fld>
             <a:endParaRPr lang="en-US" dirty="0"/>
           </a:p>
@@ -5614,7 +5614,7 @@
         <p:spPr>
           <a:xfrm>
             <a:off x="444564" y="6509203"/>
-            <a:ext cx="2728632" cy="369332"/>
+            <a:ext cx="2800767" cy="369332"/>
           </a:xfrm>
           <a:prstGeom prst="rect">
             <a:avLst/>
@@ -5721,8 +5721,8 @@
           </a:lstStyle>
           <a:p>
             <a:r>
-              <a:rPr lang="zh-TW" altLang="en-US" dirty="0" smtClean="0"/>
-              <a:t>https://reurl.cc/522ARv</a:t>
+              <a:rPr lang="fr-FR" altLang="zh-TW" dirty="0" smtClean="0"/>
+              <a:t>https://reurl.cc/2Dom14</a:t>
             </a:r>
             <a:endParaRPr lang="zh-TW" altLang="en-US" dirty="0"/>
           </a:p>
@@ -6213,7 +6213,7 @@
             <a:fld id="{4805910D-2C61-424F-80CE-807290CF0E1E}" type="datetime4">
               <a:rPr lang="zh-TW" altLang="zh-TW"/>
               <a:pPr/>
-              <a:t>110年10月16日星期六</a:t>
+              <a:t>111年2月13日星期日</a:t>
             </a:fld>
             <a:endParaRPr lang="zh-TW" altLang="en-US" dirty="0"/>
           </a:p>
@@ -6263,6 +6263,159 @@
           </a:extLst>
         </p:spPr>
       </p:pic>
+      <p:pic>
+        <p:nvPicPr>
+          <p:cNvPr id="5" name="圖片 4"/>
+          <p:cNvPicPr>
+            <a:picLocks noChangeAspect="1"/>
+          </p:cNvPicPr>
+          <p:nvPr/>
+        </p:nvPicPr>
+        <p:blipFill>
+          <a:blip r:embed="rId3">
+            <a:extLst>
+              <a:ext uri="{28A0092B-C50C-407E-A947-70E740481C1C}">
+                <a14:useLocalDpi xmlns:a14="http://schemas.microsoft.com/office/drawing/2010/main" val="0"/>
+              </a:ext>
+            </a:extLst>
+          </a:blip>
+          <a:stretch>
+            <a:fillRect/>
+          </a:stretch>
+        </p:blipFill>
+        <p:spPr>
+          <a:xfrm>
+            <a:off x="927354" y="457267"/>
+            <a:ext cx="1428750" cy="1428750"/>
+          </a:xfrm>
+          <a:prstGeom prst="rect">
+            <a:avLst/>
+          </a:prstGeom>
+        </p:spPr>
+      </p:pic>
+      <p:sp>
+        <p:nvSpPr>
+          <p:cNvPr id="6" name="矩形 5"/>
+          <p:cNvSpPr/>
+          <p:nvPr/>
+        </p:nvSpPr>
+        <p:spPr>
+          <a:xfrm>
+            <a:off x="827704" y="87935"/>
+            <a:ext cx="2800767" cy="369332"/>
+          </a:xfrm>
+          <a:prstGeom prst="rect">
+            <a:avLst/>
+          </a:prstGeom>
+        </p:spPr>
+        <p:txBody>
+          <a:bodyPr wrap="none">
+            <a:spAutoFit/>
+          </a:bodyPr>
+          <a:lstStyle>
+            <a:defPPr>
+              <a:defRPr lang="en-US"/>
+            </a:defPPr>
+            <a:lvl1pPr marL="0" algn="l" defTabSz="457200" rtl="0" eaLnBrk="1" latinLnBrk="0" hangingPunct="1">
+              <a:defRPr sz="1800" kern="1200">
+                <a:solidFill>
+                  <a:schemeClr val="tx1"/>
+                </a:solidFill>
+                <a:latin typeface="+mn-lt"/>
+                <a:ea typeface="+mn-ea"/>
+                <a:cs typeface="+mn-cs"/>
+              </a:defRPr>
+            </a:lvl1pPr>
+            <a:lvl2pPr marL="457200" algn="l" defTabSz="457200" rtl="0" eaLnBrk="1" latinLnBrk="0" hangingPunct="1">
+              <a:defRPr sz="1800" kern="1200">
+                <a:solidFill>
+                  <a:schemeClr val="tx1"/>
+                </a:solidFill>
+                <a:latin typeface="+mn-lt"/>
+                <a:ea typeface="+mn-ea"/>
+                <a:cs typeface="+mn-cs"/>
+              </a:defRPr>
+            </a:lvl2pPr>
+            <a:lvl3pPr marL="914400" algn="l" defTabSz="457200" rtl="0" eaLnBrk="1" latinLnBrk="0" hangingPunct="1">
+              <a:defRPr sz="1800" kern="1200">
+                <a:solidFill>
+                  <a:schemeClr val="tx1"/>
+                </a:solidFill>
+                <a:latin typeface="+mn-lt"/>
+                <a:ea typeface="+mn-ea"/>
+                <a:cs typeface="+mn-cs"/>
+              </a:defRPr>
+            </a:lvl3pPr>
+            <a:lvl4pPr marL="1371600" algn="l" defTabSz="457200" rtl="0" eaLnBrk="1" latinLnBrk="0" hangingPunct="1">
+              <a:defRPr sz="1800" kern="1200">
+                <a:solidFill>
+                  <a:schemeClr val="tx1"/>
+                </a:solidFill>
+                <a:latin typeface="+mn-lt"/>
+                <a:ea typeface="+mn-ea"/>
+                <a:cs typeface="+mn-cs"/>
+              </a:defRPr>
+            </a:lvl4pPr>
+            <a:lvl5pPr marL="1828800" algn="l" defTabSz="457200" rtl="0" eaLnBrk="1" latinLnBrk="0" hangingPunct="1">
+              <a:defRPr sz="1800" kern="1200">
+                <a:solidFill>
+                  <a:schemeClr val="tx1"/>
+                </a:solidFill>
+                <a:latin typeface="+mn-lt"/>
+                <a:ea typeface="+mn-ea"/>
+                <a:cs typeface="+mn-cs"/>
+              </a:defRPr>
+            </a:lvl5pPr>
+            <a:lvl6pPr marL="2286000" algn="l" defTabSz="457200" rtl="0" eaLnBrk="1" latinLnBrk="0" hangingPunct="1">
+              <a:defRPr sz="1800" kern="1200">
+                <a:solidFill>
+                  <a:schemeClr val="tx1"/>
+                </a:solidFill>
+                <a:latin typeface="+mn-lt"/>
+                <a:ea typeface="+mn-ea"/>
+                <a:cs typeface="+mn-cs"/>
+              </a:defRPr>
+            </a:lvl6pPr>
+            <a:lvl7pPr marL="2743200" algn="l" defTabSz="457200" rtl="0" eaLnBrk="1" latinLnBrk="0" hangingPunct="1">
+              <a:defRPr sz="1800" kern="1200">
+                <a:solidFill>
+                  <a:schemeClr val="tx1"/>
+                </a:solidFill>
+                <a:latin typeface="+mn-lt"/>
+                <a:ea typeface="+mn-ea"/>
+                <a:cs typeface="+mn-cs"/>
+              </a:defRPr>
+            </a:lvl7pPr>
+            <a:lvl8pPr marL="3200400" algn="l" defTabSz="457200" rtl="0" eaLnBrk="1" latinLnBrk="0" hangingPunct="1">
+              <a:defRPr sz="1800" kern="1200">
+                <a:solidFill>
+                  <a:schemeClr val="tx1"/>
+                </a:solidFill>
+                <a:latin typeface="+mn-lt"/>
+                <a:ea typeface="+mn-ea"/>
+                <a:cs typeface="+mn-cs"/>
+              </a:defRPr>
+            </a:lvl8pPr>
+            <a:lvl9pPr marL="3657600" algn="l" defTabSz="457200" rtl="0" eaLnBrk="1" latinLnBrk="0" hangingPunct="1">
+              <a:defRPr sz="1800" kern="1200">
+                <a:solidFill>
+                  <a:schemeClr val="tx1"/>
+                </a:solidFill>
+                <a:latin typeface="+mn-lt"/>
+                <a:ea typeface="+mn-ea"/>
+                <a:cs typeface="+mn-cs"/>
+              </a:defRPr>
+            </a:lvl9pPr>
+          </a:lstStyle>
+          <a:p>
+            <a:r>
+              <a:rPr lang="fr-FR" altLang="zh-TW" dirty="0" smtClean="0"/>
+              <a:t>https://reurl.cc/2Dom14</a:t>
+            </a:r>
+            <a:endParaRPr lang="zh-TW" altLang="en-US" dirty="0"/>
+          </a:p>
+        </p:txBody>
+      </p:sp>
     </p:spTree>
     <p:extLst>
       <p:ext uri="{BB962C8B-B14F-4D97-AF65-F5344CB8AC3E}">
@@ -7032,11 +7185,7 @@
             </a:r>
             <a:r>
               <a:rPr lang="en-US" altLang="zh-TW" dirty="0" smtClean="0"/>
-              <a:t>n!=</a:t>
-            </a:r>
-            <a:r>
-              <a:rPr lang="en-US" altLang="zh-TW" dirty="0" smtClean="0"/>
-              <a:t>1x2x3x…</a:t>
+              <a:t>n!=1x2x3x…</a:t>
             </a:r>
             <a:r>
               <a:rPr lang="en-US" altLang="zh-TW" dirty="0" err="1" smtClean="0"/>
@@ -9132,11 +9281,7 @@
           <a:p>
             <a:r>
               <a:rPr lang="zh-TW" altLang="en-US" dirty="0" smtClean="0"/>
-              <a:t>練習</a:t>
-            </a:r>
-            <a:r>
-              <a:rPr lang="zh-TW" altLang="en-US" dirty="0" smtClean="0"/>
-              <a:t>七</a:t>
+              <a:t>練習七</a:t>
             </a:r>
             <a:r>
               <a:rPr lang="en-US" altLang="zh-TW" dirty="0"/>
@@ -10175,7 +10320,7 @@
           <p:nvPr>
             <p:extLst>
               <p:ext uri="{D42A27DB-BD31-4B8C-83A1-F6EECF244321}">
-                <p14:modId xmlns:p14="http://schemas.microsoft.com/office/powerpoint/2010/main" val="2387274476"/>
+                <p14:modId xmlns:p14="http://schemas.microsoft.com/office/powerpoint/2010/main" val="3189517018"/>
               </p:ext>
             </p:extLst>
           </p:nvPr>
@@ -10269,12 +10414,12 @@
                     <a:lstStyle/>
                     <a:p>
                       <a:r>
-                        <a:rPr lang="zh-TW" altLang="en-US" dirty="0" smtClean="0">
+                        <a:rPr lang="en-US" altLang="zh-TW" dirty="0" err="1" smtClean="0">
                           <a:solidFill>
                             <a:schemeClr val="tx1"/>
                           </a:solidFill>
                         </a:rPr>
-                        <a:t>Ｋ</a:t>
+                        <a:t>i</a:t>
                       </a:r>
                       <a:endParaRPr lang="zh-TW" altLang="en-US" dirty="0">
                         <a:solidFill>
@@ -10860,12 +11005,12 @@
                     <a:lstStyle/>
                     <a:p>
                       <a:r>
-                        <a:rPr lang="zh-TW" altLang="en-US" dirty="0" smtClean="0">
+                        <a:rPr lang="en-US" altLang="zh-TW" dirty="0" smtClean="0">
                           <a:solidFill>
                             <a:schemeClr val="tx1"/>
                           </a:solidFill>
                         </a:rPr>
-                        <a:t>Ｉ</a:t>
+                        <a:t>k</a:t>
                       </a:r>
                       <a:endParaRPr lang="zh-TW" altLang="en-US" dirty="0">
                         <a:solidFill>
@@ -16792,16 +16937,16 @@
               <a:t> </a:t>
             </a:r>
             <a:r>
-              <a:rPr lang="nn-NO" altLang="zh-TW" dirty="0">
+              <a:rPr lang="nn-NO" altLang="zh-TW" dirty="0" smtClean="0">
                 <a:solidFill>
                   <a:srgbClr val="E6E6FA"/>
                 </a:solidFill>
                 <a:latin typeface="Consolas" panose="020B0609020204030204" pitchFamily="49" charset="0"/>
               </a:rPr>
-              <a:t>&lt;=</a:t>
-            </a:r>
-            <a:r>
-              <a:rPr lang="nn-NO" altLang="zh-TW" dirty="0">
+              <a:t>&lt;</a:t>
+            </a:r>
+            <a:r>
+              <a:rPr lang="nn-NO" altLang="zh-TW" dirty="0" smtClean="0">
                 <a:solidFill>
                   <a:srgbClr val="D9E8F7"/>
                 </a:solidFill>
@@ -16810,16 +16955,16 @@
               <a:t> </a:t>
             </a:r>
             <a:r>
-              <a:rPr lang="nn-NO" altLang="zh-TW" dirty="0">
+              <a:rPr lang="nn-NO" altLang="zh-TW" dirty="0" smtClean="0">
                 <a:solidFill>
                   <a:srgbClr val="F3EC79"/>
                 </a:solidFill>
                 <a:latin typeface="Consolas" panose="020B0609020204030204" pitchFamily="49" charset="0"/>
               </a:rPr>
-              <a:t>i</a:t>
-            </a:r>
-            <a:r>
-              <a:rPr lang="nn-NO" altLang="zh-TW" dirty="0">
+              <a:t>i+1</a:t>
+            </a:r>
+            <a:r>
+              <a:rPr lang="nn-NO" altLang="zh-TW" dirty="0" smtClean="0">
                 <a:solidFill>
                   <a:srgbClr val="E6E6FA"/>
                 </a:solidFill>
@@ -16828,7 +16973,7 @@
               <a:t>;</a:t>
             </a:r>
             <a:r>
-              <a:rPr lang="nn-NO" altLang="zh-TW" dirty="0">
+              <a:rPr lang="nn-NO" altLang="zh-TW" dirty="0" smtClean="0">
                 <a:solidFill>
                   <a:srgbClr val="D9E8F7"/>
                 </a:solidFill>
@@ -20178,23 +20323,7 @@
                     <a:srgbClr val="C00000"/>
                   </a:solidFill>
                 </a:rPr>
-                <a:t>2x4=8	</a:t>
-              </a:r>
-              <a:r>
-                <a:rPr lang="en-US" altLang="zh-TW" dirty="0" smtClean="0">
-                  <a:solidFill>
-                    <a:srgbClr val="C00000"/>
-                  </a:solidFill>
-                </a:rPr>
-                <a:t>3x4=12</a:t>
-              </a:r>
-              <a:r>
-                <a:rPr lang="en-US" altLang="zh-TW" dirty="0" smtClean="0">
-                  <a:solidFill>
-                    <a:srgbClr val="C00000"/>
-                  </a:solidFill>
-                </a:rPr>
-                <a:t>	4x4=16….</a:t>
+                <a:t>2x4=8	3x4=12	4x4=16….</a:t>
               </a:r>
             </a:p>
             <a:p>

--- a/LCC/Java/05_迴圈大法.pptx
+++ b/LCC/Java/05_迴圈大法.pptx
@@ -250,7 +250,7 @@
           <a:p>
             <a:fld id="{39CFF1E8-60EE-4960-A0FD-341AC754B86B}" type="datetimeFigureOut">
               <a:rPr lang="zh-TW" altLang="en-US" smtClean="0"/>
-              <a:t>2022/2/13</a:t>
+              <a:t>2022/6/12</a:t>
             </a:fld>
             <a:endParaRPr lang="zh-TW" altLang="en-US"/>
           </a:p>
@@ -1056,7 +1056,7 @@
             <a:fld id="{B61BEF0D-F0BB-DE4B-95CE-6DB70DBA9567}" type="datetimeFigureOut">
               <a:rPr lang="en-US" dirty="0"/>
               <a:pPr/>
-              <a:t>2/13/2022</a:t>
+              <a:t>6/12/2022</a:t>
             </a:fld>
             <a:endParaRPr lang="en-US" dirty="0"/>
           </a:p>
@@ -1304,7 +1304,7 @@
             <a:fld id="{B61BEF0D-F0BB-DE4B-95CE-6DB70DBA9567}" type="datetimeFigureOut">
               <a:rPr lang="en-US" dirty="0"/>
               <a:pPr/>
-              <a:t>2/13/2022</a:t>
+              <a:t>6/12/2022</a:t>
             </a:fld>
             <a:endParaRPr lang="en-US" dirty="0"/>
           </a:p>
@@ -1615,7 +1615,7 @@
             <a:fld id="{B61BEF0D-F0BB-DE4B-95CE-6DB70DBA9567}" type="datetimeFigureOut">
               <a:rPr lang="en-US" dirty="0"/>
               <a:pPr/>
-              <a:t>2/13/2022</a:t>
+              <a:t>6/12/2022</a:t>
             </a:fld>
             <a:endParaRPr lang="en-US" dirty="0"/>
           </a:p>
@@ -1953,7 +1953,7 @@
             <a:fld id="{B61BEF0D-F0BB-DE4B-95CE-6DB70DBA9567}" type="datetimeFigureOut">
               <a:rPr lang="en-US" dirty="0"/>
               <a:pPr/>
-              <a:t>2/13/2022</a:t>
+              <a:t>6/12/2022</a:t>
             </a:fld>
             <a:endParaRPr lang="en-US" dirty="0"/>
           </a:p>
@@ -2264,7 +2264,7 @@
             <a:fld id="{B61BEF0D-F0BB-DE4B-95CE-6DB70DBA9567}" type="datetimeFigureOut">
               <a:rPr lang="en-US" dirty="0"/>
               <a:pPr/>
-              <a:t>2/13/2022</a:t>
+              <a:t>6/12/2022</a:t>
             </a:fld>
             <a:endParaRPr lang="en-US" dirty="0"/>
           </a:p>
@@ -2654,7 +2654,7 @@
             <a:fld id="{B61BEF0D-F0BB-DE4B-95CE-6DB70DBA9567}" type="datetimeFigureOut">
               <a:rPr lang="en-US" dirty="0"/>
               <a:pPr/>
-              <a:t>2/13/2022</a:t>
+              <a:t>6/12/2022</a:t>
             </a:fld>
             <a:endParaRPr lang="en-US" dirty="0"/>
           </a:p>
@@ -2820,7 +2820,7 @@
           <a:p>
             <a:fld id="{55C6B4A9-1611-4792-9094-5F34BCA07E0B}" type="datetimeFigureOut">
               <a:rPr lang="en-US" dirty="0"/>
-              <a:t>2/13/2022</a:t>
+              <a:t>6/12/2022</a:t>
             </a:fld>
             <a:endParaRPr lang="en-US" dirty="0"/>
           </a:p>
@@ -2996,7 +2996,7 @@
             <a:fld id="{B61BEF0D-F0BB-DE4B-95CE-6DB70DBA9567}" type="datetimeFigureOut">
               <a:rPr lang="en-US" dirty="0"/>
               <a:pPr/>
-              <a:t>2/13/2022</a:t>
+              <a:t>6/12/2022</a:t>
             </a:fld>
             <a:endParaRPr lang="en-US" dirty="0"/>
           </a:p>
@@ -3177,7 +3177,7 @@
             <a:fld id="{B61BEF0D-F0BB-DE4B-95CE-6DB70DBA9567}" type="datetimeFigureOut">
               <a:rPr lang="en-US" dirty="0"/>
               <a:pPr/>
-              <a:t>2/13/2022</a:t>
+              <a:t>6/12/2022</a:t>
             </a:fld>
             <a:endParaRPr lang="en-US" dirty="0"/>
           </a:p>
@@ -3421,7 +3421,7 @@
             <a:fld id="{B61BEF0D-F0BB-DE4B-95CE-6DB70DBA9567}" type="datetimeFigureOut">
               <a:rPr lang="en-US" dirty="0"/>
               <a:pPr/>
-              <a:t>2/13/2022</a:t>
+              <a:t>6/12/2022</a:t>
             </a:fld>
             <a:endParaRPr lang="en-US" dirty="0"/>
           </a:p>
@@ -3649,7 +3649,7 @@
           <a:p>
             <a:fld id="{EB712588-04B1-427B-82EE-E8DB90309F08}" type="datetimeFigureOut">
               <a:rPr lang="en-US" dirty="0"/>
-              <a:t>2/13/2022</a:t>
+              <a:t>6/12/2022</a:t>
             </a:fld>
             <a:endParaRPr lang="en-US" dirty="0"/>
           </a:p>
@@ -4019,7 +4019,7 @@
             <a:fld id="{B61BEF0D-F0BB-DE4B-95CE-6DB70DBA9567}" type="datetimeFigureOut">
               <a:rPr lang="en-US" dirty="0"/>
               <a:pPr/>
-              <a:t>2/13/2022</a:t>
+              <a:t>6/12/2022</a:t>
             </a:fld>
             <a:endParaRPr lang="en-US" dirty="0"/>
           </a:p>
@@ -4139,7 +4139,7 @@
             <a:fld id="{B61BEF0D-F0BB-DE4B-95CE-6DB70DBA9567}" type="datetimeFigureOut">
               <a:rPr lang="en-US" dirty="0"/>
               <a:pPr/>
-              <a:t>2/13/2022</a:t>
+              <a:t>6/12/2022</a:t>
             </a:fld>
             <a:endParaRPr lang="en-US" dirty="0"/>
           </a:p>
@@ -4231,7 +4231,7 @@
             <a:fld id="{B61BEF0D-F0BB-DE4B-95CE-6DB70DBA9567}" type="datetimeFigureOut">
               <a:rPr lang="en-US" dirty="0"/>
               <a:pPr/>
-              <a:t>2/13/2022</a:t>
+              <a:t>6/12/2022</a:t>
             </a:fld>
             <a:endParaRPr lang="en-US" dirty="0"/>
           </a:p>
@@ -4482,7 +4482,7 @@
           <a:p>
             <a:fld id="{42A54C80-263E-416B-A8E0-580EDEADCBDC}" type="datetimeFigureOut">
               <a:rPr lang="en-US" dirty="0"/>
-              <a:t>2/13/2022</a:t>
+              <a:t>6/12/2022</a:t>
             </a:fld>
             <a:endParaRPr lang="en-US" dirty="0"/>
           </a:p>
@@ -4741,7 +4741,7 @@
             <a:fld id="{B61BEF0D-F0BB-DE4B-95CE-6DB70DBA9567}" type="datetimeFigureOut">
               <a:rPr lang="en-US" dirty="0"/>
               <a:pPr/>
-              <a:t>2/13/2022</a:t>
+              <a:t>6/12/2022</a:t>
             </a:fld>
             <a:endParaRPr lang="en-US" dirty="0"/>
           </a:p>
@@ -5481,7 +5481,7 @@
             <a:fld id="{B61BEF0D-F0BB-DE4B-95CE-6DB70DBA9567}" type="datetimeFigureOut">
               <a:rPr lang="en-US" dirty="0"/>
               <a:pPr/>
-              <a:t>2/13/2022</a:t>
+              <a:t>6/12/2022</a:t>
             </a:fld>
             <a:endParaRPr lang="en-US" dirty="0"/>
           </a:p>
@@ -6213,7 +6213,7 @@
             <a:fld id="{4805910D-2C61-424F-80CE-807290CF0E1E}" type="datetime4">
               <a:rPr lang="zh-TW" altLang="zh-TW"/>
               <a:pPr/>
-              <a:t>111年2月13日星期日</a:t>
+              <a:t>111年6月12日星期日</a:t>
             </a:fld>
             <a:endParaRPr lang="zh-TW" altLang="en-US" dirty="0"/>
           </a:p>
@@ -11680,6 +11680,56 @@
           <a:chExt cx="0" cy="0"/>
         </a:xfrm>
       </p:grpSpPr>
+      <p:sp>
+        <p:nvSpPr>
+          <p:cNvPr id="21" name="弧形 20"/>
+          <p:cNvSpPr/>
+          <p:nvPr/>
+        </p:nvSpPr>
+        <p:spPr>
+          <a:xfrm>
+            <a:off x="9045415" y="2458258"/>
+            <a:ext cx="1240197" cy="791040"/>
+          </a:xfrm>
+          <a:prstGeom prst="arc">
+            <a:avLst>
+              <a:gd name="adj1" fmla="val 2541222"/>
+              <a:gd name="adj2" fmla="val 311641"/>
+            </a:avLst>
+          </a:prstGeom>
+          <a:ln w="219075">
+            <a:solidFill>
+              <a:srgbClr val="00FF00">
+                <a:alpha val="54902"/>
+              </a:srgbClr>
+            </a:solidFill>
+            <a:headEnd type="triangle"/>
+            <a:tailEnd type="none" w="lg" len="lg"/>
+          </a:ln>
+        </p:spPr>
+        <p:style>
+          <a:lnRef idx="1">
+            <a:schemeClr val="accent1"/>
+          </a:lnRef>
+          <a:fillRef idx="0">
+            <a:schemeClr val="accent1"/>
+          </a:fillRef>
+          <a:effectRef idx="0">
+            <a:schemeClr val="accent1"/>
+          </a:effectRef>
+          <a:fontRef idx="minor">
+            <a:schemeClr val="tx1"/>
+          </a:fontRef>
+        </p:style>
+        <p:txBody>
+          <a:bodyPr rtlCol="0" anchor="ctr"/>
+          <a:lstStyle/>
+          <a:p>
+            <a:pPr algn="ctr"/>
+            <a:endParaRPr lang="zh-TW" altLang="en-US"/>
+          </a:p>
+        </p:txBody>
+      </p:sp>
       <p:sp>
         <p:nvSpPr>
           <p:cNvPr id="2" name="標題 1"/>
@@ -31308,6 +31358,56 @@
       </p:grpSpPr>
       <p:sp>
         <p:nvSpPr>
+          <p:cNvPr id="24" name="弧形 23"/>
+          <p:cNvSpPr/>
+          <p:nvPr/>
+        </p:nvSpPr>
+        <p:spPr>
+          <a:xfrm>
+            <a:off x="9043149" y="3316241"/>
+            <a:ext cx="1123606" cy="799489"/>
+          </a:xfrm>
+          <a:prstGeom prst="arc">
+            <a:avLst>
+              <a:gd name="adj1" fmla="val 2541222"/>
+              <a:gd name="adj2" fmla="val 311641"/>
+            </a:avLst>
+          </a:prstGeom>
+          <a:ln w="203200">
+            <a:solidFill>
+              <a:srgbClr val="00FF00">
+                <a:alpha val="54902"/>
+              </a:srgbClr>
+            </a:solidFill>
+            <a:headEnd type="triangle"/>
+            <a:tailEnd type="none" w="lg" len="lg"/>
+          </a:ln>
+        </p:spPr>
+        <p:style>
+          <a:lnRef idx="1">
+            <a:schemeClr val="accent1"/>
+          </a:lnRef>
+          <a:fillRef idx="0">
+            <a:schemeClr val="accent1"/>
+          </a:fillRef>
+          <a:effectRef idx="0">
+            <a:schemeClr val="accent1"/>
+          </a:effectRef>
+          <a:fontRef idx="minor">
+            <a:schemeClr val="tx1"/>
+          </a:fontRef>
+        </p:style>
+        <p:txBody>
+          <a:bodyPr rtlCol="0" anchor="ctr"/>
+          <a:lstStyle/>
+          <a:p>
+            <a:pPr algn="ctr"/>
+            <a:endParaRPr lang="zh-TW" altLang="en-US"/>
+          </a:p>
+        </p:txBody>
+      </p:sp>
+      <p:sp>
+        <p:nvSpPr>
           <p:cNvPr id="2" name="標題 1"/>
           <p:cNvSpPr>
             <a:spLocks noGrp="1"/>

--- a/LCC/Java/05_迴圈大法.pptx
+++ b/LCC/Java/05_迴圈大法.pptx
@@ -5,7 +5,7 @@
     <p:sldMasterId id="2147483648" r:id="rId1"/>
   </p:sldMasterIdLst>
   <p:handoutMasterIdLst>
-    <p:handoutMasterId r:id="rId42"/>
+    <p:handoutMasterId r:id="rId44"/>
   </p:handoutMasterIdLst>
   <p:sldIdLst>
     <p:sldId id="256" r:id="rId2"/>
@@ -23,31 +23,33 @@
     <p:sldId id="267" r:id="rId14"/>
     <p:sldId id="268" r:id="rId15"/>
     <p:sldId id="269" r:id="rId16"/>
-    <p:sldId id="270" r:id="rId17"/>
-    <p:sldId id="271" r:id="rId18"/>
-    <p:sldId id="272" r:id="rId19"/>
-    <p:sldId id="296" r:id="rId20"/>
-    <p:sldId id="273" r:id="rId21"/>
-    <p:sldId id="288" r:id="rId22"/>
-    <p:sldId id="274" r:id="rId23"/>
-    <p:sldId id="297" r:id="rId24"/>
-    <p:sldId id="275" r:id="rId25"/>
-    <p:sldId id="276" r:id="rId26"/>
-    <p:sldId id="277" r:id="rId27"/>
-    <p:sldId id="279" r:id="rId28"/>
-    <p:sldId id="283" r:id="rId29"/>
-    <p:sldId id="278" r:id="rId30"/>
-    <p:sldId id="284" r:id="rId31"/>
-    <p:sldId id="281" r:id="rId32"/>
-    <p:sldId id="285" r:id="rId33"/>
-    <p:sldId id="280" r:id="rId34"/>
-    <p:sldId id="293" r:id="rId35"/>
-    <p:sldId id="294" r:id="rId36"/>
-    <p:sldId id="286" r:id="rId37"/>
-    <p:sldId id="289" r:id="rId38"/>
-    <p:sldId id="290" r:id="rId39"/>
-    <p:sldId id="291" r:id="rId40"/>
-    <p:sldId id="295" r:id="rId41"/>
+    <p:sldId id="298" r:id="rId17"/>
+    <p:sldId id="270" r:id="rId18"/>
+    <p:sldId id="271" r:id="rId19"/>
+    <p:sldId id="272" r:id="rId20"/>
+    <p:sldId id="296" r:id="rId21"/>
+    <p:sldId id="273" r:id="rId22"/>
+    <p:sldId id="288" r:id="rId23"/>
+    <p:sldId id="274" r:id="rId24"/>
+    <p:sldId id="297" r:id="rId25"/>
+    <p:sldId id="275" r:id="rId26"/>
+    <p:sldId id="276" r:id="rId27"/>
+    <p:sldId id="277" r:id="rId28"/>
+    <p:sldId id="279" r:id="rId29"/>
+    <p:sldId id="283" r:id="rId30"/>
+    <p:sldId id="278" r:id="rId31"/>
+    <p:sldId id="284" r:id="rId32"/>
+    <p:sldId id="281" r:id="rId33"/>
+    <p:sldId id="285" r:id="rId34"/>
+    <p:sldId id="299" r:id="rId35"/>
+    <p:sldId id="280" r:id="rId36"/>
+    <p:sldId id="293" r:id="rId37"/>
+    <p:sldId id="294" r:id="rId38"/>
+    <p:sldId id="286" r:id="rId39"/>
+    <p:sldId id="289" r:id="rId40"/>
+    <p:sldId id="290" r:id="rId41"/>
+    <p:sldId id="291" r:id="rId42"/>
+    <p:sldId id="295" r:id="rId43"/>
   </p:sldIdLst>
   <p:sldSz cx="12192000" cy="6858000"/>
   <p:notesSz cx="6858000" cy="9144000"/>
@@ -250,7 +252,7 @@
           <a:p>
             <a:fld id="{39CFF1E8-60EE-4960-A0FD-341AC754B86B}" type="datetimeFigureOut">
               <a:rPr lang="zh-TW" altLang="en-US" smtClean="0"/>
-              <a:t>2022/6/12</a:t>
+              <a:t>2022/7/26</a:t>
             </a:fld>
             <a:endParaRPr lang="zh-TW" altLang="en-US"/>
           </a:p>
@@ -1056,7 +1058,7 @@
             <a:fld id="{B61BEF0D-F0BB-DE4B-95CE-6DB70DBA9567}" type="datetimeFigureOut">
               <a:rPr lang="en-US" dirty="0"/>
               <a:pPr/>
-              <a:t>6/12/2022</a:t>
+              <a:t>7/26/2022</a:t>
             </a:fld>
             <a:endParaRPr lang="en-US" dirty="0"/>
           </a:p>
@@ -1304,7 +1306,7 @@
             <a:fld id="{B61BEF0D-F0BB-DE4B-95CE-6DB70DBA9567}" type="datetimeFigureOut">
               <a:rPr lang="en-US" dirty="0"/>
               <a:pPr/>
-              <a:t>6/12/2022</a:t>
+              <a:t>7/26/2022</a:t>
             </a:fld>
             <a:endParaRPr lang="en-US" dirty="0"/>
           </a:p>
@@ -1615,7 +1617,7 @@
             <a:fld id="{B61BEF0D-F0BB-DE4B-95CE-6DB70DBA9567}" type="datetimeFigureOut">
               <a:rPr lang="en-US" dirty="0"/>
               <a:pPr/>
-              <a:t>6/12/2022</a:t>
+              <a:t>7/26/2022</a:t>
             </a:fld>
             <a:endParaRPr lang="en-US" dirty="0"/>
           </a:p>
@@ -1953,7 +1955,7 @@
             <a:fld id="{B61BEF0D-F0BB-DE4B-95CE-6DB70DBA9567}" type="datetimeFigureOut">
               <a:rPr lang="en-US" dirty="0"/>
               <a:pPr/>
-              <a:t>6/12/2022</a:t>
+              <a:t>7/26/2022</a:t>
             </a:fld>
             <a:endParaRPr lang="en-US" dirty="0"/>
           </a:p>
@@ -2264,7 +2266,7 @@
             <a:fld id="{B61BEF0D-F0BB-DE4B-95CE-6DB70DBA9567}" type="datetimeFigureOut">
               <a:rPr lang="en-US" dirty="0"/>
               <a:pPr/>
-              <a:t>6/12/2022</a:t>
+              <a:t>7/26/2022</a:t>
             </a:fld>
             <a:endParaRPr lang="en-US" dirty="0"/>
           </a:p>
@@ -2654,7 +2656,7 @@
             <a:fld id="{B61BEF0D-F0BB-DE4B-95CE-6DB70DBA9567}" type="datetimeFigureOut">
               <a:rPr lang="en-US" dirty="0"/>
               <a:pPr/>
-              <a:t>6/12/2022</a:t>
+              <a:t>7/26/2022</a:t>
             </a:fld>
             <a:endParaRPr lang="en-US" dirty="0"/>
           </a:p>
@@ -2820,7 +2822,7 @@
           <a:p>
             <a:fld id="{55C6B4A9-1611-4792-9094-5F34BCA07E0B}" type="datetimeFigureOut">
               <a:rPr lang="en-US" dirty="0"/>
-              <a:t>6/12/2022</a:t>
+              <a:t>7/26/2022</a:t>
             </a:fld>
             <a:endParaRPr lang="en-US" dirty="0"/>
           </a:p>
@@ -2996,7 +2998,7 @@
             <a:fld id="{B61BEF0D-F0BB-DE4B-95CE-6DB70DBA9567}" type="datetimeFigureOut">
               <a:rPr lang="en-US" dirty="0"/>
               <a:pPr/>
-              <a:t>6/12/2022</a:t>
+              <a:t>7/26/2022</a:t>
             </a:fld>
             <a:endParaRPr lang="en-US" dirty="0"/>
           </a:p>
@@ -3177,7 +3179,7 @@
             <a:fld id="{B61BEF0D-F0BB-DE4B-95CE-6DB70DBA9567}" type="datetimeFigureOut">
               <a:rPr lang="en-US" dirty="0"/>
               <a:pPr/>
-              <a:t>6/12/2022</a:t>
+              <a:t>7/26/2022</a:t>
             </a:fld>
             <a:endParaRPr lang="en-US" dirty="0"/>
           </a:p>
@@ -3421,7 +3423,7 @@
             <a:fld id="{B61BEF0D-F0BB-DE4B-95CE-6DB70DBA9567}" type="datetimeFigureOut">
               <a:rPr lang="en-US" dirty="0"/>
               <a:pPr/>
-              <a:t>6/12/2022</a:t>
+              <a:t>7/26/2022</a:t>
             </a:fld>
             <a:endParaRPr lang="en-US" dirty="0"/>
           </a:p>
@@ -3649,7 +3651,7 @@
           <a:p>
             <a:fld id="{EB712588-04B1-427B-82EE-E8DB90309F08}" type="datetimeFigureOut">
               <a:rPr lang="en-US" dirty="0"/>
-              <a:t>6/12/2022</a:t>
+              <a:t>7/26/2022</a:t>
             </a:fld>
             <a:endParaRPr lang="en-US" dirty="0"/>
           </a:p>
@@ -4019,7 +4021,7 @@
             <a:fld id="{B61BEF0D-F0BB-DE4B-95CE-6DB70DBA9567}" type="datetimeFigureOut">
               <a:rPr lang="en-US" dirty="0"/>
               <a:pPr/>
-              <a:t>6/12/2022</a:t>
+              <a:t>7/26/2022</a:t>
             </a:fld>
             <a:endParaRPr lang="en-US" dirty="0"/>
           </a:p>
@@ -4139,7 +4141,7 @@
             <a:fld id="{B61BEF0D-F0BB-DE4B-95CE-6DB70DBA9567}" type="datetimeFigureOut">
               <a:rPr lang="en-US" dirty="0"/>
               <a:pPr/>
-              <a:t>6/12/2022</a:t>
+              <a:t>7/26/2022</a:t>
             </a:fld>
             <a:endParaRPr lang="en-US" dirty="0"/>
           </a:p>
@@ -4231,7 +4233,7 @@
             <a:fld id="{B61BEF0D-F0BB-DE4B-95CE-6DB70DBA9567}" type="datetimeFigureOut">
               <a:rPr lang="en-US" dirty="0"/>
               <a:pPr/>
-              <a:t>6/12/2022</a:t>
+              <a:t>7/26/2022</a:t>
             </a:fld>
             <a:endParaRPr lang="en-US" dirty="0"/>
           </a:p>
@@ -4482,7 +4484,7 @@
           <a:p>
             <a:fld id="{42A54C80-263E-416B-A8E0-580EDEADCBDC}" type="datetimeFigureOut">
               <a:rPr lang="en-US" dirty="0"/>
-              <a:t>6/12/2022</a:t>
+              <a:t>7/26/2022</a:t>
             </a:fld>
             <a:endParaRPr lang="en-US" dirty="0"/>
           </a:p>
@@ -4741,7 +4743,7 @@
             <a:fld id="{B61BEF0D-F0BB-DE4B-95CE-6DB70DBA9567}" type="datetimeFigureOut">
               <a:rPr lang="en-US" dirty="0"/>
               <a:pPr/>
-              <a:t>6/12/2022</a:t>
+              <a:t>7/26/2022</a:t>
             </a:fld>
             <a:endParaRPr lang="en-US" dirty="0"/>
           </a:p>
@@ -5481,7 +5483,7 @@
             <a:fld id="{B61BEF0D-F0BB-DE4B-95CE-6DB70DBA9567}" type="datetimeFigureOut">
               <a:rPr lang="en-US" dirty="0"/>
               <a:pPr/>
-              <a:t>6/12/2022</a:t>
+              <a:t>7/26/2022</a:t>
             </a:fld>
             <a:endParaRPr lang="en-US" dirty="0"/>
           </a:p>
@@ -5722,7 +5724,7 @@
           <a:p>
             <a:r>
               <a:rPr lang="fr-FR" altLang="zh-TW" dirty="0" smtClean="0"/>
-              <a:t>https://reurl.cc/2Dom14</a:t>
+              <a:t>https://reurl.cc/Kb1Xmg</a:t>
             </a:r>
             <a:endParaRPr lang="zh-TW" altLang="en-US" dirty="0"/>
           </a:p>
@@ -6213,7 +6215,7 @@
             <a:fld id="{4805910D-2C61-424F-80CE-807290CF0E1E}" type="datetime4">
               <a:rPr lang="zh-TW" altLang="zh-TW"/>
               <a:pPr/>
-              <a:t>111年6月12日星期日</a:t>
+              <a:t>111年7月26日星期二</a:t>
             </a:fld>
             <a:endParaRPr lang="zh-TW" altLang="en-US" dirty="0"/>
           </a:p>
@@ -6263,39 +6265,9 @@
           </a:extLst>
         </p:spPr>
       </p:pic>
-      <p:pic>
-        <p:nvPicPr>
-          <p:cNvPr id="5" name="圖片 4"/>
-          <p:cNvPicPr>
-            <a:picLocks noChangeAspect="1"/>
-          </p:cNvPicPr>
-          <p:nvPr/>
-        </p:nvPicPr>
-        <p:blipFill>
-          <a:blip r:embed="rId3">
-            <a:extLst>
-              <a:ext uri="{28A0092B-C50C-407E-A947-70E740481C1C}">
-                <a14:useLocalDpi xmlns:a14="http://schemas.microsoft.com/office/drawing/2010/main" val="0"/>
-              </a:ext>
-            </a:extLst>
-          </a:blip>
-          <a:stretch>
-            <a:fillRect/>
-          </a:stretch>
-        </p:blipFill>
-        <p:spPr>
-          <a:xfrm>
-            <a:off x="927354" y="457267"/>
-            <a:ext cx="1428750" cy="1428750"/>
-          </a:xfrm>
-          <a:prstGeom prst="rect">
-            <a:avLst/>
-          </a:prstGeom>
-        </p:spPr>
-      </p:pic>
       <p:sp>
         <p:nvSpPr>
-          <p:cNvPr id="6" name="矩形 5"/>
+          <p:cNvPr id="7" name="矩形 6"/>
           <p:cNvSpPr/>
           <p:nvPr/>
         </p:nvSpPr>
@@ -6409,13 +6381,37 @@
           </a:lstStyle>
           <a:p>
             <a:r>
-              <a:rPr lang="fr-FR" altLang="zh-TW" dirty="0" smtClean="0"/>
-              <a:t>https://reurl.cc/2Dom14</a:t>
+              <a:rPr lang="fr-FR" altLang="zh-TW" dirty="0"/>
+              <a:t>https://reurl.cc/Kb1Xmg</a:t>
             </a:r>
             <a:endParaRPr lang="zh-TW" altLang="en-US" dirty="0"/>
           </a:p>
         </p:txBody>
       </p:sp>
+      <p:pic>
+        <p:nvPicPr>
+          <p:cNvPr id="8" name="圖片 7"/>
+          <p:cNvPicPr>
+            <a:picLocks noChangeAspect="1"/>
+          </p:cNvPicPr>
+          <p:nvPr/>
+        </p:nvPicPr>
+        <p:blipFill>
+          <a:blip r:embed="rId3"/>
+          <a:stretch>
+            <a:fillRect/>
+          </a:stretch>
+        </p:blipFill>
+        <p:spPr>
+          <a:xfrm>
+            <a:off x="929852" y="503981"/>
+            <a:ext cx="1428750" cy="1428750"/>
+          </a:xfrm>
+          <a:prstGeom prst="rect">
+            <a:avLst/>
+          </a:prstGeom>
+        </p:spPr>
+      </p:pic>
     </p:spTree>
     <p:extLst>
       <p:ext uri="{BB962C8B-B14F-4D97-AF65-F5344CB8AC3E}">
@@ -8718,7 +8714,19 @@
             </a:r>
             <a:r>
               <a:rPr lang="zh-TW" altLang="en-US" dirty="0"/>
-              <a:t>沒計算</a:t>
+              <a:t>沒</a:t>
+            </a:r>
+            <a:r>
+              <a:rPr lang="zh-TW" altLang="en-US" dirty="0" smtClean="0"/>
+              <a:t>計算，需用到雙重</a:t>
+            </a:r>
+            <a:r>
+              <a:rPr lang="en-US" altLang="zh-TW" dirty="0" smtClean="0"/>
+              <a:t>for</a:t>
+            </a:r>
+            <a:r>
+              <a:rPr lang="zh-TW" altLang="en-US" dirty="0" smtClean="0"/>
+              <a:t>迴圈</a:t>
             </a:r>
             <a:endParaRPr lang="en-US" altLang="zh-TW" dirty="0"/>
           </a:p>
@@ -9149,6 +9157,2008 @@
           <a:lstStyle/>
           <a:p>
             <a:r>
+              <a:rPr lang="zh-TW" altLang="en-US" dirty="0" smtClean="0"/>
+              <a:t>思考方式</a:t>
+            </a:r>
+            <a:endParaRPr lang="zh-TW" altLang="en-US" dirty="0"/>
+          </a:p>
+        </p:txBody>
+      </p:sp>
+      <p:sp>
+        <p:nvSpPr>
+          <p:cNvPr id="3" name="內容版面配置區 2"/>
+          <p:cNvSpPr>
+            <a:spLocks noGrp="1"/>
+          </p:cNvSpPr>
+          <p:nvPr>
+            <p:ph idx="1"/>
+          </p:nvPr>
+        </p:nvSpPr>
+        <p:spPr/>
+        <p:txBody>
+          <a:bodyPr/>
+          <a:lstStyle/>
+          <a:p>
+            <a:r>
+              <a:rPr lang="zh-TW" altLang="en-US" dirty="0" smtClean="0"/>
+              <a:t>假設輸入數字</a:t>
+            </a:r>
+            <a:r>
+              <a:rPr lang="en-US" altLang="zh-TW" dirty="0" smtClean="0"/>
+              <a:t>5</a:t>
+            </a:r>
+          </a:p>
+          <a:p>
+            <a:r>
+              <a:rPr lang="zh-TW" altLang="en-US" dirty="0"/>
+              <a:t>我要輸出</a:t>
+            </a:r>
+            <a:r>
+              <a:rPr lang="en-US" altLang="zh-TW" dirty="0"/>
+              <a:t>5</a:t>
+            </a:r>
+            <a:r>
+              <a:rPr lang="zh-TW" altLang="en-US" dirty="0"/>
+              <a:t>行美行</a:t>
+            </a:r>
+            <a:r>
+              <a:rPr lang="en-US" altLang="zh-TW" dirty="0"/>
+              <a:t>5</a:t>
+            </a:r>
+            <a:r>
+              <a:rPr lang="zh-TW" altLang="en-US" dirty="0"/>
+              <a:t>顆</a:t>
+            </a:r>
+            <a:r>
+              <a:rPr lang="zh-TW" altLang="en-US" dirty="0" smtClean="0"/>
+              <a:t>星星</a:t>
+            </a:r>
+            <a:endParaRPr lang="en-US" altLang="zh-TW" dirty="0" smtClean="0"/>
+          </a:p>
+          <a:p>
+            <a:r>
+              <a:rPr lang="zh-TW" altLang="en-US" dirty="0"/>
+              <a:t>每一行</a:t>
+            </a:r>
+            <a:r>
+              <a:rPr lang="en-US" altLang="zh-TW" dirty="0"/>
+              <a:t>5</a:t>
+            </a:r>
+            <a:r>
+              <a:rPr lang="zh-TW" altLang="en-US" dirty="0"/>
+              <a:t>顆星星輸出完要換行</a:t>
+            </a:r>
+            <a:r>
+              <a:rPr lang="zh-TW" altLang="en-US" dirty="0" smtClean="0"/>
+              <a:t>。</a:t>
+            </a:r>
+            <a:endParaRPr lang="en-US" altLang="zh-TW" dirty="0" smtClean="0"/>
+          </a:p>
+          <a:p>
+            <a:pPr lvl="1"/>
+            <a:r>
+              <a:rPr lang="zh-TW" altLang="en-US" dirty="0"/>
+              <a:t>這個</a:t>
+            </a:r>
+            <a:r>
+              <a:rPr lang="zh-TW" altLang="en-US" dirty="0" smtClean="0"/>
+              <a:t>用</a:t>
+            </a:r>
+            <a:r>
+              <a:rPr lang="en-US" altLang="zh-TW" dirty="0" smtClean="0"/>
+              <a:t>for</a:t>
+            </a:r>
+            <a:r>
+              <a:rPr lang="zh-TW" altLang="en-US" dirty="0" smtClean="0"/>
+              <a:t>迴圈已學過</a:t>
+            </a:r>
+            <a:endParaRPr lang="en-US" altLang="zh-TW" dirty="0" smtClean="0"/>
+          </a:p>
+          <a:p>
+            <a:pPr lvl="1"/>
+            <a:r>
+              <a:rPr lang="zh-TW" altLang="en-US" dirty="0"/>
+              <a:t>後面補一個換行即可</a:t>
+            </a:r>
+            <a:r>
+              <a:rPr lang="zh-TW" altLang="en-US" dirty="0" smtClean="0"/>
+              <a:t>。</a:t>
+            </a:r>
+            <a:endParaRPr lang="en-US" altLang="zh-TW" dirty="0" smtClean="0"/>
+          </a:p>
+          <a:p>
+            <a:endParaRPr lang="en-US" altLang="zh-TW" dirty="0"/>
+          </a:p>
+          <a:p>
+            <a:r>
+              <a:rPr lang="zh-TW" altLang="en-US" b="1" dirty="0" smtClean="0">
+                <a:solidFill>
+                  <a:srgbClr val="FF0000"/>
+                </a:solidFill>
+              </a:rPr>
+              <a:t>所以，用另一個迴圈把上面的事</a:t>
+            </a:r>
+            <a:r>
+              <a:rPr lang="en-US" altLang="zh-TW" b="1" dirty="0" smtClean="0">
+                <a:solidFill>
+                  <a:srgbClr val="FF0000"/>
+                </a:solidFill>
+              </a:rPr>
+              <a:t/>
+            </a:r>
+            <a:br>
+              <a:rPr lang="en-US" altLang="zh-TW" b="1" dirty="0" smtClean="0">
+                <a:solidFill>
+                  <a:srgbClr val="FF0000"/>
+                </a:solidFill>
+              </a:rPr>
+            </a:br>
+            <a:r>
+              <a:rPr lang="zh-TW" altLang="en-US" b="1" dirty="0" smtClean="0">
+                <a:solidFill>
+                  <a:srgbClr val="FF0000"/>
+                </a:solidFill>
+              </a:rPr>
+              <a:t>做</a:t>
+            </a:r>
+            <a:r>
+              <a:rPr lang="en-US" altLang="zh-TW" b="1" dirty="0" smtClean="0">
+                <a:solidFill>
+                  <a:srgbClr val="FF0000"/>
+                </a:solidFill>
+              </a:rPr>
+              <a:t>5</a:t>
+            </a:r>
+            <a:r>
+              <a:rPr lang="zh-TW" altLang="en-US" b="1" dirty="0" smtClean="0">
+                <a:solidFill>
+                  <a:srgbClr val="FF0000"/>
+                </a:solidFill>
+              </a:rPr>
+              <a:t>次即可。</a:t>
+            </a:r>
+            <a:endParaRPr lang="zh-TW" altLang="en-US" b="1" dirty="0">
+              <a:solidFill>
+                <a:srgbClr val="FF0000"/>
+              </a:solidFill>
+            </a:endParaRPr>
+          </a:p>
+        </p:txBody>
+      </p:sp>
+      <p:graphicFrame>
+        <p:nvGraphicFramePr>
+          <p:cNvPr id="4" name="表格 3"/>
+          <p:cNvGraphicFramePr>
+            <a:graphicFrameLocks noGrp="1"/>
+          </p:cNvGraphicFramePr>
+          <p:nvPr>
+            <p:extLst>
+              <p:ext uri="{D42A27DB-BD31-4B8C-83A1-F6EECF244321}">
+                <p14:modId xmlns:p14="http://schemas.microsoft.com/office/powerpoint/2010/main" val="2403225756"/>
+              </p:ext>
+            </p:extLst>
+          </p:nvPr>
+        </p:nvGraphicFramePr>
+        <p:xfrm>
+          <a:off x="5259832" y="2270820"/>
+          <a:ext cx="3673854" cy="3660310"/>
+        </p:xfrm>
+        <a:graphic>
+          <a:graphicData uri="http://schemas.openxmlformats.org/drawingml/2006/table">
+            <a:tbl>
+              <a:tblPr firstRow="1" bandRow="1">
+                <a:tableStyleId>{5940675A-B579-460E-94D1-54222C63F5DA}</a:tableStyleId>
+              </a:tblPr>
+              <a:tblGrid>
+                <a:gridCol w="612309">
+                  <a:extLst>
+                    <a:ext uri="{9D8B030D-6E8A-4147-A177-3AD203B41FA5}">
+                      <a16:colId xmlns:a16="http://schemas.microsoft.com/office/drawing/2014/main" val="567987689"/>
+                    </a:ext>
+                  </a:extLst>
+                </a:gridCol>
+                <a:gridCol w="612309">
+                  <a:extLst>
+                    <a:ext uri="{9D8B030D-6E8A-4147-A177-3AD203B41FA5}">
+                      <a16:colId xmlns:a16="http://schemas.microsoft.com/office/drawing/2014/main" val="4015407109"/>
+                    </a:ext>
+                  </a:extLst>
+                </a:gridCol>
+                <a:gridCol w="612309">
+                  <a:extLst>
+                    <a:ext uri="{9D8B030D-6E8A-4147-A177-3AD203B41FA5}">
+                      <a16:colId xmlns:a16="http://schemas.microsoft.com/office/drawing/2014/main" val="3978262972"/>
+                    </a:ext>
+                  </a:extLst>
+                </a:gridCol>
+                <a:gridCol w="612309">
+                  <a:extLst>
+                    <a:ext uri="{9D8B030D-6E8A-4147-A177-3AD203B41FA5}">
+                      <a16:colId xmlns:a16="http://schemas.microsoft.com/office/drawing/2014/main" val="1421982882"/>
+                    </a:ext>
+                  </a:extLst>
+                </a:gridCol>
+                <a:gridCol w="612309">
+                  <a:extLst>
+                    <a:ext uri="{9D8B030D-6E8A-4147-A177-3AD203B41FA5}">
+                      <a16:colId xmlns:a16="http://schemas.microsoft.com/office/drawing/2014/main" val="1853010850"/>
+                    </a:ext>
+                  </a:extLst>
+                </a:gridCol>
+                <a:gridCol w="612309">
+                  <a:extLst>
+                    <a:ext uri="{9D8B030D-6E8A-4147-A177-3AD203B41FA5}">
+                      <a16:colId xmlns:a16="http://schemas.microsoft.com/office/drawing/2014/main" val="1646562850"/>
+                    </a:ext>
+                  </a:extLst>
+                </a:gridCol>
+              </a:tblGrid>
+              <a:tr h="732062">
+                <a:tc>
+                  <a:txBody>
+                    <a:bodyPr/>
+                    <a:lstStyle/>
+                    <a:p>
+                      <a:pPr algn="ctr"/>
+                      <a:r>
+                        <a:rPr lang="zh-TW" altLang="en-US" sz="3600" b="1" dirty="0" smtClean="0"/>
+                        <a:t>＊</a:t>
+                      </a:r>
+                      <a:endParaRPr lang="zh-TW" altLang="en-US" sz="3600" b="1" dirty="0"/>
+                    </a:p>
+                  </a:txBody>
+                  <a:tcPr anchor="ctr">
+                    <a:lnL w="12700" cmpd="sng">
+                      <a:noFill/>
+                    </a:lnL>
+                    <a:lnR w="12700" cmpd="sng">
+                      <a:noFill/>
+                    </a:lnR>
+                    <a:lnT w="12700" cmpd="sng">
+                      <a:noFill/>
+                    </a:lnT>
+                    <a:lnB w="12700" cmpd="sng">
+                      <a:noFill/>
+                    </a:lnB>
+                    <a:lnTlToBr w="12700" cmpd="sng">
+                      <a:noFill/>
+                      <a:prstDash val="solid"/>
+                    </a:lnTlToBr>
+                    <a:lnBlToTr w="12700" cmpd="sng">
+                      <a:noFill/>
+                      <a:prstDash val="solid"/>
+                    </a:lnBlToTr>
+                  </a:tcPr>
+                </a:tc>
+                <a:tc>
+                  <a:txBody>
+                    <a:bodyPr/>
+                    <a:lstStyle/>
+                    <a:p>
+                      <a:pPr algn="ctr"/>
+                      <a:r>
+                        <a:rPr lang="zh-TW" altLang="en-US" sz="3600" b="1" dirty="0" smtClean="0"/>
+                        <a:t>＊</a:t>
+                      </a:r>
+                      <a:endParaRPr lang="zh-TW" altLang="en-US" sz="3600" b="1" dirty="0"/>
+                    </a:p>
+                  </a:txBody>
+                  <a:tcPr anchor="ctr">
+                    <a:lnL w="12700" cmpd="sng">
+                      <a:noFill/>
+                    </a:lnL>
+                    <a:lnR w="12700" cmpd="sng">
+                      <a:noFill/>
+                    </a:lnR>
+                    <a:lnT w="12700" cmpd="sng">
+                      <a:noFill/>
+                    </a:lnT>
+                    <a:lnB w="12700" cmpd="sng">
+                      <a:noFill/>
+                    </a:lnB>
+                    <a:lnTlToBr w="12700" cmpd="sng">
+                      <a:noFill/>
+                      <a:prstDash val="solid"/>
+                    </a:lnTlToBr>
+                    <a:lnBlToTr w="12700" cmpd="sng">
+                      <a:noFill/>
+                      <a:prstDash val="solid"/>
+                    </a:lnBlToTr>
+                  </a:tcPr>
+                </a:tc>
+                <a:tc>
+                  <a:txBody>
+                    <a:bodyPr/>
+                    <a:lstStyle/>
+                    <a:p>
+                      <a:pPr algn="ctr"/>
+                      <a:r>
+                        <a:rPr lang="zh-TW" altLang="en-US" sz="3600" b="1" dirty="0" smtClean="0"/>
+                        <a:t>＊</a:t>
+                      </a:r>
+                      <a:endParaRPr lang="zh-TW" altLang="en-US" sz="3600" b="1" dirty="0"/>
+                    </a:p>
+                  </a:txBody>
+                  <a:tcPr anchor="ctr">
+                    <a:lnL w="12700" cmpd="sng">
+                      <a:noFill/>
+                    </a:lnL>
+                    <a:lnR w="12700" cmpd="sng">
+                      <a:noFill/>
+                    </a:lnR>
+                    <a:lnT w="12700" cmpd="sng">
+                      <a:noFill/>
+                    </a:lnT>
+                    <a:lnB w="12700" cmpd="sng">
+                      <a:noFill/>
+                    </a:lnB>
+                    <a:lnTlToBr w="12700" cmpd="sng">
+                      <a:noFill/>
+                      <a:prstDash val="solid"/>
+                    </a:lnTlToBr>
+                    <a:lnBlToTr w="12700" cmpd="sng">
+                      <a:noFill/>
+                      <a:prstDash val="solid"/>
+                    </a:lnBlToTr>
+                  </a:tcPr>
+                </a:tc>
+                <a:tc>
+                  <a:txBody>
+                    <a:bodyPr/>
+                    <a:lstStyle/>
+                    <a:p>
+                      <a:pPr algn="ctr"/>
+                      <a:r>
+                        <a:rPr lang="zh-TW" altLang="en-US" sz="3600" b="1" dirty="0" smtClean="0"/>
+                        <a:t>＊</a:t>
+                      </a:r>
+                      <a:endParaRPr lang="zh-TW" altLang="en-US" sz="3600" b="1" dirty="0"/>
+                    </a:p>
+                  </a:txBody>
+                  <a:tcPr anchor="ctr">
+                    <a:lnL w="12700" cmpd="sng">
+                      <a:noFill/>
+                    </a:lnL>
+                    <a:lnR w="12700" cmpd="sng">
+                      <a:noFill/>
+                    </a:lnR>
+                    <a:lnT w="12700" cmpd="sng">
+                      <a:noFill/>
+                    </a:lnT>
+                    <a:lnB w="12700" cmpd="sng">
+                      <a:noFill/>
+                    </a:lnB>
+                    <a:lnTlToBr w="12700" cmpd="sng">
+                      <a:noFill/>
+                      <a:prstDash val="solid"/>
+                    </a:lnTlToBr>
+                    <a:lnBlToTr w="12700" cmpd="sng">
+                      <a:noFill/>
+                      <a:prstDash val="solid"/>
+                    </a:lnBlToTr>
+                  </a:tcPr>
+                </a:tc>
+                <a:tc>
+                  <a:txBody>
+                    <a:bodyPr/>
+                    <a:lstStyle/>
+                    <a:p>
+                      <a:pPr algn="ctr"/>
+                      <a:r>
+                        <a:rPr lang="zh-TW" altLang="en-US" sz="3600" b="1" dirty="0" smtClean="0"/>
+                        <a:t>＊</a:t>
+                      </a:r>
+                      <a:endParaRPr lang="zh-TW" altLang="en-US" sz="3600" b="1" dirty="0"/>
+                    </a:p>
+                  </a:txBody>
+                  <a:tcPr anchor="ctr">
+                    <a:lnL w="12700" cmpd="sng">
+                      <a:noFill/>
+                    </a:lnL>
+                    <a:lnR w="12700" cmpd="sng">
+                      <a:noFill/>
+                    </a:lnR>
+                    <a:lnT w="12700" cmpd="sng">
+                      <a:noFill/>
+                    </a:lnT>
+                    <a:lnB w="12700" cmpd="sng">
+                      <a:noFill/>
+                    </a:lnB>
+                    <a:lnTlToBr w="12700" cmpd="sng">
+                      <a:noFill/>
+                      <a:prstDash val="solid"/>
+                    </a:lnTlToBr>
+                    <a:lnBlToTr w="12700" cmpd="sng">
+                      <a:noFill/>
+                      <a:prstDash val="solid"/>
+                    </a:lnBlToTr>
+                  </a:tcPr>
+                </a:tc>
+                <a:tc>
+                  <a:txBody>
+                    <a:bodyPr/>
+                    <a:lstStyle/>
+                    <a:p>
+                      <a:pPr algn="ctr"/>
+                      <a:r>
+                        <a:rPr lang="zh-TW" altLang="en-US" sz="3600" b="1" dirty="0" smtClean="0">
+                          <a:sym typeface="Symbol" panose="05050102010706020507" pitchFamily="18" charset="2"/>
+                        </a:rPr>
+                        <a:t></a:t>
+                      </a:r>
+                      <a:endParaRPr lang="zh-TW" altLang="en-US" sz="3600" b="1" dirty="0"/>
+                    </a:p>
+                  </a:txBody>
+                  <a:tcPr anchor="ctr">
+                    <a:lnL w="12700" cmpd="sng">
+                      <a:noFill/>
+                    </a:lnL>
+                    <a:lnR w="12700" cmpd="sng">
+                      <a:noFill/>
+                    </a:lnR>
+                    <a:lnT w="12700" cmpd="sng">
+                      <a:noFill/>
+                    </a:lnT>
+                    <a:lnB w="12700" cmpd="sng">
+                      <a:noFill/>
+                    </a:lnB>
+                    <a:lnTlToBr w="12700" cmpd="sng">
+                      <a:noFill/>
+                      <a:prstDash val="solid"/>
+                    </a:lnTlToBr>
+                    <a:lnBlToTr w="12700" cmpd="sng">
+                      <a:noFill/>
+                      <a:prstDash val="solid"/>
+                    </a:lnBlToTr>
+                  </a:tcPr>
+                </a:tc>
+                <a:extLst>
+                  <a:ext uri="{0D108BD9-81ED-4DB2-BD59-A6C34878D82A}">
+                    <a16:rowId xmlns:a16="http://schemas.microsoft.com/office/drawing/2014/main" val="2183655749"/>
+                  </a:ext>
+                </a:extLst>
+              </a:tr>
+              <a:tr h="732062">
+                <a:tc>
+                  <a:txBody>
+                    <a:bodyPr/>
+                    <a:lstStyle/>
+                    <a:p>
+                      <a:pPr algn="ctr"/>
+                      <a:r>
+                        <a:rPr lang="zh-TW" altLang="en-US" sz="3600" b="1" dirty="0" smtClean="0"/>
+                        <a:t>＊</a:t>
+                      </a:r>
+                      <a:endParaRPr lang="zh-TW" altLang="en-US" sz="3600" b="1" dirty="0"/>
+                    </a:p>
+                  </a:txBody>
+                  <a:tcPr anchor="ctr">
+                    <a:lnL w="12700" cmpd="sng">
+                      <a:noFill/>
+                    </a:lnL>
+                    <a:lnR w="12700" cmpd="sng">
+                      <a:noFill/>
+                    </a:lnR>
+                    <a:lnT w="12700" cmpd="sng">
+                      <a:noFill/>
+                    </a:lnT>
+                    <a:lnB w="12700" cmpd="sng">
+                      <a:noFill/>
+                    </a:lnB>
+                    <a:lnTlToBr w="12700" cmpd="sng">
+                      <a:noFill/>
+                      <a:prstDash val="solid"/>
+                    </a:lnTlToBr>
+                    <a:lnBlToTr w="12700" cmpd="sng">
+                      <a:noFill/>
+                      <a:prstDash val="solid"/>
+                    </a:lnBlToTr>
+                  </a:tcPr>
+                </a:tc>
+                <a:tc>
+                  <a:txBody>
+                    <a:bodyPr/>
+                    <a:lstStyle/>
+                    <a:p>
+                      <a:pPr algn="ctr"/>
+                      <a:r>
+                        <a:rPr lang="zh-TW" altLang="en-US" sz="3600" b="1" dirty="0" smtClean="0"/>
+                        <a:t>＊</a:t>
+                      </a:r>
+                      <a:endParaRPr lang="zh-TW" altLang="en-US" sz="3600" b="1" dirty="0"/>
+                    </a:p>
+                  </a:txBody>
+                  <a:tcPr anchor="ctr">
+                    <a:lnL w="12700" cmpd="sng">
+                      <a:noFill/>
+                    </a:lnL>
+                    <a:lnR w="12700" cmpd="sng">
+                      <a:noFill/>
+                    </a:lnR>
+                    <a:lnT w="12700" cmpd="sng">
+                      <a:noFill/>
+                    </a:lnT>
+                    <a:lnB w="12700" cmpd="sng">
+                      <a:noFill/>
+                    </a:lnB>
+                    <a:lnTlToBr w="12700" cmpd="sng">
+                      <a:noFill/>
+                      <a:prstDash val="solid"/>
+                    </a:lnTlToBr>
+                    <a:lnBlToTr w="12700" cmpd="sng">
+                      <a:noFill/>
+                      <a:prstDash val="solid"/>
+                    </a:lnBlToTr>
+                  </a:tcPr>
+                </a:tc>
+                <a:tc>
+                  <a:txBody>
+                    <a:bodyPr/>
+                    <a:lstStyle/>
+                    <a:p>
+                      <a:pPr algn="ctr"/>
+                      <a:r>
+                        <a:rPr lang="zh-TW" altLang="en-US" sz="3600" b="1" dirty="0" smtClean="0"/>
+                        <a:t>＊</a:t>
+                      </a:r>
+                      <a:endParaRPr lang="zh-TW" altLang="en-US" sz="3600" b="1" dirty="0"/>
+                    </a:p>
+                  </a:txBody>
+                  <a:tcPr anchor="ctr">
+                    <a:lnL w="12700" cmpd="sng">
+                      <a:noFill/>
+                    </a:lnL>
+                    <a:lnR w="12700" cmpd="sng">
+                      <a:noFill/>
+                    </a:lnR>
+                    <a:lnT w="12700" cmpd="sng">
+                      <a:noFill/>
+                    </a:lnT>
+                    <a:lnB w="12700" cmpd="sng">
+                      <a:noFill/>
+                    </a:lnB>
+                    <a:lnTlToBr w="12700" cmpd="sng">
+                      <a:noFill/>
+                      <a:prstDash val="solid"/>
+                    </a:lnTlToBr>
+                    <a:lnBlToTr w="12700" cmpd="sng">
+                      <a:noFill/>
+                      <a:prstDash val="solid"/>
+                    </a:lnBlToTr>
+                  </a:tcPr>
+                </a:tc>
+                <a:tc>
+                  <a:txBody>
+                    <a:bodyPr/>
+                    <a:lstStyle/>
+                    <a:p>
+                      <a:pPr algn="ctr"/>
+                      <a:r>
+                        <a:rPr lang="zh-TW" altLang="en-US" sz="3600" b="1" dirty="0" smtClean="0"/>
+                        <a:t>＊</a:t>
+                      </a:r>
+                      <a:endParaRPr lang="zh-TW" altLang="en-US" sz="3600" b="1" dirty="0"/>
+                    </a:p>
+                  </a:txBody>
+                  <a:tcPr anchor="ctr">
+                    <a:lnL w="12700" cmpd="sng">
+                      <a:noFill/>
+                    </a:lnL>
+                    <a:lnR w="12700" cmpd="sng">
+                      <a:noFill/>
+                    </a:lnR>
+                    <a:lnT w="12700" cmpd="sng">
+                      <a:noFill/>
+                    </a:lnT>
+                    <a:lnB w="12700" cmpd="sng">
+                      <a:noFill/>
+                    </a:lnB>
+                    <a:lnTlToBr w="12700" cmpd="sng">
+                      <a:noFill/>
+                      <a:prstDash val="solid"/>
+                    </a:lnTlToBr>
+                    <a:lnBlToTr w="12700" cmpd="sng">
+                      <a:noFill/>
+                      <a:prstDash val="solid"/>
+                    </a:lnBlToTr>
+                  </a:tcPr>
+                </a:tc>
+                <a:tc>
+                  <a:txBody>
+                    <a:bodyPr/>
+                    <a:lstStyle/>
+                    <a:p>
+                      <a:pPr algn="ctr"/>
+                      <a:r>
+                        <a:rPr lang="zh-TW" altLang="en-US" sz="3600" b="1" dirty="0" smtClean="0"/>
+                        <a:t>＊</a:t>
+                      </a:r>
+                      <a:endParaRPr lang="zh-TW" altLang="en-US" sz="3600" b="1" dirty="0"/>
+                    </a:p>
+                  </a:txBody>
+                  <a:tcPr anchor="ctr">
+                    <a:lnL w="12700" cmpd="sng">
+                      <a:noFill/>
+                    </a:lnL>
+                    <a:lnR w="12700" cmpd="sng">
+                      <a:noFill/>
+                    </a:lnR>
+                    <a:lnT w="12700" cmpd="sng">
+                      <a:noFill/>
+                    </a:lnT>
+                    <a:lnB w="12700" cmpd="sng">
+                      <a:noFill/>
+                    </a:lnB>
+                    <a:lnTlToBr w="12700" cmpd="sng">
+                      <a:noFill/>
+                      <a:prstDash val="solid"/>
+                    </a:lnTlToBr>
+                    <a:lnBlToTr w="12700" cmpd="sng">
+                      <a:noFill/>
+                      <a:prstDash val="solid"/>
+                    </a:lnBlToTr>
+                  </a:tcPr>
+                </a:tc>
+                <a:tc>
+                  <a:txBody>
+                    <a:bodyPr/>
+                    <a:lstStyle/>
+                    <a:p>
+                      <a:pPr algn="ctr"/>
+                      <a:r>
+                        <a:rPr lang="zh-TW" altLang="en-US" sz="3600" b="1" dirty="0" smtClean="0">
+                          <a:sym typeface="Symbol" panose="05050102010706020507" pitchFamily="18" charset="2"/>
+                        </a:rPr>
+                        <a:t></a:t>
+                      </a:r>
+                      <a:endParaRPr lang="zh-TW" altLang="en-US" sz="3600" b="1" dirty="0"/>
+                    </a:p>
+                  </a:txBody>
+                  <a:tcPr anchor="ctr">
+                    <a:lnL w="12700" cmpd="sng">
+                      <a:noFill/>
+                    </a:lnL>
+                    <a:lnR w="12700" cmpd="sng">
+                      <a:noFill/>
+                    </a:lnR>
+                    <a:lnT w="12700" cmpd="sng">
+                      <a:noFill/>
+                    </a:lnT>
+                    <a:lnB w="12700" cmpd="sng">
+                      <a:noFill/>
+                    </a:lnB>
+                    <a:lnTlToBr w="12700" cmpd="sng">
+                      <a:noFill/>
+                      <a:prstDash val="solid"/>
+                    </a:lnTlToBr>
+                    <a:lnBlToTr w="12700" cmpd="sng">
+                      <a:noFill/>
+                      <a:prstDash val="solid"/>
+                    </a:lnBlToTr>
+                  </a:tcPr>
+                </a:tc>
+                <a:extLst>
+                  <a:ext uri="{0D108BD9-81ED-4DB2-BD59-A6C34878D82A}">
+                    <a16:rowId xmlns:a16="http://schemas.microsoft.com/office/drawing/2014/main" val="3159741202"/>
+                  </a:ext>
+                </a:extLst>
+              </a:tr>
+              <a:tr h="732062">
+                <a:tc>
+                  <a:txBody>
+                    <a:bodyPr/>
+                    <a:lstStyle/>
+                    <a:p>
+                      <a:pPr algn="ctr"/>
+                      <a:r>
+                        <a:rPr lang="zh-TW" altLang="en-US" sz="3600" b="1" dirty="0" smtClean="0"/>
+                        <a:t>＊</a:t>
+                      </a:r>
+                      <a:endParaRPr lang="zh-TW" altLang="en-US" sz="3600" b="1" dirty="0"/>
+                    </a:p>
+                  </a:txBody>
+                  <a:tcPr anchor="ctr">
+                    <a:lnL w="12700" cmpd="sng">
+                      <a:noFill/>
+                    </a:lnL>
+                    <a:lnR w="12700" cmpd="sng">
+                      <a:noFill/>
+                    </a:lnR>
+                    <a:lnT w="12700" cmpd="sng">
+                      <a:noFill/>
+                    </a:lnT>
+                    <a:lnB w="12700" cmpd="sng">
+                      <a:noFill/>
+                    </a:lnB>
+                    <a:lnTlToBr w="12700" cmpd="sng">
+                      <a:noFill/>
+                      <a:prstDash val="solid"/>
+                    </a:lnTlToBr>
+                    <a:lnBlToTr w="12700" cmpd="sng">
+                      <a:noFill/>
+                      <a:prstDash val="solid"/>
+                    </a:lnBlToTr>
+                  </a:tcPr>
+                </a:tc>
+                <a:tc>
+                  <a:txBody>
+                    <a:bodyPr/>
+                    <a:lstStyle/>
+                    <a:p>
+                      <a:pPr algn="ctr"/>
+                      <a:r>
+                        <a:rPr lang="zh-TW" altLang="en-US" sz="3600" b="1" dirty="0" smtClean="0"/>
+                        <a:t>＊</a:t>
+                      </a:r>
+                      <a:endParaRPr lang="zh-TW" altLang="en-US" sz="3600" b="1" dirty="0"/>
+                    </a:p>
+                  </a:txBody>
+                  <a:tcPr anchor="ctr">
+                    <a:lnL w="12700" cmpd="sng">
+                      <a:noFill/>
+                    </a:lnL>
+                    <a:lnR w="12700" cmpd="sng">
+                      <a:noFill/>
+                    </a:lnR>
+                    <a:lnT w="12700" cmpd="sng">
+                      <a:noFill/>
+                    </a:lnT>
+                    <a:lnB w="12700" cmpd="sng">
+                      <a:noFill/>
+                    </a:lnB>
+                    <a:lnTlToBr w="12700" cmpd="sng">
+                      <a:noFill/>
+                      <a:prstDash val="solid"/>
+                    </a:lnTlToBr>
+                    <a:lnBlToTr w="12700" cmpd="sng">
+                      <a:noFill/>
+                      <a:prstDash val="solid"/>
+                    </a:lnBlToTr>
+                  </a:tcPr>
+                </a:tc>
+                <a:tc>
+                  <a:txBody>
+                    <a:bodyPr/>
+                    <a:lstStyle/>
+                    <a:p>
+                      <a:pPr algn="ctr"/>
+                      <a:r>
+                        <a:rPr lang="zh-TW" altLang="en-US" sz="3600" b="1" dirty="0" smtClean="0"/>
+                        <a:t>＊</a:t>
+                      </a:r>
+                      <a:endParaRPr lang="zh-TW" altLang="en-US" sz="3600" b="1" dirty="0"/>
+                    </a:p>
+                  </a:txBody>
+                  <a:tcPr anchor="ctr">
+                    <a:lnL w="12700" cmpd="sng">
+                      <a:noFill/>
+                    </a:lnL>
+                    <a:lnR w="12700" cmpd="sng">
+                      <a:noFill/>
+                    </a:lnR>
+                    <a:lnT w="12700" cmpd="sng">
+                      <a:noFill/>
+                    </a:lnT>
+                    <a:lnB w="12700" cmpd="sng">
+                      <a:noFill/>
+                    </a:lnB>
+                    <a:lnTlToBr w="12700" cmpd="sng">
+                      <a:noFill/>
+                      <a:prstDash val="solid"/>
+                    </a:lnTlToBr>
+                    <a:lnBlToTr w="12700" cmpd="sng">
+                      <a:noFill/>
+                      <a:prstDash val="solid"/>
+                    </a:lnBlToTr>
+                  </a:tcPr>
+                </a:tc>
+                <a:tc>
+                  <a:txBody>
+                    <a:bodyPr/>
+                    <a:lstStyle/>
+                    <a:p>
+                      <a:pPr algn="ctr"/>
+                      <a:r>
+                        <a:rPr lang="zh-TW" altLang="en-US" sz="3600" b="1" dirty="0" smtClean="0"/>
+                        <a:t>＊</a:t>
+                      </a:r>
+                      <a:endParaRPr lang="zh-TW" altLang="en-US" sz="3600" b="1" dirty="0"/>
+                    </a:p>
+                  </a:txBody>
+                  <a:tcPr anchor="ctr">
+                    <a:lnL w="12700" cmpd="sng">
+                      <a:noFill/>
+                    </a:lnL>
+                    <a:lnR w="12700" cmpd="sng">
+                      <a:noFill/>
+                    </a:lnR>
+                    <a:lnT w="12700" cmpd="sng">
+                      <a:noFill/>
+                    </a:lnT>
+                    <a:lnB w="12700" cmpd="sng">
+                      <a:noFill/>
+                    </a:lnB>
+                    <a:lnTlToBr w="12700" cmpd="sng">
+                      <a:noFill/>
+                      <a:prstDash val="solid"/>
+                    </a:lnTlToBr>
+                    <a:lnBlToTr w="12700" cmpd="sng">
+                      <a:noFill/>
+                      <a:prstDash val="solid"/>
+                    </a:lnBlToTr>
+                  </a:tcPr>
+                </a:tc>
+                <a:tc>
+                  <a:txBody>
+                    <a:bodyPr/>
+                    <a:lstStyle/>
+                    <a:p>
+                      <a:pPr algn="ctr"/>
+                      <a:r>
+                        <a:rPr lang="zh-TW" altLang="en-US" sz="3600" b="1" dirty="0" smtClean="0"/>
+                        <a:t>＊</a:t>
+                      </a:r>
+                      <a:endParaRPr lang="zh-TW" altLang="en-US" sz="3600" b="1" dirty="0"/>
+                    </a:p>
+                  </a:txBody>
+                  <a:tcPr anchor="ctr">
+                    <a:lnL w="12700" cmpd="sng">
+                      <a:noFill/>
+                    </a:lnL>
+                    <a:lnR w="12700" cmpd="sng">
+                      <a:noFill/>
+                    </a:lnR>
+                    <a:lnT w="12700" cmpd="sng">
+                      <a:noFill/>
+                    </a:lnT>
+                    <a:lnB w="12700" cmpd="sng">
+                      <a:noFill/>
+                    </a:lnB>
+                    <a:lnTlToBr w="12700" cmpd="sng">
+                      <a:noFill/>
+                      <a:prstDash val="solid"/>
+                    </a:lnTlToBr>
+                    <a:lnBlToTr w="12700" cmpd="sng">
+                      <a:noFill/>
+                      <a:prstDash val="solid"/>
+                    </a:lnBlToTr>
+                  </a:tcPr>
+                </a:tc>
+                <a:tc>
+                  <a:txBody>
+                    <a:bodyPr/>
+                    <a:lstStyle/>
+                    <a:p>
+                      <a:pPr algn="ctr"/>
+                      <a:r>
+                        <a:rPr lang="zh-TW" altLang="en-US" sz="3600" b="1" dirty="0" smtClean="0">
+                          <a:sym typeface="Symbol" panose="05050102010706020507" pitchFamily="18" charset="2"/>
+                        </a:rPr>
+                        <a:t></a:t>
+                      </a:r>
+                      <a:endParaRPr lang="zh-TW" altLang="en-US" sz="3600" b="1" dirty="0"/>
+                    </a:p>
+                  </a:txBody>
+                  <a:tcPr anchor="ctr">
+                    <a:lnL w="12700" cmpd="sng">
+                      <a:noFill/>
+                    </a:lnL>
+                    <a:lnR w="12700" cmpd="sng">
+                      <a:noFill/>
+                    </a:lnR>
+                    <a:lnT w="12700" cmpd="sng">
+                      <a:noFill/>
+                    </a:lnT>
+                    <a:lnB w="12700" cmpd="sng">
+                      <a:noFill/>
+                    </a:lnB>
+                    <a:lnTlToBr w="12700" cmpd="sng">
+                      <a:noFill/>
+                      <a:prstDash val="solid"/>
+                    </a:lnTlToBr>
+                    <a:lnBlToTr w="12700" cmpd="sng">
+                      <a:noFill/>
+                      <a:prstDash val="solid"/>
+                    </a:lnBlToTr>
+                  </a:tcPr>
+                </a:tc>
+                <a:extLst>
+                  <a:ext uri="{0D108BD9-81ED-4DB2-BD59-A6C34878D82A}">
+                    <a16:rowId xmlns:a16="http://schemas.microsoft.com/office/drawing/2014/main" val="3878424096"/>
+                  </a:ext>
+                </a:extLst>
+              </a:tr>
+              <a:tr h="732062">
+                <a:tc>
+                  <a:txBody>
+                    <a:bodyPr/>
+                    <a:lstStyle/>
+                    <a:p>
+                      <a:pPr algn="ctr"/>
+                      <a:r>
+                        <a:rPr lang="zh-TW" altLang="en-US" sz="3600" b="1" dirty="0" smtClean="0"/>
+                        <a:t>＊</a:t>
+                      </a:r>
+                      <a:endParaRPr lang="zh-TW" altLang="en-US" sz="3600" b="1" dirty="0"/>
+                    </a:p>
+                  </a:txBody>
+                  <a:tcPr anchor="ctr">
+                    <a:lnL w="12700" cmpd="sng">
+                      <a:noFill/>
+                    </a:lnL>
+                    <a:lnR w="12700" cmpd="sng">
+                      <a:noFill/>
+                    </a:lnR>
+                    <a:lnT w="12700" cmpd="sng">
+                      <a:noFill/>
+                    </a:lnT>
+                    <a:lnB w="12700" cmpd="sng">
+                      <a:noFill/>
+                    </a:lnB>
+                    <a:lnTlToBr w="12700" cmpd="sng">
+                      <a:noFill/>
+                      <a:prstDash val="solid"/>
+                    </a:lnTlToBr>
+                    <a:lnBlToTr w="12700" cmpd="sng">
+                      <a:noFill/>
+                      <a:prstDash val="solid"/>
+                    </a:lnBlToTr>
+                  </a:tcPr>
+                </a:tc>
+                <a:tc>
+                  <a:txBody>
+                    <a:bodyPr/>
+                    <a:lstStyle/>
+                    <a:p>
+                      <a:pPr algn="ctr"/>
+                      <a:r>
+                        <a:rPr lang="zh-TW" altLang="en-US" sz="3600" b="1" dirty="0" smtClean="0"/>
+                        <a:t>＊</a:t>
+                      </a:r>
+                      <a:endParaRPr lang="zh-TW" altLang="en-US" sz="3600" b="1" dirty="0"/>
+                    </a:p>
+                  </a:txBody>
+                  <a:tcPr anchor="ctr">
+                    <a:lnL w="12700" cmpd="sng">
+                      <a:noFill/>
+                    </a:lnL>
+                    <a:lnR w="12700" cmpd="sng">
+                      <a:noFill/>
+                    </a:lnR>
+                    <a:lnT w="12700" cmpd="sng">
+                      <a:noFill/>
+                    </a:lnT>
+                    <a:lnB w="12700" cmpd="sng">
+                      <a:noFill/>
+                    </a:lnB>
+                    <a:lnTlToBr w="12700" cmpd="sng">
+                      <a:noFill/>
+                      <a:prstDash val="solid"/>
+                    </a:lnTlToBr>
+                    <a:lnBlToTr w="12700" cmpd="sng">
+                      <a:noFill/>
+                      <a:prstDash val="solid"/>
+                    </a:lnBlToTr>
+                  </a:tcPr>
+                </a:tc>
+                <a:tc>
+                  <a:txBody>
+                    <a:bodyPr/>
+                    <a:lstStyle/>
+                    <a:p>
+                      <a:pPr algn="ctr"/>
+                      <a:r>
+                        <a:rPr lang="zh-TW" altLang="en-US" sz="3600" b="1" dirty="0" smtClean="0"/>
+                        <a:t>＊</a:t>
+                      </a:r>
+                      <a:endParaRPr lang="zh-TW" altLang="en-US" sz="3600" b="1" dirty="0"/>
+                    </a:p>
+                  </a:txBody>
+                  <a:tcPr anchor="ctr">
+                    <a:lnL w="12700" cmpd="sng">
+                      <a:noFill/>
+                    </a:lnL>
+                    <a:lnR w="12700" cmpd="sng">
+                      <a:noFill/>
+                    </a:lnR>
+                    <a:lnT w="12700" cmpd="sng">
+                      <a:noFill/>
+                    </a:lnT>
+                    <a:lnB w="12700" cmpd="sng">
+                      <a:noFill/>
+                    </a:lnB>
+                    <a:lnTlToBr w="12700" cmpd="sng">
+                      <a:noFill/>
+                      <a:prstDash val="solid"/>
+                    </a:lnTlToBr>
+                    <a:lnBlToTr w="12700" cmpd="sng">
+                      <a:noFill/>
+                      <a:prstDash val="solid"/>
+                    </a:lnBlToTr>
+                  </a:tcPr>
+                </a:tc>
+                <a:tc>
+                  <a:txBody>
+                    <a:bodyPr/>
+                    <a:lstStyle/>
+                    <a:p>
+                      <a:pPr algn="ctr"/>
+                      <a:r>
+                        <a:rPr lang="zh-TW" altLang="en-US" sz="3600" b="1" dirty="0" smtClean="0"/>
+                        <a:t>＊</a:t>
+                      </a:r>
+                      <a:endParaRPr lang="zh-TW" altLang="en-US" sz="3600" b="1" dirty="0"/>
+                    </a:p>
+                  </a:txBody>
+                  <a:tcPr anchor="ctr">
+                    <a:lnL w="12700" cmpd="sng">
+                      <a:noFill/>
+                    </a:lnL>
+                    <a:lnR w="12700" cmpd="sng">
+                      <a:noFill/>
+                    </a:lnR>
+                    <a:lnT w="12700" cmpd="sng">
+                      <a:noFill/>
+                    </a:lnT>
+                    <a:lnB w="12700" cmpd="sng">
+                      <a:noFill/>
+                    </a:lnB>
+                    <a:lnTlToBr w="12700" cmpd="sng">
+                      <a:noFill/>
+                      <a:prstDash val="solid"/>
+                    </a:lnTlToBr>
+                    <a:lnBlToTr w="12700" cmpd="sng">
+                      <a:noFill/>
+                      <a:prstDash val="solid"/>
+                    </a:lnBlToTr>
+                  </a:tcPr>
+                </a:tc>
+                <a:tc>
+                  <a:txBody>
+                    <a:bodyPr/>
+                    <a:lstStyle/>
+                    <a:p>
+                      <a:pPr algn="ctr"/>
+                      <a:r>
+                        <a:rPr lang="zh-TW" altLang="en-US" sz="3600" b="1" dirty="0" smtClean="0"/>
+                        <a:t>＊</a:t>
+                      </a:r>
+                      <a:endParaRPr lang="zh-TW" altLang="en-US" sz="3600" b="1" dirty="0"/>
+                    </a:p>
+                  </a:txBody>
+                  <a:tcPr anchor="ctr">
+                    <a:lnL w="12700" cmpd="sng">
+                      <a:noFill/>
+                    </a:lnL>
+                    <a:lnR w="12700" cmpd="sng">
+                      <a:noFill/>
+                    </a:lnR>
+                    <a:lnT w="12700" cmpd="sng">
+                      <a:noFill/>
+                    </a:lnT>
+                    <a:lnB w="12700" cmpd="sng">
+                      <a:noFill/>
+                    </a:lnB>
+                    <a:lnTlToBr w="12700" cmpd="sng">
+                      <a:noFill/>
+                      <a:prstDash val="solid"/>
+                    </a:lnTlToBr>
+                    <a:lnBlToTr w="12700" cmpd="sng">
+                      <a:noFill/>
+                      <a:prstDash val="solid"/>
+                    </a:lnBlToTr>
+                  </a:tcPr>
+                </a:tc>
+                <a:tc>
+                  <a:txBody>
+                    <a:bodyPr/>
+                    <a:lstStyle/>
+                    <a:p>
+                      <a:pPr algn="ctr"/>
+                      <a:r>
+                        <a:rPr lang="zh-TW" altLang="en-US" sz="3600" b="1" dirty="0" smtClean="0">
+                          <a:sym typeface="Symbol" panose="05050102010706020507" pitchFamily="18" charset="2"/>
+                        </a:rPr>
+                        <a:t></a:t>
+                      </a:r>
+                      <a:endParaRPr lang="zh-TW" altLang="en-US" sz="3600" b="1" dirty="0"/>
+                    </a:p>
+                  </a:txBody>
+                  <a:tcPr anchor="ctr">
+                    <a:lnL w="12700" cmpd="sng">
+                      <a:noFill/>
+                    </a:lnL>
+                    <a:lnR w="12700" cmpd="sng">
+                      <a:noFill/>
+                    </a:lnR>
+                    <a:lnT w="12700" cmpd="sng">
+                      <a:noFill/>
+                    </a:lnT>
+                    <a:lnB w="12700" cmpd="sng">
+                      <a:noFill/>
+                    </a:lnB>
+                    <a:lnTlToBr w="12700" cmpd="sng">
+                      <a:noFill/>
+                      <a:prstDash val="solid"/>
+                    </a:lnTlToBr>
+                    <a:lnBlToTr w="12700" cmpd="sng">
+                      <a:noFill/>
+                      <a:prstDash val="solid"/>
+                    </a:lnBlToTr>
+                  </a:tcPr>
+                </a:tc>
+                <a:extLst>
+                  <a:ext uri="{0D108BD9-81ED-4DB2-BD59-A6C34878D82A}">
+                    <a16:rowId xmlns:a16="http://schemas.microsoft.com/office/drawing/2014/main" val="24529735"/>
+                  </a:ext>
+                </a:extLst>
+              </a:tr>
+              <a:tr h="732062">
+                <a:tc>
+                  <a:txBody>
+                    <a:bodyPr/>
+                    <a:lstStyle/>
+                    <a:p>
+                      <a:pPr algn="ctr"/>
+                      <a:r>
+                        <a:rPr lang="zh-TW" altLang="en-US" sz="3600" b="1" dirty="0" smtClean="0"/>
+                        <a:t>＊</a:t>
+                      </a:r>
+                      <a:endParaRPr lang="zh-TW" altLang="en-US" sz="3600" b="1" dirty="0"/>
+                    </a:p>
+                  </a:txBody>
+                  <a:tcPr anchor="ctr">
+                    <a:lnL w="12700" cmpd="sng">
+                      <a:noFill/>
+                    </a:lnL>
+                    <a:lnR w="12700" cmpd="sng">
+                      <a:noFill/>
+                    </a:lnR>
+                    <a:lnT w="12700" cmpd="sng">
+                      <a:noFill/>
+                    </a:lnT>
+                    <a:lnB w="12700" cmpd="sng">
+                      <a:noFill/>
+                    </a:lnB>
+                    <a:lnTlToBr w="12700" cmpd="sng">
+                      <a:noFill/>
+                      <a:prstDash val="solid"/>
+                    </a:lnTlToBr>
+                    <a:lnBlToTr w="12700" cmpd="sng">
+                      <a:noFill/>
+                      <a:prstDash val="solid"/>
+                    </a:lnBlToTr>
+                  </a:tcPr>
+                </a:tc>
+                <a:tc>
+                  <a:txBody>
+                    <a:bodyPr/>
+                    <a:lstStyle/>
+                    <a:p>
+                      <a:pPr algn="ctr"/>
+                      <a:r>
+                        <a:rPr lang="zh-TW" altLang="en-US" sz="3600" b="1" dirty="0" smtClean="0"/>
+                        <a:t>＊</a:t>
+                      </a:r>
+                      <a:endParaRPr lang="zh-TW" altLang="en-US" sz="3600" b="1" dirty="0"/>
+                    </a:p>
+                  </a:txBody>
+                  <a:tcPr anchor="ctr">
+                    <a:lnL w="12700" cmpd="sng">
+                      <a:noFill/>
+                    </a:lnL>
+                    <a:lnR w="12700" cmpd="sng">
+                      <a:noFill/>
+                    </a:lnR>
+                    <a:lnT w="12700" cmpd="sng">
+                      <a:noFill/>
+                    </a:lnT>
+                    <a:lnB w="12700" cmpd="sng">
+                      <a:noFill/>
+                    </a:lnB>
+                    <a:lnTlToBr w="12700" cmpd="sng">
+                      <a:noFill/>
+                      <a:prstDash val="solid"/>
+                    </a:lnTlToBr>
+                    <a:lnBlToTr w="12700" cmpd="sng">
+                      <a:noFill/>
+                      <a:prstDash val="solid"/>
+                    </a:lnBlToTr>
+                  </a:tcPr>
+                </a:tc>
+                <a:tc>
+                  <a:txBody>
+                    <a:bodyPr/>
+                    <a:lstStyle/>
+                    <a:p>
+                      <a:pPr algn="ctr"/>
+                      <a:r>
+                        <a:rPr lang="zh-TW" altLang="en-US" sz="3600" b="1" dirty="0" smtClean="0"/>
+                        <a:t>＊</a:t>
+                      </a:r>
+                      <a:endParaRPr lang="zh-TW" altLang="en-US" sz="3600" b="1" dirty="0"/>
+                    </a:p>
+                  </a:txBody>
+                  <a:tcPr anchor="ctr">
+                    <a:lnL w="12700" cmpd="sng">
+                      <a:noFill/>
+                    </a:lnL>
+                    <a:lnR w="12700" cmpd="sng">
+                      <a:noFill/>
+                    </a:lnR>
+                    <a:lnT w="12700" cmpd="sng">
+                      <a:noFill/>
+                    </a:lnT>
+                    <a:lnB w="12700" cmpd="sng">
+                      <a:noFill/>
+                    </a:lnB>
+                    <a:lnTlToBr w="12700" cmpd="sng">
+                      <a:noFill/>
+                      <a:prstDash val="solid"/>
+                    </a:lnTlToBr>
+                    <a:lnBlToTr w="12700" cmpd="sng">
+                      <a:noFill/>
+                      <a:prstDash val="solid"/>
+                    </a:lnBlToTr>
+                  </a:tcPr>
+                </a:tc>
+                <a:tc>
+                  <a:txBody>
+                    <a:bodyPr/>
+                    <a:lstStyle/>
+                    <a:p>
+                      <a:pPr algn="ctr"/>
+                      <a:r>
+                        <a:rPr lang="zh-TW" altLang="en-US" sz="3600" b="1" dirty="0" smtClean="0"/>
+                        <a:t>＊</a:t>
+                      </a:r>
+                      <a:endParaRPr lang="zh-TW" altLang="en-US" sz="3600" b="1" dirty="0"/>
+                    </a:p>
+                  </a:txBody>
+                  <a:tcPr anchor="ctr">
+                    <a:lnL w="12700" cmpd="sng">
+                      <a:noFill/>
+                    </a:lnL>
+                    <a:lnR w="12700" cmpd="sng">
+                      <a:noFill/>
+                    </a:lnR>
+                    <a:lnT w="12700" cmpd="sng">
+                      <a:noFill/>
+                    </a:lnT>
+                    <a:lnB w="12700" cmpd="sng">
+                      <a:noFill/>
+                    </a:lnB>
+                    <a:lnTlToBr w="12700" cmpd="sng">
+                      <a:noFill/>
+                      <a:prstDash val="solid"/>
+                    </a:lnTlToBr>
+                    <a:lnBlToTr w="12700" cmpd="sng">
+                      <a:noFill/>
+                      <a:prstDash val="solid"/>
+                    </a:lnBlToTr>
+                  </a:tcPr>
+                </a:tc>
+                <a:tc>
+                  <a:txBody>
+                    <a:bodyPr/>
+                    <a:lstStyle/>
+                    <a:p>
+                      <a:pPr algn="ctr"/>
+                      <a:r>
+                        <a:rPr lang="zh-TW" altLang="en-US" sz="3600" b="1" dirty="0" smtClean="0"/>
+                        <a:t>＊</a:t>
+                      </a:r>
+                      <a:endParaRPr lang="zh-TW" altLang="en-US" sz="3600" b="1" dirty="0"/>
+                    </a:p>
+                  </a:txBody>
+                  <a:tcPr anchor="ctr">
+                    <a:lnL w="12700" cmpd="sng">
+                      <a:noFill/>
+                    </a:lnL>
+                    <a:lnR w="12700" cmpd="sng">
+                      <a:noFill/>
+                    </a:lnR>
+                    <a:lnT w="12700" cmpd="sng">
+                      <a:noFill/>
+                    </a:lnT>
+                    <a:lnB w="12700" cmpd="sng">
+                      <a:noFill/>
+                    </a:lnB>
+                    <a:lnTlToBr w="12700" cmpd="sng">
+                      <a:noFill/>
+                      <a:prstDash val="solid"/>
+                    </a:lnTlToBr>
+                    <a:lnBlToTr w="12700" cmpd="sng">
+                      <a:noFill/>
+                      <a:prstDash val="solid"/>
+                    </a:lnBlToTr>
+                  </a:tcPr>
+                </a:tc>
+                <a:tc>
+                  <a:txBody>
+                    <a:bodyPr/>
+                    <a:lstStyle/>
+                    <a:p>
+                      <a:pPr algn="ctr"/>
+                      <a:r>
+                        <a:rPr lang="zh-TW" altLang="en-US" sz="3600" b="1" dirty="0" smtClean="0">
+                          <a:sym typeface="Symbol" panose="05050102010706020507" pitchFamily="18" charset="2"/>
+                        </a:rPr>
+                        <a:t></a:t>
+                      </a:r>
+                      <a:endParaRPr lang="zh-TW" altLang="en-US" sz="3600" b="1" dirty="0"/>
+                    </a:p>
+                  </a:txBody>
+                  <a:tcPr anchor="ctr">
+                    <a:lnL w="12700" cmpd="sng">
+                      <a:noFill/>
+                    </a:lnL>
+                    <a:lnR w="12700" cmpd="sng">
+                      <a:noFill/>
+                    </a:lnR>
+                    <a:lnT w="12700" cmpd="sng">
+                      <a:noFill/>
+                    </a:lnT>
+                    <a:lnB w="12700" cmpd="sng">
+                      <a:noFill/>
+                    </a:lnB>
+                    <a:lnTlToBr w="12700" cmpd="sng">
+                      <a:noFill/>
+                      <a:prstDash val="solid"/>
+                    </a:lnTlToBr>
+                    <a:lnBlToTr w="12700" cmpd="sng">
+                      <a:noFill/>
+                      <a:prstDash val="solid"/>
+                    </a:lnBlToTr>
+                  </a:tcPr>
+                </a:tc>
+                <a:extLst>
+                  <a:ext uri="{0D108BD9-81ED-4DB2-BD59-A6C34878D82A}">
+                    <a16:rowId xmlns:a16="http://schemas.microsoft.com/office/drawing/2014/main" val="2734730302"/>
+                  </a:ext>
+                </a:extLst>
+              </a:tr>
+            </a:tbl>
+          </a:graphicData>
+        </a:graphic>
+      </p:graphicFrame>
+      <p:sp>
+        <p:nvSpPr>
+          <p:cNvPr id="5" name="矩形 4"/>
+          <p:cNvSpPr/>
+          <p:nvPr/>
+        </p:nvSpPr>
+        <p:spPr>
+          <a:xfrm>
+            <a:off x="5166360" y="2270820"/>
+            <a:ext cx="3950208" cy="673548"/>
+          </a:xfrm>
+          <a:prstGeom prst="rect">
+            <a:avLst/>
+          </a:prstGeom>
+          <a:solidFill>
+            <a:schemeClr val="bg1"/>
+          </a:solidFill>
+          <a:ln>
+            <a:solidFill>
+              <a:schemeClr val="bg1"/>
+            </a:solidFill>
+          </a:ln>
+        </p:spPr>
+        <p:style>
+          <a:lnRef idx="2">
+            <a:schemeClr val="accent1">
+              <a:shade val="50000"/>
+            </a:schemeClr>
+          </a:lnRef>
+          <a:fillRef idx="1">
+            <a:schemeClr val="accent1"/>
+          </a:fillRef>
+          <a:effectRef idx="0">
+            <a:schemeClr val="accent1"/>
+          </a:effectRef>
+          <a:fontRef idx="minor">
+            <a:schemeClr val="lt1"/>
+          </a:fontRef>
+        </p:style>
+        <p:txBody>
+          <a:bodyPr rtlCol="0" anchor="ctr"/>
+          <a:lstStyle/>
+          <a:p>
+            <a:pPr algn="ctr"/>
+            <a:endParaRPr lang="zh-TW" altLang="en-US"/>
+          </a:p>
+        </p:txBody>
+      </p:sp>
+      <p:sp>
+        <p:nvSpPr>
+          <p:cNvPr id="6" name="矩形 5"/>
+          <p:cNvSpPr/>
+          <p:nvPr/>
+        </p:nvSpPr>
+        <p:spPr>
+          <a:xfrm>
+            <a:off x="5121655" y="3054599"/>
+            <a:ext cx="3950208" cy="673548"/>
+          </a:xfrm>
+          <a:prstGeom prst="rect">
+            <a:avLst/>
+          </a:prstGeom>
+          <a:solidFill>
+            <a:schemeClr val="bg1"/>
+          </a:solidFill>
+          <a:ln>
+            <a:solidFill>
+              <a:schemeClr val="bg1"/>
+            </a:solidFill>
+          </a:ln>
+        </p:spPr>
+        <p:style>
+          <a:lnRef idx="2">
+            <a:schemeClr val="accent1">
+              <a:shade val="50000"/>
+            </a:schemeClr>
+          </a:lnRef>
+          <a:fillRef idx="1">
+            <a:schemeClr val="accent1"/>
+          </a:fillRef>
+          <a:effectRef idx="0">
+            <a:schemeClr val="accent1"/>
+          </a:effectRef>
+          <a:fontRef idx="minor">
+            <a:schemeClr val="lt1"/>
+          </a:fontRef>
+        </p:style>
+        <p:txBody>
+          <a:bodyPr rtlCol="0" anchor="ctr"/>
+          <a:lstStyle/>
+          <a:p>
+            <a:pPr algn="ctr"/>
+            <a:endParaRPr lang="zh-TW" altLang="en-US"/>
+          </a:p>
+        </p:txBody>
+      </p:sp>
+      <p:sp>
+        <p:nvSpPr>
+          <p:cNvPr id="7" name="矩形 6"/>
+          <p:cNvSpPr/>
+          <p:nvPr/>
+        </p:nvSpPr>
+        <p:spPr>
+          <a:xfrm>
+            <a:off x="5121655" y="3754493"/>
+            <a:ext cx="3950208" cy="673548"/>
+          </a:xfrm>
+          <a:prstGeom prst="rect">
+            <a:avLst/>
+          </a:prstGeom>
+          <a:solidFill>
+            <a:schemeClr val="bg1"/>
+          </a:solidFill>
+          <a:ln>
+            <a:solidFill>
+              <a:schemeClr val="bg1"/>
+            </a:solidFill>
+          </a:ln>
+        </p:spPr>
+        <p:style>
+          <a:lnRef idx="2">
+            <a:schemeClr val="accent1">
+              <a:shade val="50000"/>
+            </a:schemeClr>
+          </a:lnRef>
+          <a:fillRef idx="1">
+            <a:schemeClr val="accent1"/>
+          </a:fillRef>
+          <a:effectRef idx="0">
+            <a:schemeClr val="accent1"/>
+          </a:effectRef>
+          <a:fontRef idx="minor">
+            <a:schemeClr val="lt1"/>
+          </a:fontRef>
+        </p:style>
+        <p:txBody>
+          <a:bodyPr rtlCol="0" anchor="ctr"/>
+          <a:lstStyle/>
+          <a:p>
+            <a:pPr algn="ctr"/>
+            <a:endParaRPr lang="zh-TW" altLang="en-US"/>
+          </a:p>
+        </p:txBody>
+      </p:sp>
+      <p:sp>
+        <p:nvSpPr>
+          <p:cNvPr id="8" name="矩形 7"/>
+          <p:cNvSpPr/>
+          <p:nvPr/>
+        </p:nvSpPr>
+        <p:spPr>
+          <a:xfrm>
+            <a:off x="5121655" y="4398637"/>
+            <a:ext cx="3950208" cy="673548"/>
+          </a:xfrm>
+          <a:prstGeom prst="rect">
+            <a:avLst/>
+          </a:prstGeom>
+          <a:solidFill>
+            <a:schemeClr val="bg1"/>
+          </a:solidFill>
+          <a:ln>
+            <a:solidFill>
+              <a:schemeClr val="bg1"/>
+            </a:solidFill>
+          </a:ln>
+        </p:spPr>
+        <p:style>
+          <a:lnRef idx="2">
+            <a:schemeClr val="accent1">
+              <a:shade val="50000"/>
+            </a:schemeClr>
+          </a:lnRef>
+          <a:fillRef idx="1">
+            <a:schemeClr val="accent1"/>
+          </a:fillRef>
+          <a:effectRef idx="0">
+            <a:schemeClr val="accent1"/>
+          </a:effectRef>
+          <a:fontRef idx="minor">
+            <a:schemeClr val="lt1"/>
+          </a:fontRef>
+        </p:style>
+        <p:txBody>
+          <a:bodyPr rtlCol="0" anchor="ctr"/>
+          <a:lstStyle/>
+          <a:p>
+            <a:pPr algn="ctr"/>
+            <a:endParaRPr lang="zh-TW" altLang="en-US"/>
+          </a:p>
+        </p:txBody>
+      </p:sp>
+      <p:sp>
+        <p:nvSpPr>
+          <p:cNvPr id="9" name="矩形 8"/>
+          <p:cNvSpPr/>
+          <p:nvPr/>
+        </p:nvSpPr>
+        <p:spPr>
+          <a:xfrm>
+            <a:off x="5121655" y="5091696"/>
+            <a:ext cx="3950208" cy="673548"/>
+          </a:xfrm>
+          <a:prstGeom prst="rect">
+            <a:avLst/>
+          </a:prstGeom>
+          <a:solidFill>
+            <a:schemeClr val="bg1"/>
+          </a:solidFill>
+          <a:ln>
+            <a:solidFill>
+              <a:schemeClr val="bg1"/>
+            </a:solidFill>
+          </a:ln>
+        </p:spPr>
+        <p:style>
+          <a:lnRef idx="2">
+            <a:schemeClr val="accent1">
+              <a:shade val="50000"/>
+            </a:schemeClr>
+          </a:lnRef>
+          <a:fillRef idx="1">
+            <a:schemeClr val="accent1"/>
+          </a:fillRef>
+          <a:effectRef idx="0">
+            <a:schemeClr val="accent1"/>
+          </a:effectRef>
+          <a:fontRef idx="minor">
+            <a:schemeClr val="lt1"/>
+          </a:fontRef>
+        </p:style>
+        <p:txBody>
+          <a:bodyPr rtlCol="0" anchor="ctr"/>
+          <a:lstStyle/>
+          <a:p>
+            <a:pPr algn="ctr"/>
+            <a:endParaRPr lang="zh-TW" altLang="en-US"/>
+          </a:p>
+        </p:txBody>
+      </p:sp>
+    </p:spTree>
+    <p:extLst>
+      <p:ext uri="{BB962C8B-B14F-4D97-AF65-F5344CB8AC3E}">
+        <p14:creationId xmlns:p14="http://schemas.microsoft.com/office/powerpoint/2010/main" val="1354036239"/>
+      </p:ext>
+    </p:extLst>
+  </p:cSld>
+  <p:clrMapOvr>
+    <a:masterClrMapping/>
+  </p:clrMapOvr>
+  <p:timing>
+    <p:tnLst>
+      <p:par>
+        <p:cTn id="1" dur="indefinite" restart="never" nodeType="tmRoot">
+          <p:childTnLst>
+            <p:seq concurrent="1" nextAc="seek">
+              <p:cTn id="2" dur="indefinite" nodeType="mainSeq">
+                <p:childTnLst>
+                  <p:par>
+                    <p:cTn id="3" fill="hold">
+                      <p:stCondLst>
+                        <p:cond delay="indefinite"/>
+                      </p:stCondLst>
+                      <p:childTnLst>
+                        <p:par>
+                          <p:cTn id="4" fill="hold">
+                            <p:stCondLst>
+                              <p:cond delay="0"/>
+                            </p:stCondLst>
+                            <p:childTnLst>
+                              <p:par>
+                                <p:cTn id="5" presetID="22" presetClass="exit" presetSubtype="8" fill="hold" grpId="0" nodeType="clickEffect">
+                                  <p:stCondLst>
+                                    <p:cond delay="0"/>
+                                  </p:stCondLst>
+                                  <p:childTnLst>
+                                    <p:animEffect transition="out" filter="wipe(left)">
+                                      <p:cBhvr>
+                                        <p:cTn id="6" dur="1500"/>
+                                        <p:tgtEl>
+                                          <p:spTgt spid="5"/>
+                                        </p:tgtEl>
+                                      </p:cBhvr>
+                                    </p:animEffect>
+                                    <p:set>
+                                      <p:cBhvr>
+                                        <p:cTn id="7" dur="1" fill="hold">
+                                          <p:stCondLst>
+                                            <p:cond delay="1499"/>
+                                          </p:stCondLst>
+                                        </p:cTn>
+                                        <p:tgtEl>
+                                          <p:spTgt spid="5"/>
+                                        </p:tgtEl>
+                                        <p:attrNameLst>
+                                          <p:attrName>style.visibility</p:attrName>
+                                        </p:attrNameLst>
+                                      </p:cBhvr>
+                                      <p:to>
+                                        <p:strVal val="hidden"/>
+                                      </p:to>
+                                    </p:set>
+                                  </p:childTnLst>
+                                </p:cTn>
+                              </p:par>
+                            </p:childTnLst>
+                          </p:cTn>
+                        </p:par>
+                      </p:childTnLst>
+                    </p:cTn>
+                  </p:par>
+                  <p:par>
+                    <p:cTn id="8" fill="hold">
+                      <p:stCondLst>
+                        <p:cond delay="indefinite"/>
+                      </p:stCondLst>
+                      <p:childTnLst>
+                        <p:par>
+                          <p:cTn id="9" fill="hold">
+                            <p:stCondLst>
+                              <p:cond delay="0"/>
+                            </p:stCondLst>
+                            <p:childTnLst>
+                              <p:par>
+                                <p:cTn id="10" presetID="22" presetClass="exit" presetSubtype="8" fill="hold" grpId="0" nodeType="clickEffect">
+                                  <p:stCondLst>
+                                    <p:cond delay="0"/>
+                                  </p:stCondLst>
+                                  <p:childTnLst>
+                                    <p:animEffect transition="out" filter="wipe(left)">
+                                      <p:cBhvr>
+                                        <p:cTn id="11" dur="1500"/>
+                                        <p:tgtEl>
+                                          <p:spTgt spid="6"/>
+                                        </p:tgtEl>
+                                      </p:cBhvr>
+                                    </p:animEffect>
+                                    <p:set>
+                                      <p:cBhvr>
+                                        <p:cTn id="12" dur="1" fill="hold">
+                                          <p:stCondLst>
+                                            <p:cond delay="1499"/>
+                                          </p:stCondLst>
+                                        </p:cTn>
+                                        <p:tgtEl>
+                                          <p:spTgt spid="6"/>
+                                        </p:tgtEl>
+                                        <p:attrNameLst>
+                                          <p:attrName>style.visibility</p:attrName>
+                                        </p:attrNameLst>
+                                      </p:cBhvr>
+                                      <p:to>
+                                        <p:strVal val="hidden"/>
+                                      </p:to>
+                                    </p:set>
+                                  </p:childTnLst>
+                                </p:cTn>
+                              </p:par>
+                            </p:childTnLst>
+                          </p:cTn>
+                        </p:par>
+                      </p:childTnLst>
+                    </p:cTn>
+                  </p:par>
+                  <p:par>
+                    <p:cTn id="13" fill="hold">
+                      <p:stCondLst>
+                        <p:cond delay="indefinite"/>
+                      </p:stCondLst>
+                      <p:childTnLst>
+                        <p:par>
+                          <p:cTn id="14" fill="hold">
+                            <p:stCondLst>
+                              <p:cond delay="0"/>
+                            </p:stCondLst>
+                            <p:childTnLst>
+                              <p:par>
+                                <p:cTn id="15" presetID="22" presetClass="exit" presetSubtype="8" fill="hold" grpId="0" nodeType="clickEffect">
+                                  <p:stCondLst>
+                                    <p:cond delay="0"/>
+                                  </p:stCondLst>
+                                  <p:childTnLst>
+                                    <p:animEffect transition="out" filter="wipe(left)">
+                                      <p:cBhvr>
+                                        <p:cTn id="16" dur="1500"/>
+                                        <p:tgtEl>
+                                          <p:spTgt spid="7"/>
+                                        </p:tgtEl>
+                                      </p:cBhvr>
+                                    </p:animEffect>
+                                    <p:set>
+                                      <p:cBhvr>
+                                        <p:cTn id="17" dur="1" fill="hold">
+                                          <p:stCondLst>
+                                            <p:cond delay="1499"/>
+                                          </p:stCondLst>
+                                        </p:cTn>
+                                        <p:tgtEl>
+                                          <p:spTgt spid="7"/>
+                                        </p:tgtEl>
+                                        <p:attrNameLst>
+                                          <p:attrName>style.visibility</p:attrName>
+                                        </p:attrNameLst>
+                                      </p:cBhvr>
+                                      <p:to>
+                                        <p:strVal val="hidden"/>
+                                      </p:to>
+                                    </p:set>
+                                  </p:childTnLst>
+                                </p:cTn>
+                              </p:par>
+                            </p:childTnLst>
+                          </p:cTn>
+                        </p:par>
+                      </p:childTnLst>
+                    </p:cTn>
+                  </p:par>
+                  <p:par>
+                    <p:cTn id="18" fill="hold">
+                      <p:stCondLst>
+                        <p:cond delay="indefinite"/>
+                      </p:stCondLst>
+                      <p:childTnLst>
+                        <p:par>
+                          <p:cTn id="19" fill="hold">
+                            <p:stCondLst>
+                              <p:cond delay="0"/>
+                            </p:stCondLst>
+                            <p:childTnLst>
+                              <p:par>
+                                <p:cTn id="20" presetID="22" presetClass="exit" presetSubtype="8" fill="hold" grpId="0" nodeType="clickEffect">
+                                  <p:stCondLst>
+                                    <p:cond delay="0"/>
+                                  </p:stCondLst>
+                                  <p:childTnLst>
+                                    <p:animEffect transition="out" filter="wipe(left)">
+                                      <p:cBhvr>
+                                        <p:cTn id="21" dur="1500"/>
+                                        <p:tgtEl>
+                                          <p:spTgt spid="8"/>
+                                        </p:tgtEl>
+                                      </p:cBhvr>
+                                    </p:animEffect>
+                                    <p:set>
+                                      <p:cBhvr>
+                                        <p:cTn id="22" dur="1" fill="hold">
+                                          <p:stCondLst>
+                                            <p:cond delay="1499"/>
+                                          </p:stCondLst>
+                                        </p:cTn>
+                                        <p:tgtEl>
+                                          <p:spTgt spid="8"/>
+                                        </p:tgtEl>
+                                        <p:attrNameLst>
+                                          <p:attrName>style.visibility</p:attrName>
+                                        </p:attrNameLst>
+                                      </p:cBhvr>
+                                      <p:to>
+                                        <p:strVal val="hidden"/>
+                                      </p:to>
+                                    </p:set>
+                                  </p:childTnLst>
+                                </p:cTn>
+                              </p:par>
+                            </p:childTnLst>
+                          </p:cTn>
+                        </p:par>
+                      </p:childTnLst>
+                    </p:cTn>
+                  </p:par>
+                  <p:par>
+                    <p:cTn id="23" fill="hold">
+                      <p:stCondLst>
+                        <p:cond delay="indefinite"/>
+                      </p:stCondLst>
+                      <p:childTnLst>
+                        <p:par>
+                          <p:cTn id="24" fill="hold">
+                            <p:stCondLst>
+                              <p:cond delay="0"/>
+                            </p:stCondLst>
+                            <p:childTnLst>
+                              <p:par>
+                                <p:cTn id="25" presetID="22" presetClass="exit" presetSubtype="8" fill="hold" grpId="0" nodeType="clickEffect">
+                                  <p:stCondLst>
+                                    <p:cond delay="0"/>
+                                  </p:stCondLst>
+                                  <p:childTnLst>
+                                    <p:animEffect transition="out" filter="wipe(left)">
+                                      <p:cBhvr>
+                                        <p:cTn id="26" dur="1500"/>
+                                        <p:tgtEl>
+                                          <p:spTgt spid="9"/>
+                                        </p:tgtEl>
+                                      </p:cBhvr>
+                                    </p:animEffect>
+                                    <p:set>
+                                      <p:cBhvr>
+                                        <p:cTn id="27" dur="1" fill="hold">
+                                          <p:stCondLst>
+                                            <p:cond delay="1499"/>
+                                          </p:stCondLst>
+                                        </p:cTn>
+                                        <p:tgtEl>
+                                          <p:spTgt spid="9"/>
+                                        </p:tgtEl>
+                                        <p:attrNameLst>
+                                          <p:attrName>style.visibility</p:attrName>
+                                        </p:attrNameLst>
+                                      </p:cBhvr>
+                                      <p:to>
+                                        <p:strVal val="hidden"/>
+                                      </p:to>
+                                    </p:set>
+                                  </p:childTnLst>
+                                </p:cTn>
+                              </p:par>
+                            </p:childTnLst>
+                          </p:cTn>
+                        </p:par>
+                      </p:childTnLst>
+                    </p:cTn>
+                  </p:par>
+                  <p:par>
+                    <p:cTn id="28" fill="hold">
+                      <p:stCondLst>
+                        <p:cond delay="indefinite"/>
+                      </p:stCondLst>
+                      <p:childTnLst>
+                        <p:par>
+                          <p:cTn id="29" fill="hold">
+                            <p:stCondLst>
+                              <p:cond delay="0"/>
+                            </p:stCondLst>
+                            <p:childTnLst>
+                              <p:par>
+                                <p:cTn id="30" presetID="1" presetClass="entr" presetSubtype="0" fill="hold" nodeType="clickEffect">
+                                  <p:stCondLst>
+                                    <p:cond delay="0"/>
+                                  </p:stCondLst>
+                                  <p:childTnLst>
+                                    <p:set>
+                                      <p:cBhvr>
+                                        <p:cTn id="31" dur="1" fill="hold">
+                                          <p:stCondLst>
+                                            <p:cond delay="0"/>
+                                          </p:stCondLst>
+                                        </p:cTn>
+                                        <p:tgtEl>
+                                          <p:spTgt spid="3">
+                                            <p:txEl>
+                                              <p:pRg st="6" end="6"/>
+                                            </p:txEl>
+                                          </p:spTgt>
+                                        </p:tgtEl>
+                                        <p:attrNameLst>
+                                          <p:attrName>style.visibility</p:attrName>
+                                        </p:attrNameLst>
+                                      </p:cBhvr>
+                                      <p:to>
+                                        <p:strVal val="visible"/>
+                                      </p:to>
+                                    </p:set>
+                                  </p:childTnLst>
+                                </p:cTn>
+                              </p:par>
+                            </p:childTnLst>
+                          </p:cTn>
+                        </p:par>
+                      </p:childTnLst>
+                    </p:cTn>
+                  </p:par>
+                </p:childTnLst>
+              </p:cTn>
+              <p:prevCondLst>
+                <p:cond evt="onPrev" delay="0">
+                  <p:tgtEl>
+                    <p:sldTgt/>
+                  </p:tgtEl>
+                </p:cond>
+              </p:prevCondLst>
+              <p:nextCondLst>
+                <p:cond evt="onNext" delay="0">
+                  <p:tgtEl>
+                    <p:sldTgt/>
+                  </p:tgtEl>
+                </p:cond>
+              </p:nextCondLst>
+            </p:seq>
+          </p:childTnLst>
+        </p:cTn>
+      </p:par>
+    </p:tnLst>
+    <p:bldLst>
+      <p:bldP spid="5" grpId="0" animBg="1"/>
+      <p:bldP spid="6" grpId="0" animBg="1"/>
+      <p:bldP spid="7" grpId="0" animBg="1"/>
+      <p:bldP spid="8" grpId="0" animBg="1"/>
+      <p:bldP spid="9" grpId="0" animBg="1"/>
+    </p:bldLst>
+  </p:timing>
+</p:sld>
+</file>
+
+<file path=ppt/slides/slide17.xml><?xml version="1.0" encoding="utf-8"?>
+<p:sld xmlns:a="http://schemas.openxmlformats.org/drawingml/2006/main" xmlns:r="http://schemas.openxmlformats.org/officeDocument/2006/relationships" xmlns:p="http://schemas.openxmlformats.org/presentationml/2006/main">
+  <p:cSld>
+    <p:spTree>
+      <p:nvGrpSpPr>
+        <p:cNvPr id="1" name=""/>
+        <p:cNvGrpSpPr/>
+        <p:nvPr/>
+      </p:nvGrpSpPr>
+      <p:grpSpPr>
+        <a:xfrm>
+          <a:off x="0" y="0"/>
+          <a:ext cx="0" cy="0"/>
+          <a:chOff x="0" y="0"/>
+          <a:chExt cx="0" cy="0"/>
+        </a:xfrm>
+      </p:grpSpPr>
+      <p:sp>
+        <p:nvSpPr>
+          <p:cNvPr id="2" name="標題 1"/>
+          <p:cNvSpPr>
+            <a:spLocks noGrp="1"/>
+          </p:cNvSpPr>
+          <p:nvPr>
+            <p:ph type="title"/>
+          </p:nvPr>
+        </p:nvSpPr>
+        <p:spPr/>
+        <p:txBody>
+          <a:bodyPr/>
+          <a:lstStyle/>
+          <a:p>
+            <a:r>
               <a:rPr lang="zh-TW" altLang="en-US" dirty="0"/>
               <a:t>範例</a:t>
             </a:r>
@@ -9247,7 +11257,7 @@
 </p:sld>
 </file>
 
-<file path=ppt/slides/slide17.xml><?xml version="1.0" encoding="utf-8"?>
+<file path=ppt/slides/slide18.xml><?xml version="1.0" encoding="utf-8"?>
 <p:sld xmlns:a="http://schemas.openxmlformats.org/drawingml/2006/main" xmlns:r="http://schemas.openxmlformats.org/officeDocument/2006/relationships" xmlns:p="http://schemas.openxmlformats.org/presentationml/2006/main">
   <p:cSld>
     <p:spTree>
@@ -9755,7 +11765,7 @@
 </p:sld>
 </file>
 
-<file path=ppt/slides/slide18.xml><?xml version="1.0" encoding="utf-8"?>
+<file path=ppt/slides/slide19.xml><?xml version="1.0" encoding="utf-8"?>
 <p:sld xmlns:a="http://schemas.openxmlformats.org/drawingml/2006/main" xmlns:r="http://schemas.openxmlformats.org/officeDocument/2006/relationships" xmlns:p="http://schemas.openxmlformats.org/presentationml/2006/main">
   <p:cSld>
     <p:spTree>
@@ -10272,1394 +12282,6 @@
       </p:par>
     </p:tnLst>
   </p:timing>
-</p:sld>
-</file>
-
-<file path=ppt/slides/slide19.xml><?xml version="1.0" encoding="utf-8"?>
-<p:sld xmlns:a="http://schemas.openxmlformats.org/drawingml/2006/main" xmlns:r="http://schemas.openxmlformats.org/officeDocument/2006/relationships" xmlns:p="http://schemas.openxmlformats.org/presentationml/2006/main">
-  <p:cSld>
-    <p:spTree>
-      <p:nvGrpSpPr>
-        <p:cNvPr id="1" name=""/>
-        <p:cNvGrpSpPr/>
-        <p:nvPr/>
-      </p:nvGrpSpPr>
-      <p:grpSpPr>
-        <a:xfrm>
-          <a:off x="0" y="0"/>
-          <a:ext cx="0" cy="0"/>
-          <a:chOff x="0" y="0"/>
-          <a:chExt cx="0" cy="0"/>
-        </a:xfrm>
-      </p:grpSpPr>
-      <p:sp>
-        <p:nvSpPr>
-          <p:cNvPr id="4" name="標題 3"/>
-          <p:cNvSpPr>
-            <a:spLocks noGrp="1"/>
-          </p:cNvSpPr>
-          <p:nvPr>
-            <p:ph type="title"/>
-          </p:nvPr>
-        </p:nvSpPr>
-        <p:spPr/>
-        <p:txBody>
-          <a:bodyPr/>
-          <a:lstStyle/>
-          <a:p>
-            <a:endParaRPr lang="zh-TW" altLang="en-US"/>
-          </a:p>
-        </p:txBody>
-      </p:sp>
-      <p:graphicFrame>
-        <p:nvGraphicFramePr>
-          <p:cNvPr id="5" name="表格 4"/>
-          <p:cNvGraphicFramePr>
-            <a:graphicFrameLocks noGrp="1"/>
-          </p:cNvGraphicFramePr>
-          <p:nvPr>
-            <p:extLst>
-              <p:ext uri="{D42A27DB-BD31-4B8C-83A1-F6EECF244321}">
-                <p14:modId xmlns:p14="http://schemas.microsoft.com/office/powerpoint/2010/main" val="3189517018"/>
-              </p:ext>
-            </p:extLst>
-          </p:nvPr>
-        </p:nvGraphicFramePr>
-        <p:xfrm>
-          <a:off x="1611376" y="3572594"/>
-          <a:ext cx="6535930" cy="741680"/>
-        </p:xfrm>
-        <a:graphic>
-          <a:graphicData uri="http://schemas.openxmlformats.org/drawingml/2006/table">
-            <a:tbl>
-              <a:tblPr firstRow="1" bandRow="1">
-                <a:tableStyleId>{5C22544A-7EE6-4342-B048-85BDC9FD1C3A}</a:tableStyleId>
-              </a:tblPr>
-              <a:tblGrid>
-                <a:gridCol w="653593">
-                  <a:extLst>
-                    <a:ext uri="{9D8B030D-6E8A-4147-A177-3AD203B41FA5}">
-                      <a16:colId xmlns:a16="http://schemas.microsoft.com/office/drawing/2014/main" val="883071664"/>
-                    </a:ext>
-                  </a:extLst>
-                </a:gridCol>
-                <a:gridCol w="653593">
-                  <a:extLst>
-                    <a:ext uri="{9D8B030D-6E8A-4147-A177-3AD203B41FA5}">
-                      <a16:colId xmlns:a16="http://schemas.microsoft.com/office/drawing/2014/main" val="3659577132"/>
-                    </a:ext>
-                  </a:extLst>
-                </a:gridCol>
-                <a:gridCol w="653593">
-                  <a:extLst>
-                    <a:ext uri="{9D8B030D-6E8A-4147-A177-3AD203B41FA5}">
-                      <a16:colId xmlns:a16="http://schemas.microsoft.com/office/drawing/2014/main" val="2740476215"/>
-                    </a:ext>
-                  </a:extLst>
-                </a:gridCol>
-                <a:gridCol w="653593">
-                  <a:extLst>
-                    <a:ext uri="{9D8B030D-6E8A-4147-A177-3AD203B41FA5}">
-                      <a16:colId xmlns:a16="http://schemas.microsoft.com/office/drawing/2014/main" val="136117337"/>
-                    </a:ext>
-                  </a:extLst>
-                </a:gridCol>
-                <a:gridCol w="653593">
-                  <a:extLst>
-                    <a:ext uri="{9D8B030D-6E8A-4147-A177-3AD203B41FA5}">
-                      <a16:colId xmlns:a16="http://schemas.microsoft.com/office/drawing/2014/main" val="17305968"/>
-                    </a:ext>
-                  </a:extLst>
-                </a:gridCol>
-                <a:gridCol w="653593">
-                  <a:extLst>
-                    <a:ext uri="{9D8B030D-6E8A-4147-A177-3AD203B41FA5}">
-                      <a16:colId xmlns:a16="http://schemas.microsoft.com/office/drawing/2014/main" val="985778092"/>
-                    </a:ext>
-                  </a:extLst>
-                </a:gridCol>
-                <a:gridCol w="653593">
-                  <a:extLst>
-                    <a:ext uri="{9D8B030D-6E8A-4147-A177-3AD203B41FA5}">
-                      <a16:colId xmlns:a16="http://schemas.microsoft.com/office/drawing/2014/main" val="1681994992"/>
-                    </a:ext>
-                  </a:extLst>
-                </a:gridCol>
-                <a:gridCol w="653593">
-                  <a:extLst>
-                    <a:ext uri="{9D8B030D-6E8A-4147-A177-3AD203B41FA5}">
-                      <a16:colId xmlns:a16="http://schemas.microsoft.com/office/drawing/2014/main" val="1678980596"/>
-                    </a:ext>
-                  </a:extLst>
-                </a:gridCol>
-                <a:gridCol w="653593">
-                  <a:extLst>
-                    <a:ext uri="{9D8B030D-6E8A-4147-A177-3AD203B41FA5}">
-                      <a16:colId xmlns:a16="http://schemas.microsoft.com/office/drawing/2014/main" val="3823973860"/>
-                    </a:ext>
-                  </a:extLst>
-                </a:gridCol>
-                <a:gridCol w="653593">
-                  <a:extLst>
-                    <a:ext uri="{9D8B030D-6E8A-4147-A177-3AD203B41FA5}">
-                      <a16:colId xmlns:a16="http://schemas.microsoft.com/office/drawing/2014/main" val="375692154"/>
-                    </a:ext>
-                  </a:extLst>
-                </a:gridCol>
-              </a:tblGrid>
-              <a:tr h="370840">
-                <a:tc>
-                  <a:txBody>
-                    <a:bodyPr/>
-                    <a:lstStyle/>
-                    <a:p>
-                      <a:r>
-                        <a:rPr lang="en-US" altLang="zh-TW" dirty="0" err="1" smtClean="0">
-                          <a:solidFill>
-                            <a:schemeClr val="tx1"/>
-                          </a:solidFill>
-                        </a:rPr>
-                        <a:t>i</a:t>
-                      </a:r>
-                      <a:endParaRPr lang="zh-TW" altLang="en-US" dirty="0">
-                        <a:solidFill>
-                          <a:schemeClr val="tx1"/>
-                        </a:solidFill>
-                      </a:endParaRPr>
-                    </a:p>
-                  </a:txBody>
-                  <a:tcPr>
-                    <a:lnL w="12700" cap="flat" cmpd="sng" algn="ctr">
-                      <a:solidFill>
-                        <a:schemeClr val="tx1"/>
-                      </a:solidFill>
-                      <a:prstDash val="solid"/>
-                      <a:round/>
-                      <a:headEnd type="none" w="med" len="med"/>
-                      <a:tailEnd type="none" w="med" len="med"/>
-                    </a:lnL>
-                    <a:lnR w="12700" cap="flat" cmpd="sng" algn="ctr">
-                      <a:solidFill>
-                        <a:schemeClr val="tx1"/>
-                      </a:solidFill>
-                      <a:prstDash val="solid"/>
-                      <a:round/>
-                      <a:headEnd type="none" w="med" len="med"/>
-                      <a:tailEnd type="none" w="med" len="med"/>
-                    </a:lnR>
-                    <a:lnT w="12700" cap="flat" cmpd="sng" algn="ctr">
-                      <a:solidFill>
-                        <a:schemeClr val="tx1"/>
-                      </a:solidFill>
-                      <a:prstDash val="solid"/>
-                      <a:round/>
-                      <a:headEnd type="none" w="med" len="med"/>
-                      <a:tailEnd type="none" w="med" len="med"/>
-                    </a:lnT>
-                    <a:lnB w="12700" cap="flat" cmpd="sng" algn="ctr">
-                      <a:solidFill>
-                        <a:schemeClr val="tx1"/>
-                      </a:solidFill>
-                      <a:prstDash val="solid"/>
-                      <a:round/>
-                      <a:headEnd type="none" w="med" len="med"/>
-                      <a:tailEnd type="none" w="med" len="med"/>
-                    </a:lnB>
-                    <a:solidFill>
-                      <a:schemeClr val="bg1"/>
-                    </a:solidFill>
-                  </a:tcPr>
-                </a:tc>
-                <a:tc gridSpan="3">
-                  <a:txBody>
-                    <a:bodyPr/>
-                    <a:lstStyle/>
-                    <a:p>
-                      <a:pPr algn="ctr"/>
-                      <a:r>
-                        <a:rPr lang="zh-TW" altLang="en-US" dirty="0" smtClean="0">
-                          <a:solidFill>
-                            <a:schemeClr val="tx1"/>
-                          </a:solidFill>
-                        </a:rPr>
-                        <a:t>３</a:t>
-                      </a:r>
-                      <a:endParaRPr lang="zh-TW" altLang="en-US" dirty="0">
-                        <a:solidFill>
-                          <a:schemeClr val="tx1"/>
-                        </a:solidFill>
-                      </a:endParaRPr>
-                    </a:p>
-                  </a:txBody>
-                  <a:tcPr>
-                    <a:lnL w="12700" cap="flat" cmpd="sng" algn="ctr">
-                      <a:solidFill>
-                        <a:schemeClr val="tx1"/>
-                      </a:solidFill>
-                      <a:prstDash val="solid"/>
-                      <a:round/>
-                      <a:headEnd type="none" w="med" len="med"/>
-                      <a:tailEnd type="none" w="med" len="med"/>
-                    </a:lnL>
-                    <a:lnR w="12700" cap="flat" cmpd="sng" algn="ctr">
-                      <a:solidFill>
-                        <a:schemeClr val="tx1"/>
-                      </a:solidFill>
-                      <a:prstDash val="solid"/>
-                      <a:round/>
-                      <a:headEnd type="none" w="med" len="med"/>
-                      <a:tailEnd type="none" w="med" len="med"/>
-                    </a:lnR>
-                    <a:lnT w="12700" cap="flat" cmpd="sng" algn="ctr">
-                      <a:solidFill>
-                        <a:schemeClr val="tx1"/>
-                      </a:solidFill>
-                      <a:prstDash val="solid"/>
-                      <a:round/>
-                      <a:headEnd type="none" w="med" len="med"/>
-                      <a:tailEnd type="none" w="med" len="med"/>
-                    </a:lnT>
-                    <a:lnB w="12700" cap="flat" cmpd="sng" algn="ctr">
-                      <a:solidFill>
-                        <a:schemeClr val="tx1"/>
-                      </a:solidFill>
-                      <a:prstDash val="solid"/>
-                      <a:round/>
-                      <a:headEnd type="none" w="med" len="med"/>
-                      <a:tailEnd type="none" w="med" len="med"/>
-                    </a:lnB>
-                    <a:solidFill>
-                      <a:srgbClr val="FFFF00"/>
-                    </a:solidFill>
-                  </a:tcPr>
-                </a:tc>
-                <a:tc hMerge="1">
-                  <a:txBody>
-                    <a:bodyPr/>
-                    <a:lstStyle/>
-                    <a:p>
-                      <a:endParaRPr lang="zh-TW" altLang="en-US" dirty="0">
-                        <a:solidFill>
-                          <a:schemeClr val="tx1"/>
-                        </a:solidFill>
-                      </a:endParaRPr>
-                    </a:p>
-                  </a:txBody>
-                  <a:tcPr>
-                    <a:lnL w="12700" cap="flat" cmpd="sng" algn="ctr">
-                      <a:solidFill>
-                        <a:schemeClr val="tx1"/>
-                      </a:solidFill>
-                      <a:prstDash val="solid"/>
-                      <a:round/>
-                      <a:headEnd type="none" w="med" len="med"/>
-                      <a:tailEnd type="none" w="med" len="med"/>
-                    </a:lnL>
-                    <a:lnR w="12700" cap="flat" cmpd="sng" algn="ctr">
-                      <a:solidFill>
-                        <a:schemeClr val="tx1"/>
-                      </a:solidFill>
-                      <a:prstDash val="solid"/>
-                      <a:round/>
-                      <a:headEnd type="none" w="med" len="med"/>
-                      <a:tailEnd type="none" w="med" len="med"/>
-                    </a:lnR>
-                    <a:lnT w="12700" cap="flat" cmpd="sng" algn="ctr">
-                      <a:solidFill>
-                        <a:schemeClr val="tx1"/>
-                      </a:solidFill>
-                      <a:prstDash val="solid"/>
-                      <a:round/>
-                      <a:headEnd type="none" w="med" len="med"/>
-                      <a:tailEnd type="none" w="med" len="med"/>
-                    </a:lnT>
-                    <a:lnB w="12700" cap="flat" cmpd="sng" algn="ctr">
-                      <a:solidFill>
-                        <a:schemeClr val="tx1"/>
-                      </a:solidFill>
-                      <a:prstDash val="solid"/>
-                      <a:round/>
-                      <a:headEnd type="none" w="med" len="med"/>
-                      <a:tailEnd type="none" w="med" len="med"/>
-                    </a:lnB>
-                    <a:solidFill>
-                      <a:srgbClr val="FFFF00"/>
-                    </a:solidFill>
-                  </a:tcPr>
-                </a:tc>
-                <a:tc hMerge="1">
-                  <a:txBody>
-                    <a:bodyPr/>
-                    <a:lstStyle/>
-                    <a:p>
-                      <a:endParaRPr lang="zh-TW" altLang="en-US" dirty="0">
-                        <a:solidFill>
-                          <a:schemeClr val="tx1"/>
-                        </a:solidFill>
-                      </a:endParaRPr>
-                    </a:p>
-                  </a:txBody>
-                  <a:tcPr>
-                    <a:lnL w="12700" cap="flat" cmpd="sng" algn="ctr">
-                      <a:solidFill>
-                        <a:schemeClr val="tx1"/>
-                      </a:solidFill>
-                      <a:prstDash val="solid"/>
-                      <a:round/>
-                      <a:headEnd type="none" w="med" len="med"/>
-                      <a:tailEnd type="none" w="med" len="med"/>
-                    </a:lnL>
-                    <a:lnR w="12700" cap="flat" cmpd="sng" algn="ctr">
-                      <a:solidFill>
-                        <a:schemeClr val="tx1"/>
-                      </a:solidFill>
-                      <a:prstDash val="solid"/>
-                      <a:round/>
-                      <a:headEnd type="none" w="med" len="med"/>
-                      <a:tailEnd type="none" w="med" len="med"/>
-                    </a:lnR>
-                    <a:lnT w="12700" cap="flat" cmpd="sng" algn="ctr">
-                      <a:solidFill>
-                        <a:schemeClr val="tx1"/>
-                      </a:solidFill>
-                      <a:prstDash val="solid"/>
-                      <a:round/>
-                      <a:headEnd type="none" w="med" len="med"/>
-                      <a:tailEnd type="none" w="med" len="med"/>
-                    </a:lnT>
-                    <a:lnB w="12700" cap="flat" cmpd="sng" algn="ctr">
-                      <a:solidFill>
-                        <a:schemeClr val="tx1"/>
-                      </a:solidFill>
-                      <a:prstDash val="solid"/>
-                      <a:round/>
-                      <a:headEnd type="none" w="med" len="med"/>
-                      <a:tailEnd type="none" w="med" len="med"/>
-                    </a:lnB>
-                    <a:solidFill>
-                      <a:srgbClr val="FFFF00"/>
-                    </a:solidFill>
-                  </a:tcPr>
-                </a:tc>
-                <a:tc gridSpan="2">
-                  <a:txBody>
-                    <a:bodyPr/>
-                    <a:lstStyle/>
-                    <a:p>
-                      <a:pPr algn="ctr"/>
-                      <a:r>
-                        <a:rPr lang="zh-TW" altLang="en-US" dirty="0" smtClean="0">
-                          <a:solidFill>
-                            <a:schemeClr val="tx1"/>
-                          </a:solidFill>
-                        </a:rPr>
-                        <a:t>２</a:t>
-                      </a:r>
-                      <a:endParaRPr lang="zh-TW" altLang="en-US" dirty="0">
-                        <a:solidFill>
-                          <a:schemeClr val="tx1"/>
-                        </a:solidFill>
-                      </a:endParaRPr>
-                    </a:p>
-                  </a:txBody>
-                  <a:tcPr>
-                    <a:lnL w="12700" cap="flat" cmpd="sng" algn="ctr">
-                      <a:solidFill>
-                        <a:schemeClr val="tx1"/>
-                      </a:solidFill>
-                      <a:prstDash val="solid"/>
-                      <a:round/>
-                      <a:headEnd type="none" w="med" len="med"/>
-                      <a:tailEnd type="none" w="med" len="med"/>
-                    </a:lnL>
-                    <a:lnR w="12700" cap="flat" cmpd="sng" algn="ctr">
-                      <a:solidFill>
-                        <a:schemeClr val="tx1"/>
-                      </a:solidFill>
-                      <a:prstDash val="solid"/>
-                      <a:round/>
-                      <a:headEnd type="none" w="med" len="med"/>
-                      <a:tailEnd type="none" w="med" len="med"/>
-                    </a:lnR>
-                    <a:lnT w="12700" cap="flat" cmpd="sng" algn="ctr">
-                      <a:solidFill>
-                        <a:schemeClr val="tx1"/>
-                      </a:solidFill>
-                      <a:prstDash val="solid"/>
-                      <a:round/>
-                      <a:headEnd type="none" w="med" len="med"/>
-                      <a:tailEnd type="none" w="med" len="med"/>
-                    </a:lnT>
-                    <a:lnB w="12700" cap="flat" cmpd="sng" algn="ctr">
-                      <a:solidFill>
-                        <a:schemeClr val="tx1"/>
-                      </a:solidFill>
-                      <a:prstDash val="solid"/>
-                      <a:round/>
-                      <a:headEnd type="none" w="med" len="med"/>
-                      <a:tailEnd type="none" w="med" len="med"/>
-                    </a:lnB>
-                    <a:solidFill>
-                      <a:schemeClr val="accent3">
-                        <a:lumMod val="60000"/>
-                        <a:lumOff val="40000"/>
-                      </a:schemeClr>
-                    </a:solidFill>
-                  </a:tcPr>
-                </a:tc>
-                <a:tc hMerge="1">
-                  <a:txBody>
-                    <a:bodyPr/>
-                    <a:lstStyle/>
-                    <a:p>
-                      <a:endParaRPr lang="zh-TW" altLang="en-US" dirty="0">
-                        <a:solidFill>
-                          <a:schemeClr val="tx1"/>
-                        </a:solidFill>
-                      </a:endParaRPr>
-                    </a:p>
-                  </a:txBody>
-                  <a:tcPr>
-                    <a:lnL w="12700" cap="flat" cmpd="sng" algn="ctr">
-                      <a:solidFill>
-                        <a:schemeClr val="tx1"/>
-                      </a:solidFill>
-                      <a:prstDash val="solid"/>
-                      <a:round/>
-                      <a:headEnd type="none" w="med" len="med"/>
-                      <a:tailEnd type="none" w="med" len="med"/>
-                    </a:lnL>
-                    <a:lnR w="12700" cap="flat" cmpd="sng" algn="ctr">
-                      <a:solidFill>
-                        <a:schemeClr val="tx1"/>
-                      </a:solidFill>
-                      <a:prstDash val="solid"/>
-                      <a:round/>
-                      <a:headEnd type="none" w="med" len="med"/>
-                      <a:tailEnd type="none" w="med" len="med"/>
-                    </a:lnR>
-                    <a:lnT w="12700" cap="flat" cmpd="sng" algn="ctr">
-                      <a:solidFill>
-                        <a:schemeClr val="tx1"/>
-                      </a:solidFill>
-                      <a:prstDash val="solid"/>
-                      <a:round/>
-                      <a:headEnd type="none" w="med" len="med"/>
-                      <a:tailEnd type="none" w="med" len="med"/>
-                    </a:lnT>
-                    <a:lnB w="12700" cap="flat" cmpd="sng" algn="ctr">
-                      <a:solidFill>
-                        <a:schemeClr val="tx1"/>
-                      </a:solidFill>
-                      <a:prstDash val="solid"/>
-                      <a:round/>
-                      <a:headEnd type="none" w="med" len="med"/>
-                      <a:tailEnd type="none" w="med" len="med"/>
-                    </a:lnB>
-                    <a:solidFill>
-                      <a:schemeClr val="accent3">
-                        <a:lumMod val="60000"/>
-                        <a:lumOff val="40000"/>
-                      </a:schemeClr>
-                    </a:solidFill>
-                  </a:tcPr>
-                </a:tc>
-                <a:tc>
-                  <a:txBody>
-                    <a:bodyPr/>
-                    <a:lstStyle/>
-                    <a:p>
-                      <a:pPr algn="ctr"/>
-                      <a:r>
-                        <a:rPr lang="zh-TW" altLang="en-US" dirty="0" smtClean="0">
-                          <a:solidFill>
-                            <a:schemeClr val="tx1"/>
-                          </a:solidFill>
-                        </a:rPr>
-                        <a:t>１</a:t>
-                      </a:r>
-                      <a:endParaRPr lang="zh-TW" altLang="en-US" dirty="0">
-                        <a:solidFill>
-                          <a:schemeClr val="tx1"/>
-                        </a:solidFill>
-                      </a:endParaRPr>
-                    </a:p>
-                  </a:txBody>
-                  <a:tcPr>
-                    <a:lnL w="12700" cap="flat" cmpd="sng" algn="ctr">
-                      <a:solidFill>
-                        <a:schemeClr val="tx1"/>
-                      </a:solidFill>
-                      <a:prstDash val="solid"/>
-                      <a:round/>
-                      <a:headEnd type="none" w="med" len="med"/>
-                      <a:tailEnd type="none" w="med" len="med"/>
-                    </a:lnL>
-                    <a:lnR w="12700" cap="flat" cmpd="sng" algn="ctr">
-                      <a:solidFill>
-                        <a:schemeClr val="tx1"/>
-                      </a:solidFill>
-                      <a:prstDash val="solid"/>
-                      <a:round/>
-                      <a:headEnd type="none" w="med" len="med"/>
-                      <a:tailEnd type="none" w="med" len="med"/>
-                    </a:lnR>
-                    <a:lnT w="12700" cap="flat" cmpd="sng" algn="ctr">
-                      <a:solidFill>
-                        <a:schemeClr val="tx1"/>
-                      </a:solidFill>
-                      <a:prstDash val="solid"/>
-                      <a:round/>
-                      <a:headEnd type="none" w="med" len="med"/>
-                      <a:tailEnd type="none" w="med" len="med"/>
-                    </a:lnT>
-                    <a:lnB w="12700" cap="flat" cmpd="sng" algn="ctr">
-                      <a:solidFill>
-                        <a:schemeClr val="tx1"/>
-                      </a:solidFill>
-                      <a:prstDash val="solid"/>
-                      <a:round/>
-                      <a:headEnd type="none" w="med" len="med"/>
-                      <a:tailEnd type="none" w="med" len="med"/>
-                    </a:lnB>
-                    <a:solidFill>
-                      <a:schemeClr val="accent2">
-                        <a:lumMod val="40000"/>
-                        <a:lumOff val="60000"/>
-                      </a:schemeClr>
-                    </a:solidFill>
-                  </a:tcPr>
-                </a:tc>
-                <a:tc>
-                  <a:txBody>
-                    <a:bodyPr/>
-                    <a:lstStyle/>
-                    <a:p>
-                      <a:endParaRPr lang="zh-TW" altLang="en-US" dirty="0">
-                        <a:solidFill>
-                          <a:schemeClr val="tx1"/>
-                        </a:solidFill>
-                      </a:endParaRPr>
-                    </a:p>
-                  </a:txBody>
-                  <a:tcPr>
-                    <a:lnL w="12700" cap="flat" cmpd="sng" algn="ctr">
-                      <a:solidFill>
-                        <a:schemeClr val="tx1"/>
-                      </a:solidFill>
-                      <a:prstDash val="solid"/>
-                      <a:round/>
-                      <a:headEnd type="none" w="med" len="med"/>
-                      <a:tailEnd type="none" w="med" len="med"/>
-                    </a:lnL>
-                    <a:lnR w="12700" cap="flat" cmpd="sng" algn="ctr">
-                      <a:solidFill>
-                        <a:schemeClr val="tx1"/>
-                      </a:solidFill>
-                      <a:prstDash val="solid"/>
-                      <a:round/>
-                      <a:headEnd type="none" w="med" len="med"/>
-                      <a:tailEnd type="none" w="med" len="med"/>
-                    </a:lnR>
-                    <a:lnT w="12700" cap="flat" cmpd="sng" algn="ctr">
-                      <a:solidFill>
-                        <a:schemeClr val="tx1"/>
-                      </a:solidFill>
-                      <a:prstDash val="solid"/>
-                      <a:round/>
-                      <a:headEnd type="none" w="med" len="med"/>
-                      <a:tailEnd type="none" w="med" len="med"/>
-                    </a:lnT>
-                    <a:lnB w="12700" cap="flat" cmpd="sng" algn="ctr">
-                      <a:solidFill>
-                        <a:schemeClr val="tx1"/>
-                      </a:solidFill>
-                      <a:prstDash val="solid"/>
-                      <a:round/>
-                      <a:headEnd type="none" w="med" len="med"/>
-                      <a:tailEnd type="none" w="med" len="med"/>
-                    </a:lnB>
-                    <a:solidFill>
-                      <a:schemeClr val="bg1"/>
-                    </a:solidFill>
-                  </a:tcPr>
-                </a:tc>
-                <a:tc>
-                  <a:txBody>
-                    <a:bodyPr/>
-                    <a:lstStyle/>
-                    <a:p>
-                      <a:endParaRPr lang="zh-TW" altLang="en-US" dirty="0">
-                        <a:solidFill>
-                          <a:schemeClr val="tx1"/>
-                        </a:solidFill>
-                      </a:endParaRPr>
-                    </a:p>
-                  </a:txBody>
-                  <a:tcPr>
-                    <a:lnL w="12700" cap="flat" cmpd="sng" algn="ctr">
-                      <a:solidFill>
-                        <a:schemeClr val="tx1"/>
-                      </a:solidFill>
-                      <a:prstDash val="solid"/>
-                      <a:round/>
-                      <a:headEnd type="none" w="med" len="med"/>
-                      <a:tailEnd type="none" w="med" len="med"/>
-                    </a:lnL>
-                    <a:lnR w="12700" cap="flat" cmpd="sng" algn="ctr">
-                      <a:solidFill>
-                        <a:schemeClr val="tx1"/>
-                      </a:solidFill>
-                      <a:prstDash val="solid"/>
-                      <a:round/>
-                      <a:headEnd type="none" w="med" len="med"/>
-                      <a:tailEnd type="none" w="med" len="med"/>
-                    </a:lnR>
-                    <a:lnT w="12700" cap="flat" cmpd="sng" algn="ctr">
-                      <a:solidFill>
-                        <a:schemeClr val="tx1"/>
-                      </a:solidFill>
-                      <a:prstDash val="solid"/>
-                      <a:round/>
-                      <a:headEnd type="none" w="med" len="med"/>
-                      <a:tailEnd type="none" w="med" len="med"/>
-                    </a:lnT>
-                    <a:lnB w="12700" cap="flat" cmpd="sng" algn="ctr">
-                      <a:solidFill>
-                        <a:schemeClr val="tx1"/>
-                      </a:solidFill>
-                      <a:prstDash val="solid"/>
-                      <a:round/>
-                      <a:headEnd type="none" w="med" len="med"/>
-                      <a:tailEnd type="none" w="med" len="med"/>
-                    </a:lnB>
-                    <a:solidFill>
-                      <a:schemeClr val="bg1"/>
-                    </a:solidFill>
-                  </a:tcPr>
-                </a:tc>
-                <a:tc>
-                  <a:txBody>
-                    <a:bodyPr/>
-                    <a:lstStyle/>
-                    <a:p>
-                      <a:endParaRPr lang="zh-TW" altLang="en-US" dirty="0">
-                        <a:solidFill>
-                          <a:schemeClr val="tx1"/>
-                        </a:solidFill>
-                      </a:endParaRPr>
-                    </a:p>
-                  </a:txBody>
-                  <a:tcPr>
-                    <a:lnL w="12700" cap="flat" cmpd="sng" algn="ctr">
-                      <a:solidFill>
-                        <a:schemeClr val="tx1"/>
-                      </a:solidFill>
-                      <a:prstDash val="solid"/>
-                      <a:round/>
-                      <a:headEnd type="none" w="med" len="med"/>
-                      <a:tailEnd type="none" w="med" len="med"/>
-                    </a:lnL>
-                    <a:lnR w="12700" cap="flat" cmpd="sng" algn="ctr">
-                      <a:solidFill>
-                        <a:schemeClr val="tx1"/>
-                      </a:solidFill>
-                      <a:prstDash val="solid"/>
-                      <a:round/>
-                      <a:headEnd type="none" w="med" len="med"/>
-                      <a:tailEnd type="none" w="med" len="med"/>
-                    </a:lnR>
-                    <a:lnT w="12700" cap="flat" cmpd="sng" algn="ctr">
-                      <a:solidFill>
-                        <a:schemeClr val="tx1"/>
-                      </a:solidFill>
-                      <a:prstDash val="solid"/>
-                      <a:round/>
-                      <a:headEnd type="none" w="med" len="med"/>
-                      <a:tailEnd type="none" w="med" len="med"/>
-                    </a:lnT>
-                    <a:lnB w="12700" cap="flat" cmpd="sng" algn="ctr">
-                      <a:solidFill>
-                        <a:schemeClr val="tx1"/>
-                      </a:solidFill>
-                      <a:prstDash val="solid"/>
-                      <a:round/>
-                      <a:headEnd type="none" w="med" len="med"/>
-                      <a:tailEnd type="none" w="med" len="med"/>
-                    </a:lnB>
-                    <a:solidFill>
-                      <a:schemeClr val="bg1"/>
-                    </a:solidFill>
-                  </a:tcPr>
-                </a:tc>
-                <a:extLst>
-                  <a:ext uri="{0D108BD9-81ED-4DB2-BD59-A6C34878D82A}">
-                    <a16:rowId xmlns:a16="http://schemas.microsoft.com/office/drawing/2014/main" val="767941430"/>
-                  </a:ext>
-                </a:extLst>
-              </a:tr>
-              <a:tr h="370840">
-                <a:tc>
-                  <a:txBody>
-                    <a:bodyPr/>
-                    <a:lstStyle/>
-                    <a:p>
-                      <a:r>
-                        <a:rPr lang="en-US" altLang="zh-TW" dirty="0" smtClean="0">
-                          <a:solidFill>
-                            <a:schemeClr val="tx1"/>
-                          </a:solidFill>
-                        </a:rPr>
-                        <a:t>k</a:t>
-                      </a:r>
-                      <a:endParaRPr lang="zh-TW" altLang="en-US" dirty="0">
-                        <a:solidFill>
-                          <a:schemeClr val="tx1"/>
-                        </a:solidFill>
-                      </a:endParaRPr>
-                    </a:p>
-                  </a:txBody>
-                  <a:tcPr>
-                    <a:lnL w="12700" cap="flat" cmpd="sng" algn="ctr">
-                      <a:solidFill>
-                        <a:schemeClr val="tx1"/>
-                      </a:solidFill>
-                      <a:prstDash val="solid"/>
-                      <a:round/>
-                      <a:headEnd type="none" w="med" len="med"/>
-                      <a:tailEnd type="none" w="med" len="med"/>
-                    </a:lnL>
-                    <a:lnR w="12700" cap="flat" cmpd="sng" algn="ctr">
-                      <a:solidFill>
-                        <a:schemeClr val="tx1"/>
-                      </a:solidFill>
-                      <a:prstDash val="solid"/>
-                      <a:round/>
-                      <a:headEnd type="none" w="med" len="med"/>
-                      <a:tailEnd type="none" w="med" len="med"/>
-                    </a:lnR>
-                    <a:lnT w="12700" cap="flat" cmpd="sng" algn="ctr">
-                      <a:solidFill>
-                        <a:schemeClr val="tx1"/>
-                      </a:solidFill>
-                      <a:prstDash val="solid"/>
-                      <a:round/>
-                      <a:headEnd type="none" w="med" len="med"/>
-                      <a:tailEnd type="none" w="med" len="med"/>
-                    </a:lnT>
-                    <a:lnB w="12700" cap="flat" cmpd="sng" algn="ctr">
-                      <a:solidFill>
-                        <a:schemeClr val="tx1"/>
-                      </a:solidFill>
-                      <a:prstDash val="solid"/>
-                      <a:round/>
-                      <a:headEnd type="none" w="med" len="med"/>
-                      <a:tailEnd type="none" w="med" len="med"/>
-                    </a:lnB>
-                    <a:solidFill>
-                      <a:schemeClr val="bg1"/>
-                    </a:solidFill>
-                  </a:tcPr>
-                </a:tc>
-                <a:tc>
-                  <a:txBody>
-                    <a:bodyPr/>
-                    <a:lstStyle/>
-                    <a:p>
-                      <a:pPr algn="ctr"/>
-                      <a:r>
-                        <a:rPr lang="zh-TW" altLang="en-US" dirty="0" smtClean="0">
-                          <a:solidFill>
-                            <a:schemeClr val="tx1"/>
-                          </a:solidFill>
-                        </a:rPr>
-                        <a:t>０</a:t>
-                      </a:r>
-                      <a:endParaRPr lang="zh-TW" altLang="en-US" dirty="0">
-                        <a:solidFill>
-                          <a:schemeClr val="tx1"/>
-                        </a:solidFill>
-                      </a:endParaRPr>
-                    </a:p>
-                  </a:txBody>
-                  <a:tcPr>
-                    <a:lnL w="12700" cap="flat" cmpd="sng" algn="ctr">
-                      <a:solidFill>
-                        <a:schemeClr val="tx1"/>
-                      </a:solidFill>
-                      <a:prstDash val="solid"/>
-                      <a:round/>
-                      <a:headEnd type="none" w="med" len="med"/>
-                      <a:tailEnd type="none" w="med" len="med"/>
-                    </a:lnL>
-                    <a:lnR w="12700" cap="flat" cmpd="sng" algn="ctr">
-                      <a:solidFill>
-                        <a:schemeClr val="tx1"/>
-                      </a:solidFill>
-                      <a:prstDash val="solid"/>
-                      <a:round/>
-                      <a:headEnd type="none" w="med" len="med"/>
-                      <a:tailEnd type="none" w="med" len="med"/>
-                    </a:lnR>
-                    <a:lnT w="12700" cap="flat" cmpd="sng" algn="ctr">
-                      <a:solidFill>
-                        <a:schemeClr val="tx1"/>
-                      </a:solidFill>
-                      <a:prstDash val="solid"/>
-                      <a:round/>
-                      <a:headEnd type="none" w="med" len="med"/>
-                      <a:tailEnd type="none" w="med" len="med"/>
-                    </a:lnT>
-                    <a:lnB w="12700" cap="flat" cmpd="sng" algn="ctr">
-                      <a:solidFill>
-                        <a:schemeClr val="tx1"/>
-                      </a:solidFill>
-                      <a:prstDash val="solid"/>
-                      <a:round/>
-                      <a:headEnd type="none" w="med" len="med"/>
-                      <a:tailEnd type="none" w="med" len="med"/>
-                    </a:lnB>
-                    <a:solidFill>
-                      <a:srgbClr val="FFFF00"/>
-                    </a:solidFill>
-                  </a:tcPr>
-                </a:tc>
-                <a:tc>
-                  <a:txBody>
-                    <a:bodyPr/>
-                    <a:lstStyle/>
-                    <a:p>
-                      <a:pPr algn="ctr"/>
-                      <a:r>
-                        <a:rPr lang="zh-TW" altLang="en-US" dirty="0" smtClean="0">
-                          <a:solidFill>
-                            <a:schemeClr val="tx1"/>
-                          </a:solidFill>
-                        </a:rPr>
-                        <a:t>１</a:t>
-                      </a:r>
-                      <a:endParaRPr lang="zh-TW" altLang="en-US" dirty="0">
-                        <a:solidFill>
-                          <a:schemeClr val="tx1"/>
-                        </a:solidFill>
-                      </a:endParaRPr>
-                    </a:p>
-                  </a:txBody>
-                  <a:tcPr>
-                    <a:lnL w="12700" cap="flat" cmpd="sng" algn="ctr">
-                      <a:solidFill>
-                        <a:schemeClr val="tx1"/>
-                      </a:solidFill>
-                      <a:prstDash val="solid"/>
-                      <a:round/>
-                      <a:headEnd type="none" w="med" len="med"/>
-                      <a:tailEnd type="none" w="med" len="med"/>
-                    </a:lnL>
-                    <a:lnR w="12700" cap="flat" cmpd="sng" algn="ctr">
-                      <a:solidFill>
-                        <a:schemeClr val="tx1"/>
-                      </a:solidFill>
-                      <a:prstDash val="solid"/>
-                      <a:round/>
-                      <a:headEnd type="none" w="med" len="med"/>
-                      <a:tailEnd type="none" w="med" len="med"/>
-                    </a:lnR>
-                    <a:lnT w="12700" cap="flat" cmpd="sng" algn="ctr">
-                      <a:solidFill>
-                        <a:schemeClr val="tx1"/>
-                      </a:solidFill>
-                      <a:prstDash val="solid"/>
-                      <a:round/>
-                      <a:headEnd type="none" w="med" len="med"/>
-                      <a:tailEnd type="none" w="med" len="med"/>
-                    </a:lnT>
-                    <a:lnB w="12700" cap="flat" cmpd="sng" algn="ctr">
-                      <a:solidFill>
-                        <a:schemeClr val="tx1"/>
-                      </a:solidFill>
-                      <a:prstDash val="solid"/>
-                      <a:round/>
-                      <a:headEnd type="none" w="med" len="med"/>
-                      <a:tailEnd type="none" w="med" len="med"/>
-                    </a:lnB>
-                    <a:solidFill>
-                      <a:srgbClr val="FFFF00"/>
-                    </a:solidFill>
-                  </a:tcPr>
-                </a:tc>
-                <a:tc>
-                  <a:txBody>
-                    <a:bodyPr/>
-                    <a:lstStyle/>
-                    <a:p>
-                      <a:pPr algn="ctr"/>
-                      <a:r>
-                        <a:rPr lang="zh-TW" altLang="en-US" dirty="0" smtClean="0">
-                          <a:solidFill>
-                            <a:schemeClr val="tx1"/>
-                          </a:solidFill>
-                        </a:rPr>
-                        <a:t>２</a:t>
-                      </a:r>
-                      <a:endParaRPr lang="zh-TW" altLang="en-US" dirty="0">
-                        <a:solidFill>
-                          <a:schemeClr val="tx1"/>
-                        </a:solidFill>
-                      </a:endParaRPr>
-                    </a:p>
-                  </a:txBody>
-                  <a:tcPr>
-                    <a:lnL w="12700" cap="flat" cmpd="sng" algn="ctr">
-                      <a:solidFill>
-                        <a:schemeClr val="tx1"/>
-                      </a:solidFill>
-                      <a:prstDash val="solid"/>
-                      <a:round/>
-                      <a:headEnd type="none" w="med" len="med"/>
-                      <a:tailEnd type="none" w="med" len="med"/>
-                    </a:lnL>
-                    <a:lnR w="12700" cap="flat" cmpd="sng" algn="ctr">
-                      <a:solidFill>
-                        <a:schemeClr val="tx1"/>
-                      </a:solidFill>
-                      <a:prstDash val="solid"/>
-                      <a:round/>
-                      <a:headEnd type="none" w="med" len="med"/>
-                      <a:tailEnd type="none" w="med" len="med"/>
-                    </a:lnR>
-                    <a:lnT w="12700" cap="flat" cmpd="sng" algn="ctr">
-                      <a:solidFill>
-                        <a:schemeClr val="tx1"/>
-                      </a:solidFill>
-                      <a:prstDash val="solid"/>
-                      <a:round/>
-                      <a:headEnd type="none" w="med" len="med"/>
-                      <a:tailEnd type="none" w="med" len="med"/>
-                    </a:lnT>
-                    <a:lnB w="12700" cap="flat" cmpd="sng" algn="ctr">
-                      <a:solidFill>
-                        <a:schemeClr val="tx1"/>
-                      </a:solidFill>
-                      <a:prstDash val="solid"/>
-                      <a:round/>
-                      <a:headEnd type="none" w="med" len="med"/>
-                      <a:tailEnd type="none" w="med" len="med"/>
-                    </a:lnB>
-                    <a:solidFill>
-                      <a:srgbClr val="FFFF00"/>
-                    </a:solidFill>
-                  </a:tcPr>
-                </a:tc>
-                <a:tc>
-                  <a:txBody>
-                    <a:bodyPr/>
-                    <a:lstStyle/>
-                    <a:p>
-                      <a:pPr algn="ctr"/>
-                      <a:r>
-                        <a:rPr lang="zh-TW" altLang="en-US" dirty="0" smtClean="0">
-                          <a:solidFill>
-                            <a:schemeClr val="tx1"/>
-                          </a:solidFill>
-                        </a:rPr>
-                        <a:t>０</a:t>
-                      </a:r>
-                      <a:endParaRPr lang="zh-TW" altLang="en-US" dirty="0">
-                        <a:solidFill>
-                          <a:schemeClr val="tx1"/>
-                        </a:solidFill>
-                      </a:endParaRPr>
-                    </a:p>
-                  </a:txBody>
-                  <a:tcPr>
-                    <a:lnL w="12700" cap="flat" cmpd="sng" algn="ctr">
-                      <a:solidFill>
-                        <a:schemeClr val="tx1"/>
-                      </a:solidFill>
-                      <a:prstDash val="solid"/>
-                      <a:round/>
-                      <a:headEnd type="none" w="med" len="med"/>
-                      <a:tailEnd type="none" w="med" len="med"/>
-                    </a:lnL>
-                    <a:lnR w="12700" cap="flat" cmpd="sng" algn="ctr">
-                      <a:solidFill>
-                        <a:schemeClr val="tx1"/>
-                      </a:solidFill>
-                      <a:prstDash val="solid"/>
-                      <a:round/>
-                      <a:headEnd type="none" w="med" len="med"/>
-                      <a:tailEnd type="none" w="med" len="med"/>
-                    </a:lnR>
-                    <a:lnT w="12700" cap="flat" cmpd="sng" algn="ctr">
-                      <a:solidFill>
-                        <a:schemeClr val="tx1"/>
-                      </a:solidFill>
-                      <a:prstDash val="solid"/>
-                      <a:round/>
-                      <a:headEnd type="none" w="med" len="med"/>
-                      <a:tailEnd type="none" w="med" len="med"/>
-                    </a:lnT>
-                    <a:lnB w="12700" cap="flat" cmpd="sng" algn="ctr">
-                      <a:solidFill>
-                        <a:schemeClr val="tx1"/>
-                      </a:solidFill>
-                      <a:prstDash val="solid"/>
-                      <a:round/>
-                      <a:headEnd type="none" w="med" len="med"/>
-                      <a:tailEnd type="none" w="med" len="med"/>
-                    </a:lnB>
-                    <a:solidFill>
-                      <a:schemeClr val="accent3">
-                        <a:lumMod val="60000"/>
-                        <a:lumOff val="40000"/>
-                      </a:schemeClr>
-                    </a:solidFill>
-                  </a:tcPr>
-                </a:tc>
-                <a:tc>
-                  <a:txBody>
-                    <a:bodyPr/>
-                    <a:lstStyle/>
-                    <a:p>
-                      <a:pPr algn="ctr"/>
-                      <a:r>
-                        <a:rPr lang="zh-TW" altLang="en-US" dirty="0" smtClean="0">
-                          <a:solidFill>
-                            <a:schemeClr val="tx1"/>
-                          </a:solidFill>
-                        </a:rPr>
-                        <a:t>１</a:t>
-                      </a:r>
-                      <a:endParaRPr lang="zh-TW" altLang="en-US" dirty="0">
-                        <a:solidFill>
-                          <a:schemeClr val="tx1"/>
-                        </a:solidFill>
-                      </a:endParaRPr>
-                    </a:p>
-                  </a:txBody>
-                  <a:tcPr>
-                    <a:lnL w="12700" cap="flat" cmpd="sng" algn="ctr">
-                      <a:solidFill>
-                        <a:schemeClr val="tx1"/>
-                      </a:solidFill>
-                      <a:prstDash val="solid"/>
-                      <a:round/>
-                      <a:headEnd type="none" w="med" len="med"/>
-                      <a:tailEnd type="none" w="med" len="med"/>
-                    </a:lnL>
-                    <a:lnR w="12700" cap="flat" cmpd="sng" algn="ctr">
-                      <a:solidFill>
-                        <a:schemeClr val="tx1"/>
-                      </a:solidFill>
-                      <a:prstDash val="solid"/>
-                      <a:round/>
-                      <a:headEnd type="none" w="med" len="med"/>
-                      <a:tailEnd type="none" w="med" len="med"/>
-                    </a:lnR>
-                    <a:lnT w="12700" cap="flat" cmpd="sng" algn="ctr">
-                      <a:solidFill>
-                        <a:schemeClr val="tx1"/>
-                      </a:solidFill>
-                      <a:prstDash val="solid"/>
-                      <a:round/>
-                      <a:headEnd type="none" w="med" len="med"/>
-                      <a:tailEnd type="none" w="med" len="med"/>
-                    </a:lnT>
-                    <a:lnB w="12700" cap="flat" cmpd="sng" algn="ctr">
-                      <a:solidFill>
-                        <a:schemeClr val="tx1"/>
-                      </a:solidFill>
-                      <a:prstDash val="solid"/>
-                      <a:round/>
-                      <a:headEnd type="none" w="med" len="med"/>
-                      <a:tailEnd type="none" w="med" len="med"/>
-                    </a:lnB>
-                    <a:solidFill>
-                      <a:schemeClr val="accent3">
-                        <a:lumMod val="60000"/>
-                        <a:lumOff val="40000"/>
-                      </a:schemeClr>
-                    </a:solidFill>
-                  </a:tcPr>
-                </a:tc>
-                <a:tc>
-                  <a:txBody>
-                    <a:bodyPr/>
-                    <a:lstStyle/>
-                    <a:p>
-                      <a:pPr algn="ctr"/>
-                      <a:r>
-                        <a:rPr lang="zh-TW" altLang="en-US" dirty="0" smtClean="0">
-                          <a:solidFill>
-                            <a:schemeClr val="tx1"/>
-                          </a:solidFill>
-                        </a:rPr>
-                        <a:t>０</a:t>
-                      </a:r>
-                      <a:endParaRPr lang="zh-TW" altLang="en-US" dirty="0">
-                        <a:solidFill>
-                          <a:schemeClr val="tx1"/>
-                        </a:solidFill>
-                      </a:endParaRPr>
-                    </a:p>
-                  </a:txBody>
-                  <a:tcPr>
-                    <a:lnL w="12700" cap="flat" cmpd="sng" algn="ctr">
-                      <a:solidFill>
-                        <a:schemeClr val="tx1"/>
-                      </a:solidFill>
-                      <a:prstDash val="solid"/>
-                      <a:round/>
-                      <a:headEnd type="none" w="med" len="med"/>
-                      <a:tailEnd type="none" w="med" len="med"/>
-                    </a:lnL>
-                    <a:lnR w="12700" cap="flat" cmpd="sng" algn="ctr">
-                      <a:solidFill>
-                        <a:schemeClr val="tx1"/>
-                      </a:solidFill>
-                      <a:prstDash val="solid"/>
-                      <a:round/>
-                      <a:headEnd type="none" w="med" len="med"/>
-                      <a:tailEnd type="none" w="med" len="med"/>
-                    </a:lnR>
-                    <a:lnT w="12700" cap="flat" cmpd="sng" algn="ctr">
-                      <a:solidFill>
-                        <a:schemeClr val="tx1"/>
-                      </a:solidFill>
-                      <a:prstDash val="solid"/>
-                      <a:round/>
-                      <a:headEnd type="none" w="med" len="med"/>
-                      <a:tailEnd type="none" w="med" len="med"/>
-                    </a:lnT>
-                    <a:lnB w="12700" cap="flat" cmpd="sng" algn="ctr">
-                      <a:solidFill>
-                        <a:schemeClr val="tx1"/>
-                      </a:solidFill>
-                      <a:prstDash val="solid"/>
-                      <a:round/>
-                      <a:headEnd type="none" w="med" len="med"/>
-                      <a:tailEnd type="none" w="med" len="med"/>
-                    </a:lnB>
-                    <a:solidFill>
-                      <a:schemeClr val="accent2">
-                        <a:lumMod val="40000"/>
-                        <a:lumOff val="60000"/>
-                      </a:schemeClr>
-                    </a:solidFill>
-                  </a:tcPr>
-                </a:tc>
-                <a:tc>
-                  <a:txBody>
-                    <a:bodyPr/>
-                    <a:lstStyle/>
-                    <a:p>
-                      <a:endParaRPr lang="zh-TW" altLang="en-US" dirty="0">
-                        <a:solidFill>
-                          <a:schemeClr val="tx1"/>
-                        </a:solidFill>
-                      </a:endParaRPr>
-                    </a:p>
-                  </a:txBody>
-                  <a:tcPr>
-                    <a:lnL w="12700" cap="flat" cmpd="sng" algn="ctr">
-                      <a:solidFill>
-                        <a:schemeClr val="tx1"/>
-                      </a:solidFill>
-                      <a:prstDash val="solid"/>
-                      <a:round/>
-                      <a:headEnd type="none" w="med" len="med"/>
-                      <a:tailEnd type="none" w="med" len="med"/>
-                    </a:lnL>
-                    <a:lnR w="12700" cap="flat" cmpd="sng" algn="ctr">
-                      <a:solidFill>
-                        <a:schemeClr val="tx1"/>
-                      </a:solidFill>
-                      <a:prstDash val="solid"/>
-                      <a:round/>
-                      <a:headEnd type="none" w="med" len="med"/>
-                      <a:tailEnd type="none" w="med" len="med"/>
-                    </a:lnR>
-                    <a:lnT w="12700" cap="flat" cmpd="sng" algn="ctr">
-                      <a:solidFill>
-                        <a:schemeClr val="tx1"/>
-                      </a:solidFill>
-                      <a:prstDash val="solid"/>
-                      <a:round/>
-                      <a:headEnd type="none" w="med" len="med"/>
-                      <a:tailEnd type="none" w="med" len="med"/>
-                    </a:lnT>
-                    <a:lnB w="12700" cap="flat" cmpd="sng" algn="ctr">
-                      <a:solidFill>
-                        <a:schemeClr val="tx1"/>
-                      </a:solidFill>
-                      <a:prstDash val="solid"/>
-                      <a:round/>
-                      <a:headEnd type="none" w="med" len="med"/>
-                      <a:tailEnd type="none" w="med" len="med"/>
-                    </a:lnB>
-                    <a:solidFill>
-                      <a:schemeClr val="bg1"/>
-                    </a:solidFill>
-                  </a:tcPr>
-                </a:tc>
-                <a:tc>
-                  <a:txBody>
-                    <a:bodyPr/>
-                    <a:lstStyle/>
-                    <a:p>
-                      <a:endParaRPr lang="zh-TW" altLang="en-US" dirty="0">
-                        <a:solidFill>
-                          <a:schemeClr val="tx1"/>
-                        </a:solidFill>
-                      </a:endParaRPr>
-                    </a:p>
-                  </a:txBody>
-                  <a:tcPr>
-                    <a:lnL w="12700" cap="flat" cmpd="sng" algn="ctr">
-                      <a:solidFill>
-                        <a:schemeClr val="tx1"/>
-                      </a:solidFill>
-                      <a:prstDash val="solid"/>
-                      <a:round/>
-                      <a:headEnd type="none" w="med" len="med"/>
-                      <a:tailEnd type="none" w="med" len="med"/>
-                    </a:lnL>
-                    <a:lnR w="12700" cap="flat" cmpd="sng" algn="ctr">
-                      <a:solidFill>
-                        <a:schemeClr val="tx1"/>
-                      </a:solidFill>
-                      <a:prstDash val="solid"/>
-                      <a:round/>
-                      <a:headEnd type="none" w="med" len="med"/>
-                      <a:tailEnd type="none" w="med" len="med"/>
-                    </a:lnR>
-                    <a:lnT w="12700" cap="flat" cmpd="sng" algn="ctr">
-                      <a:solidFill>
-                        <a:schemeClr val="tx1"/>
-                      </a:solidFill>
-                      <a:prstDash val="solid"/>
-                      <a:round/>
-                      <a:headEnd type="none" w="med" len="med"/>
-                      <a:tailEnd type="none" w="med" len="med"/>
-                    </a:lnT>
-                    <a:lnB w="12700" cap="flat" cmpd="sng" algn="ctr">
-                      <a:solidFill>
-                        <a:schemeClr val="tx1"/>
-                      </a:solidFill>
-                      <a:prstDash val="solid"/>
-                      <a:round/>
-                      <a:headEnd type="none" w="med" len="med"/>
-                      <a:tailEnd type="none" w="med" len="med"/>
-                    </a:lnB>
-                    <a:solidFill>
-                      <a:schemeClr val="bg1"/>
-                    </a:solidFill>
-                  </a:tcPr>
-                </a:tc>
-                <a:tc>
-                  <a:txBody>
-                    <a:bodyPr/>
-                    <a:lstStyle/>
-                    <a:p>
-                      <a:endParaRPr lang="zh-TW" altLang="en-US" dirty="0">
-                        <a:solidFill>
-                          <a:schemeClr val="tx1"/>
-                        </a:solidFill>
-                      </a:endParaRPr>
-                    </a:p>
-                  </a:txBody>
-                  <a:tcPr>
-                    <a:lnL w="12700" cap="flat" cmpd="sng" algn="ctr">
-                      <a:solidFill>
-                        <a:schemeClr val="tx1"/>
-                      </a:solidFill>
-                      <a:prstDash val="solid"/>
-                      <a:round/>
-                      <a:headEnd type="none" w="med" len="med"/>
-                      <a:tailEnd type="none" w="med" len="med"/>
-                    </a:lnL>
-                    <a:lnR w="12700" cap="flat" cmpd="sng" algn="ctr">
-                      <a:solidFill>
-                        <a:schemeClr val="tx1"/>
-                      </a:solidFill>
-                      <a:prstDash val="solid"/>
-                      <a:round/>
-                      <a:headEnd type="none" w="med" len="med"/>
-                      <a:tailEnd type="none" w="med" len="med"/>
-                    </a:lnR>
-                    <a:lnT w="12700" cap="flat" cmpd="sng" algn="ctr">
-                      <a:solidFill>
-                        <a:schemeClr val="tx1"/>
-                      </a:solidFill>
-                      <a:prstDash val="solid"/>
-                      <a:round/>
-                      <a:headEnd type="none" w="med" len="med"/>
-                      <a:tailEnd type="none" w="med" len="med"/>
-                    </a:lnT>
-                    <a:lnB w="12700" cap="flat" cmpd="sng" algn="ctr">
-                      <a:solidFill>
-                        <a:schemeClr val="tx1"/>
-                      </a:solidFill>
-                      <a:prstDash val="solid"/>
-                      <a:round/>
-                      <a:headEnd type="none" w="med" len="med"/>
-                      <a:tailEnd type="none" w="med" len="med"/>
-                    </a:lnB>
-                    <a:solidFill>
-                      <a:schemeClr val="bg1"/>
-                    </a:solidFill>
-                  </a:tcPr>
-                </a:tc>
-                <a:extLst>
-                  <a:ext uri="{0D108BD9-81ED-4DB2-BD59-A6C34878D82A}">
-                    <a16:rowId xmlns:a16="http://schemas.microsoft.com/office/drawing/2014/main" val="3495716727"/>
-                  </a:ext>
-                </a:extLst>
-              </a:tr>
-            </a:tbl>
-          </a:graphicData>
-        </a:graphic>
-      </p:graphicFrame>
-      <p:sp>
-        <p:nvSpPr>
-          <p:cNvPr id="6" name="文字方塊 5"/>
-          <p:cNvSpPr txBox="1"/>
-          <p:nvPr/>
-        </p:nvSpPr>
-        <p:spPr>
-          <a:xfrm>
-            <a:off x="1611376" y="2807208"/>
-            <a:ext cx="877163" cy="369332"/>
-          </a:xfrm>
-          <a:prstGeom prst="rect">
-            <a:avLst/>
-          </a:prstGeom>
-          <a:noFill/>
-        </p:spPr>
-        <p:txBody>
-          <a:bodyPr wrap="none" rtlCol="0">
-            <a:spAutoFit/>
-          </a:bodyPr>
-          <a:lstStyle/>
-          <a:p>
-            <a:r>
-              <a:rPr lang="zh-TW" altLang="en-US" smtClean="0"/>
-              <a:t>Ｎ＝３</a:t>
-            </a:r>
-            <a:endParaRPr lang="zh-TW" altLang="en-US"/>
-          </a:p>
-        </p:txBody>
-      </p:sp>
-    </p:spTree>
-    <p:extLst>
-      <p:ext uri="{BB962C8B-B14F-4D97-AF65-F5344CB8AC3E}">
-        <p14:creationId xmlns:p14="http://schemas.microsoft.com/office/powerpoint/2010/main" val="580104790"/>
-      </p:ext>
-    </p:extLst>
-  </p:cSld>
-  <p:clrMapOvr>
-    <a:masterClrMapping/>
-  </p:clrMapOvr>
 </p:sld>
 </file>
 
@@ -13034,6 +13656,425 @@
       </p:grpSpPr>
       <p:sp>
         <p:nvSpPr>
+          <p:cNvPr id="4" name="標題 3"/>
+          <p:cNvSpPr>
+            <a:spLocks noGrp="1"/>
+          </p:cNvSpPr>
+          <p:nvPr>
+            <p:ph type="title"/>
+          </p:nvPr>
+        </p:nvSpPr>
+        <p:spPr/>
+        <p:txBody>
+          <a:bodyPr/>
+          <a:lstStyle/>
+          <a:p>
+            <a:r>
+              <a:rPr lang="zh-TW" altLang="en-US" dirty="0" smtClean="0"/>
+              <a:t>觀察Ｎ、Ｋ與星星數的關係</a:t>
+            </a:r>
+            <a:endParaRPr lang="zh-TW" altLang="en-US" dirty="0"/>
+          </a:p>
+        </p:txBody>
+      </p:sp>
+      <p:sp>
+        <p:nvSpPr>
+          <p:cNvPr id="6" name="文字方塊 5"/>
+          <p:cNvSpPr txBox="1"/>
+          <p:nvPr/>
+        </p:nvSpPr>
+        <p:spPr>
+          <a:xfrm>
+            <a:off x="1785112" y="2807208"/>
+            <a:ext cx="877163" cy="369332"/>
+          </a:xfrm>
+          <a:prstGeom prst="rect">
+            <a:avLst/>
+          </a:prstGeom>
+          <a:noFill/>
+        </p:spPr>
+        <p:txBody>
+          <a:bodyPr wrap="none" rtlCol="0">
+            <a:spAutoFit/>
+          </a:bodyPr>
+          <a:lstStyle/>
+          <a:p>
+            <a:r>
+              <a:rPr lang="zh-TW" altLang="en-US" dirty="0" smtClean="0"/>
+              <a:t>Ｎ＝３</a:t>
+            </a:r>
+            <a:endParaRPr lang="zh-TW" altLang="en-US" dirty="0"/>
+          </a:p>
+        </p:txBody>
+      </p:sp>
+      <p:graphicFrame>
+        <p:nvGraphicFramePr>
+          <p:cNvPr id="2" name="表格 1"/>
+          <p:cNvGraphicFramePr>
+            <a:graphicFrameLocks noGrp="1"/>
+          </p:cNvGraphicFramePr>
+          <p:nvPr>
+            <p:extLst>
+              <p:ext uri="{D42A27DB-BD31-4B8C-83A1-F6EECF244321}">
+                <p14:modId xmlns:p14="http://schemas.microsoft.com/office/powerpoint/2010/main" val="845450213"/>
+              </p:ext>
+            </p:extLst>
+          </p:nvPr>
+        </p:nvGraphicFramePr>
+        <p:xfrm>
+          <a:off x="2866136" y="2807208"/>
+          <a:ext cx="1998472" cy="2576824"/>
+        </p:xfrm>
+        <a:graphic>
+          <a:graphicData uri="http://schemas.openxmlformats.org/drawingml/2006/table">
+            <a:tbl>
+              <a:tblPr firstRow="1" bandRow="1">
+                <a:tableStyleId>{073A0DAA-6AF3-43AB-8588-CEC1D06C72B9}</a:tableStyleId>
+              </a:tblPr>
+              <a:tblGrid>
+                <a:gridCol w="999236">
+                  <a:extLst>
+                    <a:ext uri="{9D8B030D-6E8A-4147-A177-3AD203B41FA5}">
+                      <a16:colId xmlns:a16="http://schemas.microsoft.com/office/drawing/2014/main" val="732756911"/>
+                    </a:ext>
+                  </a:extLst>
+                </a:gridCol>
+                <a:gridCol w="999236">
+                  <a:extLst>
+                    <a:ext uri="{9D8B030D-6E8A-4147-A177-3AD203B41FA5}">
+                      <a16:colId xmlns:a16="http://schemas.microsoft.com/office/drawing/2014/main" val="1031095066"/>
+                    </a:ext>
+                  </a:extLst>
+                </a:gridCol>
+              </a:tblGrid>
+              <a:tr h="644206">
+                <a:tc>
+                  <a:txBody>
+                    <a:bodyPr/>
+                    <a:lstStyle/>
+                    <a:p>
+                      <a:pPr algn="ctr"/>
+                      <a:r>
+                        <a:rPr lang="en-US" altLang="zh-TW" dirty="0" smtClean="0"/>
+                        <a:t>k</a:t>
+                      </a:r>
+                      <a:endParaRPr lang="zh-TW" altLang="en-US" dirty="0"/>
+                    </a:p>
+                  </a:txBody>
+                  <a:tcPr anchor="ctr"/>
+                </a:tc>
+                <a:tc>
+                  <a:txBody>
+                    <a:bodyPr/>
+                    <a:lstStyle/>
+                    <a:p>
+                      <a:pPr algn="ctr"/>
+                      <a:r>
+                        <a:rPr lang="en-US" altLang="zh-TW" sz="3600" dirty="0" smtClean="0"/>
+                        <a:t>*</a:t>
+                      </a:r>
+                      <a:r>
+                        <a:rPr lang="zh-TW" altLang="en-US" dirty="0" smtClean="0"/>
+                        <a:t>數</a:t>
+                      </a:r>
+                      <a:endParaRPr lang="zh-TW" altLang="en-US" dirty="0"/>
+                    </a:p>
+                  </a:txBody>
+                  <a:tcPr anchor="ctr"/>
+                </a:tc>
+                <a:extLst>
+                  <a:ext uri="{0D108BD9-81ED-4DB2-BD59-A6C34878D82A}">
+                    <a16:rowId xmlns:a16="http://schemas.microsoft.com/office/drawing/2014/main" val="3987061585"/>
+                  </a:ext>
+                </a:extLst>
+              </a:tr>
+              <a:tr h="644206">
+                <a:tc>
+                  <a:txBody>
+                    <a:bodyPr/>
+                    <a:lstStyle/>
+                    <a:p>
+                      <a:pPr algn="ctr"/>
+                      <a:r>
+                        <a:rPr lang="en-US" altLang="zh-TW" dirty="0" smtClean="0"/>
+                        <a:t>0</a:t>
+                      </a:r>
+                      <a:endParaRPr lang="zh-TW" altLang="en-US" dirty="0"/>
+                    </a:p>
+                  </a:txBody>
+                  <a:tcPr anchor="ctr"/>
+                </a:tc>
+                <a:tc>
+                  <a:txBody>
+                    <a:bodyPr/>
+                    <a:lstStyle/>
+                    <a:p>
+                      <a:pPr algn="ctr"/>
+                      <a:r>
+                        <a:rPr lang="en-US" altLang="zh-TW" dirty="0" smtClean="0"/>
+                        <a:t>3</a:t>
+                      </a:r>
+                      <a:endParaRPr lang="zh-TW" altLang="en-US" dirty="0"/>
+                    </a:p>
+                  </a:txBody>
+                  <a:tcPr anchor="ctr"/>
+                </a:tc>
+                <a:extLst>
+                  <a:ext uri="{0D108BD9-81ED-4DB2-BD59-A6C34878D82A}">
+                    <a16:rowId xmlns:a16="http://schemas.microsoft.com/office/drawing/2014/main" val="3665431403"/>
+                  </a:ext>
+                </a:extLst>
+              </a:tr>
+              <a:tr h="644206">
+                <a:tc>
+                  <a:txBody>
+                    <a:bodyPr/>
+                    <a:lstStyle/>
+                    <a:p>
+                      <a:pPr algn="ctr"/>
+                      <a:r>
+                        <a:rPr lang="en-US" altLang="zh-TW" dirty="0" smtClean="0"/>
+                        <a:t>1</a:t>
+                      </a:r>
+                      <a:endParaRPr lang="zh-TW" altLang="en-US" dirty="0"/>
+                    </a:p>
+                  </a:txBody>
+                  <a:tcPr anchor="ctr"/>
+                </a:tc>
+                <a:tc>
+                  <a:txBody>
+                    <a:bodyPr/>
+                    <a:lstStyle/>
+                    <a:p>
+                      <a:pPr algn="ctr"/>
+                      <a:r>
+                        <a:rPr lang="en-US" altLang="zh-TW" dirty="0" smtClean="0"/>
+                        <a:t>2</a:t>
+                      </a:r>
+                      <a:endParaRPr lang="zh-TW" altLang="en-US" dirty="0"/>
+                    </a:p>
+                  </a:txBody>
+                  <a:tcPr anchor="ctr"/>
+                </a:tc>
+                <a:extLst>
+                  <a:ext uri="{0D108BD9-81ED-4DB2-BD59-A6C34878D82A}">
+                    <a16:rowId xmlns:a16="http://schemas.microsoft.com/office/drawing/2014/main" val="201588308"/>
+                  </a:ext>
+                </a:extLst>
+              </a:tr>
+              <a:tr h="644206">
+                <a:tc>
+                  <a:txBody>
+                    <a:bodyPr/>
+                    <a:lstStyle/>
+                    <a:p>
+                      <a:pPr algn="ctr"/>
+                      <a:r>
+                        <a:rPr lang="en-US" altLang="zh-TW" dirty="0" smtClean="0"/>
+                        <a:t>2</a:t>
+                      </a:r>
+                      <a:endParaRPr lang="zh-TW" altLang="en-US" dirty="0"/>
+                    </a:p>
+                  </a:txBody>
+                  <a:tcPr anchor="ctr"/>
+                </a:tc>
+                <a:tc>
+                  <a:txBody>
+                    <a:bodyPr/>
+                    <a:lstStyle/>
+                    <a:p>
+                      <a:pPr algn="ctr"/>
+                      <a:r>
+                        <a:rPr lang="en-US" altLang="zh-TW" dirty="0" smtClean="0"/>
+                        <a:t>1</a:t>
+                      </a:r>
+                      <a:endParaRPr lang="zh-TW" altLang="en-US" dirty="0"/>
+                    </a:p>
+                  </a:txBody>
+                  <a:tcPr anchor="ctr"/>
+                </a:tc>
+                <a:extLst>
+                  <a:ext uri="{0D108BD9-81ED-4DB2-BD59-A6C34878D82A}">
+                    <a16:rowId xmlns:a16="http://schemas.microsoft.com/office/drawing/2014/main" val="3208902178"/>
+                  </a:ext>
+                </a:extLst>
+              </a:tr>
+            </a:tbl>
+          </a:graphicData>
+        </a:graphic>
+      </p:graphicFrame>
+      <p:sp>
+        <p:nvSpPr>
+          <p:cNvPr id="3" name="文字方塊 2"/>
+          <p:cNvSpPr txBox="1"/>
+          <p:nvPr/>
+        </p:nvSpPr>
+        <p:spPr>
+          <a:xfrm>
+            <a:off x="4975668" y="3502152"/>
+            <a:ext cx="2249334" cy="2123658"/>
+          </a:xfrm>
+          <a:prstGeom prst="rect">
+            <a:avLst/>
+          </a:prstGeom>
+          <a:noFill/>
+        </p:spPr>
+        <p:txBody>
+          <a:bodyPr wrap="none" rtlCol="0">
+            <a:spAutoFit/>
+          </a:bodyPr>
+          <a:lstStyle/>
+          <a:p>
+            <a:r>
+              <a:rPr lang="zh-TW" altLang="en-US" sz="4400" dirty="0" smtClean="0">
+                <a:solidFill>
+                  <a:srgbClr val="FF0000"/>
+                </a:solidFill>
+              </a:rPr>
+              <a:t>＊＊＊</a:t>
+            </a:r>
+            <a:r>
+              <a:rPr lang="zh-TW" altLang="en-US" sz="4400" dirty="0" smtClean="0">
+                <a:solidFill>
+                  <a:srgbClr val="FF0000"/>
+                </a:solidFill>
+                <a:sym typeface="Symbol" panose="05050102010706020507" pitchFamily="18" charset="2"/>
+              </a:rPr>
+              <a:t></a:t>
+            </a:r>
+            <a:endParaRPr lang="en-US" altLang="zh-TW" sz="4400" dirty="0" smtClean="0">
+              <a:solidFill>
+                <a:srgbClr val="FF0000"/>
+              </a:solidFill>
+            </a:endParaRPr>
+          </a:p>
+          <a:p>
+            <a:r>
+              <a:rPr lang="zh-TW" altLang="en-US" sz="4400" dirty="0" smtClean="0">
+                <a:solidFill>
+                  <a:srgbClr val="FF0000"/>
+                </a:solidFill>
+              </a:rPr>
+              <a:t>＊＊</a:t>
+            </a:r>
+            <a:r>
+              <a:rPr lang="zh-TW" altLang="en-US" sz="4400" dirty="0">
+                <a:solidFill>
+                  <a:srgbClr val="FF0000"/>
+                </a:solidFill>
+                <a:sym typeface="Symbol" panose="05050102010706020507" pitchFamily="18" charset="2"/>
+              </a:rPr>
+              <a:t></a:t>
+            </a:r>
+            <a:endParaRPr lang="en-US" altLang="zh-TW" sz="4400" dirty="0" smtClean="0">
+              <a:solidFill>
+                <a:srgbClr val="FF0000"/>
+              </a:solidFill>
+            </a:endParaRPr>
+          </a:p>
+          <a:p>
+            <a:r>
+              <a:rPr lang="zh-TW" altLang="en-US" sz="4400" dirty="0" smtClean="0">
+                <a:solidFill>
+                  <a:srgbClr val="FF0000"/>
+                </a:solidFill>
+              </a:rPr>
+              <a:t>＊</a:t>
+            </a:r>
+            <a:r>
+              <a:rPr lang="zh-TW" altLang="en-US" sz="4400" dirty="0">
+                <a:solidFill>
+                  <a:srgbClr val="FF0000"/>
+                </a:solidFill>
+                <a:sym typeface="Symbol" panose="05050102010706020507" pitchFamily="18" charset="2"/>
+              </a:rPr>
+              <a:t></a:t>
+            </a:r>
+            <a:endParaRPr lang="zh-TW" altLang="en-US" sz="4400" dirty="0">
+              <a:solidFill>
+                <a:srgbClr val="FF0000"/>
+              </a:solidFill>
+            </a:endParaRPr>
+          </a:p>
+        </p:txBody>
+      </p:sp>
+      <p:sp>
+        <p:nvSpPr>
+          <p:cNvPr id="7" name="文字方塊 6"/>
+          <p:cNvSpPr txBox="1"/>
+          <p:nvPr/>
+        </p:nvSpPr>
+        <p:spPr>
+          <a:xfrm>
+            <a:off x="3987445" y="5441144"/>
+            <a:ext cx="800219" cy="338554"/>
+          </a:xfrm>
+          <a:prstGeom prst="rect">
+            <a:avLst/>
+          </a:prstGeom>
+          <a:noFill/>
+        </p:spPr>
+        <p:txBody>
+          <a:bodyPr wrap="none" rtlCol="0">
+            <a:spAutoFit/>
+          </a:bodyPr>
+          <a:lstStyle/>
+          <a:p>
+            <a:r>
+              <a:rPr lang="zh-TW" altLang="en-US" sz="1600" b="1" smtClean="0">
+                <a:solidFill>
+                  <a:srgbClr val="0000FF"/>
+                </a:solidFill>
+              </a:rPr>
+              <a:t>Ｎ－ｋ</a:t>
+            </a:r>
+            <a:endParaRPr lang="zh-TW" altLang="en-US" sz="1600" b="1">
+              <a:solidFill>
+                <a:srgbClr val="0000FF"/>
+              </a:solidFill>
+            </a:endParaRPr>
+          </a:p>
+        </p:txBody>
+      </p:sp>
+    </p:spTree>
+    <p:extLst>
+      <p:ext uri="{BB962C8B-B14F-4D97-AF65-F5344CB8AC3E}">
+        <p14:creationId xmlns:p14="http://schemas.microsoft.com/office/powerpoint/2010/main" val="580104790"/>
+      </p:ext>
+    </p:extLst>
+  </p:cSld>
+  <p:clrMapOvr>
+    <a:masterClrMapping/>
+  </p:clrMapOvr>
+  <p:timing>
+    <p:tnLst>
+      <p:par>
+        <p:cTn id="1" dur="indefinite" restart="never" nodeType="tmRoot"/>
+      </p:par>
+    </p:tnLst>
+  </p:timing>
+</p:sld>
+</file>
+
+<file path=ppt/slides/slide21.xml><?xml version="1.0" encoding="utf-8"?>
+<p:sld xmlns:a="http://schemas.openxmlformats.org/drawingml/2006/main" xmlns:r="http://schemas.openxmlformats.org/officeDocument/2006/relationships" xmlns:p="http://schemas.openxmlformats.org/presentationml/2006/main">
+  <p:cSld>
+    <p:spTree>
+      <p:nvGrpSpPr>
+        <p:cNvPr id="1" name=""/>
+        <p:cNvGrpSpPr/>
+        <p:nvPr/>
+      </p:nvGrpSpPr>
+      <p:grpSpPr>
+        <a:xfrm>
+          <a:off x="0" y="0"/>
+          <a:ext cx="0" cy="0"/>
+          <a:chOff x="0" y="0"/>
+          <a:chExt cx="0" cy="0"/>
+        </a:xfrm>
+      </p:grpSpPr>
+      <p:sp>
+        <p:nvSpPr>
           <p:cNvPr id="2" name="標題 1"/>
           <p:cNvSpPr>
             <a:spLocks noGrp="1"/>
@@ -13519,7 +14560,7 @@
 </p:sld>
 </file>
 
-<file path=ppt/slides/slide21.xml><?xml version="1.0" encoding="utf-8"?>
+<file path=ppt/slides/slide22.xml><?xml version="1.0" encoding="utf-8"?>
 <p:sld xmlns:a="http://schemas.openxmlformats.org/drawingml/2006/main" xmlns:r="http://schemas.openxmlformats.org/officeDocument/2006/relationships" xmlns:p="http://schemas.openxmlformats.org/presentationml/2006/main">
   <p:cSld>
     <p:spTree>
@@ -17605,7 +18646,7 @@
 </p:sld>
 </file>
 
-<file path=ppt/slides/slide22.xml><?xml version="1.0" encoding="utf-8"?>
+<file path=ppt/slides/slide23.xml><?xml version="1.0" encoding="utf-8"?>
 <p:sld xmlns:a="http://schemas.openxmlformats.org/drawingml/2006/main" xmlns:r="http://schemas.openxmlformats.org/officeDocument/2006/relationships" xmlns:p="http://schemas.openxmlformats.org/presentationml/2006/main">
   <p:cSld>
     <p:spTree>
@@ -18160,7 +19201,7 @@
 </p:sld>
 </file>
 
-<file path=ppt/slides/slide23.xml><?xml version="1.0" encoding="utf-8"?>
+<file path=ppt/slides/slide24.xml><?xml version="1.0" encoding="utf-8"?>
 <p:sld xmlns:a="http://schemas.openxmlformats.org/drawingml/2006/main" xmlns:r="http://schemas.openxmlformats.org/officeDocument/2006/relationships" xmlns:p="http://schemas.openxmlformats.org/presentationml/2006/main">
   <p:cSld>
     <p:spTree>
@@ -18205,14 +19246,14 @@
           <p:nvPr>
             <p:extLst>
               <p:ext uri="{D42A27DB-BD31-4B8C-83A1-F6EECF244321}">
-                <p14:modId xmlns:p14="http://schemas.microsoft.com/office/powerpoint/2010/main" val="3026666162"/>
+                <p14:modId xmlns:p14="http://schemas.microsoft.com/office/powerpoint/2010/main" val="3606230442"/>
               </p:ext>
             </p:extLst>
           </p:nvPr>
         </p:nvGraphicFramePr>
         <p:xfrm>
-          <a:off x="2437019" y="3536018"/>
-          <a:ext cx="6548794" cy="1559560"/>
+          <a:off x="498492" y="3316562"/>
+          <a:ext cx="10135983" cy="1842708"/>
         </p:xfrm>
         <a:graphic>
           <a:graphicData uri="http://schemas.openxmlformats.org/drawingml/2006/table">
@@ -18221,77 +19262,77 @@
                 <a:tableStyleId>{5C22544A-7EE6-4342-B048-85BDC9FD1C3A}</a:tableStyleId>
               </a:tblPr>
               <a:tblGrid>
-                <a:gridCol w="633408">
+                <a:gridCol w="921453">
                   <a:extLst>
                     <a:ext uri="{9D8B030D-6E8A-4147-A177-3AD203B41FA5}">
                       <a16:colId xmlns:a16="http://schemas.microsoft.com/office/drawing/2014/main" val="883071664"/>
                     </a:ext>
                   </a:extLst>
                 </a:gridCol>
-                <a:gridCol w="633408">
+                <a:gridCol w="921453">
                   <a:extLst>
                     <a:ext uri="{9D8B030D-6E8A-4147-A177-3AD203B41FA5}">
                       <a16:colId xmlns:a16="http://schemas.microsoft.com/office/drawing/2014/main" val="3659577132"/>
                     </a:ext>
                   </a:extLst>
                 </a:gridCol>
-                <a:gridCol w="633408">
+                <a:gridCol w="921453">
                   <a:extLst>
                     <a:ext uri="{9D8B030D-6E8A-4147-A177-3AD203B41FA5}">
                       <a16:colId xmlns:a16="http://schemas.microsoft.com/office/drawing/2014/main" val="2740476215"/>
                     </a:ext>
                   </a:extLst>
                 </a:gridCol>
-                <a:gridCol w="633408">
+                <a:gridCol w="921453">
                   <a:extLst>
                     <a:ext uri="{9D8B030D-6E8A-4147-A177-3AD203B41FA5}">
                       <a16:colId xmlns:a16="http://schemas.microsoft.com/office/drawing/2014/main" val="136117337"/>
                     </a:ext>
                   </a:extLst>
                 </a:gridCol>
-                <a:gridCol w="831809">
+                <a:gridCol w="921453">
                   <a:extLst>
                     <a:ext uri="{9D8B030D-6E8A-4147-A177-3AD203B41FA5}">
                       <a16:colId xmlns:a16="http://schemas.microsoft.com/office/drawing/2014/main" val="17305968"/>
                     </a:ext>
                   </a:extLst>
                 </a:gridCol>
-                <a:gridCol w="753237">
+                <a:gridCol w="921453">
                   <a:extLst>
                     <a:ext uri="{9D8B030D-6E8A-4147-A177-3AD203B41FA5}">
                       <a16:colId xmlns:a16="http://schemas.microsoft.com/office/drawing/2014/main" val="985778092"/>
                     </a:ext>
                   </a:extLst>
                 </a:gridCol>
-                <a:gridCol w="746740">
+                <a:gridCol w="921453">
                   <a:extLst>
                     <a:ext uri="{9D8B030D-6E8A-4147-A177-3AD203B41FA5}">
                       <a16:colId xmlns:a16="http://schemas.microsoft.com/office/drawing/2014/main" val="1681994992"/>
                     </a:ext>
                   </a:extLst>
                 </a:gridCol>
-                <a:gridCol w="535593">
+                <a:gridCol w="921453">
                   <a:extLst>
                     <a:ext uri="{9D8B030D-6E8A-4147-A177-3AD203B41FA5}">
                       <a16:colId xmlns:a16="http://schemas.microsoft.com/office/drawing/2014/main" val="1678980596"/>
                     </a:ext>
                   </a:extLst>
                 </a:gridCol>
-                <a:gridCol w="731223">
+                <a:gridCol w="921453">
                   <a:extLst>
                     <a:ext uri="{9D8B030D-6E8A-4147-A177-3AD203B41FA5}">
                       <a16:colId xmlns:a16="http://schemas.microsoft.com/office/drawing/2014/main" val="3823973860"/>
                     </a:ext>
                   </a:extLst>
                 </a:gridCol>
-                <a:gridCol w="208280">
+                <a:gridCol w="921453">
                   <a:extLst>
                     <a:ext uri="{9D8B030D-6E8A-4147-A177-3AD203B41FA5}">
                       <a16:colId xmlns:a16="http://schemas.microsoft.com/office/drawing/2014/main" val="375692154"/>
                     </a:ext>
                   </a:extLst>
                 </a:gridCol>
-                <a:gridCol w="208280">
+                <a:gridCol w="921453">
                   <a:extLst>
                     <a:ext uri="{9D8B030D-6E8A-4147-A177-3AD203B41FA5}">
                       <a16:colId xmlns:a16="http://schemas.microsoft.com/office/drawing/2014/main" val="2747481040"/>
@@ -18299,7 +19340,7 @@
                   </a:extLst>
                 </a:gridCol>
               </a:tblGrid>
-              <a:tr h="370840">
+              <a:tr h="272266">
                 <a:tc>
                   <a:txBody>
                     <a:bodyPr/>
@@ -18501,14 +19542,14 @@
                       <a:r>
                         <a:rPr lang="en-US" altLang="zh-TW" dirty="0" smtClean="0">
                           <a:solidFill>
-                            <a:schemeClr val="tx1"/>
+                            <a:srgbClr val="FF0000"/>
                           </a:solidFill>
                         </a:rPr>
                         <a:t>4</a:t>
                       </a:r>
                       <a:endParaRPr lang="zh-TW" altLang="en-US" dirty="0">
                         <a:solidFill>
-                          <a:schemeClr val="tx1"/>
+                          <a:srgbClr val="FF0000"/>
                         </a:solidFill>
                       </a:endParaRPr>
                     </a:p>
@@ -18627,14 +19668,14 @@
                       <a:r>
                         <a:rPr lang="en-US" altLang="zh-TW" dirty="0" smtClean="0">
                           <a:solidFill>
-                            <a:schemeClr val="tx1"/>
+                            <a:srgbClr val="FF0000"/>
                           </a:solidFill>
                         </a:rPr>
                         <a:t>6</a:t>
                       </a:r>
                       <a:endParaRPr lang="zh-TW" altLang="en-US" dirty="0">
                         <a:solidFill>
-                          <a:schemeClr val="tx1"/>
+                          <a:srgbClr val="FF0000"/>
                         </a:solidFill>
                       </a:endParaRPr>
                     </a:p>
@@ -18753,14 +19794,14 @@
                       <a:r>
                         <a:rPr lang="en-US" altLang="zh-TW" dirty="0" smtClean="0">
                           <a:solidFill>
-                            <a:schemeClr val="tx1"/>
+                            <a:srgbClr val="FF0000"/>
                           </a:solidFill>
                         </a:rPr>
                         <a:t>8</a:t>
                       </a:r>
                       <a:endParaRPr lang="zh-TW" altLang="en-US" dirty="0">
                         <a:solidFill>
-                          <a:schemeClr val="tx1"/>
+                          <a:srgbClr val="FF0000"/>
                         </a:solidFill>
                       </a:endParaRPr>
                     </a:p>
@@ -18816,14 +19857,14 @@
                       <a:r>
                         <a:rPr lang="en-US" altLang="zh-TW" dirty="0" smtClean="0">
                           <a:solidFill>
-                            <a:schemeClr val="tx1"/>
+                            <a:srgbClr val="FF0000"/>
                           </a:solidFill>
                         </a:rPr>
                         <a:t>9</a:t>
                       </a:r>
                       <a:endParaRPr lang="zh-TW" altLang="en-US" dirty="0">
                         <a:solidFill>
-                          <a:schemeClr val="tx1"/>
+                          <a:srgbClr val="FF0000"/>
                         </a:solidFill>
                       </a:endParaRPr>
                     </a:p>
@@ -18986,7 +20027,7 @@
                   </a:ext>
                 </a:extLst>
               </a:tr>
-              <a:tr h="370840">
+              <a:tr h="1476948">
                 <a:tc>
                   <a:txBody>
                     <a:bodyPr/>
@@ -19180,10 +20221,18 @@
                       <a:r>
                         <a:rPr lang="en-US" altLang="zh-TW" dirty="0" smtClean="0">
                           <a:solidFill>
+                            <a:srgbClr val="FF0000"/>
+                          </a:solidFill>
+                        </a:rPr>
+                        <a:t>2</a:t>
+                      </a:r>
+                      <a:r>
+                        <a:rPr lang="en-US" altLang="zh-TW" dirty="0" smtClean="0">
+                          <a:solidFill>
                             <a:schemeClr val="tx1"/>
                           </a:solidFill>
                         </a:rPr>
-                        <a:t>2,3</a:t>
+                        <a:t>,3</a:t>
                       </a:r>
                       <a:endParaRPr lang="zh-TW" altLang="en-US" dirty="0">
                         <a:solidFill>
@@ -19306,10 +20355,34 @@
                       <a:r>
                         <a:rPr lang="en-US" altLang="zh-TW" dirty="0" smtClean="0">
                           <a:solidFill>
+                            <a:srgbClr val="FF0000"/>
+                          </a:solidFill>
+                        </a:rPr>
+                        <a:t>2</a:t>
+                      </a:r>
+                      <a:r>
+                        <a:rPr lang="en-US" altLang="zh-TW" dirty="0" smtClean="0">
+                          <a:solidFill>
                             <a:schemeClr val="tx1"/>
                           </a:solidFill>
                         </a:rPr>
-                        <a:t>2,3,4,5</a:t>
+                        <a:t>,</a:t>
+                      </a:r>
+                      <a:r>
+                        <a:rPr lang="en-US" altLang="zh-TW" dirty="0" smtClean="0">
+                          <a:solidFill>
+                            <a:srgbClr val="FF0000"/>
+                          </a:solidFill>
+                        </a:rPr>
+                        <a:t>3</a:t>
+                      </a:r>
+                      <a:r>
+                        <a:rPr lang="en-US" altLang="zh-TW" dirty="0" smtClean="0">
+                          <a:solidFill>
+                            <a:schemeClr val="tx1"/>
+                          </a:solidFill>
+                        </a:rPr>
+                        <a:t>,4,5</a:t>
                       </a:r>
                       <a:endParaRPr lang="zh-TW" altLang="en-US" dirty="0">
                         <a:solidFill>
@@ -19432,10 +20505,34 @@
                       <a:r>
                         <a:rPr lang="en-US" altLang="zh-TW" dirty="0" smtClean="0">
                           <a:solidFill>
+                            <a:srgbClr val="FF0000"/>
+                          </a:solidFill>
+                        </a:rPr>
+                        <a:t>2</a:t>
+                      </a:r>
+                      <a:r>
+                        <a:rPr lang="en-US" altLang="zh-TW" dirty="0" smtClean="0">
+                          <a:solidFill>
                             <a:schemeClr val="tx1"/>
                           </a:solidFill>
                         </a:rPr>
-                        <a:t>2,3,4,5,6,7</a:t>
+                        <a:t>,3,</a:t>
+                      </a:r>
+                      <a:r>
+                        <a:rPr lang="en-US" altLang="zh-TW" dirty="0" smtClean="0">
+                          <a:solidFill>
+                            <a:srgbClr val="FF0000"/>
+                          </a:solidFill>
+                        </a:rPr>
+                        <a:t>4</a:t>
+                      </a:r>
+                      <a:r>
+                        <a:rPr lang="en-US" altLang="zh-TW" dirty="0" smtClean="0">
+                          <a:solidFill>
+                            <a:schemeClr val="tx1"/>
+                          </a:solidFill>
+                        </a:rPr>
+                        <a:t>,5,6,7</a:t>
                       </a:r>
                       <a:endParaRPr lang="zh-TW" altLang="en-US" dirty="0">
                         <a:solidFill>
@@ -19498,7 +20595,23 @@
                             <a:schemeClr val="tx1"/>
                           </a:solidFill>
                         </a:rPr>
-                        <a:t>2,3,4,5,6,7,8</a:t>
+                        <a:t>2,</a:t>
+                      </a:r>
+                      <a:r>
+                        <a:rPr lang="en-US" altLang="zh-TW" dirty="0" smtClean="0">
+                          <a:solidFill>
+                            <a:srgbClr val="FF0000"/>
+                          </a:solidFill>
+                        </a:rPr>
+                        <a:t>3</a:t>
+                      </a:r>
+                      <a:r>
+                        <a:rPr lang="en-US" altLang="zh-TW" dirty="0" smtClean="0">
+                          <a:solidFill>
+                            <a:schemeClr val="tx1"/>
+                          </a:solidFill>
+                        </a:rPr>
+                        <a:t>,4,5,6,7,8</a:t>
                       </a:r>
                       <a:endParaRPr lang="zh-TW" altLang="en-US" dirty="0">
                         <a:solidFill>
@@ -19719,7 +20832,7 @@
 </p:sld>
 </file>
 
-<file path=ppt/slides/slide24.xml><?xml version="1.0" encoding="utf-8"?>
+<file path=ppt/slides/slide25.xml><?xml version="1.0" encoding="utf-8"?>
 <p:sld xmlns:a="http://schemas.openxmlformats.org/drawingml/2006/main" xmlns:r="http://schemas.openxmlformats.org/officeDocument/2006/relationships" xmlns:p="http://schemas.openxmlformats.org/presentationml/2006/main">
   <p:cSld>
     <p:spTree>
@@ -19846,7 +20959,7 @@
 </p:sld>
 </file>
 
-<file path=ppt/slides/slide25.xml><?xml version="1.0" encoding="utf-8"?>
+<file path=ppt/slides/slide26.xml><?xml version="1.0" encoding="utf-8"?>
 <p:sld xmlns:a="http://schemas.openxmlformats.org/drawingml/2006/main" xmlns:r="http://schemas.openxmlformats.org/officeDocument/2006/relationships" xmlns:p="http://schemas.openxmlformats.org/presentationml/2006/main">
   <p:cSld>
     <p:spTree>
@@ -20640,7 +21753,7 @@
 </p:sld>
 </file>
 
-<file path=ppt/slides/slide26.xml><?xml version="1.0" encoding="utf-8"?>
+<file path=ppt/slides/slide27.xml><?xml version="1.0" encoding="utf-8"?>
 <p:sld xmlns:a="http://schemas.openxmlformats.org/drawingml/2006/main" xmlns:r="http://schemas.openxmlformats.org/officeDocument/2006/relationships" xmlns:p="http://schemas.openxmlformats.org/presentationml/2006/main">
   <p:cSld>
     <p:spTree>
@@ -20797,7 +21910,7 @@
 </p:sld>
 </file>
 
-<file path=ppt/slides/slide27.xml><?xml version="1.0" encoding="utf-8"?>
+<file path=ppt/slides/slide28.xml><?xml version="1.0" encoding="utf-8"?>
 <p:sld xmlns:a="http://schemas.openxmlformats.org/drawingml/2006/main" xmlns:r="http://schemas.openxmlformats.org/officeDocument/2006/relationships" xmlns:p="http://schemas.openxmlformats.org/presentationml/2006/main">
   <p:cSld>
     <p:spTree>
@@ -21948,7 +23061,7 @@
 </p:sld>
 </file>
 
-<file path=ppt/slides/slide28.xml><?xml version="1.0" encoding="utf-8"?>
+<file path=ppt/slides/slide29.xml><?xml version="1.0" encoding="utf-8"?>
 <p:sld xmlns:a="http://schemas.openxmlformats.org/drawingml/2006/main" xmlns:r="http://schemas.openxmlformats.org/officeDocument/2006/relationships" xmlns:p="http://schemas.openxmlformats.org/presentationml/2006/main">
   <p:cSld>
     <p:spTree>
@@ -22795,7 +23908,176 @@
 </p:sld>
 </file>
 
-<file path=ppt/slides/slide29.xml><?xml version="1.0" encoding="utf-8"?>
+<file path=ppt/slides/slide3.xml><?xml version="1.0" encoding="utf-8"?>
+<p:sld xmlns:a="http://schemas.openxmlformats.org/drawingml/2006/main" xmlns:r="http://schemas.openxmlformats.org/officeDocument/2006/relationships" xmlns:p="http://schemas.openxmlformats.org/presentationml/2006/main">
+  <p:cSld>
+    <p:spTree>
+      <p:nvGrpSpPr>
+        <p:cNvPr id="1" name=""/>
+        <p:cNvGrpSpPr/>
+        <p:nvPr/>
+      </p:nvGrpSpPr>
+      <p:grpSpPr>
+        <a:xfrm>
+          <a:off x="0" y="0"/>
+          <a:ext cx="0" cy="0"/>
+          <a:chOff x="0" y="0"/>
+          <a:chExt cx="0" cy="0"/>
+        </a:xfrm>
+      </p:grpSpPr>
+      <p:sp>
+        <p:nvSpPr>
+          <p:cNvPr id="4" name="標題 3"/>
+          <p:cNvSpPr>
+            <a:spLocks noGrp="1"/>
+          </p:cNvSpPr>
+          <p:nvPr>
+            <p:ph type="title"/>
+          </p:nvPr>
+        </p:nvSpPr>
+        <p:spPr/>
+        <p:txBody>
+          <a:bodyPr/>
+          <a:lstStyle/>
+          <a:p>
+            <a:r>
+              <a:rPr lang="zh-TW" altLang="en-US" dirty="0"/>
+              <a:t>迴圈地獄</a:t>
+            </a:r>
+            <a:r>
+              <a:rPr lang="zh-TW" altLang="en-US" dirty="0" smtClean="0"/>
+              <a:t>第一層</a:t>
+            </a:r>
+            <a:r>
+              <a:rPr lang="en-US" altLang="zh-TW" dirty="0"/>
+              <a:t/>
+            </a:r>
+            <a:br>
+              <a:rPr lang="en-US" altLang="zh-TW" dirty="0"/>
+            </a:br>
+            <a:r>
+              <a:rPr lang="en-US" altLang="zh-TW" dirty="0" smtClean="0"/>
+              <a:t>for</a:t>
+            </a:r>
+            <a:r>
+              <a:rPr lang="zh-TW" altLang="en-US" dirty="0" smtClean="0"/>
+              <a:t>迴</a:t>
+            </a:r>
+            <a:r>
+              <a:rPr lang="zh-TW" altLang="en-US" dirty="0"/>
+              <a:t>圈</a:t>
+            </a:r>
+            <a:r>
+              <a:rPr lang="en-US" altLang="zh-TW" dirty="0" smtClean="0"/>
+              <a:t>----</a:t>
+            </a:r>
+            <a:r>
+              <a:rPr lang="zh-TW" altLang="en-US" dirty="0" smtClean="0">
+                <a:solidFill>
+                  <a:srgbClr val="FF0000"/>
+                </a:solidFill>
+              </a:rPr>
+              <a:t>固定</a:t>
+            </a:r>
+            <a:r>
+              <a:rPr lang="en-US" altLang="zh-TW" dirty="0" smtClean="0">
+                <a:solidFill>
+                  <a:srgbClr val="FF0000"/>
+                </a:solidFill>
+              </a:rPr>
+              <a:t>(</a:t>
+            </a:r>
+            <a:r>
+              <a:rPr lang="zh-TW" altLang="en-US" dirty="0" smtClean="0">
+                <a:solidFill>
+                  <a:srgbClr val="FF0000"/>
+                </a:solidFill>
+              </a:rPr>
+              <a:t>可預測</a:t>
+            </a:r>
+            <a:r>
+              <a:rPr lang="en-US" altLang="zh-TW" dirty="0" smtClean="0">
+                <a:solidFill>
+                  <a:srgbClr val="FF0000"/>
+                </a:solidFill>
+              </a:rPr>
+              <a:t>)</a:t>
+            </a:r>
+            <a:r>
+              <a:rPr lang="zh-TW" altLang="en-US" dirty="0" smtClean="0">
+                <a:solidFill>
+                  <a:srgbClr val="FF0000"/>
+                </a:solidFill>
+              </a:rPr>
+              <a:t>次數</a:t>
+            </a:r>
+            <a:r>
+              <a:rPr lang="zh-TW" altLang="en-US" dirty="0">
+                <a:solidFill>
+                  <a:srgbClr val="FF0000"/>
+                </a:solidFill>
+              </a:rPr>
+              <a:t>的迴圈</a:t>
+            </a:r>
+            <a:endParaRPr lang="zh-TW" altLang="en-US" dirty="0"/>
+          </a:p>
+        </p:txBody>
+      </p:sp>
+      <p:sp>
+        <p:nvSpPr>
+          <p:cNvPr id="5" name="文字版面配置區 4"/>
+          <p:cNvSpPr>
+            <a:spLocks noGrp="1"/>
+          </p:cNvSpPr>
+          <p:nvPr>
+            <p:ph type="body" idx="1"/>
+          </p:nvPr>
+        </p:nvSpPr>
+        <p:spPr/>
+        <p:txBody>
+          <a:bodyPr/>
+          <a:lstStyle/>
+          <a:p>
+            <a:r>
+              <a:rPr lang="zh-TW" altLang="en-US" dirty="0" smtClean="0"/>
+              <a:t>最重要的往往就是最難的。</a:t>
+            </a:r>
+            <a:endParaRPr lang="en-US" altLang="zh-TW" dirty="0" smtClean="0"/>
+          </a:p>
+          <a:p>
+            <a:r>
+              <a:rPr lang="zh-TW" altLang="en-US" dirty="0"/>
+              <a:t>最難</a:t>
+            </a:r>
+            <a:r>
+              <a:rPr lang="zh-TW" altLang="en-US" dirty="0" smtClean="0"/>
+              <a:t>的常常也可以很簡單！</a:t>
+            </a:r>
+            <a:endParaRPr lang="zh-TW" altLang="en-US" dirty="0"/>
+          </a:p>
+        </p:txBody>
+      </p:sp>
+    </p:spTree>
+    <p:extLst>
+      <p:ext uri="{BB962C8B-B14F-4D97-AF65-F5344CB8AC3E}">
+        <p14:creationId xmlns:p14="http://schemas.microsoft.com/office/powerpoint/2010/main" val="207997931"/>
+      </p:ext>
+    </p:extLst>
+  </p:cSld>
+  <p:clrMapOvr>
+    <a:masterClrMapping/>
+  </p:clrMapOvr>
+  <p:timing>
+    <p:tnLst>
+      <p:par>
+        <p:cTn id="1" dur="indefinite" restart="never" nodeType="tmRoot"/>
+      </p:par>
+    </p:tnLst>
+  </p:timing>
+</p:sld>
+</file>
+
+<file path=ppt/slides/slide30.xml><?xml version="1.0" encoding="utf-8"?>
 <p:sld xmlns:a="http://schemas.openxmlformats.org/drawingml/2006/main" xmlns:r="http://schemas.openxmlformats.org/officeDocument/2006/relationships" xmlns:p="http://schemas.openxmlformats.org/presentationml/2006/main">
   <p:cSld>
     <p:spTree>
@@ -23318,176 +24600,7 @@
 </p:sld>
 </file>
 
-<file path=ppt/slides/slide3.xml><?xml version="1.0" encoding="utf-8"?>
-<p:sld xmlns:a="http://schemas.openxmlformats.org/drawingml/2006/main" xmlns:r="http://schemas.openxmlformats.org/officeDocument/2006/relationships" xmlns:p="http://schemas.openxmlformats.org/presentationml/2006/main">
-  <p:cSld>
-    <p:spTree>
-      <p:nvGrpSpPr>
-        <p:cNvPr id="1" name=""/>
-        <p:cNvGrpSpPr/>
-        <p:nvPr/>
-      </p:nvGrpSpPr>
-      <p:grpSpPr>
-        <a:xfrm>
-          <a:off x="0" y="0"/>
-          <a:ext cx="0" cy="0"/>
-          <a:chOff x="0" y="0"/>
-          <a:chExt cx="0" cy="0"/>
-        </a:xfrm>
-      </p:grpSpPr>
-      <p:sp>
-        <p:nvSpPr>
-          <p:cNvPr id="4" name="標題 3"/>
-          <p:cNvSpPr>
-            <a:spLocks noGrp="1"/>
-          </p:cNvSpPr>
-          <p:nvPr>
-            <p:ph type="title"/>
-          </p:nvPr>
-        </p:nvSpPr>
-        <p:spPr/>
-        <p:txBody>
-          <a:bodyPr/>
-          <a:lstStyle/>
-          <a:p>
-            <a:r>
-              <a:rPr lang="zh-TW" altLang="en-US" dirty="0"/>
-              <a:t>迴圈地獄</a:t>
-            </a:r>
-            <a:r>
-              <a:rPr lang="zh-TW" altLang="en-US" dirty="0" smtClean="0"/>
-              <a:t>第一層</a:t>
-            </a:r>
-            <a:r>
-              <a:rPr lang="en-US" altLang="zh-TW" dirty="0"/>
-              <a:t/>
-            </a:r>
-            <a:br>
-              <a:rPr lang="en-US" altLang="zh-TW" dirty="0"/>
-            </a:br>
-            <a:r>
-              <a:rPr lang="en-US" altLang="zh-TW" dirty="0" smtClean="0"/>
-              <a:t>for</a:t>
-            </a:r>
-            <a:r>
-              <a:rPr lang="zh-TW" altLang="en-US" dirty="0" smtClean="0"/>
-              <a:t>迴</a:t>
-            </a:r>
-            <a:r>
-              <a:rPr lang="zh-TW" altLang="en-US" dirty="0"/>
-              <a:t>圈</a:t>
-            </a:r>
-            <a:r>
-              <a:rPr lang="en-US" altLang="zh-TW" dirty="0" smtClean="0"/>
-              <a:t>----</a:t>
-            </a:r>
-            <a:r>
-              <a:rPr lang="zh-TW" altLang="en-US" dirty="0" smtClean="0">
-                <a:solidFill>
-                  <a:srgbClr val="FF0000"/>
-                </a:solidFill>
-              </a:rPr>
-              <a:t>固定</a:t>
-            </a:r>
-            <a:r>
-              <a:rPr lang="en-US" altLang="zh-TW" dirty="0" smtClean="0">
-                <a:solidFill>
-                  <a:srgbClr val="FF0000"/>
-                </a:solidFill>
-              </a:rPr>
-              <a:t>(</a:t>
-            </a:r>
-            <a:r>
-              <a:rPr lang="zh-TW" altLang="en-US" dirty="0" smtClean="0">
-                <a:solidFill>
-                  <a:srgbClr val="FF0000"/>
-                </a:solidFill>
-              </a:rPr>
-              <a:t>可預測</a:t>
-            </a:r>
-            <a:r>
-              <a:rPr lang="en-US" altLang="zh-TW" dirty="0" smtClean="0">
-                <a:solidFill>
-                  <a:srgbClr val="FF0000"/>
-                </a:solidFill>
-              </a:rPr>
-              <a:t>)</a:t>
-            </a:r>
-            <a:r>
-              <a:rPr lang="zh-TW" altLang="en-US" dirty="0" smtClean="0">
-                <a:solidFill>
-                  <a:srgbClr val="FF0000"/>
-                </a:solidFill>
-              </a:rPr>
-              <a:t>次數</a:t>
-            </a:r>
-            <a:r>
-              <a:rPr lang="zh-TW" altLang="en-US" dirty="0">
-                <a:solidFill>
-                  <a:srgbClr val="FF0000"/>
-                </a:solidFill>
-              </a:rPr>
-              <a:t>的迴圈</a:t>
-            </a:r>
-            <a:endParaRPr lang="zh-TW" altLang="en-US" dirty="0"/>
-          </a:p>
-        </p:txBody>
-      </p:sp>
-      <p:sp>
-        <p:nvSpPr>
-          <p:cNvPr id="5" name="文字版面配置區 4"/>
-          <p:cNvSpPr>
-            <a:spLocks noGrp="1"/>
-          </p:cNvSpPr>
-          <p:nvPr>
-            <p:ph type="body" idx="1"/>
-          </p:nvPr>
-        </p:nvSpPr>
-        <p:spPr/>
-        <p:txBody>
-          <a:bodyPr/>
-          <a:lstStyle/>
-          <a:p>
-            <a:r>
-              <a:rPr lang="zh-TW" altLang="en-US" dirty="0" smtClean="0"/>
-              <a:t>最重要的往往就是最難的。</a:t>
-            </a:r>
-            <a:endParaRPr lang="en-US" altLang="zh-TW" dirty="0" smtClean="0"/>
-          </a:p>
-          <a:p>
-            <a:r>
-              <a:rPr lang="zh-TW" altLang="en-US" dirty="0"/>
-              <a:t>最難</a:t>
-            </a:r>
-            <a:r>
-              <a:rPr lang="zh-TW" altLang="en-US" dirty="0" smtClean="0"/>
-              <a:t>的常常也可以很簡單！</a:t>
-            </a:r>
-            <a:endParaRPr lang="zh-TW" altLang="en-US" dirty="0"/>
-          </a:p>
-        </p:txBody>
-      </p:sp>
-    </p:spTree>
-    <p:extLst>
-      <p:ext uri="{BB962C8B-B14F-4D97-AF65-F5344CB8AC3E}">
-        <p14:creationId xmlns:p14="http://schemas.microsoft.com/office/powerpoint/2010/main" val="207997931"/>
-      </p:ext>
-    </p:extLst>
-  </p:cSld>
-  <p:clrMapOvr>
-    <a:masterClrMapping/>
-  </p:clrMapOvr>
-  <p:timing>
-    <p:tnLst>
-      <p:par>
-        <p:cTn id="1" dur="indefinite" restart="never" nodeType="tmRoot"/>
-      </p:par>
-    </p:tnLst>
-  </p:timing>
-</p:sld>
-</file>
-
-<file path=ppt/slides/slide30.xml><?xml version="1.0" encoding="utf-8"?>
+<file path=ppt/slides/slide31.xml><?xml version="1.0" encoding="utf-8"?>
 <p:sld xmlns:a="http://schemas.openxmlformats.org/drawingml/2006/main" xmlns:r="http://schemas.openxmlformats.org/officeDocument/2006/relationships" xmlns:p="http://schemas.openxmlformats.org/presentationml/2006/main">
   <p:cSld>
     <p:spTree>
@@ -23626,7 +24739,7 @@
 </p:sld>
 </file>
 
-<file path=ppt/slides/slide31.xml><?xml version="1.0" encoding="utf-8"?>
+<file path=ppt/slides/slide32.xml><?xml version="1.0" encoding="utf-8"?>
 <p:sld xmlns:a="http://schemas.openxmlformats.org/drawingml/2006/main" xmlns:r="http://schemas.openxmlformats.org/officeDocument/2006/relationships" xmlns:p="http://schemas.openxmlformats.org/presentationml/2006/main">
   <p:cSld>
     <p:spTree>
@@ -23907,7 +25020,7 @@
 </p:sld>
 </file>
 
-<file path=ppt/slides/slide32.xml><?xml version="1.0" encoding="utf-8"?>
+<file path=ppt/slides/slide33.xml><?xml version="1.0" encoding="utf-8"?>
 <p:sld xmlns:a="http://schemas.openxmlformats.org/drawingml/2006/main" xmlns:r="http://schemas.openxmlformats.org/officeDocument/2006/relationships" xmlns:p="http://schemas.openxmlformats.org/presentationml/2006/main">
   <p:cSld>
     <p:spTree>
@@ -24026,7 +25139,322 @@
 </p:sld>
 </file>
 
-<file path=ppt/slides/slide33.xml><?xml version="1.0" encoding="utf-8"?>
+<file path=ppt/slides/slide34.xml><?xml version="1.0" encoding="utf-8"?>
+<p:sld xmlns:a="http://schemas.openxmlformats.org/drawingml/2006/main" xmlns:r="http://schemas.openxmlformats.org/officeDocument/2006/relationships" xmlns:p="http://schemas.openxmlformats.org/presentationml/2006/main">
+  <p:cSld>
+    <p:spTree>
+      <p:nvGrpSpPr>
+        <p:cNvPr id="1" name=""/>
+        <p:cNvGrpSpPr/>
+        <p:nvPr/>
+      </p:nvGrpSpPr>
+      <p:grpSpPr>
+        <a:xfrm>
+          <a:off x="0" y="0"/>
+          <a:ext cx="0" cy="0"/>
+          <a:chOff x="0" y="0"/>
+          <a:chExt cx="0" cy="0"/>
+        </a:xfrm>
+      </p:grpSpPr>
+      <p:sp>
+        <p:nvSpPr>
+          <p:cNvPr id="2" name="標題 1"/>
+          <p:cNvSpPr>
+            <a:spLocks noGrp="1"/>
+          </p:cNvSpPr>
+          <p:nvPr>
+            <p:ph type="title"/>
+          </p:nvPr>
+        </p:nvSpPr>
+        <p:spPr/>
+        <p:txBody>
+          <a:bodyPr/>
+          <a:lstStyle/>
+          <a:p>
+            <a:r>
+              <a:rPr lang="zh-TW" altLang="en-US" dirty="0" smtClean="0"/>
+              <a:t>插播小練習</a:t>
+            </a:r>
+            <a:endParaRPr lang="zh-TW" altLang="en-US" dirty="0"/>
+          </a:p>
+        </p:txBody>
+      </p:sp>
+      <p:sp>
+        <p:nvSpPr>
+          <p:cNvPr id="3" name="內容版面配置區 2"/>
+          <p:cNvSpPr>
+            <a:spLocks noGrp="1"/>
+          </p:cNvSpPr>
+          <p:nvPr>
+            <p:ph idx="1"/>
+          </p:nvPr>
+        </p:nvSpPr>
+        <p:spPr/>
+        <p:txBody>
+          <a:bodyPr>
+            <a:normAutofit fontScale="77500" lnSpcReduction="20000"/>
+          </a:bodyPr>
+          <a:lstStyle/>
+          <a:p>
+            <a:r>
+              <a:rPr lang="zh-TW" altLang="en-US" dirty="0" smtClean="0"/>
+              <a:t>猜拳</a:t>
+            </a:r>
+            <a:endParaRPr lang="en-US" altLang="zh-TW" dirty="0" smtClean="0"/>
+          </a:p>
+          <a:p>
+            <a:pPr lvl="1"/>
+            <a:r>
+              <a:rPr lang="zh-TW" altLang="en-US" dirty="0" smtClean="0"/>
+              <a:t>輸入</a:t>
+            </a:r>
+            <a:r>
+              <a:rPr lang="en-US" altLang="zh-TW" dirty="0" smtClean="0"/>
+              <a:t>0~3</a:t>
+            </a:r>
+            <a:r>
+              <a:rPr lang="zh-TW" altLang="en-US" dirty="0" smtClean="0"/>
+              <a:t>，</a:t>
+            </a:r>
+            <a:r>
+              <a:rPr lang="en-US" altLang="zh-TW" dirty="0" smtClean="0"/>
+              <a:t>0</a:t>
+            </a:r>
+            <a:r>
+              <a:rPr lang="zh-TW" altLang="en-US" dirty="0" smtClean="0"/>
+              <a:t>為結束，</a:t>
+            </a:r>
+            <a:r>
+              <a:rPr lang="en-US" altLang="zh-TW" dirty="0" smtClean="0"/>
+              <a:t>1~3</a:t>
+            </a:r>
+            <a:r>
+              <a:rPr lang="zh-TW" altLang="en-US" dirty="0" smtClean="0"/>
+              <a:t>為剪刀、石頭、布</a:t>
+            </a:r>
+            <a:endParaRPr lang="en-US" altLang="zh-TW" dirty="0" smtClean="0"/>
+          </a:p>
+          <a:p>
+            <a:r>
+              <a:rPr lang="zh-TW" altLang="en-US" dirty="0"/>
+              <a:t>擲</a:t>
+            </a:r>
+            <a:r>
+              <a:rPr lang="zh-TW" altLang="en-US" dirty="0" smtClean="0"/>
+              <a:t>骰子</a:t>
+            </a:r>
+            <a:endParaRPr lang="en-US" altLang="zh-TW" dirty="0" smtClean="0"/>
+          </a:p>
+          <a:p>
+            <a:pPr lvl="1"/>
+            <a:r>
+              <a:rPr lang="zh-TW" altLang="en-US" dirty="0"/>
+              <a:t>一次擲三</a:t>
+            </a:r>
+            <a:r>
+              <a:rPr lang="zh-TW" altLang="en-US" dirty="0" smtClean="0"/>
+              <a:t>顆，要計算三顆總和</a:t>
+            </a:r>
+            <a:endParaRPr lang="en-US" altLang="zh-TW" dirty="0" smtClean="0"/>
+          </a:p>
+          <a:p>
+            <a:pPr lvl="1"/>
+            <a:endParaRPr lang="en-US" altLang="zh-TW" dirty="0"/>
+          </a:p>
+          <a:p>
+            <a:r>
+              <a:rPr lang="zh-TW" altLang="en-US" dirty="0" smtClean="0"/>
+              <a:t>關鍵：亂數的產生</a:t>
+            </a:r>
+            <a:endParaRPr lang="en-US" altLang="zh-TW" dirty="0" smtClean="0"/>
+          </a:p>
+          <a:p>
+            <a:pPr lvl="1"/>
+            <a:r>
+              <a:rPr lang="zh-TW" altLang="en-US" dirty="0" smtClean="0"/>
+              <a:t>方法一：</a:t>
+            </a:r>
+            <a:endParaRPr lang="en-US" altLang="zh-TW" dirty="0" smtClean="0"/>
+          </a:p>
+          <a:p>
+            <a:pPr lvl="2"/>
+            <a:r>
+              <a:rPr lang="en-US" altLang="zh-TW" dirty="0" smtClean="0"/>
+              <a:t>Import </a:t>
+            </a:r>
+            <a:r>
+              <a:rPr lang="en-US" altLang="zh-TW" dirty="0" err="1" smtClean="0"/>
+              <a:t>java.util.Random</a:t>
+            </a:r>
+            <a:endParaRPr lang="en-US" altLang="zh-TW" dirty="0" smtClean="0"/>
+          </a:p>
+          <a:p>
+            <a:pPr lvl="2"/>
+            <a:r>
+              <a:rPr lang="en-US" altLang="zh-TW" dirty="0" smtClean="0"/>
+              <a:t>Random rand = new Random();</a:t>
+            </a:r>
+            <a:br>
+              <a:rPr lang="en-US" altLang="zh-TW" dirty="0" smtClean="0"/>
+            </a:br>
+            <a:r>
+              <a:rPr lang="en-US" altLang="zh-TW" dirty="0" err="1" smtClean="0"/>
+              <a:t>rand.nextInt</a:t>
+            </a:r>
+            <a:r>
+              <a:rPr lang="en-US" altLang="zh-TW" dirty="0" smtClean="0"/>
+              <a:t>(</a:t>
+            </a:r>
+            <a:r>
+              <a:rPr lang="en-US" altLang="zh-TW" dirty="0" err="1" smtClean="0"/>
+              <a:t>upperbound</a:t>
+            </a:r>
+            <a:r>
+              <a:rPr lang="en-US" altLang="zh-TW" dirty="0" smtClean="0"/>
+              <a:t>);  </a:t>
+            </a:r>
+            <a:r>
+              <a:rPr lang="en-US" altLang="zh-TW" dirty="0" smtClean="0">
+                <a:solidFill>
+                  <a:srgbClr val="FF0000"/>
+                </a:solidFill>
+              </a:rPr>
+              <a:t>--&gt; 0 ~ upperbound-1</a:t>
+            </a:r>
+          </a:p>
+          <a:p>
+            <a:pPr lvl="2"/>
+            <a:r>
+              <a:rPr lang="en-US" altLang="zh-TW" dirty="0" err="1" smtClean="0"/>
+              <a:t>nextFloat</a:t>
+            </a:r>
+            <a:r>
+              <a:rPr lang="en-US" altLang="zh-TW" dirty="0" smtClean="0"/>
+              <a:t>(), </a:t>
+            </a:r>
+            <a:r>
+              <a:rPr lang="en-US" altLang="zh-TW" dirty="0" err="1" smtClean="0"/>
+              <a:t>nextDouble</a:t>
+            </a:r>
+            <a:r>
+              <a:rPr lang="en-US" altLang="zh-TW" dirty="0" smtClean="0"/>
+              <a:t>(), </a:t>
+            </a:r>
+            <a:r>
+              <a:rPr lang="en-US" altLang="zh-TW" dirty="0" err="1" smtClean="0"/>
+              <a:t>nextLong</a:t>
+            </a:r>
+            <a:r>
+              <a:rPr lang="en-US" altLang="zh-TW" dirty="0" smtClean="0"/>
+              <a:t>()</a:t>
+            </a:r>
+          </a:p>
+          <a:p>
+            <a:pPr lvl="1"/>
+            <a:r>
+              <a:rPr lang="zh-TW" altLang="en-US" dirty="0"/>
+              <a:t>方法</a:t>
+            </a:r>
+            <a:r>
+              <a:rPr lang="zh-TW" altLang="en-US" dirty="0" smtClean="0"/>
+              <a:t>二：</a:t>
+            </a:r>
+            <a:endParaRPr lang="en-US" altLang="zh-TW" dirty="0" smtClean="0"/>
+          </a:p>
+          <a:p>
+            <a:pPr lvl="2"/>
+            <a:r>
+              <a:rPr lang="en-US" altLang="zh-TW" dirty="0" err="1" smtClean="0"/>
+              <a:t>Math.random</a:t>
+            </a:r>
+            <a:r>
+              <a:rPr lang="en-US" altLang="zh-TW" dirty="0" smtClean="0"/>
+              <a:t>() --&gt;</a:t>
+            </a:r>
+            <a:r>
+              <a:rPr lang="zh-TW" altLang="en-US" dirty="0" smtClean="0"/>
+              <a:t>產生一個</a:t>
+            </a:r>
+            <a:r>
+              <a:rPr lang="zh-TW" altLang="en-US" dirty="0"/>
+              <a:t>浮</a:t>
+            </a:r>
+            <a:r>
+              <a:rPr lang="zh-TW" altLang="en-US" dirty="0" smtClean="0"/>
+              <a:t>點數，範圍： </a:t>
+            </a:r>
+            <a:r>
+              <a:rPr lang="en-US" altLang="zh-TW" dirty="0" smtClean="0">
+                <a:solidFill>
+                  <a:srgbClr val="FF0000"/>
+                </a:solidFill>
+              </a:rPr>
+              <a:t>0.0 &lt;=  V  &lt;  1.0    </a:t>
+            </a:r>
+            <a:r>
+              <a:rPr lang="zh-TW" altLang="en-US" dirty="0" smtClean="0">
+                <a:solidFill>
+                  <a:srgbClr val="FF0000"/>
+                </a:solidFill>
+              </a:rPr>
+              <a:t>注意！不含</a:t>
+            </a:r>
+            <a:r>
+              <a:rPr lang="en-US" altLang="zh-TW" dirty="0" smtClean="0">
+                <a:solidFill>
+                  <a:srgbClr val="FF0000"/>
+                </a:solidFill>
+              </a:rPr>
+              <a:t>1.0</a:t>
+            </a:r>
+          </a:p>
+          <a:p>
+            <a:pPr lvl="1"/>
+            <a:r>
+              <a:rPr lang="zh-TW" altLang="en-US" dirty="0">
+                <a:solidFill>
+                  <a:srgbClr val="FF0000"/>
+                </a:solidFill>
+              </a:rPr>
+              <a:t>還有其他方法</a:t>
+            </a:r>
+            <a:r>
+              <a:rPr lang="zh-TW" altLang="en-US" dirty="0" smtClean="0">
+                <a:solidFill>
+                  <a:srgbClr val="FF0000"/>
+                </a:solidFill>
+              </a:rPr>
+              <a:t>，可以自己上網查。</a:t>
+            </a:r>
+            <a:endParaRPr lang="zh-TW" altLang="en-US" dirty="0">
+              <a:solidFill>
+                <a:srgbClr val="FF0000"/>
+              </a:solidFill>
+            </a:endParaRPr>
+          </a:p>
+        </p:txBody>
+      </p:sp>
+    </p:spTree>
+    <p:extLst>
+      <p:ext uri="{BB962C8B-B14F-4D97-AF65-F5344CB8AC3E}">
+        <p14:creationId xmlns:p14="http://schemas.microsoft.com/office/powerpoint/2010/main" val="1739884249"/>
+      </p:ext>
+    </p:extLst>
+  </p:cSld>
+  <p:clrMapOvr>
+    <a:masterClrMapping/>
+  </p:clrMapOvr>
+  <p:timing>
+    <p:tnLst>
+      <p:par>
+        <p:cTn id="1" dur="indefinite" restart="never" nodeType="tmRoot"/>
+      </p:par>
+    </p:tnLst>
+  </p:timing>
+</p:sld>
+</file>
+
+<file path=ppt/slides/slide35.xml><?xml version="1.0" encoding="utf-8"?>
 <p:sld xmlns:a="http://schemas.openxmlformats.org/drawingml/2006/main" xmlns:r="http://schemas.openxmlformats.org/officeDocument/2006/relationships" xmlns:p="http://schemas.openxmlformats.org/presentationml/2006/main">
   <p:cSld>
     <p:spTree>
@@ -24650,7 +26078,7 @@
 </p:sld>
 </file>
 
-<file path=ppt/slides/slide34.xml><?xml version="1.0" encoding="utf-8"?>
+<file path=ppt/slides/slide36.xml><?xml version="1.0" encoding="utf-8"?>
 <p:sld xmlns:a="http://schemas.openxmlformats.org/drawingml/2006/main" xmlns:r="http://schemas.openxmlformats.org/officeDocument/2006/relationships" xmlns:p="http://schemas.openxmlformats.org/presentationml/2006/main">
   <p:cSld>
     <p:spTree>
@@ -24950,7 +26378,23 @@
                   <a:schemeClr val="tx1"/>
                 </a:solidFill>
               </a:rPr>
-              <a:t>If (guess == bomb)</a:t>
+              <a:t>If (guess </a:t>
+            </a:r>
+            <a:r>
+              <a:rPr lang="en-US" altLang="zh-TW" sz="1200" dirty="0" smtClean="0">
+                <a:solidFill>
+                  <a:srgbClr val="FF0000"/>
+                </a:solidFill>
+              </a:rPr>
+              <a:t>!=</a:t>
+            </a:r>
+            <a:r>
+              <a:rPr lang="en-US" altLang="zh-TW" sz="1200" dirty="0" smtClean="0">
+                <a:solidFill>
+                  <a:schemeClr val="tx1"/>
+                </a:solidFill>
+              </a:rPr>
+              <a:t> bomb)</a:t>
             </a:r>
             <a:endParaRPr lang="zh-TW" altLang="en-US" sz="1200" dirty="0">
               <a:solidFill>
@@ -25475,7 +26919,7 @@
         </p:nvSpPr>
         <p:spPr>
           <a:xfrm>
-            <a:off x="2776191" y="5330440"/>
+            <a:off x="5048176" y="4670747"/>
             <a:ext cx="636969" cy="369332"/>
           </a:xfrm>
           <a:prstGeom prst="rect">
@@ -25505,7 +26949,7 @@
         </p:nvSpPr>
         <p:spPr>
           <a:xfrm>
-            <a:off x="4888992" y="4688633"/>
+            <a:off x="3417028" y="5344201"/>
             <a:ext cx="715260" cy="369332"/>
           </a:xfrm>
           <a:prstGeom prst="rect">
@@ -26148,7 +27592,7 @@
 </p:sld>
 </file>
 
-<file path=ppt/slides/slide35.xml><?xml version="1.0" encoding="utf-8"?>
+<file path=ppt/slides/slide37.xml><?xml version="1.0" encoding="utf-8"?>
 <p:sld xmlns:a="http://schemas.openxmlformats.org/drawingml/2006/main" xmlns:r="http://schemas.openxmlformats.org/officeDocument/2006/relationships" xmlns:p="http://schemas.openxmlformats.org/presentationml/2006/main">
   <p:cSld>
     <p:spTree>
@@ -26254,8 +27698,12 @@
               <a:t>Min:</a:t>
             </a:r>
             <a:r>
+              <a:rPr lang="zh-TW" altLang="en-US" dirty="0"/>
+              <a:t>下限數字</a:t>
+            </a:r>
+            <a:r>
               <a:rPr lang="zh-TW" altLang="en-US" dirty="0" smtClean="0"/>
-              <a:t>下陷數字，一開始是</a:t>
+              <a:t>，一開始是</a:t>
             </a:r>
             <a:r>
               <a:rPr lang="en-US" altLang="zh-TW" dirty="0" smtClean="0"/>
@@ -27737,7 +29185,7 @@
 </p:sld>
 </file>
 
-<file path=ppt/slides/slide36.xml><?xml version="1.0" encoding="utf-8"?>
+<file path=ppt/slides/slide38.xml><?xml version="1.0" encoding="utf-8"?>
 <p:sld xmlns:a="http://schemas.openxmlformats.org/drawingml/2006/main" xmlns:r="http://schemas.openxmlformats.org/officeDocument/2006/relationships" xmlns:p="http://schemas.openxmlformats.org/presentationml/2006/main">
   <p:cSld>
     <p:spTree>
@@ -28803,7 +30251,7 @@
 </p:sld>
 </file>
 
-<file path=ppt/slides/slide37.xml><?xml version="1.0" encoding="utf-8"?>
+<file path=ppt/slides/slide39.xml><?xml version="1.0" encoding="utf-8"?>
 <p:sld xmlns:a="http://schemas.openxmlformats.org/drawingml/2006/main" xmlns:r="http://schemas.openxmlformats.org/officeDocument/2006/relationships" xmlns:p="http://schemas.openxmlformats.org/presentationml/2006/main">
   <p:cSld>
     <p:spTree>
@@ -28894,7 +30342,1083 @@
 </p:sld>
 </file>
 
-<file path=ppt/slides/slide38.xml><?xml version="1.0" encoding="utf-8"?>
+<file path=ppt/slides/slide4.xml><?xml version="1.0" encoding="utf-8"?>
+<p:sld xmlns:a="http://schemas.openxmlformats.org/drawingml/2006/main" xmlns:r="http://schemas.openxmlformats.org/officeDocument/2006/relationships" xmlns:p="http://schemas.openxmlformats.org/presentationml/2006/main">
+  <p:cSld>
+    <p:spTree>
+      <p:nvGrpSpPr>
+        <p:cNvPr id="1" name=""/>
+        <p:cNvGrpSpPr/>
+        <p:nvPr/>
+      </p:nvGrpSpPr>
+      <p:grpSpPr>
+        <a:xfrm>
+          <a:off x="0" y="0"/>
+          <a:ext cx="0" cy="0"/>
+          <a:chOff x="0" y="0"/>
+          <a:chExt cx="0" cy="0"/>
+        </a:xfrm>
+      </p:grpSpPr>
+      <p:sp>
+        <p:nvSpPr>
+          <p:cNvPr id="24" name="弧形 23"/>
+          <p:cNvSpPr/>
+          <p:nvPr/>
+        </p:nvSpPr>
+        <p:spPr>
+          <a:xfrm>
+            <a:off x="9043149" y="3316241"/>
+            <a:ext cx="1123606" cy="799489"/>
+          </a:xfrm>
+          <a:prstGeom prst="arc">
+            <a:avLst>
+              <a:gd name="adj1" fmla="val 2541222"/>
+              <a:gd name="adj2" fmla="val 311641"/>
+            </a:avLst>
+          </a:prstGeom>
+          <a:ln w="203200">
+            <a:solidFill>
+              <a:srgbClr val="00FF00">
+                <a:alpha val="54902"/>
+              </a:srgbClr>
+            </a:solidFill>
+            <a:headEnd type="triangle"/>
+            <a:tailEnd type="none" w="lg" len="lg"/>
+          </a:ln>
+        </p:spPr>
+        <p:style>
+          <a:lnRef idx="1">
+            <a:schemeClr val="accent1"/>
+          </a:lnRef>
+          <a:fillRef idx="0">
+            <a:schemeClr val="accent1"/>
+          </a:fillRef>
+          <a:effectRef idx="0">
+            <a:schemeClr val="accent1"/>
+          </a:effectRef>
+          <a:fontRef idx="minor">
+            <a:schemeClr val="tx1"/>
+          </a:fontRef>
+        </p:style>
+        <p:txBody>
+          <a:bodyPr rtlCol="0" anchor="ctr"/>
+          <a:lstStyle/>
+          <a:p>
+            <a:pPr algn="ctr"/>
+            <a:endParaRPr lang="zh-TW" altLang="en-US"/>
+          </a:p>
+        </p:txBody>
+      </p:sp>
+      <p:sp>
+        <p:nvSpPr>
+          <p:cNvPr id="2" name="標題 1"/>
+          <p:cNvSpPr>
+            <a:spLocks noGrp="1"/>
+          </p:cNvSpPr>
+          <p:nvPr>
+            <p:ph type="title"/>
+          </p:nvPr>
+        </p:nvSpPr>
+        <p:spPr/>
+        <p:txBody>
+          <a:bodyPr/>
+          <a:lstStyle/>
+          <a:p>
+            <a:r>
+              <a:rPr lang="zh-TW" altLang="en-US" dirty="0" smtClean="0"/>
+              <a:t>最基本迴圈</a:t>
+            </a:r>
+            <a:r>
+              <a:rPr lang="en-US" altLang="zh-TW" dirty="0" smtClean="0"/>
+              <a:t/>
+            </a:r>
+            <a:br>
+              <a:rPr lang="en-US" altLang="zh-TW" dirty="0" smtClean="0"/>
+            </a:br>
+            <a:r>
+              <a:rPr lang="en-US" altLang="zh-TW" dirty="0" smtClean="0"/>
+              <a:t>for</a:t>
+            </a:r>
+            <a:r>
+              <a:rPr lang="zh-TW" altLang="en-US" dirty="0" smtClean="0"/>
+              <a:t>迴圈</a:t>
+            </a:r>
+            <a:endParaRPr lang="zh-TW" altLang="en-US" dirty="0"/>
+          </a:p>
+        </p:txBody>
+      </p:sp>
+      <p:sp>
+        <p:nvSpPr>
+          <p:cNvPr id="3" name="內容版面配置區 2"/>
+          <p:cNvSpPr>
+            <a:spLocks noGrp="1"/>
+          </p:cNvSpPr>
+          <p:nvPr>
+            <p:ph idx="1"/>
+          </p:nvPr>
+        </p:nvSpPr>
+        <p:spPr/>
+        <p:txBody>
+          <a:bodyPr/>
+          <a:lstStyle/>
+          <a:p>
+            <a:r>
+              <a:rPr lang="en-US" altLang="zh-TW" dirty="0" smtClean="0"/>
+              <a:t>for</a:t>
+            </a:r>
+            <a:r>
+              <a:rPr lang="zh-TW" altLang="en-US" dirty="0" smtClean="0"/>
+              <a:t>迴圈語法：</a:t>
+            </a:r>
+            <a:endParaRPr lang="en-US" altLang="zh-TW" dirty="0" smtClean="0"/>
+          </a:p>
+          <a:p>
+            <a:endParaRPr lang="en-US" altLang="zh-TW" dirty="0"/>
+          </a:p>
+          <a:p>
+            <a:endParaRPr lang="en-US" altLang="zh-TW" dirty="0" smtClean="0"/>
+          </a:p>
+          <a:p>
+            <a:r>
+              <a:rPr lang="zh-TW" altLang="en-US" dirty="0"/>
+              <a:t>流程圖如右圖</a:t>
+            </a:r>
+            <a:r>
+              <a:rPr lang="zh-TW" altLang="en-US" dirty="0" smtClean="0"/>
+              <a:t>。</a:t>
+            </a:r>
+            <a:endParaRPr lang="en-US" altLang="zh-TW" dirty="0" smtClean="0"/>
+          </a:p>
+          <a:p>
+            <a:pPr lvl="1"/>
+            <a:r>
+              <a:rPr lang="zh-TW" altLang="en-US" dirty="0"/>
+              <a:t>初始設定：設定變數的初始</a:t>
+            </a:r>
+            <a:r>
+              <a:rPr lang="zh-TW" altLang="en-US" dirty="0" smtClean="0"/>
+              <a:t>值</a:t>
+            </a:r>
+            <a:endParaRPr lang="en-US" altLang="zh-TW" dirty="0" smtClean="0"/>
+          </a:p>
+          <a:p>
+            <a:pPr lvl="1"/>
+            <a:r>
+              <a:rPr lang="zh-TW" altLang="en-US" dirty="0"/>
+              <a:t>執行條件</a:t>
+            </a:r>
+            <a:r>
+              <a:rPr lang="zh-TW" altLang="en-US" dirty="0" smtClean="0"/>
+              <a:t>：條件成立進入執行，否則結束迴圈。</a:t>
+            </a:r>
+            <a:endParaRPr lang="en-US" altLang="zh-TW" dirty="0" smtClean="0"/>
+          </a:p>
+          <a:p>
+            <a:pPr lvl="1"/>
+            <a:r>
+              <a:rPr lang="zh-TW" altLang="en-US" dirty="0"/>
+              <a:t>每次都要做</a:t>
+            </a:r>
+            <a:r>
+              <a:rPr lang="zh-TW" altLang="en-US" dirty="0" smtClean="0"/>
+              <a:t>：常用於設定變數增減量</a:t>
+            </a:r>
+            <a:endParaRPr lang="en-US" altLang="zh-TW" dirty="0" smtClean="0"/>
+          </a:p>
+          <a:p>
+            <a:r>
+              <a:rPr lang="zh-TW" altLang="en-US" dirty="0" smtClean="0"/>
+              <a:t>範例：</a:t>
+            </a:r>
+            <a:endParaRPr lang="zh-TW" altLang="en-US" dirty="0"/>
+          </a:p>
+        </p:txBody>
+      </p:sp>
+      <p:pic>
+        <p:nvPicPr>
+          <p:cNvPr id="4" name="圖片 3"/>
+          <p:cNvPicPr>
+            <a:picLocks noChangeAspect="1"/>
+          </p:cNvPicPr>
+          <p:nvPr/>
+        </p:nvPicPr>
+        <p:blipFill>
+          <a:blip r:embed="rId2"/>
+          <a:stretch>
+            <a:fillRect/>
+          </a:stretch>
+        </p:blipFill>
+        <p:spPr>
+          <a:xfrm>
+            <a:off x="2550795" y="2265997"/>
+            <a:ext cx="4202299" cy="888683"/>
+          </a:xfrm>
+          <a:prstGeom prst="rect">
+            <a:avLst/>
+          </a:prstGeom>
+        </p:spPr>
+      </p:pic>
+      <p:sp>
+        <p:nvSpPr>
+          <p:cNvPr id="5" name="圓角矩形 4"/>
+          <p:cNvSpPr/>
+          <p:nvPr/>
+        </p:nvSpPr>
+        <p:spPr>
+          <a:xfrm>
+            <a:off x="7495147" y="1147258"/>
+            <a:ext cx="1143000" cy="392176"/>
+          </a:xfrm>
+          <a:prstGeom prst="roundRect">
+            <a:avLst>
+              <a:gd name="adj" fmla="val 50000"/>
+            </a:avLst>
+          </a:prstGeom>
+          <a:solidFill>
+            <a:schemeClr val="bg1"/>
+          </a:solidFill>
+          <a:ln>
+            <a:solidFill>
+              <a:schemeClr val="tx1"/>
+            </a:solidFill>
+          </a:ln>
+        </p:spPr>
+        <p:style>
+          <a:lnRef idx="2">
+            <a:schemeClr val="accent1">
+              <a:shade val="50000"/>
+            </a:schemeClr>
+          </a:lnRef>
+          <a:fillRef idx="1">
+            <a:schemeClr val="accent1"/>
+          </a:fillRef>
+          <a:effectRef idx="0">
+            <a:schemeClr val="accent1"/>
+          </a:effectRef>
+          <a:fontRef idx="minor">
+            <a:schemeClr val="lt1"/>
+          </a:fontRef>
+        </p:style>
+        <p:txBody>
+          <a:bodyPr rtlCol="0" anchor="ctr"/>
+          <a:lstStyle/>
+          <a:p>
+            <a:pPr algn="ctr"/>
+            <a:r>
+              <a:rPr lang="zh-TW" altLang="en-US" dirty="0" smtClean="0">
+                <a:solidFill>
+                  <a:schemeClr val="tx1"/>
+                </a:solidFill>
+              </a:rPr>
+              <a:t>開始</a:t>
+            </a:r>
+            <a:endParaRPr lang="zh-TW" altLang="en-US" dirty="0">
+              <a:solidFill>
+                <a:schemeClr val="tx1"/>
+              </a:solidFill>
+            </a:endParaRPr>
+          </a:p>
+        </p:txBody>
+      </p:sp>
+      <p:cxnSp>
+        <p:nvCxnSpPr>
+          <p:cNvPr id="7" name="直線單箭頭接點 6"/>
+          <p:cNvCxnSpPr>
+            <a:stCxn id="5" idx="2"/>
+            <a:endCxn id="23" idx="0"/>
+          </p:cNvCxnSpPr>
+          <p:nvPr/>
+        </p:nvCxnSpPr>
+        <p:spPr>
+          <a:xfrm>
+            <a:off x="8066647" y="1539434"/>
+            <a:ext cx="1" cy="687278"/>
+          </a:xfrm>
+          <a:prstGeom prst="straightConnector1">
+            <a:avLst/>
+          </a:prstGeom>
+          <a:ln w="28575">
+            <a:solidFill>
+              <a:schemeClr val="tx1"/>
+            </a:solidFill>
+            <a:headEnd type="none" w="med" len="med"/>
+            <a:tailEnd type="triangle" w="med" len="med"/>
+          </a:ln>
+        </p:spPr>
+        <p:style>
+          <a:lnRef idx="1">
+            <a:schemeClr val="accent1"/>
+          </a:lnRef>
+          <a:fillRef idx="0">
+            <a:schemeClr val="accent1"/>
+          </a:fillRef>
+          <a:effectRef idx="0">
+            <a:schemeClr val="accent1"/>
+          </a:effectRef>
+          <a:fontRef idx="minor">
+            <a:schemeClr val="tx1"/>
+          </a:fontRef>
+        </p:style>
+      </p:cxnSp>
+      <p:cxnSp>
+        <p:nvCxnSpPr>
+          <p:cNvPr id="8" name="直線單箭頭接點 7"/>
+          <p:cNvCxnSpPr>
+            <a:stCxn id="11" idx="2"/>
+            <a:endCxn id="10" idx="0"/>
+          </p:cNvCxnSpPr>
+          <p:nvPr/>
+        </p:nvCxnSpPr>
+        <p:spPr>
+          <a:xfrm>
+            <a:off x="8066647" y="4399034"/>
+            <a:ext cx="0" cy="690496"/>
+          </a:xfrm>
+          <a:prstGeom prst="straightConnector1">
+            <a:avLst/>
+          </a:prstGeom>
+          <a:ln w="28575">
+            <a:solidFill>
+              <a:schemeClr val="tx1"/>
+            </a:solidFill>
+            <a:headEnd type="none" w="med" len="med"/>
+            <a:tailEnd type="triangle" w="med" len="med"/>
+          </a:ln>
+        </p:spPr>
+        <p:style>
+          <a:lnRef idx="1">
+            <a:schemeClr val="accent1"/>
+          </a:lnRef>
+          <a:fillRef idx="0">
+            <a:schemeClr val="accent1"/>
+          </a:fillRef>
+          <a:effectRef idx="0">
+            <a:schemeClr val="accent1"/>
+          </a:effectRef>
+          <a:fontRef idx="minor">
+            <a:schemeClr val="tx1"/>
+          </a:fontRef>
+        </p:style>
+      </p:cxnSp>
+      <p:sp>
+        <p:nvSpPr>
+          <p:cNvPr id="10" name="圓角矩形 9"/>
+          <p:cNvSpPr/>
+          <p:nvPr/>
+        </p:nvSpPr>
+        <p:spPr>
+          <a:xfrm>
+            <a:off x="7495147" y="5089530"/>
+            <a:ext cx="1143000" cy="392176"/>
+          </a:xfrm>
+          <a:prstGeom prst="roundRect">
+            <a:avLst>
+              <a:gd name="adj" fmla="val 50000"/>
+            </a:avLst>
+          </a:prstGeom>
+          <a:solidFill>
+            <a:schemeClr val="bg1"/>
+          </a:solidFill>
+          <a:ln>
+            <a:solidFill>
+              <a:schemeClr val="tx1"/>
+            </a:solidFill>
+          </a:ln>
+        </p:spPr>
+        <p:style>
+          <a:lnRef idx="2">
+            <a:schemeClr val="accent1">
+              <a:shade val="50000"/>
+            </a:schemeClr>
+          </a:lnRef>
+          <a:fillRef idx="1">
+            <a:schemeClr val="accent1"/>
+          </a:fillRef>
+          <a:effectRef idx="0">
+            <a:schemeClr val="accent1"/>
+          </a:effectRef>
+          <a:fontRef idx="minor">
+            <a:schemeClr val="lt1"/>
+          </a:fontRef>
+        </p:style>
+        <p:txBody>
+          <a:bodyPr rtlCol="0" anchor="ctr"/>
+          <a:lstStyle/>
+          <a:p>
+            <a:pPr algn="ctr"/>
+            <a:r>
+              <a:rPr lang="zh-TW" altLang="en-US" dirty="0">
+                <a:solidFill>
+                  <a:schemeClr val="tx1"/>
+                </a:solidFill>
+              </a:rPr>
+              <a:t>結束</a:t>
+            </a:r>
+          </a:p>
+        </p:txBody>
+      </p:sp>
+      <p:sp>
+        <p:nvSpPr>
+          <p:cNvPr id="11" name="菱形 10"/>
+          <p:cNvSpPr/>
+          <p:nvPr/>
+        </p:nvSpPr>
+        <p:spPr>
+          <a:xfrm>
+            <a:off x="6850495" y="3535068"/>
+            <a:ext cx="2432304" cy="863966"/>
+          </a:xfrm>
+          <a:prstGeom prst="diamond">
+            <a:avLst/>
+          </a:prstGeom>
+          <a:solidFill>
+            <a:schemeClr val="bg1"/>
+          </a:solidFill>
+          <a:ln w="38100">
+            <a:solidFill>
+              <a:srgbClr val="FF0000"/>
+            </a:solidFill>
+          </a:ln>
+        </p:spPr>
+        <p:style>
+          <a:lnRef idx="2">
+            <a:schemeClr val="accent1">
+              <a:shade val="50000"/>
+            </a:schemeClr>
+          </a:lnRef>
+          <a:fillRef idx="1">
+            <a:schemeClr val="accent1"/>
+          </a:fillRef>
+          <a:effectRef idx="0">
+            <a:schemeClr val="accent1"/>
+          </a:effectRef>
+          <a:fontRef idx="minor">
+            <a:schemeClr val="lt1"/>
+          </a:fontRef>
+        </p:style>
+        <p:txBody>
+          <a:bodyPr rtlCol="0" anchor="ctr"/>
+          <a:lstStyle/>
+          <a:p>
+            <a:pPr algn="ctr"/>
+            <a:r>
+              <a:rPr lang="zh-TW" altLang="en-US" dirty="0" smtClean="0">
+                <a:solidFill>
+                  <a:schemeClr val="tx1"/>
+                </a:solidFill>
+              </a:rPr>
+              <a:t>執行條件</a:t>
+            </a:r>
+            <a:endParaRPr lang="zh-TW" altLang="en-US" dirty="0">
+              <a:solidFill>
+                <a:schemeClr val="tx1"/>
+              </a:solidFill>
+            </a:endParaRPr>
+          </a:p>
+        </p:txBody>
+      </p:sp>
+      <p:cxnSp>
+        <p:nvCxnSpPr>
+          <p:cNvPr id="12" name="肘形接點 11"/>
+          <p:cNvCxnSpPr>
+            <a:stCxn id="18" idx="0"/>
+            <a:endCxn id="42" idx="3"/>
+          </p:cNvCxnSpPr>
+          <p:nvPr/>
+        </p:nvCxnSpPr>
+        <p:spPr>
+          <a:xfrm rot="16200000" flipV="1">
+            <a:off x="10247293" y="3050745"/>
+            <a:ext cx="564607" cy="509247"/>
+          </a:xfrm>
+          <a:prstGeom prst="bentConnector2">
+            <a:avLst/>
+          </a:prstGeom>
+          <a:ln w="28575">
+            <a:solidFill>
+              <a:schemeClr val="tx1"/>
+            </a:solidFill>
+            <a:tailEnd type="triangle"/>
+          </a:ln>
+        </p:spPr>
+        <p:style>
+          <a:lnRef idx="1">
+            <a:schemeClr val="accent1"/>
+          </a:lnRef>
+          <a:fillRef idx="0">
+            <a:schemeClr val="accent1"/>
+          </a:fillRef>
+          <a:effectRef idx="0">
+            <a:schemeClr val="accent1"/>
+          </a:effectRef>
+          <a:fontRef idx="minor">
+            <a:schemeClr val="tx1"/>
+          </a:fontRef>
+        </p:style>
+      </p:cxnSp>
+      <p:sp>
+        <p:nvSpPr>
+          <p:cNvPr id="13" name="文字方塊 12"/>
+          <p:cNvSpPr txBox="1"/>
+          <p:nvPr/>
+        </p:nvSpPr>
+        <p:spPr>
+          <a:xfrm>
+            <a:off x="9079046" y="3597719"/>
+            <a:ext cx="636969" cy="369332"/>
+          </a:xfrm>
+          <a:prstGeom prst="rect">
+            <a:avLst/>
+          </a:prstGeom>
+          <a:noFill/>
+        </p:spPr>
+        <p:txBody>
+          <a:bodyPr wrap="none" rtlCol="0">
+            <a:spAutoFit/>
+          </a:bodyPr>
+          <a:lstStyle/>
+          <a:p>
+            <a:r>
+              <a:rPr lang="en-US" altLang="zh-TW" dirty="0" smtClean="0"/>
+              <a:t>True</a:t>
+            </a:r>
+            <a:endParaRPr lang="zh-TW" altLang="en-US" dirty="0"/>
+          </a:p>
+        </p:txBody>
+      </p:sp>
+      <p:sp>
+        <p:nvSpPr>
+          <p:cNvPr id="14" name="文字方塊 13"/>
+          <p:cNvSpPr txBox="1"/>
+          <p:nvPr/>
+        </p:nvSpPr>
+        <p:spPr>
+          <a:xfrm>
+            <a:off x="8024515" y="4462779"/>
+            <a:ext cx="715260" cy="369332"/>
+          </a:xfrm>
+          <a:prstGeom prst="rect">
+            <a:avLst/>
+          </a:prstGeom>
+          <a:noFill/>
+        </p:spPr>
+        <p:txBody>
+          <a:bodyPr wrap="none" rtlCol="0">
+            <a:spAutoFit/>
+          </a:bodyPr>
+          <a:lstStyle/>
+          <a:p>
+            <a:r>
+              <a:rPr lang="en-US" altLang="zh-TW" dirty="0" smtClean="0"/>
+              <a:t>False</a:t>
+            </a:r>
+            <a:endParaRPr lang="zh-TW" altLang="en-US" dirty="0"/>
+          </a:p>
+        </p:txBody>
+      </p:sp>
+      <p:sp>
+        <p:nvSpPr>
+          <p:cNvPr id="18" name="矩形 17"/>
+          <p:cNvSpPr/>
+          <p:nvPr/>
+        </p:nvSpPr>
+        <p:spPr>
+          <a:xfrm>
+            <a:off x="10065885" y="3587672"/>
+            <a:ext cx="1436668" cy="758758"/>
+          </a:xfrm>
+          <a:prstGeom prst="rect">
+            <a:avLst/>
+          </a:prstGeom>
+          <a:solidFill>
+            <a:schemeClr val="bg1"/>
+          </a:solidFill>
+          <a:ln w="38100">
+            <a:solidFill>
+              <a:srgbClr val="0070C0"/>
+            </a:solidFill>
+          </a:ln>
+        </p:spPr>
+        <p:style>
+          <a:lnRef idx="2">
+            <a:schemeClr val="accent1">
+              <a:shade val="50000"/>
+            </a:schemeClr>
+          </a:lnRef>
+          <a:fillRef idx="1">
+            <a:schemeClr val="accent1"/>
+          </a:fillRef>
+          <a:effectRef idx="0">
+            <a:schemeClr val="accent1"/>
+          </a:effectRef>
+          <a:fontRef idx="minor">
+            <a:schemeClr val="lt1"/>
+          </a:fontRef>
+        </p:style>
+        <p:txBody>
+          <a:bodyPr rtlCol="0" anchor="ctr"/>
+          <a:lstStyle/>
+          <a:p>
+            <a:pPr algn="ctr"/>
+            <a:r>
+              <a:rPr lang="zh-TW" altLang="en-US" b="1" dirty="0" smtClean="0">
+                <a:solidFill>
+                  <a:schemeClr val="tx1"/>
+                </a:solidFill>
+              </a:rPr>
+              <a:t>被重複執行的工作</a:t>
+            </a:r>
+            <a:endParaRPr lang="zh-TW" altLang="en-US" b="1" dirty="0">
+              <a:solidFill>
+                <a:schemeClr val="tx1"/>
+              </a:solidFill>
+            </a:endParaRPr>
+          </a:p>
+        </p:txBody>
+      </p:sp>
+      <p:cxnSp>
+        <p:nvCxnSpPr>
+          <p:cNvPr id="19" name="直線單箭頭接點 18"/>
+          <p:cNvCxnSpPr>
+            <a:stCxn id="11" idx="3"/>
+            <a:endCxn id="18" idx="1"/>
+          </p:cNvCxnSpPr>
+          <p:nvPr/>
+        </p:nvCxnSpPr>
+        <p:spPr>
+          <a:xfrm>
+            <a:off x="9282799" y="3967051"/>
+            <a:ext cx="783086" cy="0"/>
+          </a:xfrm>
+          <a:prstGeom prst="straightConnector1">
+            <a:avLst/>
+          </a:prstGeom>
+          <a:ln w="28575">
+            <a:solidFill>
+              <a:schemeClr val="tx1"/>
+            </a:solidFill>
+            <a:headEnd type="none" w="med" len="med"/>
+            <a:tailEnd type="triangle" w="med" len="med"/>
+          </a:ln>
+        </p:spPr>
+        <p:style>
+          <a:lnRef idx="1">
+            <a:schemeClr val="accent1"/>
+          </a:lnRef>
+          <a:fillRef idx="0">
+            <a:schemeClr val="accent1"/>
+          </a:fillRef>
+          <a:effectRef idx="0">
+            <a:schemeClr val="accent1"/>
+          </a:effectRef>
+          <a:fontRef idx="minor">
+            <a:schemeClr val="tx1"/>
+          </a:fontRef>
+        </p:style>
+      </p:cxnSp>
+      <p:sp>
+        <p:nvSpPr>
+          <p:cNvPr id="23" name="矩形 22"/>
+          <p:cNvSpPr/>
+          <p:nvPr/>
+        </p:nvSpPr>
+        <p:spPr>
+          <a:xfrm>
+            <a:off x="7422342" y="2226712"/>
+            <a:ext cx="1288611" cy="446216"/>
+          </a:xfrm>
+          <a:prstGeom prst="rect">
+            <a:avLst/>
+          </a:prstGeom>
+          <a:solidFill>
+            <a:schemeClr val="bg1"/>
+          </a:solidFill>
+          <a:ln w="38100">
+            <a:solidFill>
+              <a:srgbClr val="FF0000"/>
+            </a:solidFill>
+          </a:ln>
+        </p:spPr>
+        <p:style>
+          <a:lnRef idx="2">
+            <a:schemeClr val="accent1">
+              <a:shade val="50000"/>
+            </a:schemeClr>
+          </a:lnRef>
+          <a:fillRef idx="1">
+            <a:schemeClr val="accent1"/>
+          </a:fillRef>
+          <a:effectRef idx="0">
+            <a:schemeClr val="accent1"/>
+          </a:effectRef>
+          <a:fontRef idx="minor">
+            <a:schemeClr val="lt1"/>
+          </a:fontRef>
+        </p:style>
+        <p:txBody>
+          <a:bodyPr rtlCol="0" anchor="ctr"/>
+          <a:lstStyle/>
+          <a:p>
+            <a:pPr algn="ctr"/>
+            <a:r>
+              <a:rPr lang="zh-TW" altLang="en-US" dirty="0" smtClean="0">
+                <a:solidFill>
+                  <a:schemeClr val="tx1"/>
+                </a:solidFill>
+              </a:rPr>
+              <a:t>初始設定</a:t>
+            </a:r>
+            <a:endParaRPr lang="zh-TW" altLang="en-US" dirty="0">
+              <a:solidFill>
+                <a:schemeClr val="tx1"/>
+              </a:solidFill>
+            </a:endParaRPr>
+          </a:p>
+        </p:txBody>
+      </p:sp>
+      <p:cxnSp>
+        <p:nvCxnSpPr>
+          <p:cNvPr id="30" name="直線單箭頭接點 29"/>
+          <p:cNvCxnSpPr>
+            <a:stCxn id="23" idx="2"/>
+            <a:endCxn id="11" idx="0"/>
+          </p:cNvCxnSpPr>
+          <p:nvPr/>
+        </p:nvCxnSpPr>
+        <p:spPr>
+          <a:xfrm flipH="1">
+            <a:off x="8066647" y="2672928"/>
+            <a:ext cx="1" cy="862140"/>
+          </a:xfrm>
+          <a:prstGeom prst="straightConnector1">
+            <a:avLst/>
+          </a:prstGeom>
+          <a:ln w="28575">
+            <a:solidFill>
+              <a:schemeClr val="tx1"/>
+            </a:solidFill>
+            <a:headEnd type="none" w="med" len="med"/>
+            <a:tailEnd type="triangle" w="med" len="med"/>
+          </a:ln>
+        </p:spPr>
+        <p:style>
+          <a:lnRef idx="1">
+            <a:schemeClr val="accent1"/>
+          </a:lnRef>
+          <a:fillRef idx="0">
+            <a:schemeClr val="accent1"/>
+          </a:fillRef>
+          <a:effectRef idx="0">
+            <a:schemeClr val="accent1"/>
+          </a:effectRef>
+          <a:fontRef idx="minor">
+            <a:schemeClr val="tx1"/>
+          </a:fontRef>
+        </p:style>
+      </p:cxnSp>
+      <p:cxnSp>
+        <p:nvCxnSpPr>
+          <p:cNvPr id="39" name="直線單箭頭接點 38"/>
+          <p:cNvCxnSpPr/>
+          <p:nvPr/>
+        </p:nvCxnSpPr>
+        <p:spPr>
+          <a:xfrm>
+            <a:off x="8057850" y="1532412"/>
+            <a:ext cx="8798" cy="694300"/>
+          </a:xfrm>
+          <a:prstGeom prst="straightConnector1">
+            <a:avLst/>
+          </a:prstGeom>
+          <a:ln w="28575">
+            <a:solidFill>
+              <a:schemeClr val="tx1"/>
+            </a:solidFill>
+            <a:headEnd type="none" w="med" len="med"/>
+            <a:tailEnd type="triangle" w="med" len="med"/>
+          </a:ln>
+        </p:spPr>
+        <p:style>
+          <a:lnRef idx="1">
+            <a:schemeClr val="accent1"/>
+          </a:lnRef>
+          <a:fillRef idx="0">
+            <a:schemeClr val="accent1"/>
+          </a:fillRef>
+          <a:effectRef idx="0">
+            <a:schemeClr val="accent1"/>
+          </a:effectRef>
+          <a:fontRef idx="minor">
+            <a:schemeClr val="tx1"/>
+          </a:fontRef>
+        </p:style>
+      </p:cxnSp>
+      <p:sp>
+        <p:nvSpPr>
+          <p:cNvPr id="42" name="矩形 41"/>
+          <p:cNvSpPr/>
+          <p:nvPr/>
+        </p:nvSpPr>
+        <p:spPr>
+          <a:xfrm>
+            <a:off x="8942280" y="2761777"/>
+            <a:ext cx="1332692" cy="522576"/>
+          </a:xfrm>
+          <a:prstGeom prst="rect">
+            <a:avLst/>
+          </a:prstGeom>
+          <a:solidFill>
+            <a:schemeClr val="bg1"/>
+          </a:solidFill>
+          <a:ln w="38100">
+            <a:solidFill>
+              <a:srgbClr val="FF0000"/>
+            </a:solidFill>
+          </a:ln>
+        </p:spPr>
+        <p:style>
+          <a:lnRef idx="2">
+            <a:schemeClr val="accent1">
+              <a:shade val="50000"/>
+            </a:schemeClr>
+          </a:lnRef>
+          <a:fillRef idx="1">
+            <a:schemeClr val="accent1"/>
+          </a:fillRef>
+          <a:effectRef idx="0">
+            <a:schemeClr val="accent1"/>
+          </a:effectRef>
+          <a:fontRef idx="minor">
+            <a:schemeClr val="lt1"/>
+          </a:fontRef>
+        </p:style>
+        <p:txBody>
+          <a:bodyPr rtlCol="0" anchor="ctr"/>
+          <a:lstStyle/>
+          <a:p>
+            <a:pPr algn="ctr"/>
+            <a:r>
+              <a:rPr lang="zh-TW" altLang="en-US" dirty="0" smtClean="0">
+                <a:solidFill>
+                  <a:schemeClr val="tx1"/>
+                </a:solidFill>
+              </a:rPr>
+              <a:t>每次都要做</a:t>
+            </a:r>
+            <a:endParaRPr lang="zh-TW" altLang="en-US" dirty="0">
+              <a:solidFill>
+                <a:schemeClr val="tx1"/>
+              </a:solidFill>
+            </a:endParaRPr>
+          </a:p>
+        </p:txBody>
+      </p:sp>
+      <p:cxnSp>
+        <p:nvCxnSpPr>
+          <p:cNvPr id="45" name="直線單箭頭接點 44"/>
+          <p:cNvCxnSpPr>
+            <a:stCxn id="42" idx="1"/>
+          </p:cNvCxnSpPr>
+          <p:nvPr/>
+        </p:nvCxnSpPr>
+        <p:spPr>
+          <a:xfrm flipH="1">
+            <a:off x="8066647" y="3023065"/>
+            <a:ext cx="875633" cy="0"/>
+          </a:xfrm>
+          <a:prstGeom prst="straightConnector1">
+            <a:avLst/>
+          </a:prstGeom>
+          <a:ln w="28575">
+            <a:solidFill>
+              <a:schemeClr val="tx1"/>
+            </a:solidFill>
+            <a:headEnd type="none" w="med" len="med"/>
+            <a:tailEnd type="triangle" w="med" len="med"/>
+          </a:ln>
+        </p:spPr>
+        <p:style>
+          <a:lnRef idx="1">
+            <a:schemeClr val="accent1"/>
+          </a:lnRef>
+          <a:fillRef idx="0">
+            <a:schemeClr val="accent1"/>
+          </a:fillRef>
+          <a:effectRef idx="0">
+            <a:schemeClr val="accent1"/>
+          </a:effectRef>
+          <a:fontRef idx="minor">
+            <a:schemeClr val="tx1"/>
+          </a:fontRef>
+        </p:style>
+      </p:cxnSp>
+      <p:pic>
+        <p:nvPicPr>
+          <p:cNvPr id="61" name="圖片 60"/>
+          <p:cNvPicPr>
+            <a:picLocks noChangeAspect="1"/>
+          </p:cNvPicPr>
+          <p:nvPr/>
+        </p:nvPicPr>
+        <p:blipFill>
+          <a:blip r:embed="rId3"/>
+          <a:stretch>
+            <a:fillRect/>
+          </a:stretch>
+        </p:blipFill>
+        <p:spPr>
+          <a:xfrm>
+            <a:off x="1927007" y="4972212"/>
+            <a:ext cx="4426751" cy="1018988"/>
+          </a:xfrm>
+          <a:prstGeom prst="rect">
+            <a:avLst/>
+          </a:prstGeom>
+        </p:spPr>
+      </p:pic>
+      <p:sp>
+        <p:nvSpPr>
+          <p:cNvPr id="21" name="文字方塊 20"/>
+          <p:cNvSpPr txBox="1"/>
+          <p:nvPr/>
+        </p:nvSpPr>
+        <p:spPr>
+          <a:xfrm>
+            <a:off x="7236003" y="5847099"/>
+            <a:ext cx="1883849" cy="369332"/>
+          </a:xfrm>
+          <a:prstGeom prst="rect">
+            <a:avLst/>
+          </a:prstGeom>
+          <a:noFill/>
+        </p:spPr>
+        <p:txBody>
+          <a:bodyPr wrap="none" rtlCol="0">
+            <a:spAutoFit/>
+          </a:bodyPr>
+          <a:lstStyle/>
+          <a:p>
+            <a:r>
+              <a:rPr lang="en-US" altLang="zh-TW" b="1" dirty="0" smtClean="0">
+                <a:solidFill>
+                  <a:srgbClr val="FF0000"/>
+                </a:solidFill>
+              </a:rPr>
+              <a:t>for</a:t>
+            </a:r>
+            <a:r>
+              <a:rPr lang="zh-TW" altLang="en-US" b="1" dirty="0" smtClean="0">
+                <a:solidFill>
+                  <a:srgbClr val="FF0000"/>
+                </a:solidFill>
+              </a:rPr>
+              <a:t>迴圈的流程圖</a:t>
+            </a:r>
+            <a:endParaRPr lang="zh-TW" altLang="en-US" b="1" dirty="0">
+              <a:solidFill>
+                <a:srgbClr val="FF0000"/>
+              </a:solidFill>
+            </a:endParaRPr>
+          </a:p>
+        </p:txBody>
+      </p:sp>
+      <p:sp>
+        <p:nvSpPr>
+          <p:cNvPr id="15" name="直線圖說文字 1 14"/>
+          <p:cNvSpPr/>
+          <p:nvPr/>
+        </p:nvSpPr>
+        <p:spPr>
+          <a:xfrm>
+            <a:off x="5390459" y="6216431"/>
+            <a:ext cx="1691393" cy="440401"/>
+          </a:xfrm>
+          <a:prstGeom prst="borderCallout1">
+            <a:avLst>
+              <a:gd name="adj1" fmla="val -10318"/>
+              <a:gd name="adj2" fmla="val 23207"/>
+              <a:gd name="adj3" fmla="val -205172"/>
+              <a:gd name="adj4" fmla="val 3576"/>
+            </a:avLst>
+          </a:prstGeom>
+          <a:solidFill>
+            <a:schemeClr val="bg1"/>
+          </a:solidFill>
+        </p:spPr>
+        <p:style>
+          <a:lnRef idx="2">
+            <a:schemeClr val="accent1">
+              <a:shade val="50000"/>
+            </a:schemeClr>
+          </a:lnRef>
+          <a:fillRef idx="1">
+            <a:schemeClr val="accent1"/>
+          </a:fillRef>
+          <a:effectRef idx="0">
+            <a:schemeClr val="accent1"/>
+          </a:effectRef>
+          <a:fontRef idx="minor">
+            <a:schemeClr val="lt1"/>
+          </a:fontRef>
+        </p:style>
+        <p:txBody>
+          <a:bodyPr rtlCol="0" anchor="ctr"/>
+          <a:lstStyle/>
+          <a:p>
+            <a:pPr algn="ctr"/>
+            <a:r>
+              <a:rPr lang="en-US" altLang="zh-TW" sz="2000" dirty="0" err="1" smtClean="0">
+                <a:solidFill>
+                  <a:schemeClr val="tx1"/>
+                </a:solidFill>
+              </a:rPr>
+              <a:t>i</a:t>
+            </a:r>
+            <a:r>
+              <a:rPr lang="en-US" altLang="zh-TW" sz="2000" dirty="0" smtClean="0">
+                <a:solidFill>
+                  <a:schemeClr val="tx1"/>
+                </a:solidFill>
+              </a:rPr>
+              <a:t>=i+1</a:t>
+            </a:r>
+            <a:r>
+              <a:rPr lang="zh-TW" altLang="en-US" sz="2000" dirty="0" smtClean="0">
+                <a:solidFill>
+                  <a:schemeClr val="tx1"/>
+                </a:solidFill>
+              </a:rPr>
+              <a:t>的意思</a:t>
+            </a:r>
+            <a:endParaRPr lang="zh-TW" altLang="en-US" sz="2000" dirty="0">
+              <a:solidFill>
+                <a:schemeClr val="tx1"/>
+              </a:solidFill>
+            </a:endParaRPr>
+          </a:p>
+        </p:txBody>
+      </p:sp>
+    </p:spTree>
+    <p:extLst>
+      <p:ext uri="{BB962C8B-B14F-4D97-AF65-F5344CB8AC3E}">
+        <p14:creationId xmlns:p14="http://schemas.microsoft.com/office/powerpoint/2010/main" val="3794166372"/>
+      </p:ext>
+    </p:extLst>
+  </p:cSld>
+  <p:clrMapOvr>
+    <a:masterClrMapping/>
+  </p:clrMapOvr>
+  <p:timing>
+    <p:tnLst>
+      <p:par>
+        <p:cTn id="1" dur="indefinite" restart="never" nodeType="tmRoot"/>
+      </p:par>
+    </p:tnLst>
+  </p:timing>
+</p:sld>
+</file>
+
+<file path=ppt/slides/slide40.xml><?xml version="1.0" encoding="utf-8"?>
 <p:sld xmlns:a="http://schemas.openxmlformats.org/drawingml/2006/main" xmlns:r="http://schemas.openxmlformats.org/officeDocument/2006/relationships" xmlns:p="http://schemas.openxmlformats.org/presentationml/2006/main">
   <p:cSld>
     <p:spTree>
@@ -30066,7 +32590,7 @@
 </p:sld>
 </file>
 
-<file path=ppt/slides/slide39.xml><?xml version="1.0" encoding="utf-8"?>
+<file path=ppt/slides/slide41.xml><?xml version="1.0" encoding="utf-8"?>
 <p:sld xmlns:a="http://schemas.openxmlformats.org/drawingml/2006/main" xmlns:r="http://schemas.openxmlformats.org/officeDocument/2006/relationships" xmlns:p="http://schemas.openxmlformats.org/presentationml/2006/main">
   <p:cSld>
     <p:spTree>
@@ -31339,1083 +33863,7 @@
 </p:sld>
 </file>
 
-<file path=ppt/slides/slide4.xml><?xml version="1.0" encoding="utf-8"?>
-<p:sld xmlns:a="http://schemas.openxmlformats.org/drawingml/2006/main" xmlns:r="http://schemas.openxmlformats.org/officeDocument/2006/relationships" xmlns:p="http://schemas.openxmlformats.org/presentationml/2006/main">
-  <p:cSld>
-    <p:spTree>
-      <p:nvGrpSpPr>
-        <p:cNvPr id="1" name=""/>
-        <p:cNvGrpSpPr/>
-        <p:nvPr/>
-      </p:nvGrpSpPr>
-      <p:grpSpPr>
-        <a:xfrm>
-          <a:off x="0" y="0"/>
-          <a:ext cx="0" cy="0"/>
-          <a:chOff x="0" y="0"/>
-          <a:chExt cx="0" cy="0"/>
-        </a:xfrm>
-      </p:grpSpPr>
-      <p:sp>
-        <p:nvSpPr>
-          <p:cNvPr id="24" name="弧形 23"/>
-          <p:cNvSpPr/>
-          <p:nvPr/>
-        </p:nvSpPr>
-        <p:spPr>
-          <a:xfrm>
-            <a:off x="9043149" y="3316241"/>
-            <a:ext cx="1123606" cy="799489"/>
-          </a:xfrm>
-          <a:prstGeom prst="arc">
-            <a:avLst>
-              <a:gd name="adj1" fmla="val 2541222"/>
-              <a:gd name="adj2" fmla="val 311641"/>
-            </a:avLst>
-          </a:prstGeom>
-          <a:ln w="203200">
-            <a:solidFill>
-              <a:srgbClr val="00FF00">
-                <a:alpha val="54902"/>
-              </a:srgbClr>
-            </a:solidFill>
-            <a:headEnd type="triangle"/>
-            <a:tailEnd type="none" w="lg" len="lg"/>
-          </a:ln>
-        </p:spPr>
-        <p:style>
-          <a:lnRef idx="1">
-            <a:schemeClr val="accent1"/>
-          </a:lnRef>
-          <a:fillRef idx="0">
-            <a:schemeClr val="accent1"/>
-          </a:fillRef>
-          <a:effectRef idx="0">
-            <a:schemeClr val="accent1"/>
-          </a:effectRef>
-          <a:fontRef idx="minor">
-            <a:schemeClr val="tx1"/>
-          </a:fontRef>
-        </p:style>
-        <p:txBody>
-          <a:bodyPr rtlCol="0" anchor="ctr"/>
-          <a:lstStyle/>
-          <a:p>
-            <a:pPr algn="ctr"/>
-            <a:endParaRPr lang="zh-TW" altLang="en-US"/>
-          </a:p>
-        </p:txBody>
-      </p:sp>
-      <p:sp>
-        <p:nvSpPr>
-          <p:cNvPr id="2" name="標題 1"/>
-          <p:cNvSpPr>
-            <a:spLocks noGrp="1"/>
-          </p:cNvSpPr>
-          <p:nvPr>
-            <p:ph type="title"/>
-          </p:nvPr>
-        </p:nvSpPr>
-        <p:spPr/>
-        <p:txBody>
-          <a:bodyPr/>
-          <a:lstStyle/>
-          <a:p>
-            <a:r>
-              <a:rPr lang="zh-TW" altLang="en-US" dirty="0" smtClean="0"/>
-              <a:t>最基本迴圈</a:t>
-            </a:r>
-            <a:r>
-              <a:rPr lang="en-US" altLang="zh-TW" dirty="0" smtClean="0"/>
-              <a:t/>
-            </a:r>
-            <a:br>
-              <a:rPr lang="en-US" altLang="zh-TW" dirty="0" smtClean="0"/>
-            </a:br>
-            <a:r>
-              <a:rPr lang="en-US" altLang="zh-TW" dirty="0" smtClean="0"/>
-              <a:t>for</a:t>
-            </a:r>
-            <a:r>
-              <a:rPr lang="zh-TW" altLang="en-US" dirty="0" smtClean="0"/>
-              <a:t>迴圈</a:t>
-            </a:r>
-            <a:endParaRPr lang="zh-TW" altLang="en-US" dirty="0"/>
-          </a:p>
-        </p:txBody>
-      </p:sp>
-      <p:sp>
-        <p:nvSpPr>
-          <p:cNvPr id="3" name="內容版面配置區 2"/>
-          <p:cNvSpPr>
-            <a:spLocks noGrp="1"/>
-          </p:cNvSpPr>
-          <p:nvPr>
-            <p:ph idx="1"/>
-          </p:nvPr>
-        </p:nvSpPr>
-        <p:spPr/>
-        <p:txBody>
-          <a:bodyPr/>
-          <a:lstStyle/>
-          <a:p>
-            <a:r>
-              <a:rPr lang="en-US" altLang="zh-TW" dirty="0" smtClean="0"/>
-              <a:t>for</a:t>
-            </a:r>
-            <a:r>
-              <a:rPr lang="zh-TW" altLang="en-US" dirty="0" smtClean="0"/>
-              <a:t>迴圈語法：</a:t>
-            </a:r>
-            <a:endParaRPr lang="en-US" altLang="zh-TW" dirty="0" smtClean="0"/>
-          </a:p>
-          <a:p>
-            <a:endParaRPr lang="en-US" altLang="zh-TW" dirty="0"/>
-          </a:p>
-          <a:p>
-            <a:endParaRPr lang="en-US" altLang="zh-TW" dirty="0" smtClean="0"/>
-          </a:p>
-          <a:p>
-            <a:r>
-              <a:rPr lang="zh-TW" altLang="en-US" dirty="0"/>
-              <a:t>流程圖如右圖</a:t>
-            </a:r>
-            <a:r>
-              <a:rPr lang="zh-TW" altLang="en-US" dirty="0" smtClean="0"/>
-              <a:t>。</a:t>
-            </a:r>
-            <a:endParaRPr lang="en-US" altLang="zh-TW" dirty="0" smtClean="0"/>
-          </a:p>
-          <a:p>
-            <a:pPr lvl="1"/>
-            <a:r>
-              <a:rPr lang="zh-TW" altLang="en-US" dirty="0"/>
-              <a:t>初始設定：設定變數的初始</a:t>
-            </a:r>
-            <a:r>
-              <a:rPr lang="zh-TW" altLang="en-US" dirty="0" smtClean="0"/>
-              <a:t>值</a:t>
-            </a:r>
-            <a:endParaRPr lang="en-US" altLang="zh-TW" dirty="0" smtClean="0"/>
-          </a:p>
-          <a:p>
-            <a:pPr lvl="1"/>
-            <a:r>
-              <a:rPr lang="zh-TW" altLang="en-US" dirty="0"/>
-              <a:t>執行條件</a:t>
-            </a:r>
-            <a:r>
-              <a:rPr lang="zh-TW" altLang="en-US" dirty="0" smtClean="0"/>
-              <a:t>：條件成立進入執行，否則結束迴圈。</a:t>
-            </a:r>
-            <a:endParaRPr lang="en-US" altLang="zh-TW" dirty="0" smtClean="0"/>
-          </a:p>
-          <a:p>
-            <a:pPr lvl="1"/>
-            <a:r>
-              <a:rPr lang="zh-TW" altLang="en-US" dirty="0"/>
-              <a:t>每次都要做</a:t>
-            </a:r>
-            <a:r>
-              <a:rPr lang="zh-TW" altLang="en-US" dirty="0" smtClean="0"/>
-              <a:t>：常用於設定變數增減量</a:t>
-            </a:r>
-            <a:endParaRPr lang="en-US" altLang="zh-TW" dirty="0" smtClean="0"/>
-          </a:p>
-          <a:p>
-            <a:r>
-              <a:rPr lang="zh-TW" altLang="en-US" dirty="0" smtClean="0"/>
-              <a:t>範例：</a:t>
-            </a:r>
-            <a:endParaRPr lang="zh-TW" altLang="en-US" dirty="0"/>
-          </a:p>
-        </p:txBody>
-      </p:sp>
-      <p:pic>
-        <p:nvPicPr>
-          <p:cNvPr id="4" name="圖片 3"/>
-          <p:cNvPicPr>
-            <a:picLocks noChangeAspect="1"/>
-          </p:cNvPicPr>
-          <p:nvPr/>
-        </p:nvPicPr>
-        <p:blipFill>
-          <a:blip r:embed="rId2"/>
-          <a:stretch>
-            <a:fillRect/>
-          </a:stretch>
-        </p:blipFill>
-        <p:spPr>
-          <a:xfrm>
-            <a:off x="2550795" y="2265997"/>
-            <a:ext cx="4202299" cy="888683"/>
-          </a:xfrm>
-          <a:prstGeom prst="rect">
-            <a:avLst/>
-          </a:prstGeom>
-        </p:spPr>
-      </p:pic>
-      <p:sp>
-        <p:nvSpPr>
-          <p:cNvPr id="5" name="圓角矩形 4"/>
-          <p:cNvSpPr/>
-          <p:nvPr/>
-        </p:nvSpPr>
-        <p:spPr>
-          <a:xfrm>
-            <a:off x="7495147" y="1147258"/>
-            <a:ext cx="1143000" cy="392176"/>
-          </a:xfrm>
-          <a:prstGeom prst="roundRect">
-            <a:avLst>
-              <a:gd name="adj" fmla="val 50000"/>
-            </a:avLst>
-          </a:prstGeom>
-          <a:solidFill>
-            <a:schemeClr val="bg1"/>
-          </a:solidFill>
-          <a:ln>
-            <a:solidFill>
-              <a:schemeClr val="tx1"/>
-            </a:solidFill>
-          </a:ln>
-        </p:spPr>
-        <p:style>
-          <a:lnRef idx="2">
-            <a:schemeClr val="accent1">
-              <a:shade val="50000"/>
-            </a:schemeClr>
-          </a:lnRef>
-          <a:fillRef idx="1">
-            <a:schemeClr val="accent1"/>
-          </a:fillRef>
-          <a:effectRef idx="0">
-            <a:schemeClr val="accent1"/>
-          </a:effectRef>
-          <a:fontRef idx="minor">
-            <a:schemeClr val="lt1"/>
-          </a:fontRef>
-        </p:style>
-        <p:txBody>
-          <a:bodyPr rtlCol="0" anchor="ctr"/>
-          <a:lstStyle/>
-          <a:p>
-            <a:pPr algn="ctr"/>
-            <a:r>
-              <a:rPr lang="zh-TW" altLang="en-US" dirty="0" smtClean="0">
-                <a:solidFill>
-                  <a:schemeClr val="tx1"/>
-                </a:solidFill>
-              </a:rPr>
-              <a:t>開始</a:t>
-            </a:r>
-            <a:endParaRPr lang="zh-TW" altLang="en-US" dirty="0">
-              <a:solidFill>
-                <a:schemeClr val="tx1"/>
-              </a:solidFill>
-            </a:endParaRPr>
-          </a:p>
-        </p:txBody>
-      </p:sp>
-      <p:cxnSp>
-        <p:nvCxnSpPr>
-          <p:cNvPr id="7" name="直線單箭頭接點 6"/>
-          <p:cNvCxnSpPr>
-            <a:stCxn id="5" idx="2"/>
-            <a:endCxn id="23" idx="0"/>
-          </p:cNvCxnSpPr>
-          <p:nvPr/>
-        </p:nvCxnSpPr>
-        <p:spPr>
-          <a:xfrm>
-            <a:off x="8066647" y="1539434"/>
-            <a:ext cx="1" cy="687278"/>
-          </a:xfrm>
-          <a:prstGeom prst="straightConnector1">
-            <a:avLst/>
-          </a:prstGeom>
-          <a:ln w="28575">
-            <a:solidFill>
-              <a:schemeClr val="tx1"/>
-            </a:solidFill>
-            <a:headEnd type="none" w="med" len="med"/>
-            <a:tailEnd type="triangle" w="med" len="med"/>
-          </a:ln>
-        </p:spPr>
-        <p:style>
-          <a:lnRef idx="1">
-            <a:schemeClr val="accent1"/>
-          </a:lnRef>
-          <a:fillRef idx="0">
-            <a:schemeClr val="accent1"/>
-          </a:fillRef>
-          <a:effectRef idx="0">
-            <a:schemeClr val="accent1"/>
-          </a:effectRef>
-          <a:fontRef idx="minor">
-            <a:schemeClr val="tx1"/>
-          </a:fontRef>
-        </p:style>
-      </p:cxnSp>
-      <p:cxnSp>
-        <p:nvCxnSpPr>
-          <p:cNvPr id="8" name="直線單箭頭接點 7"/>
-          <p:cNvCxnSpPr>
-            <a:stCxn id="11" idx="2"/>
-            <a:endCxn id="10" idx="0"/>
-          </p:cNvCxnSpPr>
-          <p:nvPr/>
-        </p:nvCxnSpPr>
-        <p:spPr>
-          <a:xfrm>
-            <a:off x="8066647" y="4399034"/>
-            <a:ext cx="0" cy="690496"/>
-          </a:xfrm>
-          <a:prstGeom prst="straightConnector1">
-            <a:avLst/>
-          </a:prstGeom>
-          <a:ln w="28575">
-            <a:solidFill>
-              <a:schemeClr val="tx1"/>
-            </a:solidFill>
-            <a:headEnd type="none" w="med" len="med"/>
-            <a:tailEnd type="triangle" w="med" len="med"/>
-          </a:ln>
-        </p:spPr>
-        <p:style>
-          <a:lnRef idx="1">
-            <a:schemeClr val="accent1"/>
-          </a:lnRef>
-          <a:fillRef idx="0">
-            <a:schemeClr val="accent1"/>
-          </a:fillRef>
-          <a:effectRef idx="0">
-            <a:schemeClr val="accent1"/>
-          </a:effectRef>
-          <a:fontRef idx="minor">
-            <a:schemeClr val="tx1"/>
-          </a:fontRef>
-        </p:style>
-      </p:cxnSp>
-      <p:sp>
-        <p:nvSpPr>
-          <p:cNvPr id="10" name="圓角矩形 9"/>
-          <p:cNvSpPr/>
-          <p:nvPr/>
-        </p:nvSpPr>
-        <p:spPr>
-          <a:xfrm>
-            <a:off x="7495147" y="5089530"/>
-            <a:ext cx="1143000" cy="392176"/>
-          </a:xfrm>
-          <a:prstGeom prst="roundRect">
-            <a:avLst>
-              <a:gd name="adj" fmla="val 50000"/>
-            </a:avLst>
-          </a:prstGeom>
-          <a:solidFill>
-            <a:schemeClr val="bg1"/>
-          </a:solidFill>
-          <a:ln>
-            <a:solidFill>
-              <a:schemeClr val="tx1"/>
-            </a:solidFill>
-          </a:ln>
-        </p:spPr>
-        <p:style>
-          <a:lnRef idx="2">
-            <a:schemeClr val="accent1">
-              <a:shade val="50000"/>
-            </a:schemeClr>
-          </a:lnRef>
-          <a:fillRef idx="1">
-            <a:schemeClr val="accent1"/>
-          </a:fillRef>
-          <a:effectRef idx="0">
-            <a:schemeClr val="accent1"/>
-          </a:effectRef>
-          <a:fontRef idx="minor">
-            <a:schemeClr val="lt1"/>
-          </a:fontRef>
-        </p:style>
-        <p:txBody>
-          <a:bodyPr rtlCol="0" anchor="ctr"/>
-          <a:lstStyle/>
-          <a:p>
-            <a:pPr algn="ctr"/>
-            <a:r>
-              <a:rPr lang="zh-TW" altLang="en-US" dirty="0">
-                <a:solidFill>
-                  <a:schemeClr val="tx1"/>
-                </a:solidFill>
-              </a:rPr>
-              <a:t>結束</a:t>
-            </a:r>
-          </a:p>
-        </p:txBody>
-      </p:sp>
-      <p:sp>
-        <p:nvSpPr>
-          <p:cNvPr id="11" name="菱形 10"/>
-          <p:cNvSpPr/>
-          <p:nvPr/>
-        </p:nvSpPr>
-        <p:spPr>
-          <a:xfrm>
-            <a:off x="6850495" y="3535068"/>
-            <a:ext cx="2432304" cy="863966"/>
-          </a:xfrm>
-          <a:prstGeom prst="diamond">
-            <a:avLst/>
-          </a:prstGeom>
-          <a:solidFill>
-            <a:schemeClr val="bg1"/>
-          </a:solidFill>
-          <a:ln w="38100">
-            <a:solidFill>
-              <a:srgbClr val="FF0000"/>
-            </a:solidFill>
-          </a:ln>
-        </p:spPr>
-        <p:style>
-          <a:lnRef idx="2">
-            <a:schemeClr val="accent1">
-              <a:shade val="50000"/>
-            </a:schemeClr>
-          </a:lnRef>
-          <a:fillRef idx="1">
-            <a:schemeClr val="accent1"/>
-          </a:fillRef>
-          <a:effectRef idx="0">
-            <a:schemeClr val="accent1"/>
-          </a:effectRef>
-          <a:fontRef idx="minor">
-            <a:schemeClr val="lt1"/>
-          </a:fontRef>
-        </p:style>
-        <p:txBody>
-          <a:bodyPr rtlCol="0" anchor="ctr"/>
-          <a:lstStyle/>
-          <a:p>
-            <a:pPr algn="ctr"/>
-            <a:r>
-              <a:rPr lang="zh-TW" altLang="en-US" dirty="0" smtClean="0">
-                <a:solidFill>
-                  <a:schemeClr val="tx1"/>
-                </a:solidFill>
-              </a:rPr>
-              <a:t>執行條件</a:t>
-            </a:r>
-            <a:endParaRPr lang="zh-TW" altLang="en-US" dirty="0">
-              <a:solidFill>
-                <a:schemeClr val="tx1"/>
-              </a:solidFill>
-            </a:endParaRPr>
-          </a:p>
-        </p:txBody>
-      </p:sp>
-      <p:cxnSp>
-        <p:nvCxnSpPr>
-          <p:cNvPr id="12" name="肘形接點 11"/>
-          <p:cNvCxnSpPr>
-            <a:stCxn id="18" idx="0"/>
-            <a:endCxn id="42" idx="3"/>
-          </p:cNvCxnSpPr>
-          <p:nvPr/>
-        </p:nvCxnSpPr>
-        <p:spPr>
-          <a:xfrm rot="16200000" flipV="1">
-            <a:off x="10247293" y="3050745"/>
-            <a:ext cx="564607" cy="509247"/>
-          </a:xfrm>
-          <a:prstGeom prst="bentConnector2">
-            <a:avLst/>
-          </a:prstGeom>
-          <a:ln w="28575">
-            <a:solidFill>
-              <a:schemeClr val="tx1"/>
-            </a:solidFill>
-            <a:tailEnd type="triangle"/>
-          </a:ln>
-        </p:spPr>
-        <p:style>
-          <a:lnRef idx="1">
-            <a:schemeClr val="accent1"/>
-          </a:lnRef>
-          <a:fillRef idx="0">
-            <a:schemeClr val="accent1"/>
-          </a:fillRef>
-          <a:effectRef idx="0">
-            <a:schemeClr val="accent1"/>
-          </a:effectRef>
-          <a:fontRef idx="minor">
-            <a:schemeClr val="tx1"/>
-          </a:fontRef>
-        </p:style>
-      </p:cxnSp>
-      <p:sp>
-        <p:nvSpPr>
-          <p:cNvPr id="13" name="文字方塊 12"/>
-          <p:cNvSpPr txBox="1"/>
-          <p:nvPr/>
-        </p:nvSpPr>
-        <p:spPr>
-          <a:xfrm>
-            <a:off x="9079046" y="3597719"/>
-            <a:ext cx="636969" cy="369332"/>
-          </a:xfrm>
-          <a:prstGeom prst="rect">
-            <a:avLst/>
-          </a:prstGeom>
-          <a:noFill/>
-        </p:spPr>
-        <p:txBody>
-          <a:bodyPr wrap="none" rtlCol="0">
-            <a:spAutoFit/>
-          </a:bodyPr>
-          <a:lstStyle/>
-          <a:p>
-            <a:r>
-              <a:rPr lang="en-US" altLang="zh-TW" dirty="0" smtClean="0"/>
-              <a:t>True</a:t>
-            </a:r>
-            <a:endParaRPr lang="zh-TW" altLang="en-US" dirty="0"/>
-          </a:p>
-        </p:txBody>
-      </p:sp>
-      <p:sp>
-        <p:nvSpPr>
-          <p:cNvPr id="14" name="文字方塊 13"/>
-          <p:cNvSpPr txBox="1"/>
-          <p:nvPr/>
-        </p:nvSpPr>
-        <p:spPr>
-          <a:xfrm>
-            <a:off x="8024515" y="4462779"/>
-            <a:ext cx="715260" cy="369332"/>
-          </a:xfrm>
-          <a:prstGeom prst="rect">
-            <a:avLst/>
-          </a:prstGeom>
-          <a:noFill/>
-        </p:spPr>
-        <p:txBody>
-          <a:bodyPr wrap="none" rtlCol="0">
-            <a:spAutoFit/>
-          </a:bodyPr>
-          <a:lstStyle/>
-          <a:p>
-            <a:r>
-              <a:rPr lang="en-US" altLang="zh-TW" dirty="0" smtClean="0"/>
-              <a:t>False</a:t>
-            </a:r>
-            <a:endParaRPr lang="zh-TW" altLang="en-US" dirty="0"/>
-          </a:p>
-        </p:txBody>
-      </p:sp>
-      <p:sp>
-        <p:nvSpPr>
-          <p:cNvPr id="18" name="矩形 17"/>
-          <p:cNvSpPr/>
-          <p:nvPr/>
-        </p:nvSpPr>
-        <p:spPr>
-          <a:xfrm>
-            <a:off x="10065885" y="3587672"/>
-            <a:ext cx="1436668" cy="758758"/>
-          </a:xfrm>
-          <a:prstGeom prst="rect">
-            <a:avLst/>
-          </a:prstGeom>
-          <a:solidFill>
-            <a:schemeClr val="bg1"/>
-          </a:solidFill>
-          <a:ln w="38100">
-            <a:solidFill>
-              <a:srgbClr val="0070C0"/>
-            </a:solidFill>
-          </a:ln>
-        </p:spPr>
-        <p:style>
-          <a:lnRef idx="2">
-            <a:schemeClr val="accent1">
-              <a:shade val="50000"/>
-            </a:schemeClr>
-          </a:lnRef>
-          <a:fillRef idx="1">
-            <a:schemeClr val="accent1"/>
-          </a:fillRef>
-          <a:effectRef idx="0">
-            <a:schemeClr val="accent1"/>
-          </a:effectRef>
-          <a:fontRef idx="minor">
-            <a:schemeClr val="lt1"/>
-          </a:fontRef>
-        </p:style>
-        <p:txBody>
-          <a:bodyPr rtlCol="0" anchor="ctr"/>
-          <a:lstStyle/>
-          <a:p>
-            <a:pPr algn="ctr"/>
-            <a:r>
-              <a:rPr lang="zh-TW" altLang="en-US" b="1" dirty="0" smtClean="0">
-                <a:solidFill>
-                  <a:schemeClr val="tx1"/>
-                </a:solidFill>
-              </a:rPr>
-              <a:t>被重複執行的工作</a:t>
-            </a:r>
-            <a:endParaRPr lang="zh-TW" altLang="en-US" b="1" dirty="0">
-              <a:solidFill>
-                <a:schemeClr val="tx1"/>
-              </a:solidFill>
-            </a:endParaRPr>
-          </a:p>
-        </p:txBody>
-      </p:sp>
-      <p:cxnSp>
-        <p:nvCxnSpPr>
-          <p:cNvPr id="19" name="直線單箭頭接點 18"/>
-          <p:cNvCxnSpPr>
-            <a:stCxn id="11" idx="3"/>
-            <a:endCxn id="18" idx="1"/>
-          </p:cNvCxnSpPr>
-          <p:nvPr/>
-        </p:nvCxnSpPr>
-        <p:spPr>
-          <a:xfrm>
-            <a:off x="9282799" y="3967051"/>
-            <a:ext cx="783086" cy="0"/>
-          </a:xfrm>
-          <a:prstGeom prst="straightConnector1">
-            <a:avLst/>
-          </a:prstGeom>
-          <a:ln w="28575">
-            <a:solidFill>
-              <a:schemeClr val="tx1"/>
-            </a:solidFill>
-            <a:headEnd type="none" w="med" len="med"/>
-            <a:tailEnd type="triangle" w="med" len="med"/>
-          </a:ln>
-        </p:spPr>
-        <p:style>
-          <a:lnRef idx="1">
-            <a:schemeClr val="accent1"/>
-          </a:lnRef>
-          <a:fillRef idx="0">
-            <a:schemeClr val="accent1"/>
-          </a:fillRef>
-          <a:effectRef idx="0">
-            <a:schemeClr val="accent1"/>
-          </a:effectRef>
-          <a:fontRef idx="minor">
-            <a:schemeClr val="tx1"/>
-          </a:fontRef>
-        </p:style>
-      </p:cxnSp>
-      <p:sp>
-        <p:nvSpPr>
-          <p:cNvPr id="23" name="矩形 22"/>
-          <p:cNvSpPr/>
-          <p:nvPr/>
-        </p:nvSpPr>
-        <p:spPr>
-          <a:xfrm>
-            <a:off x="7422342" y="2226712"/>
-            <a:ext cx="1288611" cy="446216"/>
-          </a:xfrm>
-          <a:prstGeom prst="rect">
-            <a:avLst/>
-          </a:prstGeom>
-          <a:solidFill>
-            <a:schemeClr val="bg1"/>
-          </a:solidFill>
-          <a:ln w="38100">
-            <a:solidFill>
-              <a:srgbClr val="FF0000"/>
-            </a:solidFill>
-          </a:ln>
-        </p:spPr>
-        <p:style>
-          <a:lnRef idx="2">
-            <a:schemeClr val="accent1">
-              <a:shade val="50000"/>
-            </a:schemeClr>
-          </a:lnRef>
-          <a:fillRef idx="1">
-            <a:schemeClr val="accent1"/>
-          </a:fillRef>
-          <a:effectRef idx="0">
-            <a:schemeClr val="accent1"/>
-          </a:effectRef>
-          <a:fontRef idx="minor">
-            <a:schemeClr val="lt1"/>
-          </a:fontRef>
-        </p:style>
-        <p:txBody>
-          <a:bodyPr rtlCol="0" anchor="ctr"/>
-          <a:lstStyle/>
-          <a:p>
-            <a:pPr algn="ctr"/>
-            <a:r>
-              <a:rPr lang="zh-TW" altLang="en-US" dirty="0" smtClean="0">
-                <a:solidFill>
-                  <a:schemeClr val="tx1"/>
-                </a:solidFill>
-              </a:rPr>
-              <a:t>初始設定</a:t>
-            </a:r>
-            <a:endParaRPr lang="zh-TW" altLang="en-US" dirty="0">
-              <a:solidFill>
-                <a:schemeClr val="tx1"/>
-              </a:solidFill>
-            </a:endParaRPr>
-          </a:p>
-        </p:txBody>
-      </p:sp>
-      <p:cxnSp>
-        <p:nvCxnSpPr>
-          <p:cNvPr id="30" name="直線單箭頭接點 29"/>
-          <p:cNvCxnSpPr>
-            <a:stCxn id="23" idx="2"/>
-            <a:endCxn id="11" idx="0"/>
-          </p:cNvCxnSpPr>
-          <p:nvPr/>
-        </p:nvCxnSpPr>
-        <p:spPr>
-          <a:xfrm flipH="1">
-            <a:off x="8066647" y="2672928"/>
-            <a:ext cx="1" cy="862140"/>
-          </a:xfrm>
-          <a:prstGeom prst="straightConnector1">
-            <a:avLst/>
-          </a:prstGeom>
-          <a:ln w="28575">
-            <a:solidFill>
-              <a:schemeClr val="tx1"/>
-            </a:solidFill>
-            <a:headEnd type="none" w="med" len="med"/>
-            <a:tailEnd type="triangle" w="med" len="med"/>
-          </a:ln>
-        </p:spPr>
-        <p:style>
-          <a:lnRef idx="1">
-            <a:schemeClr val="accent1"/>
-          </a:lnRef>
-          <a:fillRef idx="0">
-            <a:schemeClr val="accent1"/>
-          </a:fillRef>
-          <a:effectRef idx="0">
-            <a:schemeClr val="accent1"/>
-          </a:effectRef>
-          <a:fontRef idx="minor">
-            <a:schemeClr val="tx1"/>
-          </a:fontRef>
-        </p:style>
-      </p:cxnSp>
-      <p:cxnSp>
-        <p:nvCxnSpPr>
-          <p:cNvPr id="39" name="直線單箭頭接點 38"/>
-          <p:cNvCxnSpPr/>
-          <p:nvPr/>
-        </p:nvCxnSpPr>
-        <p:spPr>
-          <a:xfrm>
-            <a:off x="8057850" y="1532412"/>
-            <a:ext cx="8798" cy="694300"/>
-          </a:xfrm>
-          <a:prstGeom prst="straightConnector1">
-            <a:avLst/>
-          </a:prstGeom>
-          <a:ln w="28575">
-            <a:solidFill>
-              <a:schemeClr val="tx1"/>
-            </a:solidFill>
-            <a:headEnd type="none" w="med" len="med"/>
-            <a:tailEnd type="triangle" w="med" len="med"/>
-          </a:ln>
-        </p:spPr>
-        <p:style>
-          <a:lnRef idx="1">
-            <a:schemeClr val="accent1"/>
-          </a:lnRef>
-          <a:fillRef idx="0">
-            <a:schemeClr val="accent1"/>
-          </a:fillRef>
-          <a:effectRef idx="0">
-            <a:schemeClr val="accent1"/>
-          </a:effectRef>
-          <a:fontRef idx="minor">
-            <a:schemeClr val="tx1"/>
-          </a:fontRef>
-        </p:style>
-      </p:cxnSp>
-      <p:sp>
-        <p:nvSpPr>
-          <p:cNvPr id="42" name="矩形 41"/>
-          <p:cNvSpPr/>
-          <p:nvPr/>
-        </p:nvSpPr>
-        <p:spPr>
-          <a:xfrm>
-            <a:off x="8942280" y="2761777"/>
-            <a:ext cx="1332692" cy="522576"/>
-          </a:xfrm>
-          <a:prstGeom prst="rect">
-            <a:avLst/>
-          </a:prstGeom>
-          <a:solidFill>
-            <a:schemeClr val="bg1"/>
-          </a:solidFill>
-          <a:ln w="38100">
-            <a:solidFill>
-              <a:srgbClr val="FF0000"/>
-            </a:solidFill>
-          </a:ln>
-        </p:spPr>
-        <p:style>
-          <a:lnRef idx="2">
-            <a:schemeClr val="accent1">
-              <a:shade val="50000"/>
-            </a:schemeClr>
-          </a:lnRef>
-          <a:fillRef idx="1">
-            <a:schemeClr val="accent1"/>
-          </a:fillRef>
-          <a:effectRef idx="0">
-            <a:schemeClr val="accent1"/>
-          </a:effectRef>
-          <a:fontRef idx="minor">
-            <a:schemeClr val="lt1"/>
-          </a:fontRef>
-        </p:style>
-        <p:txBody>
-          <a:bodyPr rtlCol="0" anchor="ctr"/>
-          <a:lstStyle/>
-          <a:p>
-            <a:pPr algn="ctr"/>
-            <a:r>
-              <a:rPr lang="zh-TW" altLang="en-US" dirty="0" smtClean="0">
-                <a:solidFill>
-                  <a:schemeClr val="tx1"/>
-                </a:solidFill>
-              </a:rPr>
-              <a:t>每次都要做</a:t>
-            </a:r>
-            <a:endParaRPr lang="zh-TW" altLang="en-US" dirty="0">
-              <a:solidFill>
-                <a:schemeClr val="tx1"/>
-              </a:solidFill>
-            </a:endParaRPr>
-          </a:p>
-        </p:txBody>
-      </p:sp>
-      <p:cxnSp>
-        <p:nvCxnSpPr>
-          <p:cNvPr id="45" name="直線單箭頭接點 44"/>
-          <p:cNvCxnSpPr>
-            <a:stCxn id="42" idx="1"/>
-          </p:cNvCxnSpPr>
-          <p:nvPr/>
-        </p:nvCxnSpPr>
-        <p:spPr>
-          <a:xfrm flipH="1">
-            <a:off x="8066647" y="3023065"/>
-            <a:ext cx="875633" cy="0"/>
-          </a:xfrm>
-          <a:prstGeom prst="straightConnector1">
-            <a:avLst/>
-          </a:prstGeom>
-          <a:ln w="28575">
-            <a:solidFill>
-              <a:schemeClr val="tx1"/>
-            </a:solidFill>
-            <a:headEnd type="none" w="med" len="med"/>
-            <a:tailEnd type="triangle" w="med" len="med"/>
-          </a:ln>
-        </p:spPr>
-        <p:style>
-          <a:lnRef idx="1">
-            <a:schemeClr val="accent1"/>
-          </a:lnRef>
-          <a:fillRef idx="0">
-            <a:schemeClr val="accent1"/>
-          </a:fillRef>
-          <a:effectRef idx="0">
-            <a:schemeClr val="accent1"/>
-          </a:effectRef>
-          <a:fontRef idx="minor">
-            <a:schemeClr val="tx1"/>
-          </a:fontRef>
-        </p:style>
-      </p:cxnSp>
-      <p:pic>
-        <p:nvPicPr>
-          <p:cNvPr id="61" name="圖片 60"/>
-          <p:cNvPicPr>
-            <a:picLocks noChangeAspect="1"/>
-          </p:cNvPicPr>
-          <p:nvPr/>
-        </p:nvPicPr>
-        <p:blipFill>
-          <a:blip r:embed="rId3"/>
-          <a:stretch>
-            <a:fillRect/>
-          </a:stretch>
-        </p:blipFill>
-        <p:spPr>
-          <a:xfrm>
-            <a:off x="1927007" y="4972212"/>
-            <a:ext cx="4426751" cy="1018988"/>
-          </a:xfrm>
-          <a:prstGeom prst="rect">
-            <a:avLst/>
-          </a:prstGeom>
-        </p:spPr>
-      </p:pic>
-      <p:sp>
-        <p:nvSpPr>
-          <p:cNvPr id="21" name="文字方塊 20"/>
-          <p:cNvSpPr txBox="1"/>
-          <p:nvPr/>
-        </p:nvSpPr>
-        <p:spPr>
-          <a:xfrm>
-            <a:off x="7236003" y="5847099"/>
-            <a:ext cx="1883849" cy="369332"/>
-          </a:xfrm>
-          <a:prstGeom prst="rect">
-            <a:avLst/>
-          </a:prstGeom>
-          <a:noFill/>
-        </p:spPr>
-        <p:txBody>
-          <a:bodyPr wrap="none" rtlCol="0">
-            <a:spAutoFit/>
-          </a:bodyPr>
-          <a:lstStyle/>
-          <a:p>
-            <a:r>
-              <a:rPr lang="en-US" altLang="zh-TW" b="1" dirty="0" smtClean="0">
-                <a:solidFill>
-                  <a:srgbClr val="FF0000"/>
-                </a:solidFill>
-              </a:rPr>
-              <a:t>for</a:t>
-            </a:r>
-            <a:r>
-              <a:rPr lang="zh-TW" altLang="en-US" b="1" dirty="0" smtClean="0">
-                <a:solidFill>
-                  <a:srgbClr val="FF0000"/>
-                </a:solidFill>
-              </a:rPr>
-              <a:t>迴圈的流程圖</a:t>
-            </a:r>
-            <a:endParaRPr lang="zh-TW" altLang="en-US" b="1" dirty="0">
-              <a:solidFill>
-                <a:srgbClr val="FF0000"/>
-              </a:solidFill>
-            </a:endParaRPr>
-          </a:p>
-        </p:txBody>
-      </p:sp>
-      <p:sp>
-        <p:nvSpPr>
-          <p:cNvPr id="15" name="直線圖說文字 1 14"/>
-          <p:cNvSpPr/>
-          <p:nvPr/>
-        </p:nvSpPr>
-        <p:spPr>
-          <a:xfrm>
-            <a:off x="5390459" y="6216431"/>
-            <a:ext cx="1691393" cy="440401"/>
-          </a:xfrm>
-          <a:prstGeom prst="borderCallout1">
-            <a:avLst>
-              <a:gd name="adj1" fmla="val -10318"/>
-              <a:gd name="adj2" fmla="val 23207"/>
-              <a:gd name="adj3" fmla="val -205172"/>
-              <a:gd name="adj4" fmla="val 3576"/>
-            </a:avLst>
-          </a:prstGeom>
-          <a:solidFill>
-            <a:schemeClr val="bg1"/>
-          </a:solidFill>
-        </p:spPr>
-        <p:style>
-          <a:lnRef idx="2">
-            <a:schemeClr val="accent1">
-              <a:shade val="50000"/>
-            </a:schemeClr>
-          </a:lnRef>
-          <a:fillRef idx="1">
-            <a:schemeClr val="accent1"/>
-          </a:fillRef>
-          <a:effectRef idx="0">
-            <a:schemeClr val="accent1"/>
-          </a:effectRef>
-          <a:fontRef idx="minor">
-            <a:schemeClr val="lt1"/>
-          </a:fontRef>
-        </p:style>
-        <p:txBody>
-          <a:bodyPr rtlCol="0" anchor="ctr"/>
-          <a:lstStyle/>
-          <a:p>
-            <a:pPr algn="ctr"/>
-            <a:r>
-              <a:rPr lang="en-US" altLang="zh-TW" sz="2000" dirty="0" err="1" smtClean="0">
-                <a:solidFill>
-                  <a:schemeClr val="tx1"/>
-                </a:solidFill>
-              </a:rPr>
-              <a:t>i</a:t>
-            </a:r>
-            <a:r>
-              <a:rPr lang="en-US" altLang="zh-TW" sz="2000" dirty="0" smtClean="0">
-                <a:solidFill>
-                  <a:schemeClr val="tx1"/>
-                </a:solidFill>
-              </a:rPr>
-              <a:t>=i+1</a:t>
-            </a:r>
-            <a:r>
-              <a:rPr lang="zh-TW" altLang="en-US" sz="2000" dirty="0" smtClean="0">
-                <a:solidFill>
-                  <a:schemeClr val="tx1"/>
-                </a:solidFill>
-              </a:rPr>
-              <a:t>的意思</a:t>
-            </a:r>
-            <a:endParaRPr lang="zh-TW" altLang="en-US" sz="2000" dirty="0">
-              <a:solidFill>
-                <a:schemeClr val="tx1"/>
-              </a:solidFill>
-            </a:endParaRPr>
-          </a:p>
-        </p:txBody>
-      </p:sp>
-    </p:spTree>
-    <p:extLst>
-      <p:ext uri="{BB962C8B-B14F-4D97-AF65-F5344CB8AC3E}">
-        <p14:creationId xmlns:p14="http://schemas.microsoft.com/office/powerpoint/2010/main" val="3794166372"/>
-      </p:ext>
-    </p:extLst>
-  </p:cSld>
-  <p:clrMapOvr>
-    <a:masterClrMapping/>
-  </p:clrMapOvr>
-  <p:timing>
-    <p:tnLst>
-      <p:par>
-        <p:cTn id="1" dur="indefinite" restart="never" nodeType="tmRoot"/>
-      </p:par>
-    </p:tnLst>
-  </p:timing>
-</p:sld>
-</file>
-
-<file path=ppt/slides/slide40.xml><?xml version="1.0" encoding="utf-8"?>
+<file path=ppt/slides/slide42.xml><?xml version="1.0" encoding="utf-8"?>
 <p:sld xmlns:a="http://schemas.openxmlformats.org/drawingml/2006/main" xmlns:r="http://schemas.openxmlformats.org/officeDocument/2006/relationships" xmlns:p="http://schemas.openxmlformats.org/presentationml/2006/main">
   <p:cSld>
     <p:spTree>
@@ -41178,7 +42626,7 @@
         </p:nvSpPr>
         <p:spPr>
           <a:xfrm>
-            <a:off x="677334" y="2160589"/>
+            <a:off x="677334" y="2161997"/>
             <a:ext cx="5867502" cy="3880773"/>
           </a:xfrm>
         </p:spPr>

--- a/LCC/Java/05_迴圈大法.pptx
+++ b/LCC/Java/05_迴圈大法.pptx
@@ -252,7 +252,7 @@
           <a:p>
             <a:fld id="{39CFF1E8-60EE-4960-A0FD-341AC754B86B}" type="datetimeFigureOut">
               <a:rPr lang="zh-TW" altLang="en-US" smtClean="0"/>
-              <a:t>2022/7/26</a:t>
+              <a:t>2022/8/11</a:t>
             </a:fld>
             <a:endParaRPr lang="zh-TW" altLang="en-US"/>
           </a:p>
@@ -1058,7 +1058,7 @@
             <a:fld id="{B61BEF0D-F0BB-DE4B-95CE-6DB70DBA9567}" type="datetimeFigureOut">
               <a:rPr lang="en-US" dirty="0"/>
               <a:pPr/>
-              <a:t>7/26/2022</a:t>
+              <a:t>8/11/2022</a:t>
             </a:fld>
             <a:endParaRPr lang="en-US" dirty="0"/>
           </a:p>
@@ -1306,7 +1306,7 @@
             <a:fld id="{B61BEF0D-F0BB-DE4B-95CE-6DB70DBA9567}" type="datetimeFigureOut">
               <a:rPr lang="en-US" dirty="0"/>
               <a:pPr/>
-              <a:t>7/26/2022</a:t>
+              <a:t>8/11/2022</a:t>
             </a:fld>
             <a:endParaRPr lang="en-US" dirty="0"/>
           </a:p>
@@ -1617,7 +1617,7 @@
             <a:fld id="{B61BEF0D-F0BB-DE4B-95CE-6DB70DBA9567}" type="datetimeFigureOut">
               <a:rPr lang="en-US" dirty="0"/>
               <a:pPr/>
-              <a:t>7/26/2022</a:t>
+              <a:t>8/11/2022</a:t>
             </a:fld>
             <a:endParaRPr lang="en-US" dirty="0"/>
           </a:p>
@@ -1955,7 +1955,7 @@
             <a:fld id="{B61BEF0D-F0BB-DE4B-95CE-6DB70DBA9567}" type="datetimeFigureOut">
               <a:rPr lang="en-US" dirty="0"/>
               <a:pPr/>
-              <a:t>7/26/2022</a:t>
+              <a:t>8/11/2022</a:t>
             </a:fld>
             <a:endParaRPr lang="en-US" dirty="0"/>
           </a:p>
@@ -2266,7 +2266,7 @@
             <a:fld id="{B61BEF0D-F0BB-DE4B-95CE-6DB70DBA9567}" type="datetimeFigureOut">
               <a:rPr lang="en-US" dirty="0"/>
               <a:pPr/>
-              <a:t>7/26/2022</a:t>
+              <a:t>8/11/2022</a:t>
             </a:fld>
             <a:endParaRPr lang="en-US" dirty="0"/>
           </a:p>
@@ -2656,7 +2656,7 @@
             <a:fld id="{B61BEF0D-F0BB-DE4B-95CE-6DB70DBA9567}" type="datetimeFigureOut">
               <a:rPr lang="en-US" dirty="0"/>
               <a:pPr/>
-              <a:t>7/26/2022</a:t>
+              <a:t>8/11/2022</a:t>
             </a:fld>
             <a:endParaRPr lang="en-US" dirty="0"/>
           </a:p>
@@ -2822,7 +2822,7 @@
           <a:p>
             <a:fld id="{55C6B4A9-1611-4792-9094-5F34BCA07E0B}" type="datetimeFigureOut">
               <a:rPr lang="en-US" dirty="0"/>
-              <a:t>7/26/2022</a:t>
+              <a:t>8/11/2022</a:t>
             </a:fld>
             <a:endParaRPr lang="en-US" dirty="0"/>
           </a:p>
@@ -2998,7 +2998,7 @@
             <a:fld id="{B61BEF0D-F0BB-DE4B-95CE-6DB70DBA9567}" type="datetimeFigureOut">
               <a:rPr lang="en-US" dirty="0"/>
               <a:pPr/>
-              <a:t>7/26/2022</a:t>
+              <a:t>8/11/2022</a:t>
             </a:fld>
             <a:endParaRPr lang="en-US" dirty="0"/>
           </a:p>
@@ -3179,7 +3179,7 @@
             <a:fld id="{B61BEF0D-F0BB-DE4B-95CE-6DB70DBA9567}" type="datetimeFigureOut">
               <a:rPr lang="en-US" dirty="0"/>
               <a:pPr/>
-              <a:t>7/26/2022</a:t>
+              <a:t>8/11/2022</a:t>
             </a:fld>
             <a:endParaRPr lang="en-US" dirty="0"/>
           </a:p>
@@ -3423,7 +3423,7 @@
             <a:fld id="{B61BEF0D-F0BB-DE4B-95CE-6DB70DBA9567}" type="datetimeFigureOut">
               <a:rPr lang="en-US" dirty="0"/>
               <a:pPr/>
-              <a:t>7/26/2022</a:t>
+              <a:t>8/11/2022</a:t>
             </a:fld>
             <a:endParaRPr lang="en-US" dirty="0"/>
           </a:p>
@@ -3651,7 +3651,7 @@
           <a:p>
             <a:fld id="{EB712588-04B1-427B-82EE-E8DB90309F08}" type="datetimeFigureOut">
               <a:rPr lang="en-US" dirty="0"/>
-              <a:t>7/26/2022</a:t>
+              <a:t>8/11/2022</a:t>
             </a:fld>
             <a:endParaRPr lang="en-US" dirty="0"/>
           </a:p>
@@ -4021,7 +4021,7 @@
             <a:fld id="{B61BEF0D-F0BB-DE4B-95CE-6DB70DBA9567}" type="datetimeFigureOut">
               <a:rPr lang="en-US" dirty="0"/>
               <a:pPr/>
-              <a:t>7/26/2022</a:t>
+              <a:t>8/11/2022</a:t>
             </a:fld>
             <a:endParaRPr lang="en-US" dirty="0"/>
           </a:p>
@@ -4141,7 +4141,7 @@
             <a:fld id="{B61BEF0D-F0BB-DE4B-95CE-6DB70DBA9567}" type="datetimeFigureOut">
               <a:rPr lang="en-US" dirty="0"/>
               <a:pPr/>
-              <a:t>7/26/2022</a:t>
+              <a:t>8/11/2022</a:t>
             </a:fld>
             <a:endParaRPr lang="en-US" dirty="0"/>
           </a:p>
@@ -4233,7 +4233,7 @@
             <a:fld id="{B61BEF0D-F0BB-DE4B-95CE-6DB70DBA9567}" type="datetimeFigureOut">
               <a:rPr lang="en-US" dirty="0"/>
               <a:pPr/>
-              <a:t>7/26/2022</a:t>
+              <a:t>8/11/2022</a:t>
             </a:fld>
             <a:endParaRPr lang="en-US" dirty="0"/>
           </a:p>
@@ -4484,7 +4484,7 @@
           <a:p>
             <a:fld id="{42A54C80-263E-416B-A8E0-580EDEADCBDC}" type="datetimeFigureOut">
               <a:rPr lang="en-US" dirty="0"/>
-              <a:t>7/26/2022</a:t>
+              <a:t>8/11/2022</a:t>
             </a:fld>
             <a:endParaRPr lang="en-US" dirty="0"/>
           </a:p>
@@ -4743,7 +4743,7 @@
             <a:fld id="{B61BEF0D-F0BB-DE4B-95CE-6DB70DBA9567}" type="datetimeFigureOut">
               <a:rPr lang="en-US" dirty="0"/>
               <a:pPr/>
-              <a:t>7/26/2022</a:t>
+              <a:t>8/11/2022</a:t>
             </a:fld>
             <a:endParaRPr lang="en-US" dirty="0"/>
           </a:p>
@@ -5483,7 +5483,7 @@
             <a:fld id="{B61BEF0D-F0BB-DE4B-95CE-6DB70DBA9567}" type="datetimeFigureOut">
               <a:rPr lang="en-US" dirty="0"/>
               <a:pPr/>
-              <a:t>7/26/2022</a:t>
+              <a:t>8/11/2022</a:t>
             </a:fld>
             <a:endParaRPr lang="en-US" dirty="0"/>
           </a:p>
@@ -6215,7 +6215,7 @@
             <a:fld id="{4805910D-2C61-424F-80CE-807290CF0E1E}" type="datetime4">
               <a:rPr lang="zh-TW" altLang="zh-TW"/>
               <a:pPr/>
-              <a:t>111年7月26日星期二</a:t>
+              <a:t>111年8月11日星期四</a:t>
             </a:fld>
             <a:endParaRPr lang="zh-TW" altLang="en-US" dirty="0"/>
           </a:p>
@@ -19233,7 +19233,19 @@
           <a:bodyPr/>
           <a:lstStyle/>
           <a:p>
-            <a:endParaRPr lang="zh-TW" altLang="en-US"/>
+            <a:r>
+              <a:rPr lang="zh-TW" altLang="en-US" dirty="0"/>
+              <a:t>練習</a:t>
+            </a:r>
+            <a:r>
+              <a:rPr lang="zh-TW" altLang="en-US" dirty="0" smtClean="0"/>
+              <a:t>十 找質數   題目</a:t>
+            </a:r>
+            <a:r>
+              <a:rPr lang="zh-TW" altLang="en-US" dirty="0" smtClean="0"/>
+              <a:t>分析</a:t>
+            </a:r>
+            <a:endParaRPr lang="zh-TW" altLang="en-US" dirty="0"/>
           </a:p>
         </p:txBody>
       </p:sp>
@@ -19246,13 +19258,13 @@
           <p:nvPr>
             <p:extLst>
               <p:ext uri="{D42A27DB-BD31-4B8C-83A1-F6EECF244321}">
-                <p14:modId xmlns:p14="http://schemas.microsoft.com/office/powerpoint/2010/main" val="3606230442"/>
+                <p14:modId xmlns:p14="http://schemas.microsoft.com/office/powerpoint/2010/main" val="3385411931"/>
               </p:ext>
             </p:extLst>
           </p:nvPr>
         </p:nvGraphicFramePr>
         <p:xfrm>
-          <a:off x="498492" y="3316562"/>
+          <a:off x="516965" y="3067180"/>
           <a:ext cx="10135983" cy="1842708"/>
         </p:xfrm>
         <a:graphic>
@@ -20790,8 +20802,8 @@
         </p:nvSpPr>
         <p:spPr>
           <a:xfrm>
-            <a:off x="1611376" y="2382165"/>
-            <a:ext cx="575799" cy="369332"/>
+            <a:off x="604613" y="2263739"/>
+            <a:ext cx="4552849" cy="369332"/>
           </a:xfrm>
           <a:prstGeom prst="rect">
             <a:avLst/>
@@ -20805,8 +20817,124 @@
           <a:lstStyle/>
           <a:p>
             <a:r>
+              <a:rPr lang="zh-TW" altLang="en-US" dirty="0" smtClean="0"/>
+              <a:t>如果</a:t>
+            </a:r>
+            <a:r>
               <a:rPr lang="en-US" altLang="zh-TW" dirty="0" smtClean="0"/>
               <a:t>N=9</a:t>
+            </a:r>
+            <a:r>
+              <a:rPr lang="zh-TW" altLang="en-US" dirty="0" smtClean="0"/>
+              <a:t>，則利用迴圈 把 </a:t>
+            </a:r>
+            <a:r>
+              <a:rPr lang="en-US" altLang="zh-TW" dirty="0" err="1"/>
+              <a:t>i</a:t>
+            </a:r>
+            <a:r>
+              <a:rPr lang="en-US" altLang="zh-TW" dirty="0" smtClean="0"/>
+              <a:t> </a:t>
+            </a:r>
+            <a:r>
+              <a:rPr lang="zh-TW" altLang="en-US" dirty="0" smtClean="0"/>
+              <a:t>從</a:t>
+            </a:r>
+            <a:r>
+              <a:rPr lang="en-US" altLang="zh-TW" dirty="0" smtClean="0"/>
+              <a:t>2</a:t>
+            </a:r>
+            <a:r>
+              <a:rPr lang="zh-TW" altLang="en-US" dirty="0" smtClean="0"/>
+              <a:t>到</a:t>
+            </a:r>
+            <a:r>
+              <a:rPr lang="en-US" altLang="zh-TW" dirty="0" smtClean="0"/>
+              <a:t>9</a:t>
+            </a:r>
+            <a:r>
+              <a:rPr lang="zh-TW" altLang="en-US" dirty="0" smtClean="0"/>
+              <a:t>依序取出</a:t>
+            </a:r>
+            <a:endParaRPr lang="zh-TW" altLang="en-US" dirty="0"/>
+          </a:p>
+        </p:txBody>
+      </p:sp>
+      <p:sp>
+        <p:nvSpPr>
+          <p:cNvPr id="2" name="文字方塊 1"/>
+          <p:cNvSpPr txBox="1"/>
+          <p:nvPr/>
+        </p:nvSpPr>
+        <p:spPr>
+          <a:xfrm>
+            <a:off x="4322617" y="5401169"/>
+            <a:ext cx="3074881" cy="646331"/>
+          </a:xfrm>
+          <a:prstGeom prst="rect">
+            <a:avLst/>
+          </a:prstGeom>
+          <a:noFill/>
+        </p:spPr>
+        <p:txBody>
+          <a:bodyPr wrap="none" rtlCol="0">
+            <a:spAutoFit/>
+          </a:bodyPr>
+          <a:lstStyle/>
+          <a:p>
+            <a:r>
+              <a:rPr lang="en-US" altLang="zh-TW" dirty="0" smtClean="0"/>
+              <a:t>for(</a:t>
+            </a:r>
+            <a:r>
+              <a:rPr lang="en-US" altLang="zh-TW" dirty="0" err="1" smtClean="0"/>
+              <a:t>int</a:t>
+            </a:r>
+            <a:r>
+              <a:rPr lang="en-US" altLang="zh-TW" dirty="0" smtClean="0"/>
+              <a:t> </a:t>
+            </a:r>
+            <a:r>
+              <a:rPr lang="en-US" altLang="zh-TW" dirty="0" err="1" smtClean="0"/>
+              <a:t>i</a:t>
+            </a:r>
+            <a:r>
+              <a:rPr lang="en-US" altLang="zh-TW" dirty="0" smtClean="0"/>
+              <a:t> = 2; </a:t>
+            </a:r>
+            <a:r>
+              <a:rPr lang="en-US" altLang="zh-TW" dirty="0" err="1" smtClean="0"/>
+              <a:t>i</a:t>
+            </a:r>
+            <a:r>
+              <a:rPr lang="en-US" altLang="zh-TW" dirty="0" smtClean="0"/>
+              <a:t> &lt;=N; </a:t>
+            </a:r>
+            <a:r>
+              <a:rPr lang="en-US" altLang="zh-TW" dirty="0" err="1" smtClean="0"/>
+              <a:t>i</a:t>
+            </a:r>
+            <a:r>
+              <a:rPr lang="en-US" altLang="zh-TW" dirty="0" smtClean="0"/>
+              <a:t>++)</a:t>
+            </a:r>
+          </a:p>
+          <a:p>
+            <a:r>
+              <a:rPr lang="en-US" altLang="zh-TW" dirty="0"/>
+              <a:t>	</a:t>
+            </a:r>
+            <a:r>
+              <a:rPr lang="en-US" altLang="zh-TW" dirty="0" smtClean="0"/>
+              <a:t>for(</a:t>
+            </a:r>
+            <a:r>
+              <a:rPr lang="en-US" altLang="zh-TW" dirty="0" err="1" smtClean="0"/>
+              <a:t>int</a:t>
+            </a:r>
+            <a:r>
+              <a:rPr lang="en-US" altLang="zh-TW" dirty="0" smtClean="0"/>
+              <a:t> k = 2; k &lt; I; k++)</a:t>
             </a:r>
             <a:endParaRPr lang="zh-TW" altLang="en-US" dirty="0"/>
           </a:p>
@@ -26188,8 +26316,8 @@
         </p:nvSpPr>
         <p:spPr>
           <a:xfrm>
-            <a:off x="2822910" y="1423179"/>
-            <a:ext cx="1271016" cy="758758"/>
+            <a:off x="2073103" y="1423179"/>
+            <a:ext cx="2770632" cy="369479"/>
           </a:xfrm>
           <a:prstGeom prst="rect">
             <a:avLst/>
@@ -26260,7 +26388,7 @@
         <p:spPr>
           <a:xfrm>
             <a:off x="4843734" y="4978908"/>
-            <a:ext cx="1163874" cy="0"/>
+            <a:ext cx="1045853" cy="4110"/>
           </a:xfrm>
           <a:prstGeom prst="straightConnector1">
             <a:avLst/>
@@ -26300,7 +26428,7 @@
         <p:spPr>
           <a:xfrm>
             <a:off x="3458418" y="1145605"/>
-            <a:ext cx="0" cy="277574"/>
+            <a:ext cx="1" cy="277574"/>
           </a:xfrm>
           <a:prstGeom prst="straightConnector1">
             <a:avLst/>
@@ -26412,8 +26540,8 @@
         </p:nvSpPr>
         <p:spPr>
           <a:xfrm>
-            <a:off x="2822910" y="2496866"/>
-            <a:ext cx="1271016" cy="758758"/>
+            <a:off x="2073102" y="2847928"/>
+            <a:ext cx="2770632" cy="407695"/>
           </a:xfrm>
           <a:prstGeom prst="rect">
             <a:avLst/>
@@ -26537,14 +26665,14 @@
           <p:cNvPr id="13" name="直線單箭頭接點 12"/>
           <p:cNvCxnSpPr>
             <a:stCxn id="5" idx="2"/>
-            <a:endCxn id="11" idx="0"/>
+            <a:endCxn id="43" idx="0"/>
           </p:cNvCxnSpPr>
           <p:nvPr/>
         </p:nvCxnSpPr>
         <p:spPr>
-          <a:xfrm>
-            <a:off x="3458418" y="2181937"/>
-            <a:ext cx="0" cy="314929"/>
+          <a:xfrm flipH="1">
+            <a:off x="3458418" y="1792658"/>
+            <a:ext cx="1" cy="369479"/>
           </a:xfrm>
           <a:prstGeom prst="straightConnector1">
             <a:avLst/>
@@ -26583,8 +26711,8 @@
         </p:nvCxnSpPr>
         <p:spPr>
           <a:xfrm>
-            <a:off x="3458418" y="3255624"/>
-            <a:ext cx="2586" cy="243468"/>
+            <a:off x="3458418" y="3255623"/>
+            <a:ext cx="2586" cy="243469"/>
           </a:xfrm>
           <a:prstGeom prst="straightConnector1">
             <a:avLst/>
@@ -26728,8 +26856,8 @@
         </p:nvSpPr>
         <p:spPr>
           <a:xfrm>
-            <a:off x="6007608" y="4767689"/>
-            <a:ext cx="1409100" cy="422438"/>
+            <a:off x="5889587" y="4331854"/>
+            <a:ext cx="1730413" cy="1302327"/>
           </a:xfrm>
           <a:prstGeom prst="rect">
             <a:avLst/>
@@ -26788,6 +26916,27 @@
               </a:rPr>
               <a:t>猜中</a:t>
             </a:r>
+            <a:endParaRPr lang="en-US" altLang="zh-TW" dirty="0" smtClean="0">
+              <a:solidFill>
+                <a:schemeClr val="tx1"/>
+              </a:solidFill>
+            </a:endParaRPr>
+          </a:p>
+          <a:p>
+            <a:pPr algn="ctr"/>
+            <a:r>
+              <a:rPr lang="zh-TW" altLang="en-US" dirty="0">
+                <a:solidFill>
+                  <a:schemeClr val="tx1"/>
+                </a:solidFill>
+              </a:rPr>
+              <a:t>修改輸入範圍</a:t>
+            </a:r>
+            <a:endParaRPr lang="zh-TW" altLang="en-US" dirty="0" smtClean="0">
+              <a:solidFill>
+                <a:schemeClr val="tx1"/>
+              </a:solidFill>
+            </a:endParaRPr>
           </a:p>
         </p:txBody>
       </p:sp>
@@ -26842,8 +26991,8 @@
         </p:nvCxnSpPr>
         <p:spPr>
           <a:xfrm rot="16200000" flipV="1">
-            <a:off x="4457320" y="2512851"/>
-            <a:ext cx="1891444" cy="2618232"/>
+            <a:off x="5159225" y="2736285"/>
+            <a:ext cx="1280078" cy="1911060"/>
           </a:xfrm>
           <a:prstGeom prst="bentConnector2">
             <a:avLst/>
@@ -26881,12 +27030,12 @@
         </p:nvCxnSpPr>
         <p:spPr>
           <a:xfrm flipV="1">
-            <a:off x="4093926" y="1802558"/>
-            <a:ext cx="12700" cy="4108627"/>
+            <a:off x="4093926" y="1607919"/>
+            <a:ext cx="749809" cy="4303266"/>
           </a:xfrm>
           <a:prstGeom prst="bentConnector3">
             <a:avLst>
-              <a:gd name="adj1" fmla="val 32400000"/>
+              <a:gd name="adj1" fmla="val 629379"/>
             </a:avLst>
           </a:prstGeom>
           <a:ln w="28575">
@@ -26971,6 +27120,114 @@
           </a:p>
         </p:txBody>
       </p:sp>
+      <p:sp>
+        <p:nvSpPr>
+          <p:cNvPr id="43" name="矩形 42"/>
+          <p:cNvSpPr/>
+          <p:nvPr/>
+        </p:nvSpPr>
+        <p:spPr>
+          <a:xfrm>
+            <a:off x="2073102" y="2162137"/>
+            <a:ext cx="2770632" cy="369479"/>
+          </a:xfrm>
+          <a:prstGeom prst="rect">
+            <a:avLst/>
+          </a:prstGeom>
+          <a:solidFill>
+            <a:schemeClr val="bg1"/>
+          </a:solidFill>
+          <a:ln>
+            <a:solidFill>
+              <a:schemeClr val="tx1"/>
+            </a:solidFill>
+          </a:ln>
+        </p:spPr>
+        <p:style>
+          <a:lnRef idx="2">
+            <a:schemeClr val="accent1">
+              <a:shade val="50000"/>
+            </a:schemeClr>
+          </a:lnRef>
+          <a:fillRef idx="1">
+            <a:schemeClr val="accent1"/>
+          </a:fillRef>
+          <a:effectRef idx="0">
+            <a:schemeClr val="accent1"/>
+          </a:effectRef>
+          <a:fontRef idx="minor">
+            <a:schemeClr val="lt1"/>
+          </a:fontRef>
+        </p:style>
+        <p:txBody>
+          <a:bodyPr rtlCol="0" anchor="ctr"/>
+          <a:lstStyle/>
+          <a:p>
+            <a:pPr algn="ctr"/>
+            <a:r>
+              <a:rPr lang="zh-TW" altLang="en-US" dirty="0">
+                <a:solidFill>
+                  <a:schemeClr val="tx1"/>
+                </a:solidFill>
+              </a:rPr>
+              <a:t>將輸入範圍重設為</a:t>
+            </a:r>
+            <a:r>
+              <a:rPr lang="en-US" altLang="zh-TW" dirty="0">
+                <a:solidFill>
+                  <a:schemeClr val="tx1"/>
+                </a:solidFill>
+              </a:rPr>
+              <a:t>1~100</a:t>
+            </a:r>
+            <a:endParaRPr lang="zh-TW" altLang="en-US" dirty="0">
+              <a:solidFill>
+                <a:schemeClr val="tx1"/>
+              </a:solidFill>
+            </a:endParaRPr>
+          </a:p>
+        </p:txBody>
+      </p:sp>
+      <p:cxnSp>
+        <p:nvCxnSpPr>
+          <p:cNvPr id="54" name="直線單箭頭接點 53"/>
+          <p:cNvCxnSpPr>
+            <a:stCxn id="43" idx="2"/>
+            <a:endCxn id="11" idx="0"/>
+          </p:cNvCxnSpPr>
+          <p:nvPr/>
+        </p:nvCxnSpPr>
+        <p:spPr>
+          <a:xfrm>
+            <a:off x="3458418" y="2531616"/>
+            <a:ext cx="0" cy="316312"/>
+          </a:xfrm>
+          <a:prstGeom prst="straightConnector1">
+            <a:avLst/>
+          </a:prstGeom>
+          <a:ln w="28575">
+            <a:solidFill>
+              <a:schemeClr val="tx1"/>
+            </a:solidFill>
+            <a:headEnd type="none" w="med" len="med"/>
+            <a:tailEnd type="triangle" w="med" len="med"/>
+          </a:ln>
+        </p:spPr>
+        <p:style>
+          <a:lnRef idx="1">
+            <a:schemeClr val="accent1"/>
+          </a:lnRef>
+          <a:fillRef idx="0">
+            <a:schemeClr val="accent1"/>
+          </a:fillRef>
+          <a:effectRef idx="0">
+            <a:schemeClr val="accent1"/>
+          </a:effectRef>
+          <a:fontRef idx="minor">
+            <a:schemeClr val="tx1"/>
+          </a:fontRef>
+        </p:style>
+      </p:cxnSp>
     </p:spTree>
     <p:extLst>
       <p:ext uri="{BB962C8B-B14F-4D97-AF65-F5344CB8AC3E}">
@@ -27556,6 +27813,78 @@
                       </p:childTnLst>
                     </p:cTn>
                   </p:par>
+                  <p:par>
+                    <p:cTn id="49" fill="hold">
+                      <p:stCondLst>
+                        <p:cond delay="indefinite"/>
+                      </p:stCondLst>
+                      <p:childTnLst>
+                        <p:par>
+                          <p:cTn id="50" fill="hold">
+                            <p:stCondLst>
+                              <p:cond delay="0"/>
+                            </p:stCondLst>
+                            <p:childTnLst>
+                              <p:par>
+                                <p:cTn id="51" presetID="1" presetClass="entr" presetSubtype="0" fill="hold" grpId="0" nodeType="clickEffect">
+                                  <p:stCondLst>
+                                    <p:cond delay="0"/>
+                                  </p:stCondLst>
+                                  <p:childTnLst>
+                                    <p:set>
+                                      <p:cBhvr>
+                                        <p:cTn id="52" dur="1" fill="hold">
+                                          <p:stCondLst>
+                                            <p:cond delay="0"/>
+                                          </p:stCondLst>
+                                        </p:cTn>
+                                        <p:tgtEl>
+                                          <p:spTgt spid="43"/>
+                                        </p:tgtEl>
+                                        <p:attrNameLst>
+                                          <p:attrName>style.visibility</p:attrName>
+                                        </p:attrNameLst>
+                                      </p:cBhvr>
+                                      <p:to>
+                                        <p:strVal val="visible"/>
+                                      </p:to>
+                                    </p:set>
+                                  </p:childTnLst>
+                                </p:cTn>
+                              </p:par>
+                              <p:par>
+                                <p:cTn id="53" presetID="1" presetClass="entr" presetSubtype="0" fill="hold" nodeType="withEffect">
+                                  <p:stCondLst>
+                                    <p:cond delay="0"/>
+                                  </p:stCondLst>
+                                  <p:childTnLst>
+                                    <p:set>
+                                      <p:cBhvr>
+                                        <p:cTn id="54" dur="1" fill="hold">
+                                          <p:stCondLst>
+                                            <p:cond delay="0"/>
+                                          </p:stCondLst>
+                                        </p:cTn>
+                                        <p:tgtEl>
+                                          <p:spTgt spid="54"/>
+                                        </p:tgtEl>
+                                        <p:attrNameLst>
+                                          <p:attrName>style.visibility</p:attrName>
+                                        </p:attrNameLst>
+                                      </p:cBhvr>
+                                      <p:to>
+                                        <p:strVal val="visible"/>
+                                      </p:to>
+                                    </p:set>
+                                  </p:childTnLst>
+                                </p:cTn>
+                              </p:par>
+                            </p:childTnLst>
+                          </p:cTn>
+                        </p:par>
+                      </p:childTnLst>
+                    </p:cTn>
+                  </p:par>
                 </p:childTnLst>
               </p:cTn>
               <p:prevCondLst>
@@ -27587,6 +27916,7 @@
       <p:bldP spid="37" grpId="0" animBg="1"/>
       <p:bldP spid="56" grpId="0"/>
       <p:bldP spid="57" grpId="0"/>
+      <p:bldP spid="43" grpId="0" animBg="1"/>
     </p:bldLst>
   </p:timing>
 </p:sld>
@@ -32570,6 +32900,66 @@
           </a:p>
         </p:txBody>
       </p:sp>
+      <p:sp>
+        <p:nvSpPr>
+          <p:cNvPr id="25" name="矩形 24"/>
+          <p:cNvSpPr/>
+          <p:nvPr/>
+        </p:nvSpPr>
+        <p:spPr>
+          <a:xfrm>
+            <a:off x="10726836" y="4628119"/>
+            <a:ext cx="980067" cy="551596"/>
+          </a:xfrm>
+          <a:prstGeom prst="rect">
+            <a:avLst/>
+          </a:prstGeom>
+          <a:solidFill>
+            <a:schemeClr val="bg1"/>
+          </a:solidFill>
+          <a:ln w="38100">
+            <a:solidFill>
+              <a:schemeClr val="tx1"/>
+            </a:solidFill>
+          </a:ln>
+        </p:spPr>
+        <p:style>
+          <a:lnRef idx="2">
+            <a:schemeClr val="accent1">
+              <a:shade val="50000"/>
+            </a:schemeClr>
+          </a:lnRef>
+          <a:fillRef idx="1">
+            <a:schemeClr val="accent1"/>
+          </a:fillRef>
+          <a:effectRef idx="0">
+            <a:schemeClr val="accent1"/>
+          </a:effectRef>
+          <a:fontRef idx="minor">
+            <a:schemeClr val="lt1"/>
+          </a:fontRef>
+        </p:style>
+        <p:txBody>
+          <a:bodyPr rtlCol="0" anchor="ctr"/>
+          <a:lstStyle/>
+          <a:p>
+            <a:pPr algn="ctr"/>
+            <a:r>
+              <a:rPr lang="en-US" altLang="zh-TW" sz="1400" dirty="0" smtClean="0">
+                <a:solidFill>
+                  <a:schemeClr val="tx1"/>
+                </a:solidFill>
+              </a:rPr>
+              <a:t>break</a:t>
+            </a:r>
+            <a:endParaRPr lang="zh-TW" altLang="en-US" sz="1400" dirty="0">
+              <a:solidFill>
+                <a:schemeClr val="tx1"/>
+              </a:solidFill>
+            </a:endParaRPr>
+          </a:p>
+        </p:txBody>
+      </p:sp>
     </p:spTree>
     <p:extLst>
       <p:ext uri="{BB962C8B-B14F-4D97-AF65-F5344CB8AC3E}">
@@ -33843,6 +34233,66 @@
           </a:fontRef>
         </p:style>
       </p:cxnSp>
+      <p:sp>
+        <p:nvSpPr>
+          <p:cNvPr id="44" name="矩形 43"/>
+          <p:cNvSpPr/>
+          <p:nvPr/>
+        </p:nvSpPr>
+        <p:spPr>
+          <a:xfrm>
+            <a:off x="11058495" y="3037305"/>
+            <a:ext cx="980067" cy="551596"/>
+          </a:xfrm>
+          <a:prstGeom prst="rect">
+            <a:avLst/>
+          </a:prstGeom>
+          <a:solidFill>
+            <a:schemeClr val="bg1"/>
+          </a:solidFill>
+          <a:ln w="38100">
+            <a:solidFill>
+              <a:schemeClr val="tx1"/>
+            </a:solidFill>
+          </a:ln>
+        </p:spPr>
+        <p:style>
+          <a:lnRef idx="2">
+            <a:schemeClr val="accent1">
+              <a:shade val="50000"/>
+            </a:schemeClr>
+          </a:lnRef>
+          <a:fillRef idx="1">
+            <a:schemeClr val="accent1"/>
+          </a:fillRef>
+          <a:effectRef idx="0">
+            <a:schemeClr val="accent1"/>
+          </a:effectRef>
+          <a:fontRef idx="minor">
+            <a:schemeClr val="lt1"/>
+          </a:fontRef>
+        </p:style>
+        <p:txBody>
+          <a:bodyPr rtlCol="0" anchor="ctr"/>
+          <a:lstStyle/>
+          <a:p>
+            <a:pPr algn="ctr"/>
+            <a:r>
+              <a:rPr lang="en-US" altLang="zh-TW" sz="1400" dirty="0" smtClean="0">
+                <a:solidFill>
+                  <a:schemeClr val="tx1"/>
+                </a:solidFill>
+              </a:rPr>
+              <a:t>continue</a:t>
+            </a:r>
+            <a:endParaRPr lang="zh-TW" altLang="en-US" sz="1400" dirty="0">
+              <a:solidFill>
+                <a:schemeClr val="tx1"/>
+              </a:solidFill>
+            </a:endParaRPr>
+          </a:p>
+        </p:txBody>
+      </p:sp>
     </p:spTree>
     <p:extLst>
       <p:ext uri="{BB962C8B-B14F-4D97-AF65-F5344CB8AC3E}">
@@ -40794,6 +41244,13 @@
   <p:clrMapOvr>
     <a:masterClrMapping/>
   </p:clrMapOvr>
+  <p:timing>
+    <p:tnLst>
+      <p:par>
+        <p:cTn id="1" dur="indefinite" restart="never" nodeType="tmRoot"/>
+      </p:par>
+    </p:tnLst>
+  </p:timing>
 </p:sld>
 </file>
 
